--- a/Censo Nacional de Población, Hogares y Viviendas.pptx
+++ b/Censo Nacional de Población, Hogares y Viviendas.pptx
@@ -2,7 +2,7 @@
 <file path=ppt/presentation.xml><?xml version="1.0" encoding="utf-8"?>
 <p:presentation xmlns:a="http://schemas.openxmlformats.org/drawingml/2006/main" xmlns:r="http://schemas.openxmlformats.org/officeDocument/2006/relationships" xmlns:p="http://schemas.openxmlformats.org/presentationml/2006/main" saveSubsetFonts="1">
   <p:sldMasterIdLst>
-    <p:sldMasterId id="2147483648" r:id="rId1"/>
+    <p:sldMasterId id="2147483708" r:id="rId1"/>
   </p:sldMasterIdLst>
   <p:sldIdLst>
     <p:sldId id="256" r:id="rId2"/>
@@ -16,14 +16,15 @@
     <p:sldId id="264" r:id="rId10"/>
     <p:sldId id="265" r:id="rId11"/>
     <p:sldId id="266" r:id="rId12"/>
+    <p:sldId id="267" r:id="rId13"/>
   </p:sldIdLst>
   <p:sldSz cx="12192000" cy="6858000"/>
   <p:notesSz cx="6858000" cy="9144000"/>
   <p:defaultTextStyle>
     <a:defPPr>
-      <a:defRPr lang="es-AR"/>
+      <a:defRPr lang="en-US"/>
     </a:defPPr>
-    <a:lvl1pPr marL="0" algn="l" defTabSz="914400" rtl="0" eaLnBrk="1" latinLnBrk="0" hangingPunct="1">
+    <a:lvl1pPr marL="0" algn="l" defTabSz="457200" rtl="0" eaLnBrk="1" latinLnBrk="0" hangingPunct="1">
       <a:defRPr sz="1800" kern="1200">
         <a:solidFill>
           <a:schemeClr val="tx1"/>
@@ -33,7 +34,7 @@
         <a:cs typeface="+mn-cs"/>
       </a:defRPr>
     </a:lvl1pPr>
-    <a:lvl2pPr marL="457200" algn="l" defTabSz="914400" rtl="0" eaLnBrk="1" latinLnBrk="0" hangingPunct="1">
+    <a:lvl2pPr marL="457200" algn="l" defTabSz="457200" rtl="0" eaLnBrk="1" latinLnBrk="0" hangingPunct="1">
       <a:defRPr sz="1800" kern="1200">
         <a:solidFill>
           <a:schemeClr val="tx1"/>
@@ -43,7 +44,7 @@
         <a:cs typeface="+mn-cs"/>
       </a:defRPr>
     </a:lvl2pPr>
-    <a:lvl3pPr marL="914400" algn="l" defTabSz="914400" rtl="0" eaLnBrk="1" latinLnBrk="0" hangingPunct="1">
+    <a:lvl3pPr marL="914400" algn="l" defTabSz="457200" rtl="0" eaLnBrk="1" latinLnBrk="0" hangingPunct="1">
       <a:defRPr sz="1800" kern="1200">
         <a:solidFill>
           <a:schemeClr val="tx1"/>
@@ -53,7 +54,7 @@
         <a:cs typeface="+mn-cs"/>
       </a:defRPr>
     </a:lvl3pPr>
-    <a:lvl4pPr marL="1371600" algn="l" defTabSz="914400" rtl="0" eaLnBrk="1" latinLnBrk="0" hangingPunct="1">
+    <a:lvl4pPr marL="1371600" algn="l" defTabSz="457200" rtl="0" eaLnBrk="1" latinLnBrk="0" hangingPunct="1">
       <a:defRPr sz="1800" kern="1200">
         <a:solidFill>
           <a:schemeClr val="tx1"/>
@@ -63,7 +64,7 @@
         <a:cs typeface="+mn-cs"/>
       </a:defRPr>
     </a:lvl4pPr>
-    <a:lvl5pPr marL="1828800" algn="l" defTabSz="914400" rtl="0" eaLnBrk="1" latinLnBrk="0" hangingPunct="1">
+    <a:lvl5pPr marL="1828800" algn="l" defTabSz="457200" rtl="0" eaLnBrk="1" latinLnBrk="0" hangingPunct="1">
       <a:defRPr sz="1800" kern="1200">
         <a:solidFill>
           <a:schemeClr val="tx1"/>
@@ -73,7 +74,7 @@
         <a:cs typeface="+mn-cs"/>
       </a:defRPr>
     </a:lvl5pPr>
-    <a:lvl6pPr marL="2286000" algn="l" defTabSz="914400" rtl="0" eaLnBrk="1" latinLnBrk="0" hangingPunct="1">
+    <a:lvl6pPr marL="2286000" algn="l" defTabSz="457200" rtl="0" eaLnBrk="1" latinLnBrk="0" hangingPunct="1">
       <a:defRPr sz="1800" kern="1200">
         <a:solidFill>
           <a:schemeClr val="tx1"/>
@@ -83,7 +84,7 @@
         <a:cs typeface="+mn-cs"/>
       </a:defRPr>
     </a:lvl6pPr>
-    <a:lvl7pPr marL="2743200" algn="l" defTabSz="914400" rtl="0" eaLnBrk="1" latinLnBrk="0" hangingPunct="1">
+    <a:lvl7pPr marL="2743200" algn="l" defTabSz="457200" rtl="0" eaLnBrk="1" latinLnBrk="0" hangingPunct="1">
       <a:defRPr sz="1800" kern="1200">
         <a:solidFill>
           <a:schemeClr val="tx1"/>
@@ -93,7 +94,7 @@
         <a:cs typeface="+mn-cs"/>
       </a:defRPr>
     </a:lvl7pPr>
-    <a:lvl8pPr marL="3200400" algn="l" defTabSz="914400" rtl="0" eaLnBrk="1" latinLnBrk="0" hangingPunct="1">
+    <a:lvl8pPr marL="3200400" algn="l" defTabSz="457200" rtl="0" eaLnBrk="1" latinLnBrk="0" hangingPunct="1">
       <a:defRPr sz="1800" kern="1200">
         <a:solidFill>
           <a:schemeClr val="tx1"/>
@@ -103,7 +104,7 @@
         <a:cs typeface="+mn-cs"/>
       </a:defRPr>
     </a:lvl8pPr>
-    <a:lvl9pPr marL="3657600" algn="l" defTabSz="914400" rtl="0" eaLnBrk="1" latinLnBrk="0" hangingPunct="1">
+    <a:lvl9pPr marL="3657600" algn="l" defTabSz="457200" rtl="0" eaLnBrk="1" latinLnBrk="0" hangingPunct="1">
       <a:defRPr sz="1800" kern="1200">
         <a:solidFill>
           <a:schemeClr val="tx1"/>
@@ -114,6 +115,11 @@
       </a:defRPr>
     </a:lvl9pPr>
   </p:defaultTextStyle>
+  <p:extLst>
+    <p:ext uri="{EFAFB233-063F-42B5-8137-9DF3F51BA10A}">
+      <p15:sldGuideLst xmlns:p15="http://schemas.microsoft.com/office/powerpoint/2012/main"/>
+    </p:ext>
+  </p:extLst>
 </p:presentation>
 </file>
 
@@ -132,13 +138,1146 @@
 <file path=ppt/revisionInfo.xml><?xml version="1.0" encoding="utf-8"?>
 <p1510:revInfo xmlns:a="http://schemas.openxmlformats.org/drawingml/2006/main" xmlns:r="http://schemas.openxmlformats.org/officeDocument/2006/relationships" xmlns:p1510="http://schemas.microsoft.com/office/powerpoint/2015/10/main">
   <p1510:revLst>
-    <p1510:client id="{B424F68F-92B1-48AA-B87A-DC78F9BAC39E}" v="83" dt="2020-06-30T14:18:39.080"/>
+    <p1510:client id="{0ACE6762-BEC4-424F-AA07-B2B8DE7B0D67}" v="140" dt="2020-07-09T00:43:41.298"/>
   </p1510:revLst>
 </p1510:revInfo>
 </file>
 
 <file path=ppt/changesInfos/changesInfo1.xml><?xml version="1.0" encoding="utf-8"?>
 <pc:chgInfo xmlns:a="http://schemas.openxmlformats.org/drawingml/2006/main" xmlns:r="http://schemas.openxmlformats.org/officeDocument/2006/relationships" xmlns:ac="http://schemas.microsoft.com/office/drawing/2013/main/command" xmlns:pc="http://schemas.microsoft.com/office/powerpoint/2013/main/command">
+  <pc:docChgLst>
+    <pc:chgData name="Hernan Alperin" userId="53934dd3a01d9526" providerId="LiveId" clId="{0ACE6762-BEC4-424F-AA07-B2B8DE7B0D67}"/>
+    <pc:docChg chg="undo custSel mod addSld modSld">
+      <pc:chgData name="Hernan Alperin" userId="53934dd3a01d9526" providerId="LiveId" clId="{0ACE6762-BEC4-424F-AA07-B2B8DE7B0D67}" dt="2020-07-09T00:43:41.298" v="609"/>
+      <pc:docMkLst>
+        <pc:docMk/>
+      </pc:docMkLst>
+      <pc:sldChg chg="addSp delSp modSp mod setBg delDesignElem">
+        <pc:chgData name="Hernan Alperin" userId="53934dd3a01d9526" providerId="LiveId" clId="{0ACE6762-BEC4-424F-AA07-B2B8DE7B0D67}" dt="2020-07-08T21:40:50.463" v="491" actId="2711"/>
+        <pc:sldMkLst>
+          <pc:docMk/>
+          <pc:sldMk cId="748657573" sldId="256"/>
+        </pc:sldMkLst>
+        <pc:spChg chg="mod">
+          <ac:chgData name="Hernan Alperin" userId="53934dd3a01d9526" providerId="LiveId" clId="{0ACE6762-BEC4-424F-AA07-B2B8DE7B0D67}" dt="2020-07-08T21:40:50.463" v="491" actId="2711"/>
+          <ac:spMkLst>
+            <pc:docMk/>
+            <pc:sldMk cId="748657573" sldId="256"/>
+            <ac:spMk id="2" creationId="{23FC67D4-8E5C-43A9-8227-7F8DAEB5F7A6}"/>
+          </ac:spMkLst>
+        </pc:spChg>
+        <pc:spChg chg="add">
+          <ac:chgData name="Hernan Alperin" userId="53934dd3a01d9526" providerId="LiveId" clId="{0ACE6762-BEC4-424F-AA07-B2B8DE7B0D67}" dt="2020-07-08T20:57:46.490" v="329" actId="26606"/>
+          <ac:spMkLst>
+            <pc:docMk/>
+            <pc:sldMk cId="748657573" sldId="256"/>
+            <ac:spMk id="4" creationId="{FFD48BC7-DC40-47DE-87EE-9F4B6ECB9ABB}"/>
+          </ac:spMkLst>
+        </pc:spChg>
+        <pc:spChg chg="add">
+          <ac:chgData name="Hernan Alperin" userId="53934dd3a01d9526" providerId="LiveId" clId="{0ACE6762-BEC4-424F-AA07-B2B8DE7B0D67}" dt="2020-07-08T20:57:46.490" v="329" actId="26606"/>
+          <ac:spMkLst>
+            <pc:docMk/>
+            <pc:sldMk cId="748657573" sldId="256"/>
+            <ac:spMk id="5" creationId="{E502BBC7-2C76-46F3-BC24-5985BC13DB88}"/>
+          </ac:spMkLst>
+        </pc:spChg>
+        <pc:spChg chg="add">
+          <ac:chgData name="Hernan Alperin" userId="53934dd3a01d9526" providerId="LiveId" clId="{0ACE6762-BEC4-424F-AA07-B2B8DE7B0D67}" dt="2020-07-08T20:57:46.490" v="329" actId="26606"/>
+          <ac:spMkLst>
+            <pc:docMk/>
+            <pc:sldMk cId="748657573" sldId="256"/>
+            <ac:spMk id="6" creationId="{C7F28D52-2A5F-4D23-81AE-7CB8B591C7AF}"/>
+          </ac:spMkLst>
+        </pc:spChg>
+        <pc:spChg chg="add">
+          <ac:chgData name="Hernan Alperin" userId="53934dd3a01d9526" providerId="LiveId" clId="{0ACE6762-BEC4-424F-AA07-B2B8DE7B0D67}" dt="2020-07-08T20:57:46.490" v="329" actId="26606"/>
+          <ac:spMkLst>
+            <pc:docMk/>
+            <pc:sldMk cId="748657573" sldId="256"/>
+            <ac:spMk id="8" creationId="{3629484E-3792-4B3D-89AD-7C8A1ED0E0D4}"/>
+          </ac:spMkLst>
+        </pc:spChg>
+        <pc:spChg chg="add del">
+          <ac:chgData name="Hernan Alperin" userId="53934dd3a01d9526" providerId="LiveId" clId="{0ACE6762-BEC4-424F-AA07-B2B8DE7B0D67}" dt="2020-07-08T20:16:57.391" v="26" actId="26606"/>
+          <ac:spMkLst>
+            <pc:docMk/>
+            <pc:sldMk cId="748657573" sldId="256"/>
+            <ac:spMk id="48" creationId="{FFD48BC7-DC40-47DE-87EE-9F4B6ECB9ABB}"/>
+          </ac:spMkLst>
+        </pc:spChg>
+        <pc:spChg chg="add del">
+          <ac:chgData name="Hernan Alperin" userId="53934dd3a01d9526" providerId="LiveId" clId="{0ACE6762-BEC4-424F-AA07-B2B8DE7B0D67}" dt="2020-07-08T20:16:57.391" v="26" actId="26606"/>
+          <ac:spMkLst>
+            <pc:docMk/>
+            <pc:sldMk cId="748657573" sldId="256"/>
+            <ac:spMk id="49" creationId="{E502BBC7-2C76-46F3-BC24-5985BC13DB88}"/>
+          </ac:spMkLst>
+        </pc:spChg>
+        <pc:spChg chg="add del">
+          <ac:chgData name="Hernan Alperin" userId="53934dd3a01d9526" providerId="LiveId" clId="{0ACE6762-BEC4-424F-AA07-B2B8DE7B0D67}" dt="2020-07-08T20:16:57.391" v="26" actId="26606"/>
+          <ac:spMkLst>
+            <pc:docMk/>
+            <pc:sldMk cId="748657573" sldId="256"/>
+            <ac:spMk id="50" creationId="{C7F28D52-2A5F-4D23-81AE-7CB8B591C7AF}"/>
+          </ac:spMkLst>
+        </pc:spChg>
+        <pc:spChg chg="add del">
+          <ac:chgData name="Hernan Alperin" userId="53934dd3a01d9526" providerId="LiveId" clId="{0ACE6762-BEC4-424F-AA07-B2B8DE7B0D67}" dt="2020-07-08T20:16:57.391" v="26" actId="26606"/>
+          <ac:spMkLst>
+            <pc:docMk/>
+            <pc:sldMk cId="748657573" sldId="256"/>
+            <ac:spMk id="51" creationId="{3629484E-3792-4B3D-89AD-7C8A1ED0E0D4}"/>
+          </ac:spMkLst>
+        </pc:spChg>
+        <pc:spChg chg="add del">
+          <ac:chgData name="Hernan Alperin" userId="53934dd3a01d9526" providerId="LiveId" clId="{0ACE6762-BEC4-424F-AA07-B2B8DE7B0D67}" dt="2020-07-08T20:16:13.621" v="11" actId="26606"/>
+          <ac:spMkLst>
+            <pc:docMk/>
+            <pc:sldMk cId="748657573" sldId="256"/>
+            <ac:spMk id="56" creationId="{5A292AEA-2528-46C0-B426-95822B6141FB}"/>
+          </ac:spMkLst>
+        </pc:spChg>
+        <pc:spChg chg="add del">
+          <ac:chgData name="Hernan Alperin" userId="53934dd3a01d9526" providerId="LiveId" clId="{0ACE6762-BEC4-424F-AA07-B2B8DE7B0D67}" dt="2020-07-08T20:16:13.621" v="11" actId="26606"/>
+          <ac:spMkLst>
+            <pc:docMk/>
+            <pc:sldMk cId="748657573" sldId="256"/>
+            <ac:spMk id="58" creationId="{D8B7B198-E4DF-43CD-AD8C-199884323745}"/>
+          </ac:spMkLst>
+        </pc:spChg>
+        <pc:spChg chg="add del">
+          <ac:chgData name="Hernan Alperin" userId="53934dd3a01d9526" providerId="LiveId" clId="{0ACE6762-BEC4-424F-AA07-B2B8DE7B0D67}" dt="2020-07-08T20:16:13.621" v="11" actId="26606"/>
+          <ac:spMkLst>
+            <pc:docMk/>
+            <pc:sldMk cId="748657573" sldId="256"/>
+            <ac:spMk id="60" creationId="{2BE67753-EA0E-4819-8D22-0B6600CF7231}"/>
+          </ac:spMkLst>
+        </pc:spChg>
+        <pc:spChg chg="add del">
+          <ac:chgData name="Hernan Alperin" userId="53934dd3a01d9526" providerId="LiveId" clId="{0ACE6762-BEC4-424F-AA07-B2B8DE7B0D67}" dt="2020-07-08T20:16:46.504" v="23" actId="26606"/>
+          <ac:spMkLst>
+            <pc:docMk/>
+            <pc:sldMk cId="748657573" sldId="256"/>
+            <ac:spMk id="64" creationId="{D8142CC3-2B5C-48E6-9DF0-6C8ACBAF23EF}"/>
+          </ac:spMkLst>
+        </pc:spChg>
+        <pc:spChg chg="add del">
+          <ac:chgData name="Hernan Alperin" userId="53934dd3a01d9526" providerId="LiveId" clId="{0ACE6762-BEC4-424F-AA07-B2B8DE7B0D67}" dt="2020-07-08T20:16:46.504" v="23" actId="26606"/>
+          <ac:spMkLst>
+            <pc:docMk/>
+            <pc:sldMk cId="748657573" sldId="256"/>
+            <ac:spMk id="68" creationId="{46A89C79-8EF3-4AF9-B3D9-59A883F41C83}"/>
+          </ac:spMkLst>
+        </pc:spChg>
+        <pc:spChg chg="add del">
+          <ac:chgData name="Hernan Alperin" userId="53934dd3a01d9526" providerId="LiveId" clId="{0ACE6762-BEC4-424F-AA07-B2B8DE7B0D67}" dt="2020-07-08T20:16:46.504" v="23" actId="26606"/>
+          <ac:spMkLst>
+            <pc:docMk/>
+            <pc:sldMk cId="748657573" sldId="256"/>
+            <ac:spMk id="70" creationId="{EFE5CE34-4543-42E5-B82C-1F3D12422CDD}"/>
+          </ac:spMkLst>
+        </pc:spChg>
+        <pc:spChg chg="add del">
+          <ac:chgData name="Hernan Alperin" userId="53934dd3a01d9526" providerId="LiveId" clId="{0ACE6762-BEC4-424F-AA07-B2B8DE7B0D67}" dt="2020-07-08T20:16:46.504" v="23" actId="26606"/>
+          <ac:spMkLst>
+            <pc:docMk/>
+            <pc:sldMk cId="748657573" sldId="256"/>
+            <ac:spMk id="72" creationId="{72AF41FE-63D7-4695-81D2-66D2510E4486}"/>
+          </ac:spMkLst>
+        </pc:spChg>
+        <pc:spChg chg="add del">
+          <ac:chgData name="Hernan Alperin" userId="53934dd3a01d9526" providerId="LiveId" clId="{0ACE6762-BEC4-424F-AA07-B2B8DE7B0D67}" dt="2020-07-08T20:16:16.738" v="13" actId="26606"/>
+          <ac:spMkLst>
+            <pc:docMk/>
+            <pc:sldMk cId="748657573" sldId="256"/>
+            <ac:spMk id="83" creationId="{12516CFA-65A7-4E78-BAF2-F437E0567C8B}"/>
+          </ac:spMkLst>
+        </pc:spChg>
+        <pc:spChg chg="add del">
+          <ac:chgData name="Hernan Alperin" userId="53934dd3a01d9526" providerId="LiveId" clId="{0ACE6762-BEC4-424F-AA07-B2B8DE7B0D67}" dt="2020-07-08T20:16:16.738" v="13" actId="26606"/>
+          <ac:spMkLst>
+            <pc:docMk/>
+            <pc:sldMk cId="748657573" sldId="256"/>
+            <ac:spMk id="84" creationId="{64583843-30E4-4091-87E1-A4A4965105EA}"/>
+          </ac:spMkLst>
+        </pc:spChg>
+        <pc:spChg chg="add del">
+          <ac:chgData name="Hernan Alperin" userId="53934dd3a01d9526" providerId="LiveId" clId="{0ACE6762-BEC4-424F-AA07-B2B8DE7B0D67}" dt="2020-07-08T20:16:27.273" v="15" actId="26606"/>
+          <ac:spMkLst>
+            <pc:docMk/>
+            <pc:sldMk cId="748657573" sldId="256"/>
+            <ac:spMk id="94" creationId="{5A292AEA-2528-46C0-B426-95822B6141FB}"/>
+          </ac:spMkLst>
+        </pc:spChg>
+        <pc:spChg chg="add del">
+          <ac:chgData name="Hernan Alperin" userId="53934dd3a01d9526" providerId="LiveId" clId="{0ACE6762-BEC4-424F-AA07-B2B8DE7B0D67}" dt="2020-07-08T20:16:27.273" v="15" actId="26606"/>
+          <ac:spMkLst>
+            <pc:docMk/>
+            <pc:sldMk cId="748657573" sldId="256"/>
+            <ac:spMk id="95" creationId="{D8B7B198-E4DF-43CD-AD8C-199884323745}"/>
+          </ac:spMkLst>
+        </pc:spChg>
+        <pc:spChg chg="add del">
+          <ac:chgData name="Hernan Alperin" userId="53934dd3a01d9526" providerId="LiveId" clId="{0ACE6762-BEC4-424F-AA07-B2B8DE7B0D67}" dt="2020-07-08T20:16:27.273" v="15" actId="26606"/>
+          <ac:spMkLst>
+            <pc:docMk/>
+            <pc:sldMk cId="748657573" sldId="256"/>
+            <ac:spMk id="96" creationId="{2BE67753-EA0E-4819-8D22-0B6600CF7231}"/>
+          </ac:spMkLst>
+        </pc:spChg>
+        <pc:spChg chg="add del">
+          <ac:chgData name="Hernan Alperin" userId="53934dd3a01d9526" providerId="LiveId" clId="{0ACE6762-BEC4-424F-AA07-B2B8DE7B0D67}" dt="2020-07-08T20:16:32.348" v="17" actId="26606"/>
+          <ac:spMkLst>
+            <pc:docMk/>
+            <pc:sldMk cId="748657573" sldId="256"/>
+            <ac:spMk id="101" creationId="{1EADCAF8-8823-4E89-8612-21029831A4B2}"/>
+          </ac:spMkLst>
+        </pc:spChg>
+        <pc:spChg chg="add del">
+          <ac:chgData name="Hernan Alperin" userId="53934dd3a01d9526" providerId="LiveId" clId="{0ACE6762-BEC4-424F-AA07-B2B8DE7B0D67}" dt="2020-07-08T20:16:32.348" v="17" actId="26606"/>
+          <ac:spMkLst>
+            <pc:docMk/>
+            <pc:sldMk cId="748657573" sldId="256"/>
+            <ac:spMk id="102" creationId="{28CA07B2-0819-4B62-9425-7A52BBDD7070}"/>
+          </ac:spMkLst>
+        </pc:spChg>
+        <pc:spChg chg="add del">
+          <ac:chgData name="Hernan Alperin" userId="53934dd3a01d9526" providerId="LiveId" clId="{0ACE6762-BEC4-424F-AA07-B2B8DE7B0D67}" dt="2020-07-08T20:16:36.552" v="19" actId="26606"/>
+          <ac:spMkLst>
+            <pc:docMk/>
+            <pc:sldMk cId="748657573" sldId="256"/>
+            <ac:spMk id="111" creationId="{F9D96E3F-159B-4733-BE61-1AAB43A59AB8}"/>
+          </ac:spMkLst>
+        </pc:spChg>
+        <pc:spChg chg="add del">
+          <ac:chgData name="Hernan Alperin" userId="53934dd3a01d9526" providerId="LiveId" clId="{0ACE6762-BEC4-424F-AA07-B2B8DE7B0D67}" dt="2020-07-08T20:16:36.552" v="19" actId="26606"/>
+          <ac:spMkLst>
+            <pc:docMk/>
+            <pc:sldMk cId="748657573" sldId="256"/>
+            <ac:spMk id="112" creationId="{A5202B2A-E3B3-4965-8D55-B58E54059356}"/>
+          </ac:spMkLst>
+        </pc:spChg>
+        <pc:spChg chg="add del">
+          <ac:chgData name="Hernan Alperin" userId="53934dd3a01d9526" providerId="LiveId" clId="{0ACE6762-BEC4-424F-AA07-B2B8DE7B0D67}" dt="2020-07-08T20:16:42.835" v="21" actId="26606"/>
+          <ac:spMkLst>
+            <pc:docMk/>
+            <pc:sldMk cId="748657573" sldId="256"/>
+            <ac:spMk id="117" creationId="{5AB83C82-30AD-4DF2-A9AD-CE1547FDEDEA}"/>
+          </ac:spMkLst>
+        </pc:spChg>
+        <pc:spChg chg="add del">
+          <ac:chgData name="Hernan Alperin" userId="53934dd3a01d9526" providerId="LiveId" clId="{0ACE6762-BEC4-424F-AA07-B2B8DE7B0D67}" dt="2020-07-08T20:16:42.835" v="21" actId="26606"/>
+          <ac:spMkLst>
+            <pc:docMk/>
+            <pc:sldMk cId="748657573" sldId="256"/>
+            <ac:spMk id="118" creationId="{B36D2DE0-0628-4A9A-A59D-7BA8B5EB3022}"/>
+          </ac:spMkLst>
+        </pc:spChg>
+        <pc:spChg chg="add del">
+          <ac:chgData name="Hernan Alperin" userId="53934dd3a01d9526" providerId="LiveId" clId="{0ACE6762-BEC4-424F-AA07-B2B8DE7B0D67}" dt="2020-07-08T20:16:42.835" v="21" actId="26606"/>
+          <ac:spMkLst>
+            <pc:docMk/>
+            <pc:sldMk cId="748657573" sldId="256"/>
+            <ac:spMk id="119" creationId="{48E405C9-94BE-41DA-928C-DEC9A8550E9F}"/>
+          </ac:spMkLst>
+        </pc:spChg>
+        <pc:spChg chg="add del">
+          <ac:chgData name="Hernan Alperin" userId="53934dd3a01d9526" providerId="LiveId" clId="{0ACE6762-BEC4-424F-AA07-B2B8DE7B0D67}" dt="2020-07-08T20:16:42.835" v="21" actId="26606"/>
+          <ac:spMkLst>
+            <pc:docMk/>
+            <pc:sldMk cId="748657573" sldId="256"/>
+            <ac:spMk id="120" creationId="{D2091A72-D5BB-42AC-8FD3-F7747D90861E}"/>
+          </ac:spMkLst>
+        </pc:spChg>
+        <pc:spChg chg="add del">
+          <ac:chgData name="Hernan Alperin" userId="53934dd3a01d9526" providerId="LiveId" clId="{0ACE6762-BEC4-424F-AA07-B2B8DE7B0D67}" dt="2020-07-08T20:16:42.835" v="21" actId="26606"/>
+          <ac:spMkLst>
+            <pc:docMk/>
+            <pc:sldMk cId="748657573" sldId="256"/>
+            <ac:spMk id="121" creationId="{6ED12BFC-A737-46AF-8411-481112D54B0C}"/>
+          </ac:spMkLst>
+        </pc:spChg>
+        <pc:spChg chg="add del">
+          <ac:chgData name="Hernan Alperin" userId="53934dd3a01d9526" providerId="LiveId" clId="{0ACE6762-BEC4-424F-AA07-B2B8DE7B0D67}" dt="2020-07-08T20:16:46.504" v="23" actId="26606"/>
+          <ac:spMkLst>
+            <pc:docMk/>
+            <pc:sldMk cId="748657573" sldId="256"/>
+            <ac:spMk id="123" creationId="{46F1F2C8-798B-4CCE-A851-94AFAF350BED}"/>
+          </ac:spMkLst>
+        </pc:spChg>
+        <pc:spChg chg="add del">
+          <ac:chgData name="Hernan Alperin" userId="53934dd3a01d9526" providerId="LiveId" clId="{0ACE6762-BEC4-424F-AA07-B2B8DE7B0D67}" dt="2020-07-08T20:16:46.504" v="23" actId="26606"/>
+          <ac:spMkLst>
+            <pc:docMk/>
+            <pc:sldMk cId="748657573" sldId="256"/>
+            <ac:spMk id="124" creationId="{755E9CD0-04B0-4A3C-B291-AD913379C713}"/>
+          </ac:spMkLst>
+        </pc:spChg>
+        <pc:spChg chg="add del">
+          <ac:chgData name="Hernan Alperin" userId="53934dd3a01d9526" providerId="LiveId" clId="{0ACE6762-BEC4-424F-AA07-B2B8DE7B0D67}" dt="2020-07-08T20:16:46.504" v="23" actId="26606"/>
+          <ac:spMkLst>
+            <pc:docMk/>
+            <pc:sldMk cId="748657573" sldId="256"/>
+            <ac:spMk id="125" creationId="{1DD8BF3B-6066-418C-8D1A-75C5E396FC04}"/>
+          </ac:spMkLst>
+        </pc:spChg>
+        <pc:spChg chg="add del">
+          <ac:chgData name="Hernan Alperin" userId="53934dd3a01d9526" providerId="LiveId" clId="{0ACE6762-BEC4-424F-AA07-B2B8DE7B0D67}" dt="2020-07-08T20:16:46.504" v="23" actId="26606"/>
+          <ac:spMkLst>
+            <pc:docMk/>
+            <pc:sldMk cId="748657573" sldId="256"/>
+            <ac:spMk id="126" creationId="{80BC66F9-7A74-4286-AD22-1174052CC22C}"/>
+          </ac:spMkLst>
+        </pc:spChg>
+        <pc:spChg chg="add del">
+          <ac:chgData name="Hernan Alperin" userId="53934dd3a01d9526" providerId="LiveId" clId="{0ACE6762-BEC4-424F-AA07-B2B8DE7B0D67}" dt="2020-07-08T20:16:57.366" v="25" actId="26606"/>
+          <ac:spMkLst>
+            <pc:docMk/>
+            <pc:sldMk cId="748657573" sldId="256"/>
+            <ac:spMk id="129" creationId="{16F9E488-0718-4E1E-9D12-26779F606252}"/>
+          </ac:spMkLst>
+        </pc:spChg>
+        <pc:spChg chg="add del">
+          <ac:chgData name="Hernan Alperin" userId="53934dd3a01d9526" providerId="LiveId" clId="{0ACE6762-BEC4-424F-AA07-B2B8DE7B0D67}" dt="2020-07-08T20:16:57.366" v="25" actId="26606"/>
+          <ac:spMkLst>
+            <pc:docMk/>
+            <pc:sldMk cId="748657573" sldId="256"/>
+            <ac:spMk id="130" creationId="{D20AEB5B-DFC7-42B4-9FAA-6B95E01D0FCE}"/>
+          </ac:spMkLst>
+        </pc:spChg>
+        <pc:spChg chg="add del">
+          <ac:chgData name="Hernan Alperin" userId="53934dd3a01d9526" providerId="LiveId" clId="{0ACE6762-BEC4-424F-AA07-B2B8DE7B0D67}" dt="2020-07-08T20:18:55.371" v="43" actId="26606"/>
+          <ac:spMkLst>
+            <pc:docMk/>
+            <pc:sldMk cId="748657573" sldId="256"/>
+            <ac:spMk id="134" creationId="{88EB6E95-9C89-4CFF-A598-F278D0DFB39E}"/>
+          </ac:spMkLst>
+        </pc:spChg>
+        <pc:spChg chg="add del">
+          <ac:chgData name="Hernan Alperin" userId="53934dd3a01d9526" providerId="LiveId" clId="{0ACE6762-BEC4-424F-AA07-B2B8DE7B0D67}" dt="2020-07-08T20:18:55.371" v="43" actId="26606"/>
+          <ac:spMkLst>
+            <pc:docMk/>
+            <pc:sldMk cId="748657573" sldId="256"/>
+            <ac:spMk id="135" creationId="{474CD0F4-EA2A-4E5D-AE73-1112C1CA2A19}"/>
+          </ac:spMkLst>
+        </pc:spChg>
+        <pc:spChg chg="add del">
+          <ac:chgData name="Hernan Alperin" userId="53934dd3a01d9526" providerId="LiveId" clId="{0ACE6762-BEC4-424F-AA07-B2B8DE7B0D67}" dt="2020-07-08T20:18:17.184" v="36" actId="26606"/>
+          <ac:spMkLst>
+            <pc:docMk/>
+            <pc:sldMk cId="748657573" sldId="256"/>
+            <ac:spMk id="147" creationId="{88EB6E95-9C89-4CFF-A598-F278D0DFB39E}"/>
+          </ac:spMkLst>
+        </pc:spChg>
+        <pc:spChg chg="add del">
+          <ac:chgData name="Hernan Alperin" userId="53934dd3a01d9526" providerId="LiveId" clId="{0ACE6762-BEC4-424F-AA07-B2B8DE7B0D67}" dt="2020-07-08T20:18:17.184" v="36" actId="26606"/>
+          <ac:spMkLst>
+            <pc:docMk/>
+            <pc:sldMk cId="748657573" sldId="256"/>
+            <ac:spMk id="149" creationId="{474CD0F4-EA2A-4E5D-AE73-1112C1CA2A19}"/>
+          </ac:spMkLst>
+        </pc:spChg>
+        <pc:spChg chg="add del">
+          <ac:chgData name="Hernan Alperin" userId="53934dd3a01d9526" providerId="LiveId" clId="{0ACE6762-BEC4-424F-AA07-B2B8DE7B0D67}" dt="2020-07-08T20:18:50.114" v="40" actId="26606"/>
+          <ac:spMkLst>
+            <pc:docMk/>
+            <pc:sldMk cId="748657573" sldId="256"/>
+            <ac:spMk id="153" creationId="{3629484E-3792-4B3D-89AD-7C8A1ED0E0D4}"/>
+          </ac:spMkLst>
+        </pc:spChg>
+        <pc:spChg chg="add del">
+          <ac:chgData name="Hernan Alperin" userId="53934dd3a01d9526" providerId="LiveId" clId="{0ACE6762-BEC4-424F-AA07-B2B8DE7B0D67}" dt="2020-07-08T20:18:55.355" v="42" actId="26606"/>
+          <ac:spMkLst>
+            <pc:docMk/>
+            <pc:sldMk cId="748657573" sldId="256"/>
+            <ac:spMk id="154" creationId="{7653717E-6F8C-43E0-9893-C03AE87D18D6}"/>
+          </ac:spMkLst>
+        </pc:spChg>
+        <pc:spChg chg="add del">
+          <ac:chgData name="Hernan Alperin" userId="53934dd3a01d9526" providerId="LiveId" clId="{0ACE6762-BEC4-424F-AA07-B2B8DE7B0D67}" dt="2020-07-08T20:18:55.355" v="42" actId="26606"/>
+          <ac:spMkLst>
+            <pc:docMk/>
+            <pc:sldMk cId="748657573" sldId="256"/>
+            <ac:spMk id="156" creationId="{35BB14B4-EC3F-47C7-9AF3-B0E017B75C42}"/>
+          </ac:spMkLst>
+        </pc:spChg>
+        <pc:spChg chg="add del">
+          <ac:chgData name="Hernan Alperin" userId="53934dd3a01d9526" providerId="LiveId" clId="{0ACE6762-BEC4-424F-AA07-B2B8DE7B0D67}" dt="2020-07-08T20:18:38.106" v="38" actId="26606"/>
+          <ac:spMkLst>
+            <pc:docMk/>
+            <pc:sldMk cId="748657573" sldId="256"/>
+            <ac:spMk id="163" creationId="{16F9E488-0718-4E1E-9D12-26779F606252}"/>
+          </ac:spMkLst>
+        </pc:spChg>
+        <pc:spChg chg="add del">
+          <ac:chgData name="Hernan Alperin" userId="53934dd3a01d9526" providerId="LiveId" clId="{0ACE6762-BEC4-424F-AA07-B2B8DE7B0D67}" dt="2020-07-08T20:18:38.106" v="38" actId="26606"/>
+          <ac:spMkLst>
+            <pc:docMk/>
+            <pc:sldMk cId="748657573" sldId="256"/>
+            <ac:spMk id="164" creationId="{D20AEB5B-DFC7-42B4-9FAA-6B95E01D0FCE}"/>
+          </ac:spMkLst>
+        </pc:spChg>
+        <pc:spChg chg="add del">
+          <ac:chgData name="Hernan Alperin" userId="53934dd3a01d9526" providerId="LiveId" clId="{0ACE6762-BEC4-424F-AA07-B2B8DE7B0D67}" dt="2020-07-08T20:18:50.114" v="40" actId="26606"/>
+          <ac:spMkLst>
+            <pc:docMk/>
+            <pc:sldMk cId="748657573" sldId="256"/>
+            <ac:spMk id="169" creationId="{FFD48BC7-DC40-47DE-87EE-9F4B6ECB9ABB}"/>
+          </ac:spMkLst>
+        </pc:spChg>
+        <pc:spChg chg="add del">
+          <ac:chgData name="Hernan Alperin" userId="53934dd3a01d9526" providerId="LiveId" clId="{0ACE6762-BEC4-424F-AA07-B2B8DE7B0D67}" dt="2020-07-08T20:18:50.114" v="40" actId="26606"/>
+          <ac:spMkLst>
+            <pc:docMk/>
+            <pc:sldMk cId="748657573" sldId="256"/>
+            <ac:spMk id="170" creationId="{E502BBC7-2C76-46F3-BC24-5985BC13DB88}"/>
+          </ac:spMkLst>
+        </pc:spChg>
+        <pc:spChg chg="add del">
+          <ac:chgData name="Hernan Alperin" userId="53934dd3a01d9526" providerId="LiveId" clId="{0ACE6762-BEC4-424F-AA07-B2B8DE7B0D67}" dt="2020-07-08T20:18:50.114" v="40" actId="26606"/>
+          <ac:spMkLst>
+            <pc:docMk/>
+            <pc:sldMk cId="748657573" sldId="256"/>
+            <ac:spMk id="171" creationId="{C7F28D52-2A5F-4D23-81AE-7CB8B591C7AF}"/>
+          </ac:spMkLst>
+        </pc:spChg>
+        <pc:spChg chg="add del">
+          <ac:chgData name="Hernan Alperin" userId="53934dd3a01d9526" providerId="LiveId" clId="{0ACE6762-BEC4-424F-AA07-B2B8DE7B0D67}" dt="2020-07-08T20:18:55.355" v="42" actId="26606"/>
+          <ac:spMkLst>
+            <pc:docMk/>
+            <pc:sldMk cId="748657573" sldId="256"/>
+            <ac:spMk id="173" creationId="{8E2CC403-21CD-41DF-BAC4-329D7FF03C5C}"/>
+          </ac:spMkLst>
+        </pc:spChg>
+        <pc:spChg chg="add del">
+          <ac:chgData name="Hernan Alperin" userId="53934dd3a01d9526" providerId="LiveId" clId="{0ACE6762-BEC4-424F-AA07-B2B8DE7B0D67}" dt="2020-07-08T20:34:21.543" v="220" actId="26606"/>
+          <ac:spMkLst>
+            <pc:docMk/>
+            <pc:sldMk cId="748657573" sldId="256"/>
+            <ac:spMk id="177" creationId="{F1C4E306-BC28-4A7B-871B-1926F6FA6EF3}"/>
+          </ac:spMkLst>
+        </pc:spChg>
+        <pc:spChg chg="add del">
+          <ac:chgData name="Hernan Alperin" userId="53934dd3a01d9526" providerId="LiveId" clId="{0ACE6762-BEC4-424F-AA07-B2B8DE7B0D67}" dt="2020-07-08T20:34:21.543" v="220" actId="26606"/>
+          <ac:spMkLst>
+            <pc:docMk/>
+            <pc:sldMk cId="748657573" sldId="256"/>
+            <ac:spMk id="178" creationId="{C3ECC9B4-989C-4F71-A6BC-DEBC1D9FD0BD}"/>
+          </ac:spMkLst>
+        </pc:spChg>
+        <pc:spChg chg="add del">
+          <ac:chgData name="Hernan Alperin" userId="53934dd3a01d9526" providerId="LiveId" clId="{0ACE6762-BEC4-424F-AA07-B2B8DE7B0D67}" dt="2020-07-08T20:34:21.543" v="220" actId="26606"/>
+          <ac:spMkLst>
+            <pc:docMk/>
+            <pc:sldMk cId="748657573" sldId="256"/>
+            <ac:spMk id="179" creationId="{E20AF01B-D099-4710-BF18-E2832A9B61CF}"/>
+          </ac:spMkLst>
+        </pc:spChg>
+        <pc:spChg chg="add del">
+          <ac:chgData name="Hernan Alperin" userId="53934dd3a01d9526" providerId="LiveId" clId="{0ACE6762-BEC4-424F-AA07-B2B8DE7B0D67}" dt="2020-07-08T20:34:21.543" v="220" actId="26606"/>
+          <ac:spMkLst>
+            <pc:docMk/>
+            <pc:sldMk cId="748657573" sldId="256"/>
+            <ac:spMk id="180" creationId="{B0E4BB4F-99AB-4C4E-A763-C5AC5273DF5D}"/>
+          </ac:spMkLst>
+        </pc:spChg>
+        <pc:spChg chg="add del">
+          <ac:chgData name="Hernan Alperin" userId="53934dd3a01d9526" providerId="LiveId" clId="{0ACE6762-BEC4-424F-AA07-B2B8DE7B0D67}" dt="2020-07-08T20:45:40.481" v="256"/>
+          <ac:spMkLst>
+            <pc:docMk/>
+            <pc:sldMk cId="748657573" sldId="256"/>
+            <ac:spMk id="182" creationId="{FFD48BC7-DC40-47DE-87EE-9F4B6ECB9ABB}"/>
+          </ac:spMkLst>
+        </pc:spChg>
+        <pc:spChg chg="add del">
+          <ac:chgData name="Hernan Alperin" userId="53934dd3a01d9526" providerId="LiveId" clId="{0ACE6762-BEC4-424F-AA07-B2B8DE7B0D67}" dt="2020-07-08T20:45:40.481" v="256"/>
+          <ac:spMkLst>
+            <pc:docMk/>
+            <pc:sldMk cId="748657573" sldId="256"/>
+            <ac:spMk id="183" creationId="{E502BBC7-2C76-46F3-BC24-5985BC13DB88}"/>
+          </ac:spMkLst>
+        </pc:spChg>
+        <pc:spChg chg="add del">
+          <ac:chgData name="Hernan Alperin" userId="53934dd3a01d9526" providerId="LiveId" clId="{0ACE6762-BEC4-424F-AA07-B2B8DE7B0D67}" dt="2020-07-08T20:45:40.481" v="256"/>
+          <ac:spMkLst>
+            <pc:docMk/>
+            <pc:sldMk cId="748657573" sldId="256"/>
+            <ac:spMk id="184" creationId="{C7F28D52-2A5F-4D23-81AE-7CB8B591C7AF}"/>
+          </ac:spMkLst>
+        </pc:spChg>
+        <pc:spChg chg="add del">
+          <ac:chgData name="Hernan Alperin" userId="53934dd3a01d9526" providerId="LiveId" clId="{0ACE6762-BEC4-424F-AA07-B2B8DE7B0D67}" dt="2020-07-08T20:45:40.481" v="256"/>
+          <ac:spMkLst>
+            <pc:docMk/>
+            <pc:sldMk cId="748657573" sldId="256"/>
+            <ac:spMk id="185" creationId="{3629484E-3792-4B3D-89AD-7C8A1ED0E0D4}"/>
+          </ac:spMkLst>
+        </pc:spChg>
+        <pc:grpChg chg="add del">
+          <ac:chgData name="Hernan Alperin" userId="53934dd3a01d9526" providerId="LiveId" clId="{0ACE6762-BEC4-424F-AA07-B2B8DE7B0D67}" dt="2020-07-08T20:16:13.621" v="11" actId="26606"/>
+          <ac:grpSpMkLst>
+            <pc:docMk/>
+            <pc:sldMk cId="748657573" sldId="256"/>
+            <ac:grpSpMk id="62" creationId="{D76D63AC-0421-45EC-B383-E79A61A78C6B}"/>
+          </ac:grpSpMkLst>
+        </pc:grpChg>
+        <pc:grpChg chg="add del">
+          <ac:chgData name="Hernan Alperin" userId="53934dd3a01d9526" providerId="LiveId" clId="{0ACE6762-BEC4-424F-AA07-B2B8DE7B0D67}" dt="2020-07-08T20:16:36.552" v="19" actId="26606"/>
+          <ac:grpSpMkLst>
+            <pc:docMk/>
+            <pc:sldMk cId="748657573" sldId="256"/>
+            <ac:grpSpMk id="66" creationId="{6C0A542E-DBAB-412E-9F06-247CFE5FB942}"/>
+          </ac:grpSpMkLst>
+        </pc:grpChg>
+        <pc:grpChg chg="add del">
+          <ac:chgData name="Hernan Alperin" userId="53934dd3a01d9526" providerId="LiveId" clId="{0ACE6762-BEC4-424F-AA07-B2B8DE7B0D67}" dt="2020-07-08T20:16:13.621" v="11" actId="26606"/>
+          <ac:grpSpMkLst>
+            <pc:docMk/>
+            <pc:sldMk cId="748657573" sldId="256"/>
+            <ac:grpSpMk id="71" creationId="{87F87F1B-42BA-4AC7-A4E2-41544DDB2CE3}"/>
+          </ac:grpSpMkLst>
+        </pc:grpChg>
+        <pc:grpChg chg="add del">
+          <ac:chgData name="Hernan Alperin" userId="53934dd3a01d9526" providerId="LiveId" clId="{0ACE6762-BEC4-424F-AA07-B2B8DE7B0D67}" dt="2020-07-08T20:16:13.621" v="11" actId="26606"/>
+          <ac:grpSpMkLst>
+            <pc:docMk/>
+            <pc:sldMk cId="748657573" sldId="256"/>
+            <ac:grpSpMk id="77" creationId="{967346A5-7569-4F15-AB5D-BE3DADF192C0}"/>
+          </ac:grpSpMkLst>
+        </pc:grpChg>
+        <pc:grpChg chg="add del">
+          <ac:chgData name="Hernan Alperin" userId="53934dd3a01d9526" providerId="LiveId" clId="{0ACE6762-BEC4-424F-AA07-B2B8DE7B0D67}" dt="2020-07-08T20:16:16.738" v="13" actId="26606"/>
+          <ac:grpSpMkLst>
+            <pc:docMk/>
+            <pc:sldMk cId="748657573" sldId="256"/>
+            <ac:grpSpMk id="85" creationId="{AE0D2D7F-1DF5-4798-9E63-A71E2D15886B}"/>
+          </ac:grpSpMkLst>
+        </pc:grpChg>
+        <pc:grpChg chg="add del">
+          <ac:chgData name="Hernan Alperin" userId="53934dd3a01d9526" providerId="LiveId" clId="{0ACE6762-BEC4-424F-AA07-B2B8DE7B0D67}" dt="2020-07-08T20:16:16.738" v="13" actId="26606"/>
+          <ac:grpSpMkLst>
+            <pc:docMk/>
+            <pc:sldMk cId="748657573" sldId="256"/>
+            <ac:grpSpMk id="89" creationId="{E7D4F600-F737-4482-BC99-1E1FFC82630C}"/>
+          </ac:grpSpMkLst>
+        </pc:grpChg>
+        <pc:grpChg chg="add del">
+          <ac:chgData name="Hernan Alperin" userId="53934dd3a01d9526" providerId="LiveId" clId="{0ACE6762-BEC4-424F-AA07-B2B8DE7B0D67}" dt="2020-07-08T20:16:27.273" v="15" actId="26606"/>
+          <ac:grpSpMkLst>
+            <pc:docMk/>
+            <pc:sldMk cId="748657573" sldId="256"/>
+            <ac:grpSpMk id="97" creationId="{D76D63AC-0421-45EC-B383-E79A61A78C6B}"/>
+          </ac:grpSpMkLst>
+        </pc:grpChg>
+        <pc:grpChg chg="add del">
+          <ac:chgData name="Hernan Alperin" userId="53934dd3a01d9526" providerId="LiveId" clId="{0ACE6762-BEC4-424F-AA07-B2B8DE7B0D67}" dt="2020-07-08T20:16:27.273" v="15" actId="26606"/>
+          <ac:grpSpMkLst>
+            <pc:docMk/>
+            <pc:sldMk cId="748657573" sldId="256"/>
+            <ac:grpSpMk id="98" creationId="{87F87F1B-42BA-4AC7-A4E2-41544DDB2CE3}"/>
+          </ac:grpSpMkLst>
+        </pc:grpChg>
+        <pc:grpChg chg="add del">
+          <ac:chgData name="Hernan Alperin" userId="53934dd3a01d9526" providerId="LiveId" clId="{0ACE6762-BEC4-424F-AA07-B2B8DE7B0D67}" dt="2020-07-08T20:16:27.273" v="15" actId="26606"/>
+          <ac:grpSpMkLst>
+            <pc:docMk/>
+            <pc:sldMk cId="748657573" sldId="256"/>
+            <ac:grpSpMk id="99" creationId="{967346A5-7569-4F15-AB5D-BE3DADF192C0}"/>
+          </ac:grpSpMkLst>
+        </pc:grpChg>
+        <pc:grpChg chg="add del">
+          <ac:chgData name="Hernan Alperin" userId="53934dd3a01d9526" providerId="LiveId" clId="{0ACE6762-BEC4-424F-AA07-B2B8DE7B0D67}" dt="2020-07-08T20:16:32.348" v="17" actId="26606"/>
+          <ac:grpSpMkLst>
+            <pc:docMk/>
+            <pc:sldMk cId="748657573" sldId="256"/>
+            <ac:grpSpMk id="103" creationId="{DA02BEE4-A5D4-40AF-882D-49D34B086FFF}"/>
+          </ac:grpSpMkLst>
+        </pc:grpChg>
+        <pc:grpChg chg="add del">
+          <ac:chgData name="Hernan Alperin" userId="53934dd3a01d9526" providerId="LiveId" clId="{0ACE6762-BEC4-424F-AA07-B2B8DE7B0D67}" dt="2020-07-08T20:16:36.552" v="19" actId="26606"/>
+          <ac:grpSpMkLst>
+            <pc:docMk/>
+            <pc:sldMk cId="748657573" sldId="256"/>
+            <ac:grpSpMk id="113" creationId="{EC505F6D-25F2-479B-AEEE-66F34B3FB13D}"/>
+          </ac:grpSpMkLst>
+        </pc:grpChg>
+        <pc:grpChg chg="add del">
+          <ac:chgData name="Hernan Alperin" userId="53934dd3a01d9526" providerId="LiveId" clId="{0ACE6762-BEC4-424F-AA07-B2B8DE7B0D67}" dt="2020-07-08T20:16:57.366" v="25" actId="26606"/>
+          <ac:grpSpMkLst>
+            <pc:docMk/>
+            <pc:sldMk cId="748657573" sldId="256"/>
+            <ac:grpSpMk id="131" creationId="{64B93721-934F-4F1E-A868-0B2BA110D3B5}"/>
+          </ac:grpSpMkLst>
+        </pc:grpChg>
+        <pc:grpChg chg="add del">
+          <ac:chgData name="Hernan Alperin" userId="53934dd3a01d9526" providerId="LiveId" clId="{0ACE6762-BEC4-424F-AA07-B2B8DE7B0D67}" dt="2020-07-08T20:18:55.371" v="43" actId="26606"/>
+          <ac:grpSpMkLst>
+            <pc:docMk/>
+            <pc:sldMk cId="748657573" sldId="256"/>
+            <ac:grpSpMk id="136" creationId="{A1EDC8FC-C3D1-4FE4-8E66-29767478DBDB}"/>
+          </ac:grpSpMkLst>
+        </pc:grpChg>
+        <pc:grpChg chg="add del">
+          <ac:chgData name="Hernan Alperin" userId="53934dd3a01d9526" providerId="LiveId" clId="{0ACE6762-BEC4-424F-AA07-B2B8DE7B0D67}" dt="2020-07-08T20:18:55.371" v="43" actId="26606"/>
+          <ac:grpSpMkLst>
+            <pc:docMk/>
+            <pc:sldMk cId="748657573" sldId="256"/>
+            <ac:grpSpMk id="140" creationId="{1BC136B2-4D8D-4561-95D5-56167F4116BD}"/>
+          </ac:grpSpMkLst>
+        </pc:grpChg>
+        <pc:grpChg chg="add del">
+          <ac:chgData name="Hernan Alperin" userId="53934dd3a01d9526" providerId="LiveId" clId="{0ACE6762-BEC4-424F-AA07-B2B8DE7B0D67}" dt="2020-07-08T20:18:17.184" v="36" actId="26606"/>
+          <ac:grpSpMkLst>
+            <pc:docMk/>
+            <pc:sldMk cId="748657573" sldId="256"/>
+            <ac:grpSpMk id="151" creationId="{A1EDC8FC-C3D1-4FE4-8E66-29767478DBDB}"/>
+          </ac:grpSpMkLst>
+        </pc:grpChg>
+        <pc:grpChg chg="add del">
+          <ac:chgData name="Hernan Alperin" userId="53934dd3a01d9526" providerId="LiveId" clId="{0ACE6762-BEC4-424F-AA07-B2B8DE7B0D67}" dt="2020-07-08T20:18:17.184" v="36" actId="26606"/>
+          <ac:grpSpMkLst>
+            <pc:docMk/>
+            <pc:sldMk cId="748657573" sldId="256"/>
+            <ac:grpSpMk id="157" creationId="{1BC136B2-4D8D-4561-95D5-56167F4116BD}"/>
+          </ac:grpSpMkLst>
+        </pc:grpChg>
+        <pc:grpChg chg="add del">
+          <ac:chgData name="Hernan Alperin" userId="53934dd3a01d9526" providerId="LiveId" clId="{0ACE6762-BEC4-424F-AA07-B2B8DE7B0D67}" dt="2020-07-08T20:18:38.106" v="38" actId="26606"/>
+          <ac:grpSpMkLst>
+            <pc:docMk/>
+            <pc:sldMk cId="748657573" sldId="256"/>
+            <ac:grpSpMk id="165" creationId="{64B93721-934F-4F1E-A868-0B2BA110D3B5}"/>
+          </ac:grpSpMkLst>
+        </pc:grpChg>
+        <pc:grpChg chg="add del">
+          <ac:chgData name="Hernan Alperin" userId="53934dd3a01d9526" providerId="LiveId" clId="{0ACE6762-BEC4-424F-AA07-B2B8DE7B0D67}" dt="2020-07-08T20:18:55.355" v="42" actId="26606"/>
+          <ac:grpSpMkLst>
+            <pc:docMk/>
+            <pc:sldMk cId="748657573" sldId="256"/>
+            <ac:grpSpMk id="174" creationId="{B13AA5FE-3FFC-4725-9ADD-E428544EC61B}"/>
+          </ac:grpSpMkLst>
+        </pc:grpChg>
+        <pc:cxnChg chg="add del">
+          <ac:chgData name="Hernan Alperin" userId="53934dd3a01d9526" providerId="LiveId" clId="{0ACE6762-BEC4-424F-AA07-B2B8DE7B0D67}" dt="2020-07-08T20:16:46.504" v="23" actId="26606"/>
+          <ac:cxnSpMkLst>
+            <pc:docMk/>
+            <pc:sldMk cId="748657573" sldId="256"/>
+            <ac:cxnSpMk id="127" creationId="{7B2D303B-3DD0-4319-9EAD-361847FEC71D}"/>
+          </ac:cxnSpMkLst>
+        </pc:cxnChg>
+      </pc:sldChg>
+      <pc:sldChg chg="addSp delSp modSp mod setBg modAnim">
+        <pc:chgData name="Hernan Alperin" userId="53934dd3a01d9526" providerId="LiveId" clId="{0ACE6762-BEC4-424F-AA07-B2B8DE7B0D67}" dt="2020-07-08T21:44:28.619" v="532" actId="1076"/>
+        <pc:sldMkLst>
+          <pc:docMk/>
+          <pc:sldMk cId="3177965585" sldId="257"/>
+        </pc:sldMkLst>
+        <pc:spChg chg="add del mod">
+          <ac:chgData name="Hernan Alperin" userId="53934dd3a01d9526" providerId="LiveId" clId="{0ACE6762-BEC4-424F-AA07-B2B8DE7B0D67}" dt="2020-07-08T20:21:03.934" v="51" actId="478"/>
+          <ac:spMkLst>
+            <pc:docMk/>
+            <pc:sldMk cId="3177965585" sldId="257"/>
+            <ac:spMk id="2" creationId="{DBDD1A57-613E-40C7-BE22-9545F4AB482F}"/>
+          </ac:spMkLst>
+        </pc:spChg>
+        <pc:spChg chg="add del mod">
+          <ac:chgData name="Hernan Alperin" userId="53934dd3a01d9526" providerId="LiveId" clId="{0ACE6762-BEC4-424F-AA07-B2B8DE7B0D67}" dt="2020-07-08T20:21:18.342" v="57" actId="478"/>
+          <ac:spMkLst>
+            <pc:docMk/>
+            <pc:sldMk cId="3177965585" sldId="257"/>
+            <ac:spMk id="3" creationId="{251D2252-5C76-45BF-AE2C-B20EE220DD92}"/>
+          </ac:spMkLst>
+        </pc:spChg>
+        <pc:spChg chg="mod">
+          <ac:chgData name="Hernan Alperin" userId="53934dd3a01d9526" providerId="LiveId" clId="{0ACE6762-BEC4-424F-AA07-B2B8DE7B0D67}" dt="2020-07-08T21:43:09.853" v="517" actId="1076"/>
+          <ac:spMkLst>
+            <pc:docMk/>
+            <pc:sldMk cId="3177965585" sldId="257"/>
+            <ac:spMk id="7" creationId="{8C41A167-A519-4A18-8652-8F63CE540943}"/>
+          </ac:spMkLst>
+        </pc:spChg>
+        <pc:spChg chg="mod">
+          <ac:chgData name="Hernan Alperin" userId="53934dd3a01d9526" providerId="LiveId" clId="{0ACE6762-BEC4-424F-AA07-B2B8DE7B0D67}" dt="2020-07-08T21:43:13.293" v="518" actId="688"/>
+          <ac:spMkLst>
+            <pc:docMk/>
+            <pc:sldMk cId="3177965585" sldId="257"/>
+            <ac:spMk id="11" creationId="{40D290EE-78EE-4C80-8EA0-4951B5146350}"/>
+          </ac:spMkLst>
+        </pc:spChg>
+        <pc:spChg chg="mod">
+          <ac:chgData name="Hernan Alperin" userId="53934dd3a01d9526" providerId="LiveId" clId="{0ACE6762-BEC4-424F-AA07-B2B8DE7B0D67}" dt="2020-07-08T21:44:17.428" v="531" actId="1076"/>
+          <ac:spMkLst>
+            <pc:docMk/>
+            <pc:sldMk cId="3177965585" sldId="257"/>
+            <ac:spMk id="12" creationId="{B2196AAF-C6A5-4A39-859D-68FFB5DF219C}"/>
+          </ac:spMkLst>
+        </pc:spChg>
+        <pc:spChg chg="mod">
+          <ac:chgData name="Hernan Alperin" userId="53934dd3a01d9526" providerId="LiveId" clId="{0ACE6762-BEC4-424F-AA07-B2B8DE7B0D67}" dt="2020-07-08T21:44:28.619" v="532" actId="1076"/>
+          <ac:spMkLst>
+            <pc:docMk/>
+            <pc:sldMk cId="3177965585" sldId="257"/>
+            <ac:spMk id="13" creationId="{64BE35F0-C5B8-4C50-9179-0DCA4DE3B9FD}"/>
+          </ac:spMkLst>
+        </pc:spChg>
+        <pc:spChg chg="mod">
+          <ac:chgData name="Hernan Alperin" userId="53934dd3a01d9526" providerId="LiveId" clId="{0ACE6762-BEC4-424F-AA07-B2B8DE7B0D67}" dt="2020-07-08T21:43:43.818" v="528" actId="1076"/>
+          <ac:spMkLst>
+            <pc:docMk/>
+            <pc:sldMk cId="3177965585" sldId="257"/>
+            <ac:spMk id="14" creationId="{2C190F1D-0662-4529-8B8E-42A4AFCE5334}"/>
+          </ac:spMkLst>
+        </pc:spChg>
+        <pc:spChg chg="mod">
+          <ac:chgData name="Hernan Alperin" userId="53934dd3a01d9526" providerId="LiveId" clId="{0ACE6762-BEC4-424F-AA07-B2B8DE7B0D67}" dt="2020-07-08T21:43:33.909" v="526" actId="1076"/>
+          <ac:spMkLst>
+            <pc:docMk/>
+            <pc:sldMk cId="3177965585" sldId="257"/>
+            <ac:spMk id="17" creationId="{468177A6-B622-45D1-9234-63A0BA229FA7}"/>
+          </ac:spMkLst>
+        </pc:spChg>
+        <pc:spChg chg="mod">
+          <ac:chgData name="Hernan Alperin" userId="53934dd3a01d9526" providerId="LiveId" clId="{0ACE6762-BEC4-424F-AA07-B2B8DE7B0D67}" dt="2020-07-08T21:44:11.678" v="530" actId="1076"/>
+          <ac:spMkLst>
+            <pc:docMk/>
+            <pc:sldMk cId="3177965585" sldId="257"/>
+            <ac:spMk id="18" creationId="{13928C64-AB71-4828-A9A9-1AAE40DFBADE}"/>
+          </ac:spMkLst>
+        </pc:spChg>
+      </pc:sldChg>
+      <pc:sldChg chg="addSp delSp modSp mod setBg">
+        <pc:chgData name="Hernan Alperin" userId="53934dd3a01d9526" providerId="LiveId" clId="{0ACE6762-BEC4-424F-AA07-B2B8DE7B0D67}" dt="2020-07-08T21:45:45.402" v="533" actId="2711"/>
+        <pc:sldMkLst>
+          <pc:docMk/>
+          <pc:sldMk cId="460687349" sldId="258"/>
+        </pc:sldMkLst>
+        <pc:spChg chg="mod">
+          <ac:chgData name="Hernan Alperin" userId="53934dd3a01d9526" providerId="LiveId" clId="{0ACE6762-BEC4-424F-AA07-B2B8DE7B0D67}" dt="2020-07-08T21:45:45.402" v="533" actId="2711"/>
+          <ac:spMkLst>
+            <pc:docMk/>
+            <pc:sldMk cId="460687349" sldId="258"/>
+            <ac:spMk id="2" creationId="{C2292512-4014-496D-930F-C92F57BE472A}"/>
+          </ac:spMkLst>
+        </pc:spChg>
+        <pc:spChg chg="mod ord">
+          <ac:chgData name="Hernan Alperin" userId="53934dd3a01d9526" providerId="LiveId" clId="{0ACE6762-BEC4-424F-AA07-B2B8DE7B0D67}" dt="2020-07-08T21:04:59.440" v="391" actId="1076"/>
+          <ac:spMkLst>
+            <pc:docMk/>
+            <pc:sldMk cId="460687349" sldId="258"/>
+            <ac:spMk id="6" creationId="{A8527F7F-670F-4682-A9B1-B29A786B09CD}"/>
+          </ac:spMkLst>
+        </pc:spChg>
+        <pc:spChg chg="add del">
+          <ac:chgData name="Hernan Alperin" userId="53934dd3a01d9526" providerId="LiveId" clId="{0ACE6762-BEC4-424F-AA07-B2B8DE7B0D67}" dt="2020-07-08T20:46:16.499" v="264" actId="26606"/>
+          <ac:spMkLst>
+            <pc:docMk/>
+            <pc:sldMk cId="460687349" sldId="258"/>
+            <ac:spMk id="8" creationId="{1C799903-48D5-4A31-A1A2-541072D9771E}"/>
+          </ac:spMkLst>
+        </pc:spChg>
+        <pc:spChg chg="add del">
+          <ac:chgData name="Hernan Alperin" userId="53934dd3a01d9526" providerId="LiveId" clId="{0ACE6762-BEC4-424F-AA07-B2B8DE7B0D67}" dt="2020-07-08T20:46:16.499" v="264" actId="26606"/>
+          <ac:spMkLst>
+            <pc:docMk/>
+            <pc:sldMk cId="460687349" sldId="258"/>
+            <ac:spMk id="9" creationId="{8EFFF109-FC58-4FD3-BE05-9775A1310F55}"/>
+          </ac:spMkLst>
+        </pc:spChg>
+        <pc:spChg chg="add del">
+          <ac:chgData name="Hernan Alperin" userId="53934dd3a01d9526" providerId="LiveId" clId="{0ACE6762-BEC4-424F-AA07-B2B8DE7B0D67}" dt="2020-07-08T20:46:16.499" v="264" actId="26606"/>
+          <ac:spMkLst>
+            <pc:docMk/>
+            <pc:sldMk cId="460687349" sldId="258"/>
+            <ac:spMk id="10" creationId="{E1B96AD6-92A9-4273-A62B-96A1C3E0BA95}"/>
+          </ac:spMkLst>
+        </pc:spChg>
+        <pc:spChg chg="add del">
+          <ac:chgData name="Hernan Alperin" userId="53934dd3a01d9526" providerId="LiveId" clId="{0ACE6762-BEC4-424F-AA07-B2B8DE7B0D67}" dt="2020-07-08T20:46:04.601" v="262" actId="26606"/>
+          <ac:spMkLst>
+            <pc:docMk/>
+            <pc:sldMk cId="460687349" sldId="258"/>
+            <ac:spMk id="11" creationId="{DAF1966E-FD40-4A4A-B61B-C4DF7FA05F06}"/>
+          </ac:spMkLst>
+        </pc:spChg>
+        <pc:spChg chg="add del">
+          <ac:chgData name="Hernan Alperin" userId="53934dd3a01d9526" providerId="LiveId" clId="{0ACE6762-BEC4-424F-AA07-B2B8DE7B0D67}" dt="2020-07-08T20:46:16.499" v="264" actId="26606"/>
+          <ac:spMkLst>
+            <pc:docMk/>
+            <pc:sldMk cId="460687349" sldId="258"/>
+            <ac:spMk id="12" creationId="{463EEC44-1BA3-44ED-81FC-A644B04B2A44}"/>
+          </ac:spMkLst>
+        </pc:spChg>
+        <pc:spChg chg="add del">
+          <ac:chgData name="Hernan Alperin" userId="53934dd3a01d9526" providerId="LiveId" clId="{0ACE6762-BEC4-424F-AA07-B2B8DE7B0D67}" dt="2020-07-08T20:46:04.601" v="262" actId="26606"/>
+          <ac:spMkLst>
+            <pc:docMk/>
+            <pc:sldMk cId="460687349" sldId="258"/>
+            <ac:spMk id="13" creationId="{047BFA19-D45E-416B-A404-7AF2F3F27017}"/>
+          </ac:spMkLst>
+        </pc:spChg>
+        <pc:spChg chg="add del">
+          <ac:chgData name="Hernan Alperin" userId="53934dd3a01d9526" providerId="LiveId" clId="{0ACE6762-BEC4-424F-AA07-B2B8DE7B0D67}" dt="2020-07-08T20:46:21.413" v="266" actId="26606"/>
+          <ac:spMkLst>
+            <pc:docMk/>
+            <pc:sldMk cId="460687349" sldId="258"/>
+            <ac:spMk id="14" creationId="{87BF42CA-AD55-48B4-8949-C4DCA60A6AEE}"/>
+          </ac:spMkLst>
+        </pc:spChg>
+        <pc:spChg chg="add del">
+          <ac:chgData name="Hernan Alperin" userId="53934dd3a01d9526" providerId="LiveId" clId="{0ACE6762-BEC4-424F-AA07-B2B8DE7B0D67}" dt="2020-07-08T20:46:04.601" v="262" actId="26606"/>
+          <ac:spMkLst>
+            <pc:docMk/>
+            <pc:sldMk cId="460687349" sldId="258"/>
+            <ac:spMk id="15" creationId="{8E0105E7-23DB-4CF2-8258-FF47C7620F6E}"/>
+          </ac:spMkLst>
+        </pc:spChg>
+        <pc:spChg chg="add del">
+          <ac:chgData name="Hernan Alperin" userId="53934dd3a01d9526" providerId="LiveId" clId="{0ACE6762-BEC4-424F-AA07-B2B8DE7B0D67}" dt="2020-07-08T20:47:20.670" v="274" actId="26606"/>
+          <ac:spMkLst>
+            <pc:docMk/>
+            <pc:sldMk cId="460687349" sldId="258"/>
+            <ac:spMk id="16" creationId="{081EA652-8C6A-4E69-BEB9-170809474553}"/>
+          </ac:spMkLst>
+        </pc:spChg>
+        <pc:spChg chg="add del">
+          <ac:chgData name="Hernan Alperin" userId="53934dd3a01d9526" providerId="LiveId" clId="{0ACE6762-BEC4-424F-AA07-B2B8DE7B0D67}" dt="2020-07-08T20:46:04.601" v="262" actId="26606"/>
+          <ac:spMkLst>
+            <pc:docMk/>
+            <pc:sldMk cId="460687349" sldId="258"/>
+            <ac:spMk id="17" creationId="{074B4F7D-14B2-478B-8BF5-01E4E0C5D263}"/>
+          </ac:spMkLst>
+        </pc:spChg>
+        <pc:spChg chg="add del">
+          <ac:chgData name="Hernan Alperin" userId="53934dd3a01d9526" providerId="LiveId" clId="{0ACE6762-BEC4-424F-AA07-B2B8DE7B0D67}" dt="2020-07-08T20:47:20.670" v="274" actId="26606"/>
+          <ac:spMkLst>
+            <pc:docMk/>
+            <pc:sldMk cId="460687349" sldId="258"/>
+            <ac:spMk id="18" creationId="{5298780A-33B9-4EA2-8F67-DE68AD62841B}"/>
+          </ac:spMkLst>
+        </pc:spChg>
+        <pc:spChg chg="add del">
+          <ac:chgData name="Hernan Alperin" userId="53934dd3a01d9526" providerId="LiveId" clId="{0ACE6762-BEC4-424F-AA07-B2B8DE7B0D67}" dt="2020-07-08T20:47:20.670" v="274" actId="26606"/>
+          <ac:spMkLst>
+            <pc:docMk/>
+            <pc:sldMk cId="460687349" sldId="258"/>
+            <ac:spMk id="19" creationId="{7F488E8B-4E1E-4402-8935-D4E6C02615C7}"/>
+          </ac:spMkLst>
+        </pc:spChg>
+        <pc:spChg chg="add del">
+          <ac:chgData name="Hernan Alperin" userId="53934dd3a01d9526" providerId="LiveId" clId="{0ACE6762-BEC4-424F-AA07-B2B8DE7B0D67}" dt="2020-07-08T20:46:21.413" v="266" actId="26606"/>
+          <ac:spMkLst>
+            <pc:docMk/>
+            <pc:sldMk cId="460687349" sldId="258"/>
+            <ac:spMk id="21" creationId="{66AE1D3D-3106-4CB2-AA7C-0C1642AC0F2E}"/>
+          </ac:spMkLst>
+        </pc:spChg>
+        <pc:spChg chg="add del">
+          <ac:chgData name="Hernan Alperin" userId="53934dd3a01d9526" providerId="LiveId" clId="{0ACE6762-BEC4-424F-AA07-B2B8DE7B0D67}" dt="2020-07-08T20:46:24.372" v="268" actId="26606"/>
+          <ac:spMkLst>
+            <pc:docMk/>
+            <pc:sldMk cId="460687349" sldId="258"/>
+            <ac:spMk id="25" creationId="{DAF1966E-FD40-4A4A-B61B-C4DF7FA05F06}"/>
+          </ac:spMkLst>
+        </pc:spChg>
+        <pc:spChg chg="add del">
+          <ac:chgData name="Hernan Alperin" userId="53934dd3a01d9526" providerId="LiveId" clId="{0ACE6762-BEC4-424F-AA07-B2B8DE7B0D67}" dt="2020-07-08T20:46:24.372" v="268" actId="26606"/>
+          <ac:spMkLst>
+            <pc:docMk/>
+            <pc:sldMk cId="460687349" sldId="258"/>
+            <ac:spMk id="26" creationId="{047BFA19-D45E-416B-A404-7AF2F3F27017}"/>
+          </ac:spMkLst>
+        </pc:spChg>
+        <pc:spChg chg="add del">
+          <ac:chgData name="Hernan Alperin" userId="53934dd3a01d9526" providerId="LiveId" clId="{0ACE6762-BEC4-424F-AA07-B2B8DE7B0D67}" dt="2020-07-08T20:46:24.372" v="268" actId="26606"/>
+          <ac:spMkLst>
+            <pc:docMk/>
+            <pc:sldMk cId="460687349" sldId="258"/>
+            <ac:spMk id="27" creationId="{8E0105E7-23DB-4CF2-8258-FF47C7620F6E}"/>
+          </ac:spMkLst>
+        </pc:spChg>
+        <pc:spChg chg="add del">
+          <ac:chgData name="Hernan Alperin" userId="53934dd3a01d9526" providerId="LiveId" clId="{0ACE6762-BEC4-424F-AA07-B2B8DE7B0D67}" dt="2020-07-08T20:46:24.372" v="268" actId="26606"/>
+          <ac:spMkLst>
+            <pc:docMk/>
+            <pc:sldMk cId="460687349" sldId="258"/>
+            <ac:spMk id="28" creationId="{074B4F7D-14B2-478B-8BF5-01E4E0C5D263}"/>
+          </ac:spMkLst>
+        </pc:spChg>
+        <pc:grpChg chg="add del">
+          <ac:chgData name="Hernan Alperin" userId="53934dd3a01d9526" providerId="LiveId" clId="{0ACE6762-BEC4-424F-AA07-B2B8DE7B0D67}" dt="2020-07-08T20:46:21.413" v="266" actId="26606"/>
+          <ac:grpSpMkLst>
+            <pc:docMk/>
+            <pc:sldMk cId="460687349" sldId="258"/>
+            <ac:grpSpMk id="22" creationId="{0A31B6AF-B711-4CDB-8C2B-16E963DDC4C5}"/>
+          </ac:grpSpMkLst>
+        </pc:grpChg>
+        <pc:cxnChg chg="add del">
+          <ac:chgData name="Hernan Alperin" userId="53934dd3a01d9526" providerId="LiveId" clId="{0ACE6762-BEC4-424F-AA07-B2B8DE7B0D67}" dt="2020-07-08T20:47:20.670" v="274" actId="26606"/>
+          <ac:cxnSpMkLst>
+            <pc:docMk/>
+            <pc:sldMk cId="460687349" sldId="258"/>
+            <ac:cxnSpMk id="20" creationId="{23AAC9B5-8015-485C-ACF9-A750390E9A56}"/>
+          </ac:cxnSpMkLst>
+        </pc:cxnChg>
+      </pc:sldChg>
+      <pc:sldChg chg="modSp mod">
+        <pc:chgData name="Hernan Alperin" userId="53934dd3a01d9526" providerId="LiveId" clId="{0ACE6762-BEC4-424F-AA07-B2B8DE7B0D67}" dt="2020-07-08T21:46:12.922" v="536" actId="2711"/>
+        <pc:sldMkLst>
+          <pc:docMk/>
+          <pc:sldMk cId="3294950622" sldId="259"/>
+        </pc:sldMkLst>
+        <pc:spChg chg="mod">
+          <ac:chgData name="Hernan Alperin" userId="53934dd3a01d9526" providerId="LiveId" clId="{0ACE6762-BEC4-424F-AA07-B2B8DE7B0D67}" dt="2020-07-08T20:45:51.782" v="260"/>
+          <ac:spMkLst>
+            <pc:docMk/>
+            <pc:sldMk cId="3294950622" sldId="259"/>
+            <ac:spMk id="2" creationId="{3DFB974B-3ABB-4FFB-A9BF-ED03818AB1F5}"/>
+          </ac:spMkLst>
+        </pc:spChg>
+        <pc:spChg chg="mod">
+          <ac:chgData name="Hernan Alperin" userId="53934dd3a01d9526" providerId="LiveId" clId="{0ACE6762-BEC4-424F-AA07-B2B8DE7B0D67}" dt="2020-07-08T21:46:02.257" v="534" actId="2711"/>
+          <ac:spMkLst>
+            <pc:docMk/>
+            <pc:sldMk cId="3294950622" sldId="259"/>
+            <ac:spMk id="3" creationId="{769C1E9C-A147-48EE-A4B2-2ABDEAA1B2E1}"/>
+          </ac:spMkLst>
+        </pc:spChg>
+        <pc:spChg chg="mod">
+          <ac:chgData name="Hernan Alperin" userId="53934dd3a01d9526" providerId="LiveId" clId="{0ACE6762-BEC4-424F-AA07-B2B8DE7B0D67}" dt="2020-07-08T21:46:12.922" v="536" actId="2711"/>
+          <ac:spMkLst>
+            <pc:docMk/>
+            <pc:sldMk cId="3294950622" sldId="259"/>
+            <ac:spMk id="4" creationId="{83DEEB42-3047-47D8-818B-682504648E98}"/>
+          </ac:spMkLst>
+        </pc:spChg>
+        <pc:spChg chg="mod">
+          <ac:chgData name="Hernan Alperin" userId="53934dd3a01d9526" providerId="LiveId" clId="{0ACE6762-BEC4-424F-AA07-B2B8DE7B0D67}" dt="2020-07-08T21:46:07.249" v="535" actId="2711"/>
+          <ac:spMkLst>
+            <pc:docMk/>
+            <pc:sldMk cId="3294950622" sldId="259"/>
+            <ac:spMk id="5" creationId="{8C1C3AE4-E872-4308-8550-4C0F073AD456}"/>
+          </ac:spMkLst>
+        </pc:spChg>
+      </pc:sldChg>
+      <pc:sldChg chg="modSp mod">
+        <pc:chgData name="Hernan Alperin" userId="53934dd3a01d9526" providerId="LiveId" clId="{0ACE6762-BEC4-424F-AA07-B2B8DE7B0D67}" dt="2020-07-08T21:47:21.303" v="540" actId="2711"/>
+        <pc:sldMkLst>
+          <pc:docMk/>
+          <pc:sldMk cId="271163228" sldId="260"/>
+        </pc:sldMkLst>
+        <pc:spChg chg="mod">
+          <ac:chgData name="Hernan Alperin" userId="53934dd3a01d9526" providerId="LiveId" clId="{0ACE6762-BEC4-424F-AA07-B2B8DE7B0D67}" dt="2020-07-08T21:46:55.715" v="537" actId="2711"/>
+          <ac:spMkLst>
+            <pc:docMk/>
+            <pc:sldMk cId="271163228" sldId="260"/>
+            <ac:spMk id="2" creationId="{48A24FFE-2A9C-47E2-86B7-FACA599E51E9}"/>
+          </ac:spMkLst>
+        </pc:spChg>
+        <pc:spChg chg="mod">
+          <ac:chgData name="Hernan Alperin" userId="53934dd3a01d9526" providerId="LiveId" clId="{0ACE6762-BEC4-424F-AA07-B2B8DE7B0D67}" dt="2020-07-08T21:47:05.773" v="538" actId="2711"/>
+          <ac:spMkLst>
+            <pc:docMk/>
+            <pc:sldMk cId="271163228" sldId="260"/>
+            <ac:spMk id="3" creationId="{EAA41320-49C0-4FA2-8BDC-00503E61CB86}"/>
+          </ac:spMkLst>
+        </pc:spChg>
+        <pc:spChg chg="mod">
+          <ac:chgData name="Hernan Alperin" userId="53934dd3a01d9526" providerId="LiveId" clId="{0ACE6762-BEC4-424F-AA07-B2B8DE7B0D67}" dt="2020-07-08T21:47:12.982" v="539" actId="2711"/>
+          <ac:spMkLst>
+            <pc:docMk/>
+            <pc:sldMk cId="271163228" sldId="260"/>
+            <ac:spMk id="4" creationId="{A63FBDF6-3446-4915-8E6E-1A38A5C8FE35}"/>
+          </ac:spMkLst>
+        </pc:spChg>
+        <pc:spChg chg="mod">
+          <ac:chgData name="Hernan Alperin" userId="53934dd3a01d9526" providerId="LiveId" clId="{0ACE6762-BEC4-424F-AA07-B2B8DE7B0D67}" dt="2020-07-08T21:47:21.303" v="540" actId="2711"/>
+          <ac:spMkLst>
+            <pc:docMk/>
+            <pc:sldMk cId="271163228" sldId="260"/>
+            <ac:spMk id="5" creationId="{9FF14BDD-9C4D-4ED1-9174-DD4B625FBED0}"/>
+          </ac:spMkLst>
+        </pc:spChg>
+      </pc:sldChg>
+      <pc:sldChg chg="modSp">
+        <pc:chgData name="Hernan Alperin" userId="53934dd3a01d9526" providerId="LiveId" clId="{0ACE6762-BEC4-424F-AA07-B2B8DE7B0D67}" dt="2020-07-08T20:45:51.782" v="260"/>
+        <pc:sldMkLst>
+          <pc:docMk/>
+          <pc:sldMk cId="2013699600" sldId="261"/>
+        </pc:sldMkLst>
+        <pc:spChg chg="mod">
+          <ac:chgData name="Hernan Alperin" userId="53934dd3a01d9526" providerId="LiveId" clId="{0ACE6762-BEC4-424F-AA07-B2B8DE7B0D67}" dt="2020-07-08T20:45:51.782" v="260"/>
+          <ac:spMkLst>
+            <pc:docMk/>
+            <pc:sldMk cId="2013699600" sldId="261"/>
+            <ac:spMk id="2" creationId="{5DF3062B-DEF6-43CC-8EA2-1CDEE96544CA}"/>
+          </ac:spMkLst>
+        </pc:spChg>
+      </pc:sldChg>
+      <pc:sldChg chg="modSp mod">
+        <pc:chgData name="Hernan Alperin" userId="53934dd3a01d9526" providerId="LiveId" clId="{0ACE6762-BEC4-424F-AA07-B2B8DE7B0D67}" dt="2020-07-08T21:47:33.169" v="541" actId="2711"/>
+        <pc:sldMkLst>
+          <pc:docMk/>
+          <pc:sldMk cId="1356616512" sldId="262"/>
+        </pc:sldMkLst>
+        <pc:spChg chg="mod">
+          <ac:chgData name="Hernan Alperin" userId="53934dd3a01d9526" providerId="LiveId" clId="{0ACE6762-BEC4-424F-AA07-B2B8DE7B0D67}" dt="2020-07-08T21:47:33.169" v="541" actId="2711"/>
+          <ac:spMkLst>
+            <pc:docMk/>
+            <pc:sldMk cId="1356616512" sldId="262"/>
+            <ac:spMk id="2" creationId="{7D328287-46F2-4C2A-915C-CF8849C4E797}"/>
+          </ac:spMkLst>
+        </pc:spChg>
+        <pc:spChg chg="mod">
+          <ac:chgData name="Hernan Alperin" userId="53934dd3a01d9526" providerId="LiveId" clId="{0ACE6762-BEC4-424F-AA07-B2B8DE7B0D67}" dt="2020-07-08T20:55:54.940" v="311" actId="208"/>
+          <ac:spMkLst>
+            <pc:docMk/>
+            <pc:sldMk cId="1356616512" sldId="262"/>
+            <ac:spMk id="3" creationId="{3A4E545A-DC52-4B2B-9C77-5616C32CFAA3}"/>
+          </ac:spMkLst>
+        </pc:spChg>
+        <pc:spChg chg="mod">
+          <ac:chgData name="Hernan Alperin" userId="53934dd3a01d9526" providerId="LiveId" clId="{0ACE6762-BEC4-424F-AA07-B2B8DE7B0D67}" dt="2020-07-08T20:55:54.940" v="311" actId="208"/>
+          <ac:spMkLst>
+            <pc:docMk/>
+            <pc:sldMk cId="1356616512" sldId="262"/>
+            <ac:spMk id="4" creationId="{3791B436-39D0-4882-AE02-072DDA21ACF2}"/>
+          </ac:spMkLst>
+        </pc:spChg>
+      </pc:sldChg>
+      <pc:sldChg chg="modSp mod">
+        <pc:chgData name="Hernan Alperin" userId="53934dd3a01d9526" providerId="LiveId" clId="{0ACE6762-BEC4-424F-AA07-B2B8DE7B0D67}" dt="2020-07-08T21:47:43.315" v="542" actId="2711"/>
+        <pc:sldMkLst>
+          <pc:docMk/>
+          <pc:sldMk cId="3229298752" sldId="263"/>
+        </pc:sldMkLst>
+        <pc:spChg chg="mod">
+          <ac:chgData name="Hernan Alperin" userId="53934dd3a01d9526" providerId="LiveId" clId="{0ACE6762-BEC4-424F-AA07-B2B8DE7B0D67}" dt="2020-07-08T21:47:43.315" v="542" actId="2711"/>
+          <ac:spMkLst>
+            <pc:docMk/>
+            <pc:sldMk cId="3229298752" sldId="263"/>
+            <ac:spMk id="2" creationId="{32028690-8D1D-4E68-B724-9F843CB98F7D}"/>
+          </ac:spMkLst>
+        </pc:spChg>
+      </pc:sldChg>
+      <pc:sldChg chg="modSp mod modAnim">
+        <pc:chgData name="Hernan Alperin" userId="53934dd3a01d9526" providerId="LiveId" clId="{0ACE6762-BEC4-424F-AA07-B2B8DE7B0D67}" dt="2020-07-08T21:47:52.067" v="543" actId="2711"/>
+        <pc:sldMkLst>
+          <pc:docMk/>
+          <pc:sldMk cId="3504839718" sldId="264"/>
+        </pc:sldMkLst>
+        <pc:spChg chg="mod">
+          <ac:chgData name="Hernan Alperin" userId="53934dd3a01d9526" providerId="LiveId" clId="{0ACE6762-BEC4-424F-AA07-B2B8DE7B0D67}" dt="2020-07-08T21:47:52.067" v="543" actId="2711"/>
+          <ac:spMkLst>
+            <pc:docMk/>
+            <pc:sldMk cId="3504839718" sldId="264"/>
+            <ac:spMk id="2" creationId="{437838FA-3918-41BD-9AD8-5BDECCA4D1B1}"/>
+          </ac:spMkLst>
+        </pc:spChg>
+        <pc:spChg chg="mod">
+          <ac:chgData name="Hernan Alperin" userId="53934dd3a01d9526" providerId="LiveId" clId="{0ACE6762-BEC4-424F-AA07-B2B8DE7B0D67}" dt="2020-07-08T21:10:41.280" v="397"/>
+          <ac:spMkLst>
+            <pc:docMk/>
+            <pc:sldMk cId="3504839718" sldId="264"/>
+            <ac:spMk id="3" creationId="{75BD24C3-8A06-41DF-A2FF-8C2AC454D93A}"/>
+          </ac:spMkLst>
+        </pc:spChg>
+        <pc:spChg chg="mod">
+          <ac:chgData name="Hernan Alperin" userId="53934dd3a01d9526" providerId="LiveId" clId="{0ACE6762-BEC4-424F-AA07-B2B8DE7B0D67}" dt="2020-07-08T20:56:15.464" v="315"/>
+          <ac:spMkLst>
+            <pc:docMk/>
+            <pc:sldMk cId="3504839718" sldId="264"/>
+            <ac:spMk id="4" creationId="{B0D538A1-61E4-47EA-A6AA-C49ECBC4F608}"/>
+          </ac:spMkLst>
+        </pc:spChg>
+      </pc:sldChg>
+      <pc:sldChg chg="modSp mod">
+        <pc:chgData name="Hernan Alperin" userId="53934dd3a01d9526" providerId="LiveId" clId="{0ACE6762-BEC4-424F-AA07-B2B8DE7B0D67}" dt="2020-07-08T21:40:37.973" v="490" actId="114"/>
+        <pc:sldMkLst>
+          <pc:docMk/>
+          <pc:sldMk cId="59448841" sldId="265"/>
+        </pc:sldMkLst>
+        <pc:spChg chg="mod">
+          <ac:chgData name="Hernan Alperin" userId="53934dd3a01d9526" providerId="LiveId" clId="{0ACE6762-BEC4-424F-AA07-B2B8DE7B0D67}" dt="2020-07-08T21:39:13.185" v="482" actId="27636"/>
+          <ac:spMkLst>
+            <pc:docMk/>
+            <pc:sldMk cId="59448841" sldId="265"/>
+            <ac:spMk id="2" creationId="{3F9640A5-903A-45E6-8F6A-4F99470764CA}"/>
+          </ac:spMkLst>
+        </pc:spChg>
+        <pc:spChg chg="mod">
+          <ac:chgData name="Hernan Alperin" userId="53934dd3a01d9526" providerId="LiveId" clId="{0ACE6762-BEC4-424F-AA07-B2B8DE7B0D67}" dt="2020-07-08T21:39:21.655" v="483" actId="2711"/>
+          <ac:spMkLst>
+            <pc:docMk/>
+            <pc:sldMk cId="59448841" sldId="265"/>
+            <ac:spMk id="3" creationId="{5A9A0437-608D-495B-B722-C8295D7A3926}"/>
+          </ac:spMkLst>
+        </pc:spChg>
+        <pc:spChg chg="mod">
+          <ac:chgData name="Hernan Alperin" userId="53934dd3a01d9526" providerId="LiveId" clId="{0ACE6762-BEC4-424F-AA07-B2B8DE7B0D67}" dt="2020-07-08T21:40:37.973" v="490" actId="114"/>
+          <ac:spMkLst>
+            <pc:docMk/>
+            <pc:sldMk cId="59448841" sldId="265"/>
+            <ac:spMk id="4" creationId="{88630322-1F4C-437E-81EE-6FCFFBB08546}"/>
+          </ac:spMkLst>
+        </pc:spChg>
+      </pc:sldChg>
+      <pc:sldChg chg="modSp mod">
+        <pc:chgData name="Hernan Alperin" userId="53934dd3a01d9526" providerId="LiveId" clId="{0ACE6762-BEC4-424F-AA07-B2B8DE7B0D67}" dt="2020-07-08T21:48:38.234" v="545" actId="2711"/>
+        <pc:sldMkLst>
+          <pc:docMk/>
+          <pc:sldMk cId="643338633" sldId="266"/>
+        </pc:sldMkLst>
+        <pc:spChg chg="mod">
+          <ac:chgData name="Hernan Alperin" userId="53934dd3a01d9526" providerId="LiveId" clId="{0ACE6762-BEC4-424F-AA07-B2B8DE7B0D67}" dt="2020-07-08T21:48:24.583" v="544" actId="2711"/>
+          <ac:spMkLst>
+            <pc:docMk/>
+            <pc:sldMk cId="643338633" sldId="266"/>
+            <ac:spMk id="2" creationId="{97468D9B-3A92-40E5-9233-0525BD947993}"/>
+          </ac:spMkLst>
+        </pc:spChg>
+        <pc:spChg chg="mod">
+          <ac:chgData name="Hernan Alperin" userId="53934dd3a01d9526" providerId="LiveId" clId="{0ACE6762-BEC4-424F-AA07-B2B8DE7B0D67}" dt="2020-07-08T21:48:38.234" v="545" actId="2711"/>
+          <ac:spMkLst>
+            <pc:docMk/>
+            <pc:sldMk cId="643338633" sldId="266"/>
+            <ac:spMk id="3" creationId="{575ECEC0-8EE7-4728-8DF2-99C8C32C3389}"/>
+          </ac:spMkLst>
+        </pc:spChg>
+        <pc:spChg chg="mod">
+          <ac:chgData name="Hernan Alperin" userId="53934dd3a01d9526" providerId="LiveId" clId="{0ACE6762-BEC4-424F-AA07-B2B8DE7B0D67}" dt="2020-07-08T20:57:01.131" v="323"/>
+          <ac:spMkLst>
+            <pc:docMk/>
+            <pc:sldMk cId="643338633" sldId="266"/>
+            <ac:spMk id="4" creationId="{58AF56BA-F065-430E-BB60-E27A10EF39A7}"/>
+          </ac:spMkLst>
+        </pc:spChg>
+      </pc:sldChg>
+      <pc:sldChg chg="addSp modSp new mod">
+        <pc:chgData name="Hernan Alperin" userId="53934dd3a01d9526" providerId="LiveId" clId="{0ACE6762-BEC4-424F-AA07-B2B8DE7B0D67}" dt="2020-07-09T00:43:41.298" v="609"/>
+        <pc:sldMkLst>
+          <pc:docMk/>
+          <pc:sldMk cId="3133358121" sldId="267"/>
+        </pc:sldMkLst>
+        <pc:spChg chg="mod">
+          <ac:chgData name="Hernan Alperin" userId="53934dd3a01d9526" providerId="LiveId" clId="{0ACE6762-BEC4-424F-AA07-B2B8DE7B0D67}" dt="2020-07-09T00:43:41.298" v="609"/>
+          <ac:spMkLst>
+            <pc:docMk/>
+            <pc:sldMk cId="3133358121" sldId="267"/>
+            <ac:spMk id="2" creationId="{F20614AF-9807-4509-8689-79AB59718742}"/>
+          </ac:spMkLst>
+        </pc:spChg>
+        <pc:spChg chg="add mod">
+          <ac:chgData name="Hernan Alperin" userId="53934dd3a01d9526" providerId="LiveId" clId="{0ACE6762-BEC4-424F-AA07-B2B8DE7B0D67}" dt="2020-07-08T22:03:52.596" v="598"/>
+          <ac:spMkLst>
+            <pc:docMk/>
+            <pc:sldMk cId="3133358121" sldId="267"/>
+            <ac:spMk id="3" creationId="{94B2457D-889F-4629-8DA1-06A3DFA168A3}"/>
+          </ac:spMkLst>
+        </pc:spChg>
+      </pc:sldChg>
+    </pc:docChg>
+  </pc:docChgLst>
   <pc:docChgLst>
     <pc:chgData name="Hernan Alperin" userId="53934dd3a01d9526" providerId="LiveId" clId="{B424F68F-92B1-48AA-B87A-DC78F9BAC39E}"/>
     <pc:docChg chg="undo custSel mod addSld delSld modSld">
@@ -653,13 +1792,7 @@
       </p:grpSpPr>
       <p:sp>
         <p:nvSpPr>
-          <p:cNvPr id="2" name="Título 1">
-            <a:extLst>
-              <a:ext uri="{FF2B5EF4-FFF2-40B4-BE49-F238E27FC236}">
-                <a16:creationId xmlns:a16="http://schemas.microsoft.com/office/drawing/2014/main" id="{67E4E3A1-E73C-462F-8CC5-D30A654302CD}"/>
-              </a:ext>
-            </a:extLst>
-          </p:cNvPr>
+          <p:cNvPr id="2" name="Title 1"/>
           <p:cNvSpPr>
             <a:spLocks noGrp="1"/>
           </p:cNvSpPr>
@@ -685,19 +1818,13 @@
               <a:rPr lang="es-ES"/>
               <a:t>Haga clic para modificar el estilo de título del patrón</a:t>
             </a:r>
-            <a:endParaRPr lang="es-AR"/>
+            <a:endParaRPr lang="en-US" dirty="0"/>
           </a:p>
         </p:txBody>
       </p:sp>
       <p:sp>
         <p:nvSpPr>
-          <p:cNvPr id="3" name="Subtítulo 2">
-            <a:extLst>
-              <a:ext uri="{FF2B5EF4-FFF2-40B4-BE49-F238E27FC236}">
-                <a16:creationId xmlns:a16="http://schemas.microsoft.com/office/drawing/2014/main" id="{29940388-A55C-4823-A71B-B6A0CF601F59}"/>
-              </a:ext>
-            </a:extLst>
-          </p:cNvPr>
+          <p:cNvPr id="3" name="Subtitle 2"/>
           <p:cNvSpPr>
             <a:spLocks noGrp="1"/>
           </p:cNvSpPr>
@@ -756,19 +1883,13 @@
               <a:rPr lang="es-ES"/>
               <a:t>Haga clic para modificar el estilo de subtítulo del patrón</a:t>
             </a:r>
-            <a:endParaRPr lang="es-AR"/>
+            <a:endParaRPr lang="en-US" dirty="0"/>
           </a:p>
         </p:txBody>
       </p:sp>
       <p:sp>
         <p:nvSpPr>
-          <p:cNvPr id="4" name="Marcador de fecha 3">
-            <a:extLst>
-              <a:ext uri="{FF2B5EF4-FFF2-40B4-BE49-F238E27FC236}">
-                <a16:creationId xmlns:a16="http://schemas.microsoft.com/office/drawing/2014/main" id="{22538AF5-45CC-4F43-9A14-6D7652BE61F4}"/>
-              </a:ext>
-            </a:extLst>
-          </p:cNvPr>
+          <p:cNvPr id="4" name="Date Placeholder 3"/>
           <p:cNvSpPr>
             <a:spLocks noGrp="1"/>
           </p:cNvSpPr>
@@ -783,7 +1904,7 @@
           <a:p>
             <a:fld id="{BB2F7DFF-5F1B-4566-B0D3-4B3A3737C997}" type="datetimeFigureOut">
               <a:rPr lang="es-AR" smtClean="0"/>
-              <a:t>30/6/2020</a:t>
+              <a:t>8/7/2020</a:t>
             </a:fld>
             <a:endParaRPr lang="es-AR"/>
           </a:p>
@@ -791,13 +1912,7 @@
       </p:sp>
       <p:sp>
         <p:nvSpPr>
-          <p:cNvPr id="5" name="Marcador de pie de página 4">
-            <a:extLst>
-              <a:ext uri="{FF2B5EF4-FFF2-40B4-BE49-F238E27FC236}">
-                <a16:creationId xmlns:a16="http://schemas.microsoft.com/office/drawing/2014/main" id="{1BE0D93A-DC98-48A7-978B-DFF612D8E99D}"/>
-              </a:ext>
-            </a:extLst>
-          </p:cNvPr>
+          <p:cNvPr id="5" name="Footer Placeholder 4"/>
           <p:cNvSpPr>
             <a:spLocks noGrp="1"/>
           </p:cNvSpPr>
@@ -816,13 +1931,7 @@
       </p:sp>
       <p:sp>
         <p:nvSpPr>
-          <p:cNvPr id="6" name="Marcador de número de diapositiva 5">
-            <a:extLst>
-              <a:ext uri="{FF2B5EF4-FFF2-40B4-BE49-F238E27FC236}">
-                <a16:creationId xmlns:a16="http://schemas.microsoft.com/office/drawing/2014/main" id="{4A5F4677-B72C-4414-A497-98C6ACAD9969}"/>
-              </a:ext>
-            </a:extLst>
-          </p:cNvPr>
+          <p:cNvPr id="6" name="Slide Number Placeholder 5"/>
           <p:cNvSpPr>
             <a:spLocks noGrp="1"/>
           </p:cNvSpPr>
@@ -846,7 +1955,7 @@
     </p:spTree>
     <p:extLst>
       <p:ext uri="{BB962C8B-B14F-4D97-AF65-F5344CB8AC3E}">
-        <p14:creationId xmlns:p14="http://schemas.microsoft.com/office/powerpoint/2010/main" val="3693602826"/>
+        <p14:creationId xmlns:p14="http://schemas.microsoft.com/office/powerpoint/2010/main" val="3639671125"/>
       </p:ext>
     </p:extLst>
   </p:cSld>
@@ -875,13 +1984,7 @@
       </p:grpSpPr>
       <p:sp>
         <p:nvSpPr>
-          <p:cNvPr id="2" name="Título 1">
-            <a:extLst>
-              <a:ext uri="{FF2B5EF4-FFF2-40B4-BE49-F238E27FC236}">
-                <a16:creationId xmlns:a16="http://schemas.microsoft.com/office/drawing/2014/main" id="{9014F50C-EE09-4D37-B3D6-9AA4C392D2FB}"/>
-              </a:ext>
-            </a:extLst>
-          </p:cNvPr>
+          <p:cNvPr id="2" name="Title 1"/>
           <p:cNvSpPr>
             <a:spLocks noGrp="1"/>
           </p:cNvSpPr>
@@ -898,19 +2001,13 @@
               <a:rPr lang="es-ES"/>
               <a:t>Haga clic para modificar el estilo de título del patrón</a:t>
             </a:r>
-            <a:endParaRPr lang="es-AR"/>
+            <a:endParaRPr lang="en-US" dirty="0"/>
           </a:p>
         </p:txBody>
       </p:sp>
       <p:sp>
         <p:nvSpPr>
-          <p:cNvPr id="3" name="Marcador de texto vertical 2">
-            <a:extLst>
-              <a:ext uri="{FF2B5EF4-FFF2-40B4-BE49-F238E27FC236}">
-                <a16:creationId xmlns:a16="http://schemas.microsoft.com/office/drawing/2014/main" id="{AA6162E7-08B5-4D0B-852F-F59CCDE9AADA}"/>
-              </a:ext>
-            </a:extLst>
-          </p:cNvPr>
+          <p:cNvPr id="3" name="Vertical Text Placeholder 2"/>
           <p:cNvSpPr>
             <a:spLocks noGrp="1"/>
           </p:cNvSpPr>
@@ -956,19 +2053,13 @@
               <a:rPr lang="es-ES"/>
               <a:t>Quinto nivel</a:t>
             </a:r>
-            <a:endParaRPr lang="es-AR"/>
+            <a:endParaRPr lang="en-US" dirty="0"/>
           </a:p>
         </p:txBody>
       </p:sp>
       <p:sp>
         <p:nvSpPr>
-          <p:cNvPr id="4" name="Marcador de fecha 3">
-            <a:extLst>
-              <a:ext uri="{FF2B5EF4-FFF2-40B4-BE49-F238E27FC236}">
-                <a16:creationId xmlns:a16="http://schemas.microsoft.com/office/drawing/2014/main" id="{4A12D622-84F7-4D3D-A973-121AB6562EEB}"/>
-              </a:ext>
-            </a:extLst>
-          </p:cNvPr>
+          <p:cNvPr id="4" name="Date Placeholder 3"/>
           <p:cNvSpPr>
             <a:spLocks noGrp="1"/>
           </p:cNvSpPr>
@@ -983,7 +2074,7 @@
           <a:p>
             <a:fld id="{BB2F7DFF-5F1B-4566-B0D3-4B3A3737C997}" type="datetimeFigureOut">
               <a:rPr lang="es-AR" smtClean="0"/>
-              <a:t>30/6/2020</a:t>
+              <a:t>8/7/2020</a:t>
             </a:fld>
             <a:endParaRPr lang="es-AR"/>
           </a:p>
@@ -991,13 +2082,7 @@
       </p:sp>
       <p:sp>
         <p:nvSpPr>
-          <p:cNvPr id="5" name="Marcador de pie de página 4">
-            <a:extLst>
-              <a:ext uri="{FF2B5EF4-FFF2-40B4-BE49-F238E27FC236}">
-                <a16:creationId xmlns:a16="http://schemas.microsoft.com/office/drawing/2014/main" id="{FBD136E8-D00C-4CB9-90BB-73390ED516F2}"/>
-              </a:ext>
-            </a:extLst>
-          </p:cNvPr>
+          <p:cNvPr id="5" name="Footer Placeholder 4"/>
           <p:cNvSpPr>
             <a:spLocks noGrp="1"/>
           </p:cNvSpPr>
@@ -1016,13 +2101,7 @@
       </p:sp>
       <p:sp>
         <p:nvSpPr>
-          <p:cNvPr id="6" name="Marcador de número de diapositiva 5">
-            <a:extLst>
-              <a:ext uri="{FF2B5EF4-FFF2-40B4-BE49-F238E27FC236}">
-                <a16:creationId xmlns:a16="http://schemas.microsoft.com/office/drawing/2014/main" id="{F996D387-1DB5-43BA-BE18-3A7E2F89445A}"/>
-              </a:ext>
-            </a:extLst>
-          </p:cNvPr>
+          <p:cNvPr id="6" name="Slide Number Placeholder 5"/>
           <p:cNvSpPr>
             <a:spLocks noGrp="1"/>
           </p:cNvSpPr>
@@ -1046,7 +2125,7 @@
     </p:spTree>
     <p:extLst>
       <p:ext uri="{BB962C8B-B14F-4D97-AF65-F5344CB8AC3E}">
-        <p14:creationId xmlns:p14="http://schemas.microsoft.com/office/powerpoint/2010/main" val="1328689981"/>
+        <p14:creationId xmlns:p14="http://schemas.microsoft.com/office/powerpoint/2010/main" val="1652676202"/>
       </p:ext>
     </p:extLst>
   </p:cSld>
@@ -1075,13 +2154,7 @@
       </p:grpSpPr>
       <p:sp>
         <p:nvSpPr>
-          <p:cNvPr id="2" name="Título vertical 1">
-            <a:extLst>
-              <a:ext uri="{FF2B5EF4-FFF2-40B4-BE49-F238E27FC236}">
-                <a16:creationId xmlns:a16="http://schemas.microsoft.com/office/drawing/2014/main" id="{D9DC10FF-2BBC-4A84-9C32-E9E3A9472F3D}"/>
-              </a:ext>
-            </a:extLst>
-          </p:cNvPr>
+          <p:cNvPr id="2" name="Vertical Title 1"/>
           <p:cNvSpPr>
             <a:spLocks noGrp="1"/>
           </p:cNvSpPr>
@@ -1103,19 +2176,13 @@
               <a:rPr lang="es-ES"/>
               <a:t>Haga clic para modificar el estilo de título del patrón</a:t>
             </a:r>
-            <a:endParaRPr lang="es-AR"/>
+            <a:endParaRPr lang="en-US" dirty="0"/>
           </a:p>
         </p:txBody>
       </p:sp>
       <p:sp>
         <p:nvSpPr>
-          <p:cNvPr id="3" name="Marcador de texto vertical 2">
-            <a:extLst>
-              <a:ext uri="{FF2B5EF4-FFF2-40B4-BE49-F238E27FC236}">
-                <a16:creationId xmlns:a16="http://schemas.microsoft.com/office/drawing/2014/main" id="{D41FF62A-3F3D-4D41-ABDE-A775A27AB411}"/>
-              </a:ext>
-            </a:extLst>
-          </p:cNvPr>
+          <p:cNvPr id="3" name="Vertical Text Placeholder 2"/>
           <p:cNvSpPr>
             <a:spLocks noGrp="1"/>
           </p:cNvSpPr>
@@ -1166,19 +2233,13 @@
               <a:rPr lang="es-ES"/>
               <a:t>Quinto nivel</a:t>
             </a:r>
-            <a:endParaRPr lang="es-AR"/>
+            <a:endParaRPr lang="en-US" dirty="0"/>
           </a:p>
         </p:txBody>
       </p:sp>
       <p:sp>
         <p:nvSpPr>
-          <p:cNvPr id="4" name="Marcador de fecha 3">
-            <a:extLst>
-              <a:ext uri="{FF2B5EF4-FFF2-40B4-BE49-F238E27FC236}">
-                <a16:creationId xmlns:a16="http://schemas.microsoft.com/office/drawing/2014/main" id="{31C129FA-080F-4BAE-B9C1-56E40089E4C0}"/>
-              </a:ext>
-            </a:extLst>
-          </p:cNvPr>
+          <p:cNvPr id="4" name="Date Placeholder 3"/>
           <p:cNvSpPr>
             <a:spLocks noGrp="1"/>
           </p:cNvSpPr>
@@ -1193,7 +2254,7 @@
           <a:p>
             <a:fld id="{BB2F7DFF-5F1B-4566-B0D3-4B3A3737C997}" type="datetimeFigureOut">
               <a:rPr lang="es-AR" smtClean="0"/>
-              <a:t>30/6/2020</a:t>
+              <a:t>8/7/2020</a:t>
             </a:fld>
             <a:endParaRPr lang="es-AR"/>
           </a:p>
@@ -1201,13 +2262,7 @@
       </p:sp>
       <p:sp>
         <p:nvSpPr>
-          <p:cNvPr id="5" name="Marcador de pie de página 4">
-            <a:extLst>
-              <a:ext uri="{FF2B5EF4-FFF2-40B4-BE49-F238E27FC236}">
-                <a16:creationId xmlns:a16="http://schemas.microsoft.com/office/drawing/2014/main" id="{49DD8389-A444-47A7-BD2A-FF4197926A21}"/>
-              </a:ext>
-            </a:extLst>
-          </p:cNvPr>
+          <p:cNvPr id="5" name="Footer Placeholder 4"/>
           <p:cNvSpPr>
             <a:spLocks noGrp="1"/>
           </p:cNvSpPr>
@@ -1226,13 +2281,7 @@
       </p:sp>
       <p:sp>
         <p:nvSpPr>
-          <p:cNvPr id="6" name="Marcador de número de diapositiva 5">
-            <a:extLst>
-              <a:ext uri="{FF2B5EF4-FFF2-40B4-BE49-F238E27FC236}">
-                <a16:creationId xmlns:a16="http://schemas.microsoft.com/office/drawing/2014/main" id="{8C60CA4A-37CB-4F25-B49F-3A32ADD85386}"/>
-              </a:ext>
-            </a:extLst>
-          </p:cNvPr>
+          <p:cNvPr id="6" name="Slide Number Placeholder 5"/>
           <p:cNvSpPr>
             <a:spLocks noGrp="1"/>
           </p:cNvSpPr>
@@ -1256,7 +2305,7 @@
     </p:spTree>
     <p:extLst>
       <p:ext uri="{BB962C8B-B14F-4D97-AF65-F5344CB8AC3E}">
-        <p14:creationId xmlns:p14="http://schemas.microsoft.com/office/powerpoint/2010/main" val="814584945"/>
+        <p14:creationId xmlns:p14="http://schemas.microsoft.com/office/powerpoint/2010/main" val="2569868669"/>
       </p:ext>
     </p:extLst>
   </p:cSld>
@@ -1285,13 +2334,7 @@
       </p:grpSpPr>
       <p:sp>
         <p:nvSpPr>
-          <p:cNvPr id="2" name="Título 1">
-            <a:extLst>
-              <a:ext uri="{FF2B5EF4-FFF2-40B4-BE49-F238E27FC236}">
-                <a16:creationId xmlns:a16="http://schemas.microsoft.com/office/drawing/2014/main" id="{15F36F1F-FFC6-417C-B64C-EBA38C950E71}"/>
-              </a:ext>
-            </a:extLst>
-          </p:cNvPr>
+          <p:cNvPr id="2" name="Title 1"/>
           <p:cNvSpPr>
             <a:spLocks noGrp="1"/>
           </p:cNvSpPr>
@@ -1308,19 +2351,13 @@
               <a:rPr lang="es-ES"/>
               <a:t>Haga clic para modificar el estilo de título del patrón</a:t>
             </a:r>
-            <a:endParaRPr lang="es-AR"/>
+            <a:endParaRPr lang="en-US" dirty="0"/>
           </a:p>
         </p:txBody>
       </p:sp>
       <p:sp>
         <p:nvSpPr>
-          <p:cNvPr id="3" name="Marcador de contenido 2">
-            <a:extLst>
-              <a:ext uri="{FF2B5EF4-FFF2-40B4-BE49-F238E27FC236}">
-                <a16:creationId xmlns:a16="http://schemas.microsoft.com/office/drawing/2014/main" id="{7F52EA2D-2397-4CC3-9E8B-B8DE7C1ACFDB}"/>
-              </a:ext>
-            </a:extLst>
-          </p:cNvPr>
+          <p:cNvPr id="3" name="Content Placeholder 2"/>
           <p:cNvSpPr>
             <a:spLocks noGrp="1"/>
           </p:cNvSpPr>
@@ -1366,19 +2403,13 @@
               <a:rPr lang="es-ES"/>
               <a:t>Quinto nivel</a:t>
             </a:r>
-            <a:endParaRPr lang="es-AR"/>
+            <a:endParaRPr lang="en-US" dirty="0"/>
           </a:p>
         </p:txBody>
       </p:sp>
       <p:sp>
         <p:nvSpPr>
-          <p:cNvPr id="4" name="Marcador de fecha 3">
-            <a:extLst>
-              <a:ext uri="{FF2B5EF4-FFF2-40B4-BE49-F238E27FC236}">
-                <a16:creationId xmlns:a16="http://schemas.microsoft.com/office/drawing/2014/main" id="{4B5458D5-9E08-4E4D-AEC9-5C5720045711}"/>
-              </a:ext>
-            </a:extLst>
-          </p:cNvPr>
+          <p:cNvPr id="4" name="Date Placeholder 3"/>
           <p:cNvSpPr>
             <a:spLocks noGrp="1"/>
           </p:cNvSpPr>
@@ -1393,7 +2424,7 @@
           <a:p>
             <a:fld id="{BB2F7DFF-5F1B-4566-B0D3-4B3A3737C997}" type="datetimeFigureOut">
               <a:rPr lang="es-AR" smtClean="0"/>
-              <a:t>30/6/2020</a:t>
+              <a:t>8/7/2020</a:t>
             </a:fld>
             <a:endParaRPr lang="es-AR"/>
           </a:p>
@@ -1401,13 +2432,7 @@
       </p:sp>
       <p:sp>
         <p:nvSpPr>
-          <p:cNvPr id="5" name="Marcador de pie de página 4">
-            <a:extLst>
-              <a:ext uri="{FF2B5EF4-FFF2-40B4-BE49-F238E27FC236}">
-                <a16:creationId xmlns:a16="http://schemas.microsoft.com/office/drawing/2014/main" id="{0C162D2F-445D-4F70-9ABA-2A701C68F5B0}"/>
-              </a:ext>
-            </a:extLst>
-          </p:cNvPr>
+          <p:cNvPr id="5" name="Footer Placeholder 4"/>
           <p:cNvSpPr>
             <a:spLocks noGrp="1"/>
           </p:cNvSpPr>
@@ -1426,13 +2451,7 @@
       </p:sp>
       <p:sp>
         <p:nvSpPr>
-          <p:cNvPr id="6" name="Marcador de número de diapositiva 5">
-            <a:extLst>
-              <a:ext uri="{FF2B5EF4-FFF2-40B4-BE49-F238E27FC236}">
-                <a16:creationId xmlns:a16="http://schemas.microsoft.com/office/drawing/2014/main" id="{BFB7CECC-98D2-41F0-BF26-959BDC491516}"/>
-              </a:ext>
-            </a:extLst>
-          </p:cNvPr>
+          <p:cNvPr id="6" name="Slide Number Placeholder 5"/>
           <p:cNvSpPr>
             <a:spLocks noGrp="1"/>
           </p:cNvSpPr>
@@ -1456,7 +2475,7 @@
     </p:spTree>
     <p:extLst>
       <p:ext uri="{BB962C8B-B14F-4D97-AF65-F5344CB8AC3E}">
-        <p14:creationId xmlns:p14="http://schemas.microsoft.com/office/powerpoint/2010/main" val="1734170043"/>
+        <p14:creationId xmlns:p14="http://schemas.microsoft.com/office/powerpoint/2010/main" val="3394448075"/>
       </p:ext>
     </p:extLst>
   </p:cSld>
@@ -1485,13 +2504,7 @@
       </p:grpSpPr>
       <p:sp>
         <p:nvSpPr>
-          <p:cNvPr id="2" name="Título 1">
-            <a:extLst>
-              <a:ext uri="{FF2B5EF4-FFF2-40B4-BE49-F238E27FC236}">
-                <a16:creationId xmlns:a16="http://schemas.microsoft.com/office/drawing/2014/main" id="{5DA6B674-F05A-4014-B5FD-5743242CE65D}"/>
-              </a:ext>
-            </a:extLst>
-          </p:cNvPr>
+          <p:cNvPr id="2" name="Title 1"/>
           <p:cNvSpPr>
             <a:spLocks noGrp="1"/>
           </p:cNvSpPr>
@@ -1517,19 +2530,13 @@
               <a:rPr lang="es-ES"/>
               <a:t>Haga clic para modificar el estilo de título del patrón</a:t>
             </a:r>
-            <a:endParaRPr lang="es-AR"/>
+            <a:endParaRPr lang="en-US" dirty="0"/>
           </a:p>
         </p:txBody>
       </p:sp>
       <p:sp>
         <p:nvSpPr>
-          <p:cNvPr id="3" name="Marcador de texto 2">
-            <a:extLst>
-              <a:ext uri="{FF2B5EF4-FFF2-40B4-BE49-F238E27FC236}">
-                <a16:creationId xmlns:a16="http://schemas.microsoft.com/office/drawing/2014/main" id="{E875BF80-58AD-45B2-8625-CF9B044F0463}"/>
-              </a:ext>
-            </a:extLst>
-          </p:cNvPr>
+          <p:cNvPr id="3" name="Text Placeholder 2"/>
           <p:cNvSpPr>
             <a:spLocks noGrp="1"/>
           </p:cNvSpPr>
@@ -1648,13 +2655,7 @@
       </p:sp>
       <p:sp>
         <p:nvSpPr>
-          <p:cNvPr id="4" name="Marcador de fecha 3">
-            <a:extLst>
-              <a:ext uri="{FF2B5EF4-FFF2-40B4-BE49-F238E27FC236}">
-                <a16:creationId xmlns:a16="http://schemas.microsoft.com/office/drawing/2014/main" id="{1712C251-4CE5-47ED-8459-5F116BA05C57}"/>
-              </a:ext>
-            </a:extLst>
-          </p:cNvPr>
+          <p:cNvPr id="4" name="Date Placeholder 3"/>
           <p:cNvSpPr>
             <a:spLocks noGrp="1"/>
           </p:cNvSpPr>
@@ -1669,7 +2670,7 @@
           <a:p>
             <a:fld id="{BB2F7DFF-5F1B-4566-B0D3-4B3A3737C997}" type="datetimeFigureOut">
               <a:rPr lang="es-AR" smtClean="0"/>
-              <a:t>30/6/2020</a:t>
+              <a:t>8/7/2020</a:t>
             </a:fld>
             <a:endParaRPr lang="es-AR"/>
           </a:p>
@@ -1677,13 +2678,7 @@
       </p:sp>
       <p:sp>
         <p:nvSpPr>
-          <p:cNvPr id="5" name="Marcador de pie de página 4">
-            <a:extLst>
-              <a:ext uri="{FF2B5EF4-FFF2-40B4-BE49-F238E27FC236}">
-                <a16:creationId xmlns:a16="http://schemas.microsoft.com/office/drawing/2014/main" id="{0E6DB442-9EEA-42AE-85C8-0C8D537C6375}"/>
-              </a:ext>
-            </a:extLst>
-          </p:cNvPr>
+          <p:cNvPr id="5" name="Footer Placeholder 4"/>
           <p:cNvSpPr>
             <a:spLocks noGrp="1"/>
           </p:cNvSpPr>
@@ -1702,13 +2697,7 @@
       </p:sp>
       <p:sp>
         <p:nvSpPr>
-          <p:cNvPr id="6" name="Marcador de número de diapositiva 5">
-            <a:extLst>
-              <a:ext uri="{FF2B5EF4-FFF2-40B4-BE49-F238E27FC236}">
-                <a16:creationId xmlns:a16="http://schemas.microsoft.com/office/drawing/2014/main" id="{D65DBE69-9022-4281-B506-F7A605104E26}"/>
-              </a:ext>
-            </a:extLst>
-          </p:cNvPr>
+          <p:cNvPr id="6" name="Slide Number Placeholder 5"/>
           <p:cNvSpPr>
             <a:spLocks noGrp="1"/>
           </p:cNvSpPr>
@@ -1732,7 +2721,7 @@
     </p:spTree>
     <p:extLst>
       <p:ext uri="{BB962C8B-B14F-4D97-AF65-F5344CB8AC3E}">
-        <p14:creationId xmlns:p14="http://schemas.microsoft.com/office/powerpoint/2010/main" val="3439765250"/>
+        <p14:creationId xmlns:p14="http://schemas.microsoft.com/office/powerpoint/2010/main" val="3700755663"/>
       </p:ext>
     </p:extLst>
   </p:cSld>
@@ -1761,13 +2750,7 @@
       </p:grpSpPr>
       <p:sp>
         <p:nvSpPr>
-          <p:cNvPr id="2" name="Título 1">
-            <a:extLst>
-              <a:ext uri="{FF2B5EF4-FFF2-40B4-BE49-F238E27FC236}">
-                <a16:creationId xmlns:a16="http://schemas.microsoft.com/office/drawing/2014/main" id="{7ECC1012-10B1-4861-BBA0-B2300B3ED48A}"/>
-              </a:ext>
-            </a:extLst>
-          </p:cNvPr>
+          <p:cNvPr id="2" name="Title 1"/>
           <p:cNvSpPr>
             <a:spLocks noGrp="1"/>
           </p:cNvSpPr>
@@ -1784,19 +2767,13 @@
               <a:rPr lang="es-ES"/>
               <a:t>Haga clic para modificar el estilo de título del patrón</a:t>
             </a:r>
-            <a:endParaRPr lang="es-AR"/>
+            <a:endParaRPr lang="en-US" dirty="0"/>
           </a:p>
         </p:txBody>
       </p:sp>
       <p:sp>
         <p:nvSpPr>
-          <p:cNvPr id="3" name="Marcador de contenido 2">
-            <a:extLst>
-              <a:ext uri="{FF2B5EF4-FFF2-40B4-BE49-F238E27FC236}">
-                <a16:creationId xmlns:a16="http://schemas.microsoft.com/office/drawing/2014/main" id="{2E701EDA-0125-4215-8467-F6867F7FA9D9}"/>
-              </a:ext>
-            </a:extLst>
-          </p:cNvPr>
+          <p:cNvPr id="3" name="Content Placeholder 2"/>
           <p:cNvSpPr>
             <a:spLocks noGrp="1"/>
           </p:cNvSpPr>
@@ -1847,19 +2824,13 @@
               <a:rPr lang="es-ES"/>
               <a:t>Quinto nivel</a:t>
             </a:r>
-            <a:endParaRPr lang="es-AR"/>
+            <a:endParaRPr lang="en-US" dirty="0"/>
           </a:p>
         </p:txBody>
       </p:sp>
       <p:sp>
         <p:nvSpPr>
-          <p:cNvPr id="4" name="Marcador de contenido 3">
-            <a:extLst>
-              <a:ext uri="{FF2B5EF4-FFF2-40B4-BE49-F238E27FC236}">
-                <a16:creationId xmlns:a16="http://schemas.microsoft.com/office/drawing/2014/main" id="{B2460474-733B-4630-95D1-F2172BD6A16D}"/>
-              </a:ext>
-            </a:extLst>
-          </p:cNvPr>
+          <p:cNvPr id="4" name="Content Placeholder 3"/>
           <p:cNvSpPr>
             <a:spLocks noGrp="1"/>
           </p:cNvSpPr>
@@ -1910,19 +2881,13 @@
               <a:rPr lang="es-ES"/>
               <a:t>Quinto nivel</a:t>
             </a:r>
-            <a:endParaRPr lang="es-AR"/>
+            <a:endParaRPr lang="en-US" dirty="0"/>
           </a:p>
         </p:txBody>
       </p:sp>
       <p:sp>
         <p:nvSpPr>
-          <p:cNvPr id="5" name="Marcador de fecha 4">
-            <a:extLst>
-              <a:ext uri="{FF2B5EF4-FFF2-40B4-BE49-F238E27FC236}">
-                <a16:creationId xmlns:a16="http://schemas.microsoft.com/office/drawing/2014/main" id="{43E508C6-0DC5-4D0A-A687-B488F89C4BC9}"/>
-              </a:ext>
-            </a:extLst>
-          </p:cNvPr>
+          <p:cNvPr id="5" name="Date Placeholder 4"/>
           <p:cNvSpPr>
             <a:spLocks noGrp="1"/>
           </p:cNvSpPr>
@@ -1937,7 +2902,7 @@
           <a:p>
             <a:fld id="{BB2F7DFF-5F1B-4566-B0D3-4B3A3737C997}" type="datetimeFigureOut">
               <a:rPr lang="es-AR" smtClean="0"/>
-              <a:t>30/6/2020</a:t>
+              <a:t>8/7/2020</a:t>
             </a:fld>
             <a:endParaRPr lang="es-AR"/>
           </a:p>
@@ -1945,13 +2910,7 @@
       </p:sp>
       <p:sp>
         <p:nvSpPr>
-          <p:cNvPr id="6" name="Marcador de pie de página 5">
-            <a:extLst>
-              <a:ext uri="{FF2B5EF4-FFF2-40B4-BE49-F238E27FC236}">
-                <a16:creationId xmlns:a16="http://schemas.microsoft.com/office/drawing/2014/main" id="{30A19B40-7F15-4274-A9A9-B911A8ADCBD1}"/>
-              </a:ext>
-            </a:extLst>
-          </p:cNvPr>
+          <p:cNvPr id="6" name="Footer Placeholder 5"/>
           <p:cNvSpPr>
             <a:spLocks noGrp="1"/>
           </p:cNvSpPr>
@@ -1970,13 +2929,7 @@
       </p:sp>
       <p:sp>
         <p:nvSpPr>
-          <p:cNvPr id="7" name="Marcador de número de diapositiva 6">
-            <a:extLst>
-              <a:ext uri="{FF2B5EF4-FFF2-40B4-BE49-F238E27FC236}">
-                <a16:creationId xmlns:a16="http://schemas.microsoft.com/office/drawing/2014/main" id="{B7712BBA-11E0-4158-AF2A-E0284E25DAFA}"/>
-              </a:ext>
-            </a:extLst>
-          </p:cNvPr>
+          <p:cNvPr id="7" name="Slide Number Placeholder 6"/>
           <p:cNvSpPr>
             <a:spLocks noGrp="1"/>
           </p:cNvSpPr>
@@ -2000,7 +2953,7 @@
     </p:spTree>
     <p:extLst>
       <p:ext uri="{BB962C8B-B14F-4D97-AF65-F5344CB8AC3E}">
-        <p14:creationId xmlns:p14="http://schemas.microsoft.com/office/powerpoint/2010/main" val="2576989688"/>
+        <p14:creationId xmlns:p14="http://schemas.microsoft.com/office/powerpoint/2010/main" val="5372620"/>
       </p:ext>
     </p:extLst>
   </p:cSld>
@@ -2029,13 +2982,7 @@
       </p:grpSpPr>
       <p:sp>
         <p:nvSpPr>
-          <p:cNvPr id="2" name="Título 1">
-            <a:extLst>
-              <a:ext uri="{FF2B5EF4-FFF2-40B4-BE49-F238E27FC236}">
-                <a16:creationId xmlns:a16="http://schemas.microsoft.com/office/drawing/2014/main" id="{2AA6AEA8-D560-465B-A6D4-ECFAE0D0B620}"/>
-              </a:ext>
-            </a:extLst>
-          </p:cNvPr>
+          <p:cNvPr id="2" name="Title 1"/>
           <p:cNvSpPr>
             <a:spLocks noGrp="1"/>
           </p:cNvSpPr>
@@ -2057,19 +3004,13 @@
               <a:rPr lang="es-ES"/>
               <a:t>Haga clic para modificar el estilo de título del patrón</a:t>
             </a:r>
-            <a:endParaRPr lang="es-AR"/>
+            <a:endParaRPr lang="en-US" dirty="0"/>
           </a:p>
         </p:txBody>
       </p:sp>
       <p:sp>
         <p:nvSpPr>
-          <p:cNvPr id="3" name="Marcador de texto 2">
-            <a:extLst>
-              <a:ext uri="{FF2B5EF4-FFF2-40B4-BE49-F238E27FC236}">
-                <a16:creationId xmlns:a16="http://schemas.microsoft.com/office/drawing/2014/main" id="{620B9924-EB01-4889-8E4D-0E5DEB3DEFF2}"/>
-              </a:ext>
-            </a:extLst>
-          </p:cNvPr>
+          <p:cNvPr id="3" name="Text Placeholder 2"/>
           <p:cNvSpPr>
             <a:spLocks noGrp="1"/>
           </p:cNvSpPr>
@@ -2134,13 +3075,7 @@
       </p:sp>
       <p:sp>
         <p:nvSpPr>
-          <p:cNvPr id="4" name="Marcador de contenido 3">
-            <a:extLst>
-              <a:ext uri="{FF2B5EF4-FFF2-40B4-BE49-F238E27FC236}">
-                <a16:creationId xmlns:a16="http://schemas.microsoft.com/office/drawing/2014/main" id="{2C5889D3-B0A2-4ADB-8689-926A9A8F24FC}"/>
-              </a:ext>
-            </a:extLst>
-          </p:cNvPr>
+          <p:cNvPr id="4" name="Content Placeholder 3"/>
           <p:cNvSpPr>
             <a:spLocks noGrp="1"/>
           </p:cNvSpPr>
@@ -2191,19 +3126,13 @@
               <a:rPr lang="es-ES"/>
               <a:t>Quinto nivel</a:t>
             </a:r>
-            <a:endParaRPr lang="es-AR"/>
+            <a:endParaRPr lang="en-US" dirty="0"/>
           </a:p>
         </p:txBody>
       </p:sp>
       <p:sp>
         <p:nvSpPr>
-          <p:cNvPr id="5" name="Marcador de texto 4">
-            <a:extLst>
-              <a:ext uri="{FF2B5EF4-FFF2-40B4-BE49-F238E27FC236}">
-                <a16:creationId xmlns:a16="http://schemas.microsoft.com/office/drawing/2014/main" id="{9D009A7A-8C51-44D3-A69B-C9DB292B9C54}"/>
-              </a:ext>
-            </a:extLst>
-          </p:cNvPr>
+          <p:cNvPr id="5" name="Text Placeholder 4"/>
           <p:cNvSpPr>
             <a:spLocks noGrp="1"/>
           </p:cNvSpPr>
@@ -2268,13 +3197,7 @@
       </p:sp>
       <p:sp>
         <p:nvSpPr>
-          <p:cNvPr id="6" name="Marcador de contenido 5">
-            <a:extLst>
-              <a:ext uri="{FF2B5EF4-FFF2-40B4-BE49-F238E27FC236}">
-                <a16:creationId xmlns:a16="http://schemas.microsoft.com/office/drawing/2014/main" id="{2105ED23-7549-4D74-A88F-1702903D8603}"/>
-              </a:ext>
-            </a:extLst>
-          </p:cNvPr>
+          <p:cNvPr id="6" name="Content Placeholder 5"/>
           <p:cNvSpPr>
             <a:spLocks noGrp="1"/>
           </p:cNvSpPr>
@@ -2325,19 +3248,13 @@
               <a:rPr lang="es-ES"/>
               <a:t>Quinto nivel</a:t>
             </a:r>
-            <a:endParaRPr lang="es-AR"/>
+            <a:endParaRPr lang="en-US" dirty="0"/>
           </a:p>
         </p:txBody>
       </p:sp>
       <p:sp>
         <p:nvSpPr>
-          <p:cNvPr id="7" name="Marcador de fecha 6">
-            <a:extLst>
-              <a:ext uri="{FF2B5EF4-FFF2-40B4-BE49-F238E27FC236}">
-                <a16:creationId xmlns:a16="http://schemas.microsoft.com/office/drawing/2014/main" id="{25AD573A-E25C-4541-A848-F749762C9E77}"/>
-              </a:ext>
-            </a:extLst>
-          </p:cNvPr>
+          <p:cNvPr id="7" name="Date Placeholder 6"/>
           <p:cNvSpPr>
             <a:spLocks noGrp="1"/>
           </p:cNvSpPr>
@@ -2352,7 +3269,7 @@
           <a:p>
             <a:fld id="{BB2F7DFF-5F1B-4566-B0D3-4B3A3737C997}" type="datetimeFigureOut">
               <a:rPr lang="es-AR" smtClean="0"/>
-              <a:t>30/6/2020</a:t>
+              <a:t>8/7/2020</a:t>
             </a:fld>
             <a:endParaRPr lang="es-AR"/>
           </a:p>
@@ -2360,13 +3277,7 @@
       </p:sp>
       <p:sp>
         <p:nvSpPr>
-          <p:cNvPr id="8" name="Marcador de pie de página 7">
-            <a:extLst>
-              <a:ext uri="{FF2B5EF4-FFF2-40B4-BE49-F238E27FC236}">
-                <a16:creationId xmlns:a16="http://schemas.microsoft.com/office/drawing/2014/main" id="{E0C743D3-0992-41CA-AE4A-39390488E7A1}"/>
-              </a:ext>
-            </a:extLst>
-          </p:cNvPr>
+          <p:cNvPr id="8" name="Footer Placeholder 7"/>
           <p:cNvSpPr>
             <a:spLocks noGrp="1"/>
           </p:cNvSpPr>
@@ -2385,13 +3296,7 @@
       </p:sp>
       <p:sp>
         <p:nvSpPr>
-          <p:cNvPr id="9" name="Marcador de número de diapositiva 8">
-            <a:extLst>
-              <a:ext uri="{FF2B5EF4-FFF2-40B4-BE49-F238E27FC236}">
-                <a16:creationId xmlns:a16="http://schemas.microsoft.com/office/drawing/2014/main" id="{69D7A475-F6F0-48E2-9077-B7AFDBB05DED}"/>
-              </a:ext>
-            </a:extLst>
-          </p:cNvPr>
+          <p:cNvPr id="9" name="Slide Number Placeholder 8"/>
           <p:cNvSpPr>
             <a:spLocks noGrp="1"/>
           </p:cNvSpPr>
@@ -2415,7 +3320,7 @@
     </p:spTree>
     <p:extLst>
       <p:ext uri="{BB962C8B-B14F-4D97-AF65-F5344CB8AC3E}">
-        <p14:creationId xmlns:p14="http://schemas.microsoft.com/office/powerpoint/2010/main" val="1732308163"/>
+        <p14:creationId xmlns:p14="http://schemas.microsoft.com/office/powerpoint/2010/main" val="1493932564"/>
       </p:ext>
     </p:extLst>
   </p:cSld>
@@ -2444,13 +3349,7 @@
       </p:grpSpPr>
       <p:sp>
         <p:nvSpPr>
-          <p:cNvPr id="2" name="Título 1">
-            <a:extLst>
-              <a:ext uri="{FF2B5EF4-FFF2-40B4-BE49-F238E27FC236}">
-                <a16:creationId xmlns:a16="http://schemas.microsoft.com/office/drawing/2014/main" id="{AD55C545-3546-4F94-8D6C-9EC3DAF95F5C}"/>
-              </a:ext>
-            </a:extLst>
-          </p:cNvPr>
+          <p:cNvPr id="2" name="Title 1"/>
           <p:cNvSpPr>
             <a:spLocks noGrp="1"/>
           </p:cNvSpPr>
@@ -2467,19 +3366,13 @@
               <a:rPr lang="es-ES"/>
               <a:t>Haga clic para modificar el estilo de título del patrón</a:t>
             </a:r>
-            <a:endParaRPr lang="es-AR"/>
+            <a:endParaRPr lang="en-US" dirty="0"/>
           </a:p>
         </p:txBody>
       </p:sp>
       <p:sp>
         <p:nvSpPr>
-          <p:cNvPr id="3" name="Marcador de fecha 2">
-            <a:extLst>
-              <a:ext uri="{FF2B5EF4-FFF2-40B4-BE49-F238E27FC236}">
-                <a16:creationId xmlns:a16="http://schemas.microsoft.com/office/drawing/2014/main" id="{ED368EC7-F950-4910-82C8-CBC7437397CF}"/>
-              </a:ext>
-            </a:extLst>
-          </p:cNvPr>
+          <p:cNvPr id="3" name="Date Placeholder 2"/>
           <p:cNvSpPr>
             <a:spLocks noGrp="1"/>
           </p:cNvSpPr>
@@ -2494,7 +3387,7 @@
           <a:p>
             <a:fld id="{BB2F7DFF-5F1B-4566-B0D3-4B3A3737C997}" type="datetimeFigureOut">
               <a:rPr lang="es-AR" smtClean="0"/>
-              <a:t>30/6/2020</a:t>
+              <a:t>8/7/2020</a:t>
             </a:fld>
             <a:endParaRPr lang="es-AR"/>
           </a:p>
@@ -2502,13 +3395,7 @@
       </p:sp>
       <p:sp>
         <p:nvSpPr>
-          <p:cNvPr id="4" name="Marcador de pie de página 3">
-            <a:extLst>
-              <a:ext uri="{FF2B5EF4-FFF2-40B4-BE49-F238E27FC236}">
-                <a16:creationId xmlns:a16="http://schemas.microsoft.com/office/drawing/2014/main" id="{A0FBB51D-9B96-417C-8E7B-89F2715682AB}"/>
-              </a:ext>
-            </a:extLst>
-          </p:cNvPr>
+          <p:cNvPr id="4" name="Footer Placeholder 3"/>
           <p:cNvSpPr>
             <a:spLocks noGrp="1"/>
           </p:cNvSpPr>
@@ -2527,13 +3414,7 @@
       </p:sp>
       <p:sp>
         <p:nvSpPr>
-          <p:cNvPr id="5" name="Marcador de número de diapositiva 4">
-            <a:extLst>
-              <a:ext uri="{FF2B5EF4-FFF2-40B4-BE49-F238E27FC236}">
-                <a16:creationId xmlns:a16="http://schemas.microsoft.com/office/drawing/2014/main" id="{218AB6E6-C5FD-422F-B992-E82B687FD0AD}"/>
-              </a:ext>
-            </a:extLst>
-          </p:cNvPr>
+          <p:cNvPr id="5" name="Slide Number Placeholder 4"/>
           <p:cNvSpPr>
             <a:spLocks noGrp="1"/>
           </p:cNvSpPr>
@@ -2557,7 +3438,7 @@
     </p:spTree>
     <p:extLst>
       <p:ext uri="{BB962C8B-B14F-4D97-AF65-F5344CB8AC3E}">
-        <p14:creationId xmlns:p14="http://schemas.microsoft.com/office/powerpoint/2010/main" val="1634057275"/>
+        <p14:creationId xmlns:p14="http://schemas.microsoft.com/office/powerpoint/2010/main" val="1655197546"/>
       </p:ext>
     </p:extLst>
   </p:cSld>
@@ -2586,13 +3467,7 @@
       </p:grpSpPr>
       <p:sp>
         <p:nvSpPr>
-          <p:cNvPr id="2" name="Marcador de fecha 1">
-            <a:extLst>
-              <a:ext uri="{FF2B5EF4-FFF2-40B4-BE49-F238E27FC236}">
-                <a16:creationId xmlns:a16="http://schemas.microsoft.com/office/drawing/2014/main" id="{B89244BE-75D7-4CDF-9A68-101635948A0E}"/>
-              </a:ext>
-            </a:extLst>
-          </p:cNvPr>
+          <p:cNvPr id="2" name="Date Placeholder 1"/>
           <p:cNvSpPr>
             <a:spLocks noGrp="1"/>
           </p:cNvSpPr>
@@ -2607,7 +3482,7 @@
           <a:p>
             <a:fld id="{BB2F7DFF-5F1B-4566-B0D3-4B3A3737C997}" type="datetimeFigureOut">
               <a:rPr lang="es-AR" smtClean="0"/>
-              <a:t>30/6/2020</a:t>
+              <a:t>8/7/2020</a:t>
             </a:fld>
             <a:endParaRPr lang="es-AR"/>
           </a:p>
@@ -2615,13 +3490,7 @@
       </p:sp>
       <p:sp>
         <p:nvSpPr>
-          <p:cNvPr id="3" name="Marcador de pie de página 2">
-            <a:extLst>
-              <a:ext uri="{FF2B5EF4-FFF2-40B4-BE49-F238E27FC236}">
-                <a16:creationId xmlns:a16="http://schemas.microsoft.com/office/drawing/2014/main" id="{4EF8ED8F-3A52-4241-8F3D-08E6E85B5273}"/>
-              </a:ext>
-            </a:extLst>
-          </p:cNvPr>
+          <p:cNvPr id="3" name="Footer Placeholder 2"/>
           <p:cNvSpPr>
             <a:spLocks noGrp="1"/>
           </p:cNvSpPr>
@@ -2640,13 +3509,7 @@
       </p:sp>
       <p:sp>
         <p:nvSpPr>
-          <p:cNvPr id="4" name="Marcador de número de diapositiva 3">
-            <a:extLst>
-              <a:ext uri="{FF2B5EF4-FFF2-40B4-BE49-F238E27FC236}">
-                <a16:creationId xmlns:a16="http://schemas.microsoft.com/office/drawing/2014/main" id="{84AFCDA4-7C96-48DD-BEC0-4135743D50C5}"/>
-              </a:ext>
-            </a:extLst>
-          </p:cNvPr>
+          <p:cNvPr id="4" name="Slide Number Placeholder 3"/>
           <p:cNvSpPr>
             <a:spLocks noGrp="1"/>
           </p:cNvSpPr>
@@ -2670,7 +3533,7 @@
     </p:spTree>
     <p:extLst>
       <p:ext uri="{BB962C8B-B14F-4D97-AF65-F5344CB8AC3E}">
-        <p14:creationId xmlns:p14="http://schemas.microsoft.com/office/powerpoint/2010/main" val="1586360877"/>
+        <p14:creationId xmlns:p14="http://schemas.microsoft.com/office/powerpoint/2010/main" val="4084669417"/>
       </p:ext>
     </p:extLst>
   </p:cSld>
@@ -2699,13 +3562,7 @@
       </p:grpSpPr>
       <p:sp>
         <p:nvSpPr>
-          <p:cNvPr id="2" name="Título 1">
-            <a:extLst>
-              <a:ext uri="{FF2B5EF4-FFF2-40B4-BE49-F238E27FC236}">
-                <a16:creationId xmlns:a16="http://schemas.microsoft.com/office/drawing/2014/main" id="{F8817339-9ACF-47CB-96F0-AAF600429560}"/>
-              </a:ext>
-            </a:extLst>
-          </p:cNvPr>
+          <p:cNvPr id="2" name="Title 1"/>
           <p:cNvSpPr>
             <a:spLocks noGrp="1"/>
           </p:cNvSpPr>
@@ -2731,19 +3588,13 @@
               <a:rPr lang="es-ES"/>
               <a:t>Haga clic para modificar el estilo de título del patrón</a:t>
             </a:r>
-            <a:endParaRPr lang="es-AR"/>
+            <a:endParaRPr lang="en-US" dirty="0"/>
           </a:p>
         </p:txBody>
       </p:sp>
       <p:sp>
         <p:nvSpPr>
-          <p:cNvPr id="3" name="Marcador de contenido 2">
-            <a:extLst>
-              <a:ext uri="{FF2B5EF4-FFF2-40B4-BE49-F238E27FC236}">
-                <a16:creationId xmlns:a16="http://schemas.microsoft.com/office/drawing/2014/main" id="{06B16FB0-E055-4CE1-8F0A-DFA1D50DE2DA}"/>
-              </a:ext>
-            </a:extLst>
-          </p:cNvPr>
+          <p:cNvPr id="3" name="Content Placeholder 2"/>
           <p:cNvSpPr>
             <a:spLocks noGrp="1"/>
           </p:cNvSpPr>
@@ -2822,19 +3673,13 @@
               <a:rPr lang="es-ES"/>
               <a:t>Quinto nivel</a:t>
             </a:r>
-            <a:endParaRPr lang="es-AR"/>
+            <a:endParaRPr lang="en-US" dirty="0"/>
           </a:p>
         </p:txBody>
       </p:sp>
       <p:sp>
         <p:nvSpPr>
-          <p:cNvPr id="4" name="Marcador de texto 3">
-            <a:extLst>
-              <a:ext uri="{FF2B5EF4-FFF2-40B4-BE49-F238E27FC236}">
-                <a16:creationId xmlns:a16="http://schemas.microsoft.com/office/drawing/2014/main" id="{C35BB987-3E08-4E68-86FA-5453B130B81E}"/>
-              </a:ext>
-            </a:extLst>
-          </p:cNvPr>
+          <p:cNvPr id="4" name="Text Placeholder 3"/>
           <p:cNvSpPr>
             <a:spLocks noGrp="1"/>
           </p:cNvSpPr>
@@ -2899,13 +3744,7 @@
       </p:sp>
       <p:sp>
         <p:nvSpPr>
-          <p:cNvPr id="5" name="Marcador de fecha 4">
-            <a:extLst>
-              <a:ext uri="{FF2B5EF4-FFF2-40B4-BE49-F238E27FC236}">
-                <a16:creationId xmlns:a16="http://schemas.microsoft.com/office/drawing/2014/main" id="{84823A87-A168-4278-B4BA-6D875E2F5DBF}"/>
-              </a:ext>
-            </a:extLst>
-          </p:cNvPr>
+          <p:cNvPr id="5" name="Date Placeholder 4"/>
           <p:cNvSpPr>
             <a:spLocks noGrp="1"/>
           </p:cNvSpPr>
@@ -2920,7 +3759,7 @@
           <a:p>
             <a:fld id="{BB2F7DFF-5F1B-4566-B0D3-4B3A3737C997}" type="datetimeFigureOut">
               <a:rPr lang="es-AR" smtClean="0"/>
-              <a:t>30/6/2020</a:t>
+              <a:t>8/7/2020</a:t>
             </a:fld>
             <a:endParaRPr lang="es-AR"/>
           </a:p>
@@ -2928,13 +3767,7 @@
       </p:sp>
       <p:sp>
         <p:nvSpPr>
-          <p:cNvPr id="6" name="Marcador de pie de página 5">
-            <a:extLst>
-              <a:ext uri="{FF2B5EF4-FFF2-40B4-BE49-F238E27FC236}">
-                <a16:creationId xmlns:a16="http://schemas.microsoft.com/office/drawing/2014/main" id="{A885FEC2-7DF9-402A-950A-05B2EAEC24F7}"/>
-              </a:ext>
-            </a:extLst>
-          </p:cNvPr>
+          <p:cNvPr id="6" name="Footer Placeholder 5"/>
           <p:cNvSpPr>
             <a:spLocks noGrp="1"/>
           </p:cNvSpPr>
@@ -2953,13 +3786,7 @@
       </p:sp>
       <p:sp>
         <p:nvSpPr>
-          <p:cNvPr id="7" name="Marcador de número de diapositiva 6">
-            <a:extLst>
-              <a:ext uri="{FF2B5EF4-FFF2-40B4-BE49-F238E27FC236}">
-                <a16:creationId xmlns:a16="http://schemas.microsoft.com/office/drawing/2014/main" id="{67F42AF9-8356-4F34-ABF5-741DFBE7479F}"/>
-              </a:ext>
-            </a:extLst>
-          </p:cNvPr>
+          <p:cNvPr id="7" name="Slide Number Placeholder 6"/>
           <p:cNvSpPr>
             <a:spLocks noGrp="1"/>
           </p:cNvSpPr>
@@ -2983,7 +3810,7 @@
     </p:spTree>
     <p:extLst>
       <p:ext uri="{BB962C8B-B14F-4D97-AF65-F5344CB8AC3E}">
-        <p14:creationId xmlns:p14="http://schemas.microsoft.com/office/powerpoint/2010/main" val="2843751428"/>
+        <p14:creationId xmlns:p14="http://schemas.microsoft.com/office/powerpoint/2010/main" val="1994953683"/>
       </p:ext>
     </p:extLst>
   </p:cSld>
@@ -3012,13 +3839,7 @@
       </p:grpSpPr>
       <p:sp>
         <p:nvSpPr>
-          <p:cNvPr id="2" name="Título 1">
-            <a:extLst>
-              <a:ext uri="{FF2B5EF4-FFF2-40B4-BE49-F238E27FC236}">
-                <a16:creationId xmlns:a16="http://schemas.microsoft.com/office/drawing/2014/main" id="{F0A85865-A5DC-4F46-9AA8-9129A9821BF2}"/>
-              </a:ext>
-            </a:extLst>
-          </p:cNvPr>
+          <p:cNvPr id="2" name="Title 1"/>
           <p:cNvSpPr>
             <a:spLocks noGrp="1"/>
           </p:cNvSpPr>
@@ -3044,21 +3865,15 @@
               <a:rPr lang="es-ES"/>
               <a:t>Haga clic para modificar el estilo de título del patrón</a:t>
             </a:r>
-            <a:endParaRPr lang="es-AR"/>
+            <a:endParaRPr lang="en-US" dirty="0"/>
           </a:p>
         </p:txBody>
       </p:sp>
       <p:sp>
         <p:nvSpPr>
-          <p:cNvPr id="3" name="Marcador de posición de imagen 2">
-            <a:extLst>
-              <a:ext uri="{FF2B5EF4-FFF2-40B4-BE49-F238E27FC236}">
-                <a16:creationId xmlns:a16="http://schemas.microsoft.com/office/drawing/2014/main" id="{286495F9-A491-411F-8A28-5A65A3F107C2}"/>
-              </a:ext>
-            </a:extLst>
-          </p:cNvPr>
+          <p:cNvPr id="3" name="Picture Placeholder 2"/>
           <p:cNvSpPr>
-            <a:spLocks noGrp="1"/>
+            <a:spLocks noGrp="1" noChangeAspect="1"/>
           </p:cNvSpPr>
           <p:nvPr>
             <p:ph type="pic" idx="1"/>
@@ -3071,7 +3886,7 @@
           </a:xfrm>
         </p:spPr>
         <p:txBody>
-          <a:bodyPr/>
+          <a:bodyPr anchor="t"/>
           <a:lstStyle>
             <a:lvl1pPr marL="0" indent="0">
               <a:buNone/>
@@ -3111,19 +3926,17 @@
             </a:lvl9pPr>
           </a:lstStyle>
           <a:p>
-            <a:endParaRPr lang="es-AR"/>
+            <a:r>
+              <a:rPr lang="es-ES"/>
+              <a:t>Haga clic en el icono para agregar una imagen</a:t>
+            </a:r>
+            <a:endParaRPr lang="en-US" dirty="0"/>
           </a:p>
         </p:txBody>
       </p:sp>
       <p:sp>
         <p:nvSpPr>
-          <p:cNvPr id="4" name="Marcador de texto 3">
-            <a:extLst>
-              <a:ext uri="{FF2B5EF4-FFF2-40B4-BE49-F238E27FC236}">
-                <a16:creationId xmlns:a16="http://schemas.microsoft.com/office/drawing/2014/main" id="{DECBA439-DDA8-4061-9339-8A84AC4A1182}"/>
-              </a:ext>
-            </a:extLst>
-          </p:cNvPr>
+          <p:cNvPr id="4" name="Text Placeholder 3"/>
           <p:cNvSpPr>
             <a:spLocks noGrp="1"/>
           </p:cNvSpPr>
@@ -3188,13 +4001,7 @@
       </p:sp>
       <p:sp>
         <p:nvSpPr>
-          <p:cNvPr id="5" name="Marcador de fecha 4">
-            <a:extLst>
-              <a:ext uri="{FF2B5EF4-FFF2-40B4-BE49-F238E27FC236}">
-                <a16:creationId xmlns:a16="http://schemas.microsoft.com/office/drawing/2014/main" id="{50394565-0EE9-4250-8F28-71C8A46D7FE8}"/>
-              </a:ext>
-            </a:extLst>
-          </p:cNvPr>
+          <p:cNvPr id="5" name="Date Placeholder 4"/>
           <p:cNvSpPr>
             <a:spLocks noGrp="1"/>
           </p:cNvSpPr>
@@ -3209,7 +4016,7 @@
           <a:p>
             <a:fld id="{BB2F7DFF-5F1B-4566-B0D3-4B3A3737C997}" type="datetimeFigureOut">
               <a:rPr lang="es-AR" smtClean="0"/>
-              <a:t>30/6/2020</a:t>
+              <a:t>8/7/2020</a:t>
             </a:fld>
             <a:endParaRPr lang="es-AR"/>
           </a:p>
@@ -3217,13 +4024,7 @@
       </p:sp>
       <p:sp>
         <p:nvSpPr>
-          <p:cNvPr id="6" name="Marcador de pie de página 5">
-            <a:extLst>
-              <a:ext uri="{FF2B5EF4-FFF2-40B4-BE49-F238E27FC236}">
-                <a16:creationId xmlns:a16="http://schemas.microsoft.com/office/drawing/2014/main" id="{C166A37E-FFB6-4468-A2AD-6A4CC99CD8DD}"/>
-              </a:ext>
-            </a:extLst>
-          </p:cNvPr>
+          <p:cNvPr id="6" name="Footer Placeholder 5"/>
           <p:cNvSpPr>
             <a:spLocks noGrp="1"/>
           </p:cNvSpPr>
@@ -3242,13 +4043,7 @@
       </p:sp>
       <p:sp>
         <p:nvSpPr>
-          <p:cNvPr id="7" name="Marcador de número de diapositiva 6">
-            <a:extLst>
-              <a:ext uri="{FF2B5EF4-FFF2-40B4-BE49-F238E27FC236}">
-                <a16:creationId xmlns:a16="http://schemas.microsoft.com/office/drawing/2014/main" id="{A85ED1C8-2042-4B33-9C39-C91A4E6F7FF1}"/>
-              </a:ext>
-            </a:extLst>
-          </p:cNvPr>
+          <p:cNvPr id="7" name="Slide Number Placeholder 6"/>
           <p:cNvSpPr>
             <a:spLocks noGrp="1"/>
           </p:cNvSpPr>
@@ -3272,7 +4067,7 @@
     </p:spTree>
     <p:extLst>
       <p:ext uri="{BB962C8B-B14F-4D97-AF65-F5344CB8AC3E}">
-        <p14:creationId xmlns:p14="http://schemas.microsoft.com/office/powerpoint/2010/main" val="102153429"/>
+        <p14:creationId xmlns:p14="http://schemas.microsoft.com/office/powerpoint/2010/main" val="208331703"/>
       </p:ext>
     </p:extLst>
   </p:cSld>
@@ -3306,13 +4101,7 @@
       </p:grpSpPr>
       <p:sp>
         <p:nvSpPr>
-          <p:cNvPr id="2" name="Marcador de título 1">
-            <a:extLst>
-              <a:ext uri="{FF2B5EF4-FFF2-40B4-BE49-F238E27FC236}">
-                <a16:creationId xmlns:a16="http://schemas.microsoft.com/office/drawing/2014/main" id="{D62FADAD-9376-4B43-8B77-B7544AF30CFE}"/>
-              </a:ext>
-            </a:extLst>
-          </p:cNvPr>
+          <p:cNvPr id="2" name="Title Placeholder 1"/>
           <p:cNvSpPr>
             <a:spLocks noGrp="1"/>
           </p:cNvSpPr>
@@ -3339,19 +4128,13 @@
               <a:rPr lang="es-ES"/>
               <a:t>Haga clic para modificar el estilo de título del patrón</a:t>
             </a:r>
-            <a:endParaRPr lang="es-AR"/>
+            <a:endParaRPr lang="en-US" dirty="0"/>
           </a:p>
         </p:txBody>
       </p:sp>
       <p:sp>
         <p:nvSpPr>
-          <p:cNvPr id="3" name="Marcador de texto 2">
-            <a:extLst>
-              <a:ext uri="{FF2B5EF4-FFF2-40B4-BE49-F238E27FC236}">
-                <a16:creationId xmlns:a16="http://schemas.microsoft.com/office/drawing/2014/main" id="{01F3F975-4668-4508-9859-550C8857C2D8}"/>
-              </a:ext>
-            </a:extLst>
-          </p:cNvPr>
+          <p:cNvPr id="3" name="Text Placeholder 2"/>
           <p:cNvSpPr>
             <a:spLocks noGrp="1"/>
           </p:cNvSpPr>
@@ -3407,19 +4190,13 @@
               <a:rPr lang="es-ES"/>
               <a:t>Quinto nivel</a:t>
             </a:r>
-            <a:endParaRPr lang="es-AR"/>
+            <a:endParaRPr lang="en-US" dirty="0"/>
           </a:p>
         </p:txBody>
       </p:sp>
       <p:sp>
         <p:nvSpPr>
-          <p:cNvPr id="4" name="Marcador de fecha 3">
-            <a:extLst>
-              <a:ext uri="{FF2B5EF4-FFF2-40B4-BE49-F238E27FC236}">
-                <a16:creationId xmlns:a16="http://schemas.microsoft.com/office/drawing/2014/main" id="{E69822A0-2774-414B-A341-25DE61944248}"/>
-              </a:ext>
-            </a:extLst>
-          </p:cNvPr>
+          <p:cNvPr id="4" name="Date Placeholder 3"/>
           <p:cNvSpPr>
             <a:spLocks noGrp="1"/>
           </p:cNvSpPr>
@@ -3452,7 +4229,7 @@
           <a:p>
             <a:fld id="{BB2F7DFF-5F1B-4566-B0D3-4B3A3737C997}" type="datetimeFigureOut">
               <a:rPr lang="es-AR" smtClean="0"/>
-              <a:t>30/6/2020</a:t>
+              <a:t>8/7/2020</a:t>
             </a:fld>
             <a:endParaRPr lang="es-AR"/>
           </a:p>
@@ -3460,13 +4237,7 @@
       </p:sp>
       <p:sp>
         <p:nvSpPr>
-          <p:cNvPr id="5" name="Marcador de pie de página 4">
-            <a:extLst>
-              <a:ext uri="{FF2B5EF4-FFF2-40B4-BE49-F238E27FC236}">
-                <a16:creationId xmlns:a16="http://schemas.microsoft.com/office/drawing/2014/main" id="{3BABA317-DCCF-4547-8C20-6BC62B5492A5}"/>
-              </a:ext>
-            </a:extLst>
-          </p:cNvPr>
+          <p:cNvPr id="5" name="Footer Placeholder 4"/>
           <p:cNvSpPr>
             <a:spLocks noGrp="1"/>
           </p:cNvSpPr>
@@ -3503,13 +4274,7 @@
       </p:sp>
       <p:sp>
         <p:nvSpPr>
-          <p:cNvPr id="6" name="Marcador de número de diapositiva 5">
-            <a:extLst>
-              <a:ext uri="{FF2B5EF4-FFF2-40B4-BE49-F238E27FC236}">
-                <a16:creationId xmlns:a16="http://schemas.microsoft.com/office/drawing/2014/main" id="{9755EF96-3C42-49C3-943B-3CDC66C3A8E6}"/>
-              </a:ext>
-            </a:extLst>
-          </p:cNvPr>
+          <p:cNvPr id="6" name="Slide Number Placeholder 5"/>
           <p:cNvSpPr>
             <a:spLocks noGrp="1"/>
           </p:cNvSpPr>
@@ -3551,23 +4316,23 @@
     </p:spTree>
     <p:extLst>
       <p:ext uri="{BB962C8B-B14F-4D97-AF65-F5344CB8AC3E}">
-        <p14:creationId xmlns:p14="http://schemas.microsoft.com/office/powerpoint/2010/main" val="2411351751"/>
+        <p14:creationId xmlns:p14="http://schemas.microsoft.com/office/powerpoint/2010/main" val="2512678763"/>
       </p:ext>
     </p:extLst>
   </p:cSld>
   <p:clrMap bg1="lt1" tx1="dk1" bg2="lt2" tx2="dk2" accent1="accent1" accent2="accent2" accent3="accent3" accent4="accent4" accent5="accent5" accent6="accent6" hlink="hlink" folHlink="folHlink"/>
   <p:sldLayoutIdLst>
-    <p:sldLayoutId id="2147483649" r:id="rId1"/>
-    <p:sldLayoutId id="2147483650" r:id="rId2"/>
-    <p:sldLayoutId id="2147483651" r:id="rId3"/>
-    <p:sldLayoutId id="2147483652" r:id="rId4"/>
-    <p:sldLayoutId id="2147483653" r:id="rId5"/>
-    <p:sldLayoutId id="2147483654" r:id="rId6"/>
-    <p:sldLayoutId id="2147483655" r:id="rId7"/>
-    <p:sldLayoutId id="2147483656" r:id="rId8"/>
-    <p:sldLayoutId id="2147483657" r:id="rId9"/>
-    <p:sldLayoutId id="2147483658" r:id="rId10"/>
-    <p:sldLayoutId id="2147483659" r:id="rId11"/>
+    <p:sldLayoutId id="2147483709" r:id="rId1"/>
+    <p:sldLayoutId id="2147483710" r:id="rId2"/>
+    <p:sldLayoutId id="2147483711" r:id="rId3"/>
+    <p:sldLayoutId id="2147483712" r:id="rId4"/>
+    <p:sldLayoutId id="2147483713" r:id="rId5"/>
+    <p:sldLayoutId id="2147483714" r:id="rId6"/>
+    <p:sldLayoutId id="2147483715" r:id="rId7"/>
+    <p:sldLayoutId id="2147483716" r:id="rId8"/>
+    <p:sldLayoutId id="2147483717" r:id="rId9"/>
+    <p:sldLayoutId id="2147483718" r:id="rId10"/>
+    <p:sldLayoutId id="2147483719" r:id="rId11"/>
   </p:sldLayoutIdLst>
   <p:txStyles>
     <p:titleStyle>
@@ -3755,7 +4520,7 @@
     </p:bodyStyle>
     <p:otherStyle>
       <a:defPPr>
-        <a:defRPr lang="es-AR"/>
+        <a:defRPr lang="en-US"/>
       </a:defPPr>
       <a:lvl1pPr marL="0" algn="l" defTabSz="914400" rtl="0" eaLnBrk="1" latinLnBrk="0" hangingPunct="1">
         <a:defRPr sz="1800" kern="1200">
@@ -3879,7 +4644,7 @@
       </p:grpSpPr>
       <p:sp useBgFill="1">
         <p:nvSpPr>
-          <p:cNvPr id="48" name="Rectangle 29">
+          <p:cNvPr id="4" name="Rectangle 6">
             <a:extLst>
               <a:ext uri="{FF2B5EF4-FFF2-40B4-BE49-F238E27FC236}">
                 <a16:creationId xmlns:a16="http://schemas.microsoft.com/office/drawing/2014/main" id="{FFD48BC7-DC40-47DE-87EE-9F4B6ECB9ABB}"/>
@@ -3939,7 +4704,7 @@
       </p:sp>
       <p:sp useBgFill="1">
         <p:nvSpPr>
-          <p:cNvPr id="49" name="Freeform: Shape 31">
+          <p:cNvPr id="5" name="Freeform: Shape 8">
             <a:extLst>
               <a:ext uri="{FF2B5EF4-FFF2-40B4-BE49-F238E27FC236}">
                 <a16:creationId xmlns:a16="http://schemas.microsoft.com/office/drawing/2014/main" id="{E502BBC7-2C76-46F3-BC24-5985BC13DB88}"/>
@@ -4139,7 +4904,7 @@
       </p:sp>
       <p:sp useBgFill="1">
         <p:nvSpPr>
-          <p:cNvPr id="50" name="Freeform: Shape 33">
+          <p:cNvPr id="6" name="Freeform: Shape 10">
             <a:extLst>
               <a:ext uri="{FF2B5EF4-FFF2-40B4-BE49-F238E27FC236}">
                 <a16:creationId xmlns:a16="http://schemas.microsoft.com/office/drawing/2014/main" id="{C7F28D52-2A5F-4D23-81AE-7CB8B591C7AF}"/>
@@ -4357,14 +5122,29 @@
           <a:lstStyle/>
           <a:p>
             <a:r>
-              <a:rPr lang="es-AR" sz="6100" b="1" i="1"/>
+              <a:rPr lang="es-AR" sz="4000" b="1" i="1" dirty="0">
+                <a:latin typeface="Segoe Print" panose="02000600000000000000" pitchFamily="2" charset="0"/>
+                <a:cs typeface="Cavolini" panose="03000502040302020204" pitchFamily="66" charset="0"/>
+              </a:rPr>
               <a:t>Censo Nacional de Población, Hogares y Viviendas 2020.</a:t>
             </a:r>
             <a:br>
-              <a:rPr lang="es-AR" sz="6100" b="1" i="1"/>
+              <a:rPr lang="es-AR" sz="4000" b="1" i="1" dirty="0">
+                <a:latin typeface="Segoe Print" panose="02000600000000000000" pitchFamily="2" charset="0"/>
+                <a:cs typeface="Cavolini" panose="03000502040302020204" pitchFamily="66" charset="0"/>
+              </a:rPr>
+            </a:br>
+            <a:br>
+              <a:rPr lang="es-AR" sz="4000" b="1" i="1" dirty="0">
+                <a:latin typeface="Segoe Print" panose="02000600000000000000" pitchFamily="2" charset="0"/>
+                <a:cs typeface="Cavolini" panose="03000502040302020204" pitchFamily="66" charset="0"/>
+              </a:rPr>
             </a:br>
             <a:r>
-              <a:rPr lang="es-AR" sz="6100" b="1" i="1"/>
+              <a:rPr lang="es-AR" sz="4000" b="1" i="1" dirty="0">
+                <a:latin typeface="Segoe Print" panose="02000600000000000000" pitchFamily="2" charset="0"/>
+                <a:cs typeface="Cavolini" panose="03000502040302020204" pitchFamily="66" charset="0"/>
+              </a:rPr>
               <a:t>Segmentación</a:t>
             </a:r>
           </a:p>
@@ -4372,7 +5152,7 @@
       </p:sp>
       <p:sp>
         <p:nvSpPr>
-          <p:cNvPr id="51" name="Rectangle 35">
+          <p:cNvPr id="8" name="Rectangle 12">
             <a:extLst>
               <a:ext uri="{FF2B5EF4-FFF2-40B4-BE49-F238E27FC236}">
                 <a16:creationId xmlns:a16="http://schemas.microsoft.com/office/drawing/2014/main" id="{3629484E-3792-4B3D-89AD-7C8A1ED0E0D4}"/>
@@ -4510,8 +5290,8 @@
         </p:nvSpPr>
         <p:spPr>
           <a:xfrm>
-            <a:off x="3701561" y="421396"/>
-            <a:ext cx="4788877" cy="1325563"/>
+            <a:off x="226815" y="450744"/>
+            <a:ext cx="5720735" cy="1325563"/>
           </a:xfrm>
         </p:spPr>
         <p:txBody>
@@ -4522,9 +5302,14 @@
           <a:p>
             <a:pPr algn="ctr"/>
             <a:r>
-              <a:rPr lang="es-AR" sz="5400" b="1" i="1" dirty="0"/>
-              <a:t>Tipos de radios.</a:t>
+              <a:rPr lang="es-AR" sz="5400" b="1" i="1" dirty="0">
+                <a:latin typeface="Segoe Print" panose="02000600000000000000" pitchFamily="2" charset="0"/>
+              </a:rPr>
+              <a:t>Tipos de Radios</a:t>
             </a:r>
+            <a:endParaRPr lang="es-AR" sz="5400" b="1" i="1" dirty="0">
+              <a:latin typeface="Segoe Script" panose="030B0504020000000003" pitchFamily="66" charset="0"/>
+            </a:endParaRPr>
           </a:p>
         </p:txBody>
       </p:sp>
@@ -4542,8 +5327,8 @@
         </p:nvSpPr>
         <p:spPr>
           <a:xfrm>
-            <a:off x="3689837" y="1491176"/>
-            <a:ext cx="4788877" cy="954107"/>
+            <a:off x="5947550" y="1597194"/>
+            <a:ext cx="5202372" cy="1384995"/>
           </a:xfrm>
           <a:prstGeom prst="rect">
             <a:avLst/>
@@ -4557,14 +5342,20 @@
           <a:lstStyle/>
           <a:p>
             <a:r>
-              <a:rPr lang="es-AR" sz="2800" i="1" dirty="0"/>
+              <a:rPr lang="es-AR" sz="2800" i="1" dirty="0">
+                <a:latin typeface="Segoe Print" panose="02000600000000000000" pitchFamily="2" charset="0"/>
+              </a:rPr>
               <a:t>Según distribución de viviendas</a:t>
             </a:r>
             <a:br>
-              <a:rPr lang="es-AR" sz="2800" i="1" dirty="0"/>
+              <a:rPr lang="es-AR" sz="2800" i="1" dirty="0">
+                <a:latin typeface="Segoe Print" panose="02000600000000000000" pitchFamily="2" charset="0"/>
+              </a:rPr>
             </a:br>
             <a:r>
-              <a:rPr lang="es-AR" sz="2800" i="1" dirty="0"/>
+              <a:rPr lang="es-AR" sz="2800" i="1" dirty="0">
+                <a:latin typeface="Segoe Print" panose="02000600000000000000" pitchFamily="2" charset="0"/>
+              </a:rPr>
               <a:t>dada una carga deseada.</a:t>
             </a:r>
           </a:p>
@@ -4584,18 +5375,592 @@
         </p:nvSpPr>
         <p:spPr>
           <a:xfrm>
-            <a:off x="2346959" y="3207435"/>
+            <a:off x="608250" y="3565582"/>
             <a:ext cx="7498080" cy="2841674"/>
           </a:xfrm>
-          <a:prstGeom prst="roundRect">
+          <a:custGeom>
             <a:avLst/>
-          </a:prstGeom>
+            <a:gdLst>
+              <a:gd name="connsiteX0" fmla="*/ 0 w 7498080"/>
+              <a:gd name="connsiteY0" fmla="*/ 473622 h 2841674"/>
+              <a:gd name="connsiteX1" fmla="*/ 473622 w 7498080"/>
+              <a:gd name="connsiteY1" fmla="*/ 0 h 2841674"/>
+              <a:gd name="connsiteX2" fmla="*/ 1134661 w 7498080"/>
+              <a:gd name="connsiteY2" fmla="*/ 0 h 2841674"/>
+              <a:gd name="connsiteX3" fmla="*/ 1730191 w 7498080"/>
+              <a:gd name="connsiteY3" fmla="*/ 0 h 2841674"/>
+              <a:gd name="connsiteX4" fmla="*/ 2260214 w 7498080"/>
+              <a:gd name="connsiteY4" fmla="*/ 0 h 2841674"/>
+              <a:gd name="connsiteX5" fmla="*/ 2921253 w 7498080"/>
+              <a:gd name="connsiteY5" fmla="*/ 0 h 2841674"/>
+              <a:gd name="connsiteX6" fmla="*/ 3320258 w 7498080"/>
+              <a:gd name="connsiteY6" fmla="*/ 0 h 2841674"/>
+              <a:gd name="connsiteX7" fmla="*/ 3784772 w 7498080"/>
+              <a:gd name="connsiteY7" fmla="*/ 0 h 2841674"/>
+              <a:gd name="connsiteX8" fmla="*/ 4380302 w 7498080"/>
+              <a:gd name="connsiteY8" fmla="*/ 0 h 2841674"/>
+              <a:gd name="connsiteX9" fmla="*/ 4844816 w 7498080"/>
+              <a:gd name="connsiteY9" fmla="*/ 0 h 2841674"/>
+              <a:gd name="connsiteX10" fmla="*/ 5374838 w 7498080"/>
+              <a:gd name="connsiteY10" fmla="*/ 0 h 2841674"/>
+              <a:gd name="connsiteX11" fmla="*/ 5839352 w 7498080"/>
+              <a:gd name="connsiteY11" fmla="*/ 0 h 2841674"/>
+              <a:gd name="connsiteX12" fmla="*/ 6500391 w 7498080"/>
+              <a:gd name="connsiteY12" fmla="*/ 0 h 2841674"/>
+              <a:gd name="connsiteX13" fmla="*/ 7024458 w 7498080"/>
+              <a:gd name="connsiteY13" fmla="*/ 0 h 2841674"/>
+              <a:gd name="connsiteX14" fmla="*/ 7498080 w 7498080"/>
+              <a:gd name="connsiteY14" fmla="*/ 473622 h 2841674"/>
+              <a:gd name="connsiteX15" fmla="*/ 7498080 w 7498080"/>
+              <a:gd name="connsiteY15" fmla="*/ 890397 h 2841674"/>
+              <a:gd name="connsiteX16" fmla="*/ 7498080 w 7498080"/>
+              <a:gd name="connsiteY16" fmla="*/ 1364004 h 2841674"/>
+              <a:gd name="connsiteX17" fmla="*/ 7498080 w 7498080"/>
+              <a:gd name="connsiteY17" fmla="*/ 1780779 h 2841674"/>
+              <a:gd name="connsiteX18" fmla="*/ 7498080 w 7498080"/>
+              <a:gd name="connsiteY18" fmla="*/ 2368052 h 2841674"/>
+              <a:gd name="connsiteX19" fmla="*/ 7024458 w 7498080"/>
+              <a:gd name="connsiteY19" fmla="*/ 2841674 h 2841674"/>
+              <a:gd name="connsiteX20" fmla="*/ 6559944 w 7498080"/>
+              <a:gd name="connsiteY20" fmla="*/ 2841674 h 2841674"/>
+              <a:gd name="connsiteX21" fmla="*/ 6029922 w 7498080"/>
+              <a:gd name="connsiteY21" fmla="*/ 2841674 h 2841674"/>
+              <a:gd name="connsiteX22" fmla="*/ 5434391 w 7498080"/>
+              <a:gd name="connsiteY22" fmla="*/ 2841674 h 2841674"/>
+              <a:gd name="connsiteX23" fmla="*/ 4773353 w 7498080"/>
+              <a:gd name="connsiteY23" fmla="*/ 2841674 h 2841674"/>
+              <a:gd name="connsiteX24" fmla="*/ 4243330 w 7498080"/>
+              <a:gd name="connsiteY24" fmla="*/ 2841674 h 2841674"/>
+              <a:gd name="connsiteX25" fmla="*/ 3778817 w 7498080"/>
+              <a:gd name="connsiteY25" fmla="*/ 2841674 h 2841674"/>
+              <a:gd name="connsiteX26" fmla="*/ 3314303 w 7498080"/>
+              <a:gd name="connsiteY26" fmla="*/ 2841674 h 2841674"/>
+              <a:gd name="connsiteX27" fmla="*/ 2915297 w 7498080"/>
+              <a:gd name="connsiteY27" fmla="*/ 2841674 h 2841674"/>
+              <a:gd name="connsiteX28" fmla="*/ 2450783 w 7498080"/>
+              <a:gd name="connsiteY28" fmla="*/ 2841674 h 2841674"/>
+              <a:gd name="connsiteX29" fmla="*/ 1789745 w 7498080"/>
+              <a:gd name="connsiteY29" fmla="*/ 2841674 h 2841674"/>
+              <a:gd name="connsiteX30" fmla="*/ 1128706 w 7498080"/>
+              <a:gd name="connsiteY30" fmla="*/ 2841674 h 2841674"/>
+              <a:gd name="connsiteX31" fmla="*/ 473622 w 7498080"/>
+              <a:gd name="connsiteY31" fmla="*/ 2841674 h 2841674"/>
+              <a:gd name="connsiteX32" fmla="*/ 0 w 7498080"/>
+              <a:gd name="connsiteY32" fmla="*/ 2368052 h 2841674"/>
+              <a:gd name="connsiteX33" fmla="*/ 0 w 7498080"/>
+              <a:gd name="connsiteY33" fmla="*/ 1875500 h 2841674"/>
+              <a:gd name="connsiteX34" fmla="*/ 0 w 7498080"/>
+              <a:gd name="connsiteY34" fmla="*/ 1401893 h 2841674"/>
+              <a:gd name="connsiteX35" fmla="*/ 0 w 7498080"/>
+              <a:gd name="connsiteY35" fmla="*/ 985118 h 2841674"/>
+              <a:gd name="connsiteX36" fmla="*/ 0 w 7498080"/>
+              <a:gd name="connsiteY36" fmla="*/ 473622 h 2841674"/>
+            </a:gdLst>
+            <a:ahLst/>
+            <a:cxnLst>
+              <a:cxn ang="0">
+                <a:pos x="connsiteX0" y="connsiteY0"/>
+              </a:cxn>
+              <a:cxn ang="0">
+                <a:pos x="connsiteX1" y="connsiteY1"/>
+              </a:cxn>
+              <a:cxn ang="0">
+                <a:pos x="connsiteX2" y="connsiteY2"/>
+              </a:cxn>
+              <a:cxn ang="0">
+                <a:pos x="connsiteX3" y="connsiteY3"/>
+              </a:cxn>
+              <a:cxn ang="0">
+                <a:pos x="connsiteX4" y="connsiteY4"/>
+              </a:cxn>
+              <a:cxn ang="0">
+                <a:pos x="connsiteX5" y="connsiteY5"/>
+              </a:cxn>
+              <a:cxn ang="0">
+                <a:pos x="connsiteX6" y="connsiteY6"/>
+              </a:cxn>
+              <a:cxn ang="0">
+                <a:pos x="connsiteX7" y="connsiteY7"/>
+              </a:cxn>
+              <a:cxn ang="0">
+                <a:pos x="connsiteX8" y="connsiteY8"/>
+              </a:cxn>
+              <a:cxn ang="0">
+                <a:pos x="connsiteX9" y="connsiteY9"/>
+              </a:cxn>
+              <a:cxn ang="0">
+                <a:pos x="connsiteX10" y="connsiteY10"/>
+              </a:cxn>
+              <a:cxn ang="0">
+                <a:pos x="connsiteX11" y="connsiteY11"/>
+              </a:cxn>
+              <a:cxn ang="0">
+                <a:pos x="connsiteX12" y="connsiteY12"/>
+              </a:cxn>
+              <a:cxn ang="0">
+                <a:pos x="connsiteX13" y="connsiteY13"/>
+              </a:cxn>
+              <a:cxn ang="0">
+                <a:pos x="connsiteX14" y="connsiteY14"/>
+              </a:cxn>
+              <a:cxn ang="0">
+                <a:pos x="connsiteX15" y="connsiteY15"/>
+              </a:cxn>
+              <a:cxn ang="0">
+                <a:pos x="connsiteX16" y="connsiteY16"/>
+              </a:cxn>
+              <a:cxn ang="0">
+                <a:pos x="connsiteX17" y="connsiteY17"/>
+              </a:cxn>
+              <a:cxn ang="0">
+                <a:pos x="connsiteX18" y="connsiteY18"/>
+              </a:cxn>
+              <a:cxn ang="0">
+                <a:pos x="connsiteX19" y="connsiteY19"/>
+              </a:cxn>
+              <a:cxn ang="0">
+                <a:pos x="connsiteX20" y="connsiteY20"/>
+              </a:cxn>
+              <a:cxn ang="0">
+                <a:pos x="connsiteX21" y="connsiteY21"/>
+              </a:cxn>
+              <a:cxn ang="0">
+                <a:pos x="connsiteX22" y="connsiteY22"/>
+              </a:cxn>
+              <a:cxn ang="0">
+                <a:pos x="connsiteX23" y="connsiteY23"/>
+              </a:cxn>
+              <a:cxn ang="0">
+                <a:pos x="connsiteX24" y="connsiteY24"/>
+              </a:cxn>
+              <a:cxn ang="0">
+                <a:pos x="connsiteX25" y="connsiteY25"/>
+              </a:cxn>
+              <a:cxn ang="0">
+                <a:pos x="connsiteX26" y="connsiteY26"/>
+              </a:cxn>
+              <a:cxn ang="0">
+                <a:pos x="connsiteX27" y="connsiteY27"/>
+              </a:cxn>
+              <a:cxn ang="0">
+                <a:pos x="connsiteX28" y="connsiteY28"/>
+              </a:cxn>
+              <a:cxn ang="0">
+                <a:pos x="connsiteX29" y="connsiteY29"/>
+              </a:cxn>
+              <a:cxn ang="0">
+                <a:pos x="connsiteX30" y="connsiteY30"/>
+              </a:cxn>
+              <a:cxn ang="0">
+                <a:pos x="connsiteX31" y="connsiteY31"/>
+              </a:cxn>
+              <a:cxn ang="0">
+                <a:pos x="connsiteX32" y="connsiteY32"/>
+              </a:cxn>
+              <a:cxn ang="0">
+                <a:pos x="connsiteX33" y="connsiteY33"/>
+              </a:cxn>
+              <a:cxn ang="0">
+                <a:pos x="connsiteX34" y="connsiteY34"/>
+              </a:cxn>
+              <a:cxn ang="0">
+                <a:pos x="connsiteX35" y="connsiteY35"/>
+              </a:cxn>
+              <a:cxn ang="0">
+                <a:pos x="connsiteX36" y="connsiteY36"/>
+              </a:cxn>
+            </a:cxnLst>
+            <a:rect l="l" t="t" r="r" b="b"/>
+            <a:pathLst>
+              <a:path w="7498080" h="2841674" fill="none" extrusionOk="0">
+                <a:moveTo>
+                  <a:pt x="0" y="473622"/>
+                </a:moveTo>
+                <a:cubicBezTo>
+                  <a:pt x="38937" y="167040"/>
+                  <a:pt x="220279" y="-41260"/>
+                  <a:pt x="473622" y="0"/>
+                </a:cubicBezTo>
+                <a:cubicBezTo>
+                  <a:pt x="764155" y="-57616"/>
+                  <a:pt x="970367" y="46203"/>
+                  <a:pt x="1134661" y="0"/>
+                </a:cubicBezTo>
+                <a:cubicBezTo>
+                  <a:pt x="1298955" y="-46203"/>
+                  <a:pt x="1513677" y="70263"/>
+                  <a:pt x="1730191" y="0"/>
+                </a:cubicBezTo>
+                <a:cubicBezTo>
+                  <a:pt x="1946705" y="-70263"/>
+                  <a:pt x="2081045" y="10745"/>
+                  <a:pt x="2260214" y="0"/>
+                </a:cubicBezTo>
+                <a:cubicBezTo>
+                  <a:pt x="2439383" y="-10745"/>
+                  <a:pt x="2701347" y="23279"/>
+                  <a:pt x="2921253" y="0"/>
+                </a:cubicBezTo>
+                <a:cubicBezTo>
+                  <a:pt x="3141159" y="-23279"/>
+                  <a:pt x="3188188" y="20776"/>
+                  <a:pt x="3320258" y="0"/>
+                </a:cubicBezTo>
+                <a:cubicBezTo>
+                  <a:pt x="3452329" y="-20776"/>
+                  <a:pt x="3606351" y="36134"/>
+                  <a:pt x="3784772" y="0"/>
+                </a:cubicBezTo>
+                <a:cubicBezTo>
+                  <a:pt x="3963193" y="-36134"/>
+                  <a:pt x="4190527" y="6182"/>
+                  <a:pt x="4380302" y="0"/>
+                </a:cubicBezTo>
+                <a:cubicBezTo>
+                  <a:pt x="4570077" y="-6182"/>
+                  <a:pt x="4716500" y="7504"/>
+                  <a:pt x="4844816" y="0"/>
+                </a:cubicBezTo>
+                <a:cubicBezTo>
+                  <a:pt x="4973132" y="-7504"/>
+                  <a:pt x="5160078" y="47674"/>
+                  <a:pt x="5374838" y="0"/>
+                </a:cubicBezTo>
+                <a:cubicBezTo>
+                  <a:pt x="5589598" y="-47674"/>
+                  <a:pt x="5655889" y="4731"/>
+                  <a:pt x="5839352" y="0"/>
+                </a:cubicBezTo>
+                <a:cubicBezTo>
+                  <a:pt x="6022815" y="-4731"/>
+                  <a:pt x="6217972" y="12533"/>
+                  <a:pt x="6500391" y="0"/>
+                </a:cubicBezTo>
+                <a:cubicBezTo>
+                  <a:pt x="6782810" y="-12533"/>
+                  <a:pt x="6851124" y="18487"/>
+                  <a:pt x="7024458" y="0"/>
+                </a:cubicBezTo>
+                <a:cubicBezTo>
+                  <a:pt x="7282594" y="9488"/>
+                  <a:pt x="7525705" y="196804"/>
+                  <a:pt x="7498080" y="473622"/>
+                </a:cubicBezTo>
+                <a:cubicBezTo>
+                  <a:pt x="7499009" y="606687"/>
+                  <a:pt x="7459571" y="753336"/>
+                  <a:pt x="7498080" y="890397"/>
+                </a:cubicBezTo>
+                <a:cubicBezTo>
+                  <a:pt x="7536589" y="1027458"/>
+                  <a:pt x="7458316" y="1155393"/>
+                  <a:pt x="7498080" y="1364004"/>
+                </a:cubicBezTo>
+                <a:cubicBezTo>
+                  <a:pt x="7537844" y="1572615"/>
+                  <a:pt x="7487424" y="1655875"/>
+                  <a:pt x="7498080" y="1780779"/>
+                </a:cubicBezTo>
+                <a:cubicBezTo>
+                  <a:pt x="7508736" y="1905684"/>
+                  <a:pt x="7450497" y="2092794"/>
+                  <a:pt x="7498080" y="2368052"/>
+                </a:cubicBezTo>
+                <a:cubicBezTo>
+                  <a:pt x="7502145" y="2639467"/>
+                  <a:pt x="7280719" y="2839693"/>
+                  <a:pt x="7024458" y="2841674"/>
+                </a:cubicBezTo>
+                <a:cubicBezTo>
+                  <a:pt x="6817265" y="2851440"/>
+                  <a:pt x="6681567" y="2811562"/>
+                  <a:pt x="6559944" y="2841674"/>
+                </a:cubicBezTo>
+                <a:cubicBezTo>
+                  <a:pt x="6438321" y="2871786"/>
+                  <a:pt x="6141344" y="2839360"/>
+                  <a:pt x="6029922" y="2841674"/>
+                </a:cubicBezTo>
+                <a:cubicBezTo>
+                  <a:pt x="5918500" y="2843988"/>
+                  <a:pt x="5716467" y="2776185"/>
+                  <a:pt x="5434391" y="2841674"/>
+                </a:cubicBezTo>
+                <a:cubicBezTo>
+                  <a:pt x="5152315" y="2907163"/>
+                  <a:pt x="5053601" y="2839432"/>
+                  <a:pt x="4773353" y="2841674"/>
+                </a:cubicBezTo>
+                <a:cubicBezTo>
+                  <a:pt x="4493105" y="2843916"/>
+                  <a:pt x="4379474" y="2815957"/>
+                  <a:pt x="4243330" y="2841674"/>
+                </a:cubicBezTo>
+                <a:cubicBezTo>
+                  <a:pt x="4107186" y="2867391"/>
+                  <a:pt x="3876000" y="2813300"/>
+                  <a:pt x="3778817" y="2841674"/>
+                </a:cubicBezTo>
+                <a:cubicBezTo>
+                  <a:pt x="3681634" y="2870048"/>
+                  <a:pt x="3475978" y="2805797"/>
+                  <a:pt x="3314303" y="2841674"/>
+                </a:cubicBezTo>
+                <a:cubicBezTo>
+                  <a:pt x="3152628" y="2877551"/>
+                  <a:pt x="3084048" y="2836167"/>
+                  <a:pt x="2915297" y="2841674"/>
+                </a:cubicBezTo>
+                <a:cubicBezTo>
+                  <a:pt x="2746546" y="2847181"/>
+                  <a:pt x="2667107" y="2834218"/>
+                  <a:pt x="2450783" y="2841674"/>
+                </a:cubicBezTo>
+                <a:cubicBezTo>
+                  <a:pt x="2234459" y="2849130"/>
+                  <a:pt x="2112324" y="2826997"/>
+                  <a:pt x="1789745" y="2841674"/>
+                </a:cubicBezTo>
+                <a:cubicBezTo>
+                  <a:pt x="1467166" y="2856351"/>
+                  <a:pt x="1262375" y="2837060"/>
+                  <a:pt x="1128706" y="2841674"/>
+                </a:cubicBezTo>
+                <a:cubicBezTo>
+                  <a:pt x="995037" y="2846288"/>
+                  <a:pt x="790249" y="2766547"/>
+                  <a:pt x="473622" y="2841674"/>
+                </a:cubicBezTo>
+                <a:cubicBezTo>
+                  <a:pt x="254796" y="2797851"/>
+                  <a:pt x="5442" y="2623474"/>
+                  <a:pt x="0" y="2368052"/>
+                </a:cubicBezTo>
+                <a:cubicBezTo>
+                  <a:pt x="-31243" y="2146398"/>
+                  <a:pt x="36807" y="1981405"/>
+                  <a:pt x="0" y="1875500"/>
+                </a:cubicBezTo>
+                <a:cubicBezTo>
+                  <a:pt x="-36807" y="1769595"/>
+                  <a:pt x="55094" y="1626275"/>
+                  <a:pt x="0" y="1401893"/>
+                </a:cubicBezTo>
+                <a:cubicBezTo>
+                  <a:pt x="-55094" y="1177511"/>
+                  <a:pt x="20148" y="1088729"/>
+                  <a:pt x="0" y="985118"/>
+                </a:cubicBezTo>
+                <a:cubicBezTo>
+                  <a:pt x="-20148" y="881508"/>
+                  <a:pt x="43708" y="579178"/>
+                  <a:pt x="0" y="473622"/>
+                </a:cubicBezTo>
+                <a:close/>
+              </a:path>
+              <a:path w="7498080" h="2841674" stroke="0" extrusionOk="0">
+                <a:moveTo>
+                  <a:pt x="0" y="473622"/>
+                </a:moveTo>
+                <a:cubicBezTo>
+                  <a:pt x="24624" y="283457"/>
+                  <a:pt x="148952" y="-17882"/>
+                  <a:pt x="473622" y="0"/>
+                </a:cubicBezTo>
+                <a:cubicBezTo>
+                  <a:pt x="599206" y="-53255"/>
+                  <a:pt x="830935" y="42738"/>
+                  <a:pt x="938136" y="0"/>
+                </a:cubicBezTo>
+                <a:cubicBezTo>
+                  <a:pt x="1045337" y="-42738"/>
+                  <a:pt x="1451872" y="37831"/>
+                  <a:pt x="1599175" y="0"/>
+                </a:cubicBezTo>
+                <a:cubicBezTo>
+                  <a:pt x="1746478" y="-37831"/>
+                  <a:pt x="1937137" y="35184"/>
+                  <a:pt x="2194705" y="0"/>
+                </a:cubicBezTo>
+                <a:cubicBezTo>
+                  <a:pt x="2452273" y="-35184"/>
+                  <a:pt x="2599748" y="16445"/>
+                  <a:pt x="2724727" y="0"/>
+                </a:cubicBezTo>
+                <a:cubicBezTo>
+                  <a:pt x="2849706" y="-16445"/>
+                  <a:pt x="3080184" y="32036"/>
+                  <a:pt x="3254750" y="0"/>
+                </a:cubicBezTo>
+                <a:cubicBezTo>
+                  <a:pt x="3429316" y="-32036"/>
+                  <a:pt x="3582808" y="54826"/>
+                  <a:pt x="3719263" y="0"/>
+                </a:cubicBezTo>
+                <a:cubicBezTo>
+                  <a:pt x="3855718" y="-54826"/>
+                  <a:pt x="4158485" y="25737"/>
+                  <a:pt x="4380302" y="0"/>
+                </a:cubicBezTo>
+                <a:cubicBezTo>
+                  <a:pt x="4602119" y="-25737"/>
+                  <a:pt x="4783922" y="54750"/>
+                  <a:pt x="5041341" y="0"/>
+                </a:cubicBezTo>
+                <a:cubicBezTo>
+                  <a:pt x="5298760" y="-54750"/>
+                  <a:pt x="5301971" y="53319"/>
+                  <a:pt x="5505855" y="0"/>
+                </a:cubicBezTo>
+                <a:cubicBezTo>
+                  <a:pt x="5709739" y="-53319"/>
+                  <a:pt x="5914748" y="59925"/>
+                  <a:pt x="6035877" y="0"/>
+                </a:cubicBezTo>
+                <a:cubicBezTo>
+                  <a:pt x="6157006" y="-59925"/>
+                  <a:pt x="6651700" y="11212"/>
+                  <a:pt x="7024458" y="0"/>
+                </a:cubicBezTo>
+                <a:cubicBezTo>
+                  <a:pt x="7246075" y="4542"/>
+                  <a:pt x="7495419" y="196167"/>
+                  <a:pt x="7498080" y="473622"/>
+                </a:cubicBezTo>
+                <a:cubicBezTo>
+                  <a:pt x="7500491" y="690440"/>
+                  <a:pt x="7470507" y="789645"/>
+                  <a:pt x="7498080" y="909341"/>
+                </a:cubicBezTo>
+                <a:cubicBezTo>
+                  <a:pt x="7525653" y="1029037"/>
+                  <a:pt x="7449163" y="1236954"/>
+                  <a:pt x="7498080" y="1326116"/>
+                </a:cubicBezTo>
+                <a:cubicBezTo>
+                  <a:pt x="7546997" y="1415279"/>
+                  <a:pt x="7485451" y="1602565"/>
+                  <a:pt x="7498080" y="1742890"/>
+                </a:cubicBezTo>
+                <a:cubicBezTo>
+                  <a:pt x="7510709" y="1883215"/>
+                  <a:pt x="7471261" y="2171925"/>
+                  <a:pt x="7498080" y="2368052"/>
+                </a:cubicBezTo>
+                <a:cubicBezTo>
+                  <a:pt x="7491233" y="2625289"/>
+                  <a:pt x="7300145" y="2853102"/>
+                  <a:pt x="7024458" y="2841674"/>
+                </a:cubicBezTo>
+                <a:cubicBezTo>
+                  <a:pt x="6854776" y="2859721"/>
+                  <a:pt x="6708159" y="2817657"/>
+                  <a:pt x="6625453" y="2841674"/>
+                </a:cubicBezTo>
+                <a:cubicBezTo>
+                  <a:pt x="6542748" y="2865691"/>
+                  <a:pt x="6289264" y="2819102"/>
+                  <a:pt x="6095430" y="2841674"/>
+                </a:cubicBezTo>
+                <a:cubicBezTo>
+                  <a:pt x="5901596" y="2864246"/>
+                  <a:pt x="5701681" y="2806533"/>
+                  <a:pt x="5565408" y="2841674"/>
+                </a:cubicBezTo>
+                <a:cubicBezTo>
+                  <a:pt x="5429135" y="2876815"/>
+                  <a:pt x="5173002" y="2832096"/>
+                  <a:pt x="4969878" y="2841674"/>
+                </a:cubicBezTo>
+                <a:cubicBezTo>
+                  <a:pt x="4766754" y="2851252"/>
+                  <a:pt x="4661770" y="2771682"/>
+                  <a:pt x="4374347" y="2841674"/>
+                </a:cubicBezTo>
+                <a:cubicBezTo>
+                  <a:pt x="4086924" y="2911666"/>
+                  <a:pt x="4090390" y="2800514"/>
+                  <a:pt x="3909833" y="2841674"/>
+                </a:cubicBezTo>
+                <a:cubicBezTo>
+                  <a:pt x="3729276" y="2882834"/>
+                  <a:pt x="3530876" y="2806482"/>
+                  <a:pt x="3183286" y="2841674"/>
+                </a:cubicBezTo>
+                <a:cubicBezTo>
+                  <a:pt x="2835696" y="2876866"/>
+                  <a:pt x="2823892" y="2799101"/>
+                  <a:pt x="2718772" y="2841674"/>
+                </a:cubicBezTo>
+                <a:cubicBezTo>
+                  <a:pt x="2613652" y="2884247"/>
+                  <a:pt x="2217237" y="2778699"/>
+                  <a:pt x="2057733" y="2841674"/>
+                </a:cubicBezTo>
+                <a:cubicBezTo>
+                  <a:pt x="1898229" y="2904649"/>
+                  <a:pt x="1806720" y="2789543"/>
+                  <a:pt x="1593219" y="2841674"/>
+                </a:cubicBezTo>
+                <a:cubicBezTo>
+                  <a:pt x="1379718" y="2893805"/>
+                  <a:pt x="1354724" y="2807853"/>
+                  <a:pt x="1194214" y="2841674"/>
+                </a:cubicBezTo>
+                <a:cubicBezTo>
+                  <a:pt x="1033705" y="2875495"/>
+                  <a:pt x="642331" y="2788179"/>
+                  <a:pt x="473622" y="2841674"/>
+                </a:cubicBezTo>
+                <a:cubicBezTo>
+                  <a:pt x="261430" y="2806669"/>
+                  <a:pt x="9248" y="2567672"/>
+                  <a:pt x="0" y="2368052"/>
+                </a:cubicBezTo>
+                <a:cubicBezTo>
+                  <a:pt x="-44685" y="2159981"/>
+                  <a:pt x="14919" y="2111148"/>
+                  <a:pt x="0" y="1951277"/>
+                </a:cubicBezTo>
+                <a:cubicBezTo>
+                  <a:pt x="-14919" y="1791407"/>
+                  <a:pt x="20787" y="1595700"/>
+                  <a:pt x="0" y="1477670"/>
+                </a:cubicBezTo>
+                <a:cubicBezTo>
+                  <a:pt x="-20787" y="1359640"/>
+                  <a:pt x="17323" y="1232108"/>
+                  <a:pt x="0" y="1041951"/>
+                </a:cubicBezTo>
+                <a:cubicBezTo>
+                  <a:pt x="-17323" y="851794"/>
+                  <a:pt x="38344" y="730308"/>
+                  <a:pt x="0" y="473622"/>
+                </a:cubicBezTo>
+                <a:close/>
+              </a:path>
+            </a:pathLst>
+          </a:custGeom>
           <a:solidFill>
-            <a:schemeClr val="accent2">
-              <a:lumMod val="20000"/>
-              <a:lumOff val="80000"/>
-            </a:schemeClr>
+            <a:schemeClr val="bg1"/>
           </a:solidFill>
+          <a:ln w="19050">
+            <a:solidFill>
+              <a:schemeClr val="tx1"/>
+            </a:solidFill>
+            <a:extLst>
+              <a:ext uri="{C807C97D-BFC1-408E-A445-0C87EB9F89A2}">
+                <ask:lineSketchStyleProps xmlns:ask="http://schemas.microsoft.com/office/drawing/2018/sketchyshapes" sd="2847000804">
+                  <a:prstGeom prst="roundRect">
+                    <a:avLst/>
+                  </a:prstGeom>
+                  <ask:type>
+                    <ask:lineSketchScribble/>
+                  </ask:type>
+                </ask:lineSketchStyleProps>
+              </a:ext>
+            </a:extLst>
+          </a:ln>
         </p:spPr>
         <p:style>
           <a:lnRef idx="2">
@@ -4626,8 +5991,9 @@
                 <a:solidFill>
                   <a:schemeClr val="tx1"/>
                 </a:solidFill>
+                <a:latin typeface="Segoe Print" panose="02000600000000000000" pitchFamily="2" charset="0"/>
               </a:rPr>
-              <a:t>Singulares: todos los lados con pocas viviendas.</a:t>
+              <a:t>Esparcidos: todos los lados con pocas viviendas.</a:t>
             </a:r>
           </a:p>
           <a:p>
@@ -4640,6 +6006,7 @@
                 <a:solidFill>
                   <a:schemeClr val="tx1"/>
                 </a:solidFill>
+                <a:latin typeface="Segoe Print" panose="02000600000000000000" pitchFamily="2" charset="0"/>
               </a:rPr>
               <a:t>Densos: todas las manzanas con muchas viviendas.</a:t>
             </a:r>
@@ -4654,6 +6021,7 @@
                 <a:solidFill>
                   <a:schemeClr val="tx1"/>
                 </a:solidFill>
+                <a:latin typeface="Segoe Print" panose="02000600000000000000" pitchFamily="2" charset="0"/>
               </a:rPr>
               <a:t>Combinados: situaciones intermedias</a:t>
             </a:r>
@@ -4662,6 +6030,7 @@
                 <a:solidFill>
                   <a:schemeClr val="tx1"/>
                 </a:solidFill>
+                <a:latin typeface="Segoe Print" panose="02000600000000000000" pitchFamily="2" charset="0"/>
               </a:rPr>
             </a:br>
             <a:r>
@@ -4669,6 +6038,7 @@
                 <a:solidFill>
                   <a:schemeClr val="tx1"/>
                 </a:solidFill>
+                <a:latin typeface="Segoe Print" panose="02000600000000000000" pitchFamily="2" charset="0"/>
               </a:rPr>
               <a:t>algunas manzanas con pocas viviendas</a:t>
             </a:r>
@@ -4677,6 +6047,7 @@
                 <a:solidFill>
                   <a:schemeClr val="tx1"/>
                 </a:solidFill>
+                <a:latin typeface="Segoe Print" panose="02000600000000000000" pitchFamily="2" charset="0"/>
               </a:rPr>
             </a:br>
             <a:r>
@@ -4684,6 +6055,7 @@
                 <a:solidFill>
                   <a:schemeClr val="tx1"/>
                 </a:solidFill>
+                <a:latin typeface="Segoe Print" panose="02000600000000000000" pitchFamily="2" charset="0"/>
               </a:rPr>
               <a:t>o algunos lados con muchas viviendas. </a:t>
             </a:r>
@@ -4738,19 +6110,21 @@
         </p:nvSpPr>
         <p:spPr>
           <a:xfrm>
-            <a:off x="2332892" y="505802"/>
+            <a:off x="2332891" y="360028"/>
             <a:ext cx="7526216" cy="1325563"/>
           </a:xfrm>
         </p:spPr>
         <p:txBody>
           <a:bodyPr>
-            <a:normAutofit/>
+            <a:normAutofit fontScale="90000"/>
           </a:bodyPr>
           <a:lstStyle/>
           <a:p>
             <a:pPr algn="ctr"/>
             <a:r>
-              <a:rPr lang="es-AR" sz="5400" i="1" dirty="0"/>
+              <a:rPr lang="es-AR" sz="5400" i="1" dirty="0">
+                <a:latin typeface="Segoe Print" panose="02000600000000000000" pitchFamily="2" charset="0"/>
+              </a:rPr>
               <a:t>Algoritmos o Métodos.</a:t>
             </a:r>
           </a:p>
@@ -4770,8 +6144,8 @@
         </p:nvSpPr>
         <p:spPr>
           <a:xfrm>
-            <a:off x="3915507" y="1575582"/>
-            <a:ext cx="4360985" cy="1077218"/>
+            <a:off x="773721" y="1549141"/>
+            <a:ext cx="5322278" cy="1077218"/>
           </a:xfrm>
           <a:prstGeom prst="rect">
             <a:avLst/>
@@ -4785,14 +6159,20 @@
           <a:lstStyle/>
           <a:p>
             <a:r>
-              <a:rPr lang="es-AR" sz="3200" i="1" dirty="0"/>
+              <a:rPr lang="es-AR" sz="3200" i="1" dirty="0">
+                <a:latin typeface="Segoe Print" panose="02000600000000000000" pitchFamily="2" charset="0"/>
+              </a:rPr>
               <a:t>Elementos disponibles,</a:t>
             </a:r>
             <a:br>
-              <a:rPr lang="es-AR" sz="3200" i="1" dirty="0"/>
+              <a:rPr lang="es-AR" sz="3200" i="1" dirty="0">
+                <a:latin typeface="Segoe Print" panose="02000600000000000000" pitchFamily="2" charset="0"/>
+              </a:rPr>
             </a:br>
             <a:r>
-              <a:rPr lang="es-AR" sz="3200" i="1" dirty="0"/>
+              <a:rPr lang="es-AR" sz="3200" i="1" dirty="0">
+                <a:latin typeface="Segoe Print" panose="02000600000000000000" pitchFamily="2" charset="0"/>
+              </a:rPr>
               <a:t>o agrupación elemental.</a:t>
             </a:r>
           </a:p>
@@ -4812,18 +6192,177 @@
         </p:nvSpPr>
         <p:spPr>
           <a:xfrm>
-            <a:off x="2954215" y="2982351"/>
+            <a:off x="3895119" y="3128125"/>
             <a:ext cx="7287065" cy="3369847"/>
           </a:xfrm>
-          <a:prstGeom prst="roundRect">
+          <a:custGeom>
             <a:avLst/>
-          </a:prstGeom>
+            <a:gdLst>
+              <a:gd name="connsiteX0" fmla="*/ 0 w 7287065"/>
+              <a:gd name="connsiteY0" fmla="*/ 561652 h 3369847"/>
+              <a:gd name="connsiteX1" fmla="*/ 561652 w 7287065"/>
+              <a:gd name="connsiteY1" fmla="*/ 0 h 3369847"/>
+              <a:gd name="connsiteX2" fmla="*/ 6725413 w 7287065"/>
+              <a:gd name="connsiteY2" fmla="*/ 0 h 3369847"/>
+              <a:gd name="connsiteX3" fmla="*/ 7287065 w 7287065"/>
+              <a:gd name="connsiteY3" fmla="*/ 561652 h 3369847"/>
+              <a:gd name="connsiteX4" fmla="*/ 7287065 w 7287065"/>
+              <a:gd name="connsiteY4" fmla="*/ 2808195 h 3369847"/>
+              <a:gd name="connsiteX5" fmla="*/ 6725413 w 7287065"/>
+              <a:gd name="connsiteY5" fmla="*/ 3369847 h 3369847"/>
+              <a:gd name="connsiteX6" fmla="*/ 561652 w 7287065"/>
+              <a:gd name="connsiteY6" fmla="*/ 3369847 h 3369847"/>
+              <a:gd name="connsiteX7" fmla="*/ 0 w 7287065"/>
+              <a:gd name="connsiteY7" fmla="*/ 2808195 h 3369847"/>
+              <a:gd name="connsiteX8" fmla="*/ 0 w 7287065"/>
+              <a:gd name="connsiteY8" fmla="*/ 561652 h 3369847"/>
+            </a:gdLst>
+            <a:ahLst/>
+            <a:cxnLst>
+              <a:cxn ang="0">
+                <a:pos x="connsiteX0" y="connsiteY0"/>
+              </a:cxn>
+              <a:cxn ang="0">
+                <a:pos x="connsiteX1" y="connsiteY1"/>
+              </a:cxn>
+              <a:cxn ang="0">
+                <a:pos x="connsiteX2" y="connsiteY2"/>
+              </a:cxn>
+              <a:cxn ang="0">
+                <a:pos x="connsiteX3" y="connsiteY3"/>
+              </a:cxn>
+              <a:cxn ang="0">
+                <a:pos x="connsiteX4" y="connsiteY4"/>
+              </a:cxn>
+              <a:cxn ang="0">
+                <a:pos x="connsiteX5" y="connsiteY5"/>
+              </a:cxn>
+              <a:cxn ang="0">
+                <a:pos x="connsiteX6" y="connsiteY6"/>
+              </a:cxn>
+              <a:cxn ang="0">
+                <a:pos x="connsiteX7" y="connsiteY7"/>
+              </a:cxn>
+              <a:cxn ang="0">
+                <a:pos x="connsiteX8" y="connsiteY8"/>
+              </a:cxn>
+            </a:cxnLst>
+            <a:rect l="l" t="t" r="r" b="b"/>
+            <a:pathLst>
+              <a:path w="7287065" h="3369847" fill="none" extrusionOk="0">
+                <a:moveTo>
+                  <a:pt x="0" y="561652"/>
+                </a:moveTo>
+                <a:cubicBezTo>
+                  <a:pt x="23491" y="250458"/>
+                  <a:pt x="219207" y="-18334"/>
+                  <a:pt x="561652" y="0"/>
+                </a:cubicBezTo>
+                <a:cubicBezTo>
+                  <a:pt x="3598635" y="17915"/>
+                  <a:pt x="3908125" y="-95697"/>
+                  <a:pt x="6725413" y="0"/>
+                </a:cubicBezTo>
+                <a:cubicBezTo>
+                  <a:pt x="7036323" y="-55718"/>
+                  <a:pt x="7294822" y="220273"/>
+                  <a:pt x="7287065" y="561652"/>
+                </a:cubicBezTo>
+                <a:cubicBezTo>
+                  <a:pt x="7226229" y="1322426"/>
+                  <a:pt x="7305723" y="1977052"/>
+                  <a:pt x="7287065" y="2808195"/>
+                </a:cubicBezTo>
+                <a:cubicBezTo>
+                  <a:pt x="7262704" y="3096748"/>
+                  <a:pt x="7026933" y="3370403"/>
+                  <a:pt x="6725413" y="3369847"/>
+                </a:cubicBezTo>
+                <a:cubicBezTo>
+                  <a:pt x="5041391" y="3411491"/>
+                  <a:pt x="3320065" y="3281043"/>
+                  <a:pt x="561652" y="3369847"/>
+                </a:cubicBezTo>
+                <a:cubicBezTo>
+                  <a:pt x="213319" y="3386485"/>
+                  <a:pt x="-2751" y="3124928"/>
+                  <a:pt x="0" y="2808195"/>
+                </a:cubicBezTo>
+                <a:cubicBezTo>
+                  <a:pt x="151830" y="2208828"/>
+                  <a:pt x="42908" y="1370018"/>
+                  <a:pt x="0" y="561652"/>
+                </a:cubicBezTo>
+                <a:close/>
+              </a:path>
+              <a:path w="7287065" h="3369847" stroke="0" extrusionOk="0">
+                <a:moveTo>
+                  <a:pt x="0" y="561652"/>
+                </a:moveTo>
+                <a:cubicBezTo>
+                  <a:pt x="-16247" y="235526"/>
+                  <a:pt x="272509" y="31214"/>
+                  <a:pt x="561652" y="0"/>
+                </a:cubicBezTo>
+                <a:cubicBezTo>
+                  <a:pt x="2305730" y="-87063"/>
+                  <a:pt x="5766660" y="-7519"/>
+                  <a:pt x="6725413" y="0"/>
+                </a:cubicBezTo>
+                <a:cubicBezTo>
+                  <a:pt x="7036641" y="6591"/>
+                  <a:pt x="7282780" y="281473"/>
+                  <a:pt x="7287065" y="561652"/>
+                </a:cubicBezTo>
+                <a:cubicBezTo>
+                  <a:pt x="7233056" y="1198844"/>
+                  <a:pt x="7423733" y="2444047"/>
+                  <a:pt x="7287065" y="2808195"/>
+                </a:cubicBezTo>
+                <a:cubicBezTo>
+                  <a:pt x="7304909" y="3098158"/>
+                  <a:pt x="7009858" y="3359254"/>
+                  <a:pt x="6725413" y="3369847"/>
+                </a:cubicBezTo>
+                <a:cubicBezTo>
+                  <a:pt x="5993617" y="3288249"/>
+                  <a:pt x="2867317" y="3325897"/>
+                  <a:pt x="561652" y="3369847"/>
+                </a:cubicBezTo>
+                <a:cubicBezTo>
+                  <a:pt x="289752" y="3353171"/>
+                  <a:pt x="-34672" y="3143173"/>
+                  <a:pt x="0" y="2808195"/>
+                </a:cubicBezTo>
+                <a:cubicBezTo>
+                  <a:pt x="133291" y="2330166"/>
+                  <a:pt x="-163167" y="1381272"/>
+                  <a:pt x="0" y="561652"/>
+                </a:cubicBezTo>
+                <a:close/>
+              </a:path>
+            </a:pathLst>
+          </a:custGeom>
           <a:solidFill>
-            <a:schemeClr val="accent2">
-              <a:lumMod val="20000"/>
-              <a:lumOff val="80000"/>
-            </a:schemeClr>
+            <a:schemeClr val="bg1"/>
           </a:solidFill>
+          <a:ln w="19050">
+            <a:solidFill>
+              <a:schemeClr val="tx1"/>
+            </a:solidFill>
+            <a:extLst>
+              <a:ext uri="{C807C97D-BFC1-408E-A445-0C87EB9F89A2}">
+                <ask:lineSketchStyleProps xmlns:ask="http://schemas.microsoft.com/office/drawing/2018/sketchyshapes" sd="4084313079">
+                  <a:prstGeom prst="roundRect">
+                    <a:avLst/>
+                  </a:prstGeom>
+                  <ask:type>
+                    <ask:lineSketchCurved/>
+                  </ask:type>
+                </ask:lineSketchStyleProps>
+              </a:ext>
+            </a:extLst>
+          </a:ln>
         </p:spPr>
         <p:style>
           <a:lnRef idx="2">
@@ -4854,6 +6393,7 @@
                 <a:solidFill>
                   <a:schemeClr val="tx1"/>
                 </a:solidFill>
+                <a:latin typeface="Segoe Script" panose="030B0504020000000003" pitchFamily="66" charset="0"/>
               </a:rPr>
               <a:t>Conteos:</a:t>
             </a:r>
@@ -4862,6 +6402,7 @@
                 <a:solidFill>
                   <a:schemeClr val="tx1"/>
                 </a:solidFill>
+                <a:latin typeface="Segoe Script" panose="030B0504020000000003" pitchFamily="66" charset="0"/>
               </a:rPr>
             </a:br>
             <a:r>
@@ -4869,6 +6410,7 @@
                 <a:solidFill>
                   <a:schemeClr val="tx1"/>
                 </a:solidFill>
+                <a:latin typeface="Segoe Script" panose="030B0504020000000003" pitchFamily="66" charset="0"/>
               </a:rPr>
               <a:t>lados o manzanas completas</a:t>
             </a:r>
@@ -4883,6 +6425,7 @@
                 <a:solidFill>
                   <a:schemeClr val="tx1"/>
                 </a:solidFill>
+                <a:latin typeface="Segoe Script" panose="030B0504020000000003" pitchFamily="66" charset="0"/>
               </a:rPr>
               <a:t>Listados: direcciones, pisos</a:t>
             </a:r>
@@ -4891,6 +6434,7 @@
                 <a:solidFill>
                   <a:schemeClr val="tx1"/>
                 </a:solidFill>
+                <a:latin typeface="Segoe Script" panose="030B0504020000000003" pitchFamily="66" charset="0"/>
               </a:rPr>
             </a:br>
             <a:r>
@@ -4898,6 +6442,7 @@
                 <a:solidFill>
                   <a:schemeClr val="tx1"/>
                 </a:solidFill>
+                <a:latin typeface="Segoe Script" panose="030B0504020000000003" pitchFamily="66" charset="0"/>
               </a:rPr>
               <a:t>(no puede haber más de 1 segmento por piso)</a:t>
             </a:r>
@@ -4906,6 +6451,7 @@
                 <a:solidFill>
                   <a:schemeClr val="tx1"/>
                 </a:solidFill>
+                <a:latin typeface="Segoe Script" panose="030B0504020000000003" pitchFamily="66" charset="0"/>
               </a:rPr>
             </a:br>
             <a:r>
@@ -4913,6 +6459,7 @@
                 <a:solidFill>
                   <a:schemeClr val="tx1"/>
                 </a:solidFill>
+                <a:latin typeface="Segoe Script" panose="030B0504020000000003" pitchFamily="66" charset="0"/>
               </a:rPr>
               <a:t>recorridos o manzanas independientes</a:t>
             </a:r>
@@ -4927,6 +6474,7 @@
                 <a:solidFill>
                   <a:schemeClr val="tx1"/>
                 </a:solidFill>
+                <a:latin typeface="Segoe Script" panose="030B0504020000000003" pitchFamily="66" charset="0"/>
               </a:rPr>
               <a:t>Varias combinaciones de ambos.</a:t>
             </a:r>
@@ -4946,9 +6494,104 @@
 </p:sld>
 </file>
 
+<file path=ppt/slides/slide12.xml><?xml version="1.0" encoding="utf-8"?>
+<p:sld xmlns:a="http://schemas.openxmlformats.org/drawingml/2006/main" xmlns:r="http://schemas.openxmlformats.org/officeDocument/2006/relationships" xmlns:p="http://schemas.openxmlformats.org/presentationml/2006/main">
+  <p:cSld>
+    <p:spTree>
+      <p:nvGrpSpPr>
+        <p:cNvPr id="1" name=""/>
+        <p:cNvGrpSpPr/>
+        <p:nvPr/>
+      </p:nvGrpSpPr>
+      <p:grpSpPr>
+        <a:xfrm>
+          <a:off x="0" y="0"/>
+          <a:ext cx="0" cy="0"/>
+          <a:chOff x="0" y="0"/>
+          <a:chExt cx="0" cy="0"/>
+        </a:xfrm>
+      </p:grpSpPr>
+      <p:sp>
+        <p:nvSpPr>
+          <p:cNvPr id="2" name="Título 1">
+            <a:extLst>
+              <a:ext uri="{FF2B5EF4-FFF2-40B4-BE49-F238E27FC236}">
+                <a16:creationId xmlns:a16="http://schemas.microsoft.com/office/drawing/2014/main" id="{F20614AF-9807-4509-8689-79AB59718742}"/>
+              </a:ext>
+            </a:extLst>
+          </p:cNvPr>
+          <p:cNvSpPr>
+            <a:spLocks noGrp="1"/>
+          </p:cNvSpPr>
+          <p:nvPr>
+            <p:ph type="title"/>
+          </p:nvPr>
+        </p:nvSpPr>
+        <p:spPr/>
+        <p:txBody>
+          <a:bodyPr/>
+          <a:lstStyle/>
+          <a:p>
+            <a:endParaRPr lang="es-AR" dirty="0"/>
+          </a:p>
+        </p:txBody>
+      </p:sp>
+      <p:sp>
+        <p:nvSpPr>
+          <p:cNvPr id="3" name="CuadroTexto 2">
+            <a:extLst>
+              <a:ext uri="{FF2B5EF4-FFF2-40B4-BE49-F238E27FC236}">
+                <a16:creationId xmlns:a16="http://schemas.microsoft.com/office/drawing/2014/main" id="{94B2457D-889F-4629-8DA1-06A3DFA168A3}"/>
+              </a:ext>
+            </a:extLst>
+          </p:cNvPr>
+          <p:cNvSpPr txBox="1"/>
+          <p:nvPr/>
+        </p:nvSpPr>
+        <p:spPr>
+          <a:xfrm>
+            <a:off x="5638799" y="2975113"/>
+            <a:ext cx="1437861" cy="276999"/>
+          </a:xfrm>
+          <a:prstGeom prst="rect">
+            <a:avLst/>
+          </a:prstGeom>
+          <a:noFill/>
+        </p:spPr>
+        <p:txBody>
+          <a:bodyPr wrap="square" lIns="0" tIns="0" rIns="0" bIns="0" rtlCol="0">
+            <a:spAutoFit/>
+          </a:bodyPr>
+          <a:lstStyle/>
+          <a:p>
+            <a:endParaRPr lang="es-AR" dirty="0"/>
+          </a:p>
+        </p:txBody>
+      </p:sp>
+    </p:spTree>
+    <p:extLst>
+      <p:ext uri="{BB962C8B-B14F-4D97-AF65-F5344CB8AC3E}">
+        <p14:creationId xmlns:p14="http://schemas.microsoft.com/office/powerpoint/2010/main" val="3133358121"/>
+      </p:ext>
+    </p:extLst>
+  </p:cSld>
+  <p:clrMapOvr>
+    <a:masterClrMapping/>
+  </p:clrMapOvr>
+</p:sld>
+</file>
+
 <file path=ppt/slides/slide2.xml><?xml version="1.0" encoding="utf-8"?>
 <p:sld xmlns:a="http://schemas.openxmlformats.org/drawingml/2006/main" xmlns:r="http://schemas.openxmlformats.org/officeDocument/2006/relationships" xmlns:p="http://schemas.openxmlformats.org/presentationml/2006/main">
   <p:cSld>
+    <p:bg>
+      <p:bgPr>
+        <a:solidFill>
+          <a:schemeClr val="bg1"/>
+        </a:solidFill>
+        <a:effectLst/>
+      </p:bgPr>
+    </p:bg>
     <p:spTree>
       <p:nvGrpSpPr>
         <p:cNvPr id="1" name=""/>
@@ -4976,19 +6619,178 @@
           <p:nvPr/>
         </p:nvSpPr>
         <p:spPr>
-          <a:xfrm>
-            <a:off x="429066" y="1987135"/>
+          <a:xfrm rot="20688776">
+            <a:off x="552331" y="4057522"/>
             <a:ext cx="3087858" cy="1842868"/>
           </a:xfrm>
-          <a:prstGeom prst="roundRect">
+          <a:custGeom>
             <a:avLst/>
-          </a:prstGeom>
+            <a:gdLst>
+              <a:gd name="connsiteX0" fmla="*/ 0 w 3087858"/>
+              <a:gd name="connsiteY0" fmla="*/ 307151 h 1842868"/>
+              <a:gd name="connsiteX1" fmla="*/ 307151 w 3087858"/>
+              <a:gd name="connsiteY1" fmla="*/ 0 h 1842868"/>
+              <a:gd name="connsiteX2" fmla="*/ 2780707 w 3087858"/>
+              <a:gd name="connsiteY2" fmla="*/ 0 h 1842868"/>
+              <a:gd name="connsiteX3" fmla="*/ 3087858 w 3087858"/>
+              <a:gd name="connsiteY3" fmla="*/ 307151 h 1842868"/>
+              <a:gd name="connsiteX4" fmla="*/ 3087858 w 3087858"/>
+              <a:gd name="connsiteY4" fmla="*/ 1535717 h 1842868"/>
+              <a:gd name="connsiteX5" fmla="*/ 2780707 w 3087858"/>
+              <a:gd name="connsiteY5" fmla="*/ 1842868 h 1842868"/>
+              <a:gd name="connsiteX6" fmla="*/ 307151 w 3087858"/>
+              <a:gd name="connsiteY6" fmla="*/ 1842868 h 1842868"/>
+              <a:gd name="connsiteX7" fmla="*/ 0 w 3087858"/>
+              <a:gd name="connsiteY7" fmla="*/ 1535717 h 1842868"/>
+              <a:gd name="connsiteX8" fmla="*/ 0 w 3087858"/>
+              <a:gd name="connsiteY8" fmla="*/ 307151 h 1842868"/>
+            </a:gdLst>
+            <a:ahLst/>
+            <a:cxnLst>
+              <a:cxn ang="0">
+                <a:pos x="connsiteX0" y="connsiteY0"/>
+              </a:cxn>
+              <a:cxn ang="0">
+                <a:pos x="connsiteX1" y="connsiteY1"/>
+              </a:cxn>
+              <a:cxn ang="0">
+                <a:pos x="connsiteX2" y="connsiteY2"/>
+              </a:cxn>
+              <a:cxn ang="0">
+                <a:pos x="connsiteX3" y="connsiteY3"/>
+              </a:cxn>
+              <a:cxn ang="0">
+                <a:pos x="connsiteX4" y="connsiteY4"/>
+              </a:cxn>
+              <a:cxn ang="0">
+                <a:pos x="connsiteX5" y="connsiteY5"/>
+              </a:cxn>
+              <a:cxn ang="0">
+                <a:pos x="connsiteX6" y="connsiteY6"/>
+              </a:cxn>
+              <a:cxn ang="0">
+                <a:pos x="connsiteX7" y="connsiteY7"/>
+              </a:cxn>
+              <a:cxn ang="0">
+                <a:pos x="connsiteX8" y="connsiteY8"/>
+              </a:cxn>
+            </a:cxnLst>
+            <a:rect l="l" t="t" r="r" b="b"/>
+            <a:pathLst>
+              <a:path w="3087858" h="1842868" fill="none" extrusionOk="0">
+                <a:moveTo>
+                  <a:pt x="0" y="307151"/>
+                </a:moveTo>
+                <a:cubicBezTo>
+                  <a:pt x="5054" y="164387"/>
+                  <a:pt x="140630" y="-2647"/>
+                  <a:pt x="307151" y="0"/>
+                </a:cubicBezTo>
+                <a:cubicBezTo>
+                  <a:pt x="588728" y="-62724"/>
+                  <a:pt x="1652109" y="-25341"/>
+                  <a:pt x="2780707" y="0"/>
+                </a:cubicBezTo>
+                <a:cubicBezTo>
+                  <a:pt x="2957706" y="-14159"/>
+                  <a:pt x="3083862" y="139397"/>
+                  <a:pt x="3087858" y="307151"/>
+                </a:cubicBezTo>
+                <a:cubicBezTo>
+                  <a:pt x="3101562" y="517973"/>
+                  <a:pt x="3026031" y="1200360"/>
+                  <a:pt x="3087858" y="1535717"/>
+                </a:cubicBezTo>
+                <a:cubicBezTo>
+                  <a:pt x="3092463" y="1710162"/>
+                  <a:pt x="2931561" y="1817119"/>
+                  <a:pt x="2780707" y="1842868"/>
+                </a:cubicBezTo>
+                <a:cubicBezTo>
+                  <a:pt x="2415905" y="1725573"/>
+                  <a:pt x="927821" y="1903222"/>
+                  <a:pt x="307151" y="1842868"/>
+                </a:cubicBezTo>
+                <a:cubicBezTo>
+                  <a:pt x="130992" y="1835881"/>
+                  <a:pt x="16556" y="1721823"/>
+                  <a:pt x="0" y="1535717"/>
+                </a:cubicBezTo>
+                <a:cubicBezTo>
+                  <a:pt x="-29770" y="1206236"/>
+                  <a:pt x="-92474" y="496479"/>
+                  <a:pt x="0" y="307151"/>
+                </a:cubicBezTo>
+                <a:close/>
+              </a:path>
+              <a:path w="3087858" h="1842868" stroke="0" extrusionOk="0">
+                <a:moveTo>
+                  <a:pt x="0" y="307151"/>
+                </a:moveTo>
+                <a:cubicBezTo>
+                  <a:pt x="23065" y="158233"/>
+                  <a:pt x="120509" y="-3498"/>
+                  <a:pt x="307151" y="0"/>
+                </a:cubicBezTo>
+                <a:cubicBezTo>
+                  <a:pt x="1278091" y="107174"/>
+                  <a:pt x="2272218" y="18224"/>
+                  <a:pt x="2780707" y="0"/>
+                </a:cubicBezTo>
+                <a:cubicBezTo>
+                  <a:pt x="2964102" y="-18522"/>
+                  <a:pt x="3094682" y="153177"/>
+                  <a:pt x="3087858" y="307151"/>
+                </a:cubicBezTo>
+                <a:cubicBezTo>
+                  <a:pt x="3024438" y="795961"/>
+                  <a:pt x="3090248" y="1258905"/>
+                  <a:pt x="3087858" y="1535717"/>
+                </a:cubicBezTo>
+                <a:cubicBezTo>
+                  <a:pt x="3106541" y="1707787"/>
+                  <a:pt x="2978114" y="1830813"/>
+                  <a:pt x="2780707" y="1842868"/>
+                </a:cubicBezTo>
+                <a:cubicBezTo>
+                  <a:pt x="1940709" y="1724591"/>
+                  <a:pt x="1387370" y="1786698"/>
+                  <a:pt x="307151" y="1842868"/>
+                </a:cubicBezTo>
+                <a:cubicBezTo>
+                  <a:pt x="149077" y="1833097"/>
+                  <a:pt x="2986" y="1699630"/>
+                  <a:pt x="0" y="1535717"/>
+                </a:cubicBezTo>
+                <a:cubicBezTo>
+                  <a:pt x="23583" y="1173886"/>
+                  <a:pt x="10247" y="515975"/>
+                  <a:pt x="0" y="307151"/>
+                </a:cubicBezTo>
+                <a:close/>
+              </a:path>
+            </a:pathLst>
+          </a:custGeom>
           <a:solidFill>
-            <a:schemeClr val="accent2">
-              <a:lumMod val="20000"/>
-              <a:lumOff val="80000"/>
-            </a:schemeClr>
+            <a:schemeClr val="bg1"/>
           </a:solidFill>
+          <a:ln w="9525">
+            <a:solidFill>
+              <a:schemeClr val="tx1"/>
+            </a:solidFill>
+            <a:extLst>
+              <a:ext uri="{C807C97D-BFC1-408E-A445-0C87EB9F89A2}">
+                <ask:lineSketchStyleProps xmlns:ask="http://schemas.microsoft.com/office/drawing/2018/sketchyshapes" sd="3843969546">
+                  <a:prstGeom prst="roundRect">
+                    <a:avLst/>
+                  </a:prstGeom>
+                  <ask:type>
+                    <ask:lineSketchCurved/>
+                  </ask:type>
+                </ask:lineSketchStyleProps>
+              </a:ext>
+            </a:extLst>
+          </a:ln>
         </p:spPr>
         <p:style>
           <a:lnRef idx="2">
@@ -5019,8 +6821,17 @@
                 <a:solidFill>
                   <a:schemeClr val="tx1"/>
                 </a:solidFill>
+                <a:latin typeface="Segoe Script" panose="030B0504020000000003" pitchFamily="66" charset="0"/>
               </a:rPr>
-              <a:t>10 millones de domicilios.</a:t>
+              <a:t>10 millones de domicilios</a:t>
+            </a:r>
+            <a:r>
+              <a:rPr lang="es-AR" dirty="0">
+                <a:solidFill>
+                  <a:schemeClr val="tx1"/>
+                </a:solidFill>
+              </a:rPr>
+              <a:t>.</a:t>
             </a:r>
           </a:p>
         </p:txBody>
@@ -5039,18 +6850,177 @@
         </p:nvSpPr>
         <p:spPr>
           <a:xfrm>
-            <a:off x="8962878" y="1987135"/>
+            <a:off x="455710" y="1805988"/>
             <a:ext cx="2869809" cy="1842868"/>
           </a:xfrm>
-          <a:prstGeom prst="roundRect">
+          <a:custGeom>
             <a:avLst/>
-          </a:prstGeom>
+            <a:gdLst>
+              <a:gd name="connsiteX0" fmla="*/ 0 w 2869809"/>
+              <a:gd name="connsiteY0" fmla="*/ 307151 h 1842868"/>
+              <a:gd name="connsiteX1" fmla="*/ 307151 w 2869809"/>
+              <a:gd name="connsiteY1" fmla="*/ 0 h 1842868"/>
+              <a:gd name="connsiteX2" fmla="*/ 2562658 w 2869809"/>
+              <a:gd name="connsiteY2" fmla="*/ 0 h 1842868"/>
+              <a:gd name="connsiteX3" fmla="*/ 2869809 w 2869809"/>
+              <a:gd name="connsiteY3" fmla="*/ 307151 h 1842868"/>
+              <a:gd name="connsiteX4" fmla="*/ 2869809 w 2869809"/>
+              <a:gd name="connsiteY4" fmla="*/ 1535717 h 1842868"/>
+              <a:gd name="connsiteX5" fmla="*/ 2562658 w 2869809"/>
+              <a:gd name="connsiteY5" fmla="*/ 1842868 h 1842868"/>
+              <a:gd name="connsiteX6" fmla="*/ 307151 w 2869809"/>
+              <a:gd name="connsiteY6" fmla="*/ 1842868 h 1842868"/>
+              <a:gd name="connsiteX7" fmla="*/ 0 w 2869809"/>
+              <a:gd name="connsiteY7" fmla="*/ 1535717 h 1842868"/>
+              <a:gd name="connsiteX8" fmla="*/ 0 w 2869809"/>
+              <a:gd name="connsiteY8" fmla="*/ 307151 h 1842868"/>
+            </a:gdLst>
+            <a:ahLst/>
+            <a:cxnLst>
+              <a:cxn ang="0">
+                <a:pos x="connsiteX0" y="connsiteY0"/>
+              </a:cxn>
+              <a:cxn ang="0">
+                <a:pos x="connsiteX1" y="connsiteY1"/>
+              </a:cxn>
+              <a:cxn ang="0">
+                <a:pos x="connsiteX2" y="connsiteY2"/>
+              </a:cxn>
+              <a:cxn ang="0">
+                <a:pos x="connsiteX3" y="connsiteY3"/>
+              </a:cxn>
+              <a:cxn ang="0">
+                <a:pos x="connsiteX4" y="connsiteY4"/>
+              </a:cxn>
+              <a:cxn ang="0">
+                <a:pos x="connsiteX5" y="connsiteY5"/>
+              </a:cxn>
+              <a:cxn ang="0">
+                <a:pos x="connsiteX6" y="connsiteY6"/>
+              </a:cxn>
+              <a:cxn ang="0">
+                <a:pos x="connsiteX7" y="connsiteY7"/>
+              </a:cxn>
+              <a:cxn ang="0">
+                <a:pos x="connsiteX8" y="connsiteY8"/>
+              </a:cxn>
+            </a:cxnLst>
+            <a:rect l="l" t="t" r="r" b="b"/>
+            <a:pathLst>
+              <a:path w="2869809" h="1842868" fill="none" extrusionOk="0">
+                <a:moveTo>
+                  <a:pt x="0" y="307151"/>
+                </a:moveTo>
+                <a:cubicBezTo>
+                  <a:pt x="4833" y="122320"/>
+                  <a:pt x="152376" y="16449"/>
+                  <a:pt x="307151" y="0"/>
+                </a:cubicBezTo>
+                <a:cubicBezTo>
+                  <a:pt x="1052733" y="25822"/>
+                  <a:pt x="2200582" y="103889"/>
+                  <a:pt x="2562658" y="0"/>
+                </a:cubicBezTo>
+                <a:cubicBezTo>
+                  <a:pt x="2721978" y="25317"/>
+                  <a:pt x="2855287" y="127971"/>
+                  <a:pt x="2869809" y="307151"/>
+                </a:cubicBezTo>
+                <a:cubicBezTo>
+                  <a:pt x="2864433" y="847553"/>
+                  <a:pt x="2803402" y="1339588"/>
+                  <a:pt x="2869809" y="1535717"/>
+                </a:cubicBezTo>
+                <a:cubicBezTo>
+                  <a:pt x="2880137" y="1724066"/>
+                  <a:pt x="2748518" y="1826207"/>
+                  <a:pt x="2562658" y="1842868"/>
+                </a:cubicBezTo>
+                <a:cubicBezTo>
+                  <a:pt x="2301573" y="1948752"/>
+                  <a:pt x="1203157" y="1865822"/>
+                  <a:pt x="307151" y="1842868"/>
+                </a:cubicBezTo>
+                <a:cubicBezTo>
+                  <a:pt x="150615" y="1853608"/>
+                  <a:pt x="-6123" y="1689582"/>
+                  <a:pt x="0" y="1535717"/>
+                </a:cubicBezTo>
+                <a:cubicBezTo>
+                  <a:pt x="-80666" y="1348700"/>
+                  <a:pt x="-77380" y="676878"/>
+                  <a:pt x="0" y="307151"/>
+                </a:cubicBezTo>
+                <a:close/>
+              </a:path>
+              <a:path w="2869809" h="1842868" stroke="0" extrusionOk="0">
+                <a:moveTo>
+                  <a:pt x="0" y="307151"/>
+                </a:moveTo>
+                <a:cubicBezTo>
+                  <a:pt x="-16614" y="136633"/>
+                  <a:pt x="114829" y="20921"/>
+                  <a:pt x="307151" y="0"/>
+                </a:cubicBezTo>
+                <a:cubicBezTo>
+                  <a:pt x="1000127" y="-92286"/>
+                  <a:pt x="1726483" y="-144758"/>
+                  <a:pt x="2562658" y="0"/>
+                </a:cubicBezTo>
+                <a:cubicBezTo>
+                  <a:pt x="2740044" y="5956"/>
+                  <a:pt x="2857240" y="152601"/>
+                  <a:pt x="2869809" y="307151"/>
+                </a:cubicBezTo>
+                <a:cubicBezTo>
+                  <a:pt x="2943296" y="652146"/>
+                  <a:pt x="2821752" y="1230894"/>
+                  <a:pt x="2869809" y="1535717"/>
+                </a:cubicBezTo>
+                <a:cubicBezTo>
+                  <a:pt x="2852308" y="1731169"/>
+                  <a:pt x="2730461" y="1846045"/>
+                  <a:pt x="2562658" y="1842868"/>
+                </a:cubicBezTo>
+                <a:cubicBezTo>
+                  <a:pt x="2003420" y="1807978"/>
+                  <a:pt x="1388008" y="1968281"/>
+                  <a:pt x="307151" y="1842868"/>
+                </a:cubicBezTo>
+                <a:cubicBezTo>
+                  <a:pt x="117249" y="1838577"/>
+                  <a:pt x="13186" y="1688695"/>
+                  <a:pt x="0" y="1535717"/>
+                </a:cubicBezTo>
+                <a:cubicBezTo>
+                  <a:pt x="43200" y="1241621"/>
+                  <a:pt x="18649" y="859346"/>
+                  <a:pt x="0" y="307151"/>
+                </a:cubicBezTo>
+                <a:close/>
+              </a:path>
+            </a:pathLst>
+          </a:custGeom>
           <a:solidFill>
-            <a:schemeClr val="accent2">
-              <a:lumMod val="20000"/>
-              <a:lumOff val="80000"/>
-            </a:schemeClr>
+            <a:schemeClr val="bg1"/>
           </a:solidFill>
+          <a:ln w="9525">
+            <a:solidFill>
+              <a:schemeClr val="tx1"/>
+            </a:solidFill>
+            <a:extLst>
+              <a:ext uri="{C807C97D-BFC1-408E-A445-0C87EB9F89A2}">
+                <ask:lineSketchStyleProps xmlns:ask="http://schemas.microsoft.com/office/drawing/2018/sketchyshapes" sd="4193430729">
+                  <a:prstGeom prst="roundRect">
+                    <a:avLst/>
+                  </a:prstGeom>
+                  <ask:type>
+                    <ask:lineSketchCurved/>
+                  </ask:type>
+                </ask:lineSketchStyleProps>
+              </a:ext>
+            </a:extLst>
+          </a:ln>
         </p:spPr>
         <p:style>
           <a:lnRef idx="2">
@@ -5081,6 +7051,7 @@
                 <a:solidFill>
                   <a:schemeClr val="tx1"/>
                 </a:solidFill>
+                <a:latin typeface="Segoe Script" panose="030B0504020000000003" pitchFamily="66" charset="0"/>
               </a:rPr>
               <a:t>De 8 a 12 </a:t>
             </a:r>
@@ -5089,6 +7060,7 @@
                 <a:solidFill>
                   <a:schemeClr val="tx1"/>
                 </a:solidFill>
+                <a:latin typeface="Segoe Script" panose="030B0504020000000003" pitchFamily="66" charset="0"/>
               </a:rPr>
               <a:t>hs</a:t>
             </a:r>
@@ -5097,8 +7069,17 @@
                 <a:solidFill>
                   <a:schemeClr val="tx1"/>
                 </a:solidFill>
+                <a:latin typeface="Segoe Script" panose="030B0504020000000003" pitchFamily="66" charset="0"/>
               </a:rPr>
-              <a:t> de trabajo.</a:t>
+              <a:t>. de trabajo</a:t>
+            </a:r>
+            <a:r>
+              <a:rPr lang="es-AR" dirty="0">
+                <a:solidFill>
+                  <a:schemeClr val="tx1"/>
+                </a:solidFill>
+              </a:rPr>
+              <a:t>.</a:t>
             </a:r>
           </a:p>
         </p:txBody>
@@ -5116,19 +7097,178 @@
           <p:nvPr/>
         </p:nvSpPr>
         <p:spPr>
-          <a:xfrm>
-            <a:off x="429066" y="4390098"/>
+          <a:xfrm rot="1145680">
+            <a:off x="3186620" y="1118196"/>
             <a:ext cx="3087858" cy="1842868"/>
           </a:xfrm>
-          <a:prstGeom prst="roundRect">
+          <a:custGeom>
             <a:avLst/>
-          </a:prstGeom>
+            <a:gdLst>
+              <a:gd name="connsiteX0" fmla="*/ 0 w 3087858"/>
+              <a:gd name="connsiteY0" fmla="*/ 307151 h 1842868"/>
+              <a:gd name="connsiteX1" fmla="*/ 307151 w 3087858"/>
+              <a:gd name="connsiteY1" fmla="*/ 0 h 1842868"/>
+              <a:gd name="connsiteX2" fmla="*/ 2780707 w 3087858"/>
+              <a:gd name="connsiteY2" fmla="*/ 0 h 1842868"/>
+              <a:gd name="connsiteX3" fmla="*/ 3087858 w 3087858"/>
+              <a:gd name="connsiteY3" fmla="*/ 307151 h 1842868"/>
+              <a:gd name="connsiteX4" fmla="*/ 3087858 w 3087858"/>
+              <a:gd name="connsiteY4" fmla="*/ 1535717 h 1842868"/>
+              <a:gd name="connsiteX5" fmla="*/ 2780707 w 3087858"/>
+              <a:gd name="connsiteY5" fmla="*/ 1842868 h 1842868"/>
+              <a:gd name="connsiteX6" fmla="*/ 307151 w 3087858"/>
+              <a:gd name="connsiteY6" fmla="*/ 1842868 h 1842868"/>
+              <a:gd name="connsiteX7" fmla="*/ 0 w 3087858"/>
+              <a:gd name="connsiteY7" fmla="*/ 1535717 h 1842868"/>
+              <a:gd name="connsiteX8" fmla="*/ 0 w 3087858"/>
+              <a:gd name="connsiteY8" fmla="*/ 307151 h 1842868"/>
+            </a:gdLst>
+            <a:ahLst/>
+            <a:cxnLst>
+              <a:cxn ang="0">
+                <a:pos x="connsiteX0" y="connsiteY0"/>
+              </a:cxn>
+              <a:cxn ang="0">
+                <a:pos x="connsiteX1" y="connsiteY1"/>
+              </a:cxn>
+              <a:cxn ang="0">
+                <a:pos x="connsiteX2" y="connsiteY2"/>
+              </a:cxn>
+              <a:cxn ang="0">
+                <a:pos x="connsiteX3" y="connsiteY3"/>
+              </a:cxn>
+              <a:cxn ang="0">
+                <a:pos x="connsiteX4" y="connsiteY4"/>
+              </a:cxn>
+              <a:cxn ang="0">
+                <a:pos x="connsiteX5" y="connsiteY5"/>
+              </a:cxn>
+              <a:cxn ang="0">
+                <a:pos x="connsiteX6" y="connsiteY6"/>
+              </a:cxn>
+              <a:cxn ang="0">
+                <a:pos x="connsiteX7" y="connsiteY7"/>
+              </a:cxn>
+              <a:cxn ang="0">
+                <a:pos x="connsiteX8" y="connsiteY8"/>
+              </a:cxn>
+            </a:cxnLst>
+            <a:rect l="l" t="t" r="r" b="b"/>
+            <a:pathLst>
+              <a:path w="3087858" h="1842868" fill="none" extrusionOk="0">
+                <a:moveTo>
+                  <a:pt x="0" y="307151"/>
+                </a:moveTo>
+                <a:cubicBezTo>
+                  <a:pt x="-3673" y="112034"/>
+                  <a:pt x="127780" y="-4020"/>
+                  <a:pt x="307151" y="0"/>
+                </a:cubicBezTo>
+                <a:cubicBezTo>
+                  <a:pt x="902783" y="-78911"/>
+                  <a:pt x="2324635" y="-155315"/>
+                  <a:pt x="2780707" y="0"/>
+                </a:cubicBezTo>
+                <a:cubicBezTo>
+                  <a:pt x="2959723" y="8682"/>
+                  <a:pt x="3067204" y="155493"/>
+                  <a:pt x="3087858" y="307151"/>
+                </a:cubicBezTo>
+                <a:cubicBezTo>
+                  <a:pt x="3030742" y="568511"/>
+                  <a:pt x="3183833" y="1261943"/>
+                  <a:pt x="3087858" y="1535717"/>
+                </a:cubicBezTo>
+                <a:cubicBezTo>
+                  <a:pt x="3087475" y="1708008"/>
+                  <a:pt x="2964093" y="1821350"/>
+                  <a:pt x="2780707" y="1842868"/>
+                </a:cubicBezTo>
+                <a:cubicBezTo>
+                  <a:pt x="2251846" y="1924335"/>
+                  <a:pt x="1450997" y="1832614"/>
+                  <a:pt x="307151" y="1842868"/>
+                </a:cubicBezTo>
+                <a:cubicBezTo>
+                  <a:pt x="164574" y="1840211"/>
+                  <a:pt x="-12631" y="1728280"/>
+                  <a:pt x="0" y="1535717"/>
+                </a:cubicBezTo>
+                <a:cubicBezTo>
+                  <a:pt x="-97869" y="936511"/>
+                  <a:pt x="5753" y="801726"/>
+                  <a:pt x="0" y="307151"/>
+                </a:cubicBezTo>
+                <a:close/>
+              </a:path>
+              <a:path w="3087858" h="1842868" stroke="0" extrusionOk="0">
+                <a:moveTo>
+                  <a:pt x="0" y="307151"/>
+                </a:moveTo>
+                <a:cubicBezTo>
+                  <a:pt x="-1840" y="104056"/>
+                  <a:pt x="126342" y="7975"/>
+                  <a:pt x="307151" y="0"/>
+                </a:cubicBezTo>
+                <a:cubicBezTo>
+                  <a:pt x="1233705" y="-65680"/>
+                  <a:pt x="1720804" y="-123428"/>
+                  <a:pt x="2780707" y="0"/>
+                </a:cubicBezTo>
+                <a:cubicBezTo>
+                  <a:pt x="2957243" y="-5767"/>
+                  <a:pt x="3085830" y="116706"/>
+                  <a:pt x="3087858" y="307151"/>
+                </a:cubicBezTo>
+                <a:cubicBezTo>
+                  <a:pt x="3028018" y="543148"/>
+                  <a:pt x="3140697" y="1080942"/>
+                  <a:pt x="3087858" y="1535717"/>
+                </a:cubicBezTo>
+                <a:cubicBezTo>
+                  <a:pt x="3085804" y="1677995"/>
+                  <a:pt x="2941039" y="1853083"/>
+                  <a:pt x="2780707" y="1842868"/>
+                </a:cubicBezTo>
+                <a:cubicBezTo>
+                  <a:pt x="2288483" y="1733894"/>
+                  <a:pt x="852806" y="1798010"/>
+                  <a:pt x="307151" y="1842868"/>
+                </a:cubicBezTo>
+                <a:cubicBezTo>
+                  <a:pt x="145247" y="1827274"/>
+                  <a:pt x="-14759" y="1683072"/>
+                  <a:pt x="0" y="1535717"/>
+                </a:cubicBezTo>
+                <a:cubicBezTo>
+                  <a:pt x="-80870" y="928418"/>
+                  <a:pt x="-19199" y="867856"/>
+                  <a:pt x="0" y="307151"/>
+                </a:cubicBezTo>
+                <a:close/>
+              </a:path>
+            </a:pathLst>
+          </a:custGeom>
           <a:solidFill>
-            <a:schemeClr val="accent2">
-              <a:lumMod val="20000"/>
-              <a:lumOff val="80000"/>
-            </a:schemeClr>
+            <a:schemeClr val="bg1"/>
           </a:solidFill>
+          <a:ln w="9525">
+            <a:solidFill>
+              <a:schemeClr val="tx1"/>
+            </a:solidFill>
+            <a:extLst>
+              <a:ext uri="{C807C97D-BFC1-408E-A445-0C87EB9F89A2}">
+                <ask:lineSketchStyleProps xmlns:ask="http://schemas.microsoft.com/office/drawing/2018/sketchyshapes" sd="598868315">
+                  <a:prstGeom prst="roundRect">
+                    <a:avLst/>
+                  </a:prstGeom>
+                  <ask:type>
+                    <ask:lineSketchCurved/>
+                  </ask:type>
+                </ask:lineSketchStyleProps>
+              </a:ext>
+            </a:extLst>
+          </a:ln>
         </p:spPr>
         <p:style>
           <a:lnRef idx="2">
@@ -5159,8 +7299,17 @@
                 <a:solidFill>
                   <a:schemeClr val="tx1"/>
                 </a:solidFill>
+                <a:latin typeface="Segoe Script" panose="030B0504020000000003" pitchFamily="66" charset="0"/>
               </a:rPr>
-              <a:t>De 20 a 40 viviendas.</a:t>
+              <a:t>De 20 a 40 viviendas</a:t>
+            </a:r>
+            <a:r>
+              <a:rPr lang="es-AR" dirty="0">
+                <a:solidFill>
+                  <a:schemeClr val="tx1"/>
+                </a:solidFill>
+              </a:rPr>
+              <a:t>.</a:t>
             </a:r>
           </a:p>
         </p:txBody>
@@ -5179,18 +7328,177 @@
         </p:nvSpPr>
         <p:spPr>
           <a:xfrm>
-            <a:off x="8962877" y="4390098"/>
+            <a:off x="3466113" y="4384481"/>
             <a:ext cx="2869809" cy="1842868"/>
           </a:xfrm>
-          <a:prstGeom prst="roundRect">
+          <a:custGeom>
             <a:avLst/>
-          </a:prstGeom>
+            <a:gdLst>
+              <a:gd name="connsiteX0" fmla="*/ 0 w 2869809"/>
+              <a:gd name="connsiteY0" fmla="*/ 307151 h 1842868"/>
+              <a:gd name="connsiteX1" fmla="*/ 307151 w 2869809"/>
+              <a:gd name="connsiteY1" fmla="*/ 0 h 1842868"/>
+              <a:gd name="connsiteX2" fmla="*/ 2562658 w 2869809"/>
+              <a:gd name="connsiteY2" fmla="*/ 0 h 1842868"/>
+              <a:gd name="connsiteX3" fmla="*/ 2869809 w 2869809"/>
+              <a:gd name="connsiteY3" fmla="*/ 307151 h 1842868"/>
+              <a:gd name="connsiteX4" fmla="*/ 2869809 w 2869809"/>
+              <a:gd name="connsiteY4" fmla="*/ 1535717 h 1842868"/>
+              <a:gd name="connsiteX5" fmla="*/ 2562658 w 2869809"/>
+              <a:gd name="connsiteY5" fmla="*/ 1842868 h 1842868"/>
+              <a:gd name="connsiteX6" fmla="*/ 307151 w 2869809"/>
+              <a:gd name="connsiteY6" fmla="*/ 1842868 h 1842868"/>
+              <a:gd name="connsiteX7" fmla="*/ 0 w 2869809"/>
+              <a:gd name="connsiteY7" fmla="*/ 1535717 h 1842868"/>
+              <a:gd name="connsiteX8" fmla="*/ 0 w 2869809"/>
+              <a:gd name="connsiteY8" fmla="*/ 307151 h 1842868"/>
+            </a:gdLst>
+            <a:ahLst/>
+            <a:cxnLst>
+              <a:cxn ang="0">
+                <a:pos x="connsiteX0" y="connsiteY0"/>
+              </a:cxn>
+              <a:cxn ang="0">
+                <a:pos x="connsiteX1" y="connsiteY1"/>
+              </a:cxn>
+              <a:cxn ang="0">
+                <a:pos x="connsiteX2" y="connsiteY2"/>
+              </a:cxn>
+              <a:cxn ang="0">
+                <a:pos x="connsiteX3" y="connsiteY3"/>
+              </a:cxn>
+              <a:cxn ang="0">
+                <a:pos x="connsiteX4" y="connsiteY4"/>
+              </a:cxn>
+              <a:cxn ang="0">
+                <a:pos x="connsiteX5" y="connsiteY5"/>
+              </a:cxn>
+              <a:cxn ang="0">
+                <a:pos x="connsiteX6" y="connsiteY6"/>
+              </a:cxn>
+              <a:cxn ang="0">
+                <a:pos x="connsiteX7" y="connsiteY7"/>
+              </a:cxn>
+              <a:cxn ang="0">
+                <a:pos x="connsiteX8" y="connsiteY8"/>
+              </a:cxn>
+            </a:cxnLst>
+            <a:rect l="l" t="t" r="r" b="b"/>
+            <a:pathLst>
+              <a:path w="2869809" h="1842868" fill="none" extrusionOk="0">
+                <a:moveTo>
+                  <a:pt x="0" y="307151"/>
+                </a:moveTo>
+                <a:cubicBezTo>
+                  <a:pt x="-9821" y="128537"/>
+                  <a:pt x="152449" y="-3742"/>
+                  <a:pt x="307151" y="0"/>
+                </a:cubicBezTo>
+                <a:cubicBezTo>
+                  <a:pt x="1346815" y="-50006"/>
+                  <a:pt x="2097103" y="-120212"/>
+                  <a:pt x="2562658" y="0"/>
+                </a:cubicBezTo>
+                <a:cubicBezTo>
+                  <a:pt x="2719270" y="-6203"/>
+                  <a:pt x="2866455" y="136541"/>
+                  <a:pt x="2869809" y="307151"/>
+                </a:cubicBezTo>
+                <a:cubicBezTo>
+                  <a:pt x="2910788" y="535533"/>
+                  <a:pt x="2893975" y="969582"/>
+                  <a:pt x="2869809" y="1535717"/>
+                </a:cubicBezTo>
+                <a:cubicBezTo>
+                  <a:pt x="2869497" y="1677707"/>
+                  <a:pt x="2718065" y="1840225"/>
+                  <a:pt x="2562658" y="1842868"/>
+                </a:cubicBezTo>
+                <a:cubicBezTo>
+                  <a:pt x="2228193" y="1877134"/>
+                  <a:pt x="556766" y="1935203"/>
+                  <a:pt x="307151" y="1842868"/>
+                </a:cubicBezTo>
+                <a:cubicBezTo>
+                  <a:pt x="145884" y="1846625"/>
+                  <a:pt x="-18452" y="1719291"/>
+                  <a:pt x="0" y="1535717"/>
+                </a:cubicBezTo>
+                <a:cubicBezTo>
+                  <a:pt x="104483" y="1410323"/>
+                  <a:pt x="-72548" y="442489"/>
+                  <a:pt x="0" y="307151"/>
+                </a:cubicBezTo>
+                <a:close/>
+              </a:path>
+              <a:path w="2869809" h="1842868" stroke="0" extrusionOk="0">
+                <a:moveTo>
+                  <a:pt x="0" y="307151"/>
+                </a:moveTo>
+                <a:cubicBezTo>
+                  <a:pt x="-3427" y="135146"/>
+                  <a:pt x="144688" y="-6127"/>
+                  <a:pt x="307151" y="0"/>
+                </a:cubicBezTo>
+                <a:cubicBezTo>
+                  <a:pt x="1407118" y="-157050"/>
+                  <a:pt x="1575275" y="4028"/>
+                  <a:pt x="2562658" y="0"/>
+                </a:cubicBezTo>
+                <a:cubicBezTo>
+                  <a:pt x="2723605" y="-959"/>
+                  <a:pt x="2883281" y="130021"/>
+                  <a:pt x="2869809" y="307151"/>
+                </a:cubicBezTo>
+                <a:cubicBezTo>
+                  <a:pt x="2803463" y="711533"/>
+                  <a:pt x="2862168" y="942312"/>
+                  <a:pt x="2869809" y="1535717"/>
+                </a:cubicBezTo>
+                <a:cubicBezTo>
+                  <a:pt x="2871261" y="1702818"/>
+                  <a:pt x="2727149" y="1844549"/>
+                  <a:pt x="2562658" y="1842868"/>
+                </a:cubicBezTo>
+                <a:cubicBezTo>
+                  <a:pt x="2154631" y="1675567"/>
+                  <a:pt x="901097" y="1748591"/>
+                  <a:pt x="307151" y="1842868"/>
+                </a:cubicBezTo>
+                <a:cubicBezTo>
+                  <a:pt x="142878" y="1846543"/>
+                  <a:pt x="-858" y="1724642"/>
+                  <a:pt x="0" y="1535717"/>
+                </a:cubicBezTo>
+                <a:cubicBezTo>
+                  <a:pt x="60944" y="1009422"/>
+                  <a:pt x="98492" y="589311"/>
+                  <a:pt x="0" y="307151"/>
+                </a:cubicBezTo>
+                <a:close/>
+              </a:path>
+            </a:pathLst>
+          </a:custGeom>
           <a:solidFill>
-            <a:schemeClr val="accent2">
-              <a:lumMod val="20000"/>
-              <a:lumOff val="80000"/>
-            </a:schemeClr>
+            <a:schemeClr val="bg1"/>
           </a:solidFill>
+          <a:ln w="9525">
+            <a:solidFill>
+              <a:schemeClr val="tx1"/>
+            </a:solidFill>
+            <a:extLst>
+              <a:ext uri="{C807C97D-BFC1-408E-A445-0C87EB9F89A2}">
+                <ask:lineSketchStyleProps xmlns:ask="http://schemas.microsoft.com/office/drawing/2018/sketchyshapes" sd="759964455">
+                  <a:prstGeom prst="roundRect">
+                    <a:avLst/>
+                  </a:prstGeom>
+                  <ask:type>
+                    <ask:lineSketchCurved/>
+                  </ask:type>
+                </ask:lineSketchStyleProps>
+              </a:ext>
+            </a:extLst>
+          </a:ln>
         </p:spPr>
         <p:style>
           <a:lnRef idx="2">
@@ -5221,6 +7529,7 @@
                 <a:solidFill>
                   <a:schemeClr val="tx1"/>
                 </a:solidFill>
+                <a:latin typeface="Segoe Script" panose="030B0504020000000003" pitchFamily="66" charset="0"/>
               </a:rPr>
               <a:t>Aprox. 500 mil censistas</a:t>
             </a:r>
@@ -5240,19 +7549,115 @@
           <p:nvPr/>
         </p:nvSpPr>
         <p:spPr>
-          <a:xfrm rot="20851253">
-            <a:off x="3924886" y="2120348"/>
-            <a:ext cx="4750192" cy="3243034"/>
+          <a:xfrm rot="375157">
+            <a:off x="7599189" y="2298917"/>
+            <a:ext cx="4455075" cy="2772638"/>
           </a:xfrm>
-          <a:prstGeom prst="ellipse">
+          <a:custGeom>
             <a:avLst/>
-          </a:prstGeom>
+            <a:gdLst>
+              <a:gd name="connsiteX0" fmla="*/ 0 w 4455075"/>
+              <a:gd name="connsiteY0" fmla="*/ 1386319 h 2772638"/>
+              <a:gd name="connsiteX1" fmla="*/ 2227538 w 4455075"/>
+              <a:gd name="connsiteY1" fmla="*/ 0 h 2772638"/>
+              <a:gd name="connsiteX2" fmla="*/ 4455076 w 4455075"/>
+              <a:gd name="connsiteY2" fmla="*/ 1386319 h 2772638"/>
+              <a:gd name="connsiteX3" fmla="*/ 2227538 w 4455075"/>
+              <a:gd name="connsiteY3" fmla="*/ 2772638 h 2772638"/>
+              <a:gd name="connsiteX4" fmla="*/ 0 w 4455075"/>
+              <a:gd name="connsiteY4" fmla="*/ 1386319 h 2772638"/>
+            </a:gdLst>
+            <a:ahLst/>
+            <a:cxnLst>
+              <a:cxn ang="0">
+                <a:pos x="connsiteX0" y="connsiteY0"/>
+              </a:cxn>
+              <a:cxn ang="0">
+                <a:pos x="connsiteX1" y="connsiteY1"/>
+              </a:cxn>
+              <a:cxn ang="0">
+                <a:pos x="connsiteX2" y="connsiteY2"/>
+              </a:cxn>
+              <a:cxn ang="0">
+                <a:pos x="connsiteX3" y="connsiteY3"/>
+              </a:cxn>
+              <a:cxn ang="0">
+                <a:pos x="connsiteX4" y="connsiteY4"/>
+              </a:cxn>
+            </a:cxnLst>
+            <a:rect l="l" t="t" r="r" b="b"/>
+            <a:pathLst>
+              <a:path w="4455075" h="2772638" fill="none" extrusionOk="0">
+                <a:moveTo>
+                  <a:pt x="0" y="1386319"/>
+                </a:moveTo>
+                <a:cubicBezTo>
+                  <a:pt x="-87295" y="607509"/>
+                  <a:pt x="896642" y="7359"/>
+                  <a:pt x="2227538" y="0"/>
+                </a:cubicBezTo>
+                <a:cubicBezTo>
+                  <a:pt x="3343413" y="91409"/>
+                  <a:pt x="4549519" y="695958"/>
+                  <a:pt x="4455076" y="1386319"/>
+                </a:cubicBezTo>
+                <a:cubicBezTo>
+                  <a:pt x="4370498" y="2115509"/>
+                  <a:pt x="3460463" y="2911973"/>
+                  <a:pt x="2227538" y="2772638"/>
+                </a:cubicBezTo>
+                <a:cubicBezTo>
+                  <a:pt x="1092038" y="2719015"/>
+                  <a:pt x="45484" y="2133616"/>
+                  <a:pt x="0" y="1386319"/>
+                </a:cubicBezTo>
+                <a:close/>
+              </a:path>
+              <a:path w="4455075" h="2772638" stroke="0" extrusionOk="0">
+                <a:moveTo>
+                  <a:pt x="0" y="1386319"/>
+                </a:moveTo>
+                <a:cubicBezTo>
+                  <a:pt x="-100496" y="475817"/>
+                  <a:pt x="1046957" y="-126283"/>
+                  <a:pt x="2227538" y="0"/>
+                </a:cubicBezTo>
+                <a:cubicBezTo>
+                  <a:pt x="3442105" y="33607"/>
+                  <a:pt x="4484736" y="614006"/>
+                  <a:pt x="4455076" y="1386319"/>
+                </a:cubicBezTo>
+                <a:cubicBezTo>
+                  <a:pt x="4591623" y="2029513"/>
+                  <a:pt x="3612987" y="2719416"/>
+                  <a:pt x="2227538" y="2772638"/>
+                </a:cubicBezTo>
+                <a:cubicBezTo>
+                  <a:pt x="965534" y="2786016"/>
+                  <a:pt x="20724" y="2220040"/>
+                  <a:pt x="0" y="1386319"/>
+                </a:cubicBezTo>
+                <a:close/>
+              </a:path>
+            </a:pathLst>
+          </a:custGeom>
           <a:solidFill>
-            <a:schemeClr val="accent2">
-              <a:lumMod val="60000"/>
-              <a:lumOff val="40000"/>
-            </a:schemeClr>
+            <a:schemeClr val="bg1"/>
           </a:solidFill>
+          <a:ln w="38100">
+            <a:extLst>
+              <a:ext uri="{C807C97D-BFC1-408E-A445-0C87EB9F89A2}">
+                <ask:lineSketchStyleProps xmlns:ask="http://schemas.microsoft.com/office/drawing/2018/sketchyshapes" sd="799939152">
+                  <a:prstGeom prst="ellipse">
+                    <a:avLst/>
+                  </a:prstGeom>
+                  <ask:type>
+                    <ask:lineSketchCurved/>
+                  </ask:type>
+                </ask:lineSketchStyleProps>
+              </a:ext>
+            </a:extLst>
+          </a:ln>
         </p:spPr>
         <p:style>
           <a:lnRef idx="2">
@@ -5280,12 +7685,22 @@
               </a:lnSpc>
             </a:pPr>
             <a:r>
+              <a:rPr lang="es-AR" sz="2400" b="1" dirty="0">
+                <a:solidFill>
+                  <a:schemeClr val="tx1"/>
+                </a:solidFill>
+                <a:latin typeface="Segoe Script" panose="030B0504020000000003" pitchFamily="66" charset="0"/>
+              </a:rPr>
+              <a:t>Generar mapas, recorridos, formularios</a:t>
+            </a:r>
+            <a:r>
               <a:rPr lang="es-AR" sz="2400" dirty="0">
                 <a:solidFill>
                   <a:schemeClr val="tx1"/>
                 </a:solidFill>
+                <a:latin typeface="Segoe Script" panose="030B0504020000000003" pitchFamily="66" charset="0"/>
               </a:rPr>
-              <a:t>Generar mapas, recorridos, formularios. </a:t>
+              <a:t>. </a:t>
             </a:r>
           </a:p>
         </p:txBody>
@@ -5304,8 +7719,8 @@
         </p:nvSpPr>
         <p:spPr>
           <a:xfrm>
-            <a:off x="4316438" y="257094"/>
-            <a:ext cx="3967088" cy="923330"/>
+            <a:off x="7641185" y="422370"/>
+            <a:ext cx="4291762" cy="1754326"/>
           </a:xfrm>
           <a:prstGeom prst="rect">
             <a:avLst/>
@@ -5321,7 +7736,8 @@
             <a:pPr algn="ctr"/>
             <a:r>
               <a:rPr lang="es-AR" sz="5400" b="1" i="1" dirty="0">
-                <a:latin typeface="+mj-lt"/>
+                <a:latin typeface="Segoe Print" panose="02000600000000000000" pitchFamily="2" charset="0"/>
+                <a:cs typeface="Cavolini" panose="03000502040302020204" pitchFamily="66" charset="0"/>
               </a:rPr>
               <a:t>El problema</a:t>
             </a:r>
@@ -5342,8 +7758,8 @@
         </p:nvSpPr>
         <p:spPr>
           <a:xfrm>
-            <a:off x="4135903" y="1250764"/>
-            <a:ext cx="4232031" cy="646331"/>
+            <a:off x="2236" y="257094"/>
+            <a:ext cx="4232031" cy="1200329"/>
           </a:xfrm>
           <a:prstGeom prst="rect">
             <a:avLst/>
@@ -5358,7 +7774,10 @@
           <a:p>
             <a:pPr algn="ctr"/>
             <a:r>
-              <a:rPr lang="es-AR" sz="3600" i="1" dirty="0"/>
+              <a:rPr lang="es-AR" sz="3600" i="1" dirty="0">
+                <a:latin typeface="Segoe Print" panose="02000600000000000000" pitchFamily="2" charset="0"/>
+                <a:cs typeface="Cavolini" panose="03000502040302020204" pitchFamily="66" charset="0"/>
+              </a:rPr>
               <a:t>Descripción somera</a:t>
             </a:r>
           </a:p>
@@ -5601,33 +8020,15 @@
                                   </p:childTnLst>
                                 </p:cTn>
                               </p:par>
-                            </p:childTnLst>
-                          </p:cTn>
-                        </p:par>
-                      </p:childTnLst>
-                    </p:cTn>
-                  </p:par>
-                  <p:par>
-                    <p:cTn id="23" fill="hold">
-                      <p:stCondLst>
-                        <p:cond delay="indefinite"/>
-                      </p:stCondLst>
-                      <p:childTnLst>
-                        <p:par>
-                          <p:cTn id="24" fill="hold">
-                            <p:stCondLst>
-                              <p:cond delay="0"/>
-                            </p:stCondLst>
-                            <p:childTnLst>
                               <p:par>
-                                <p:cTn id="25" presetID="1" presetClass="entr" presetSubtype="0" fill="hold" grpId="0" nodeType="clickEffect">
+                                <p:cTn id="23" presetID="1" presetClass="entr" presetSubtype="0" fill="hold" grpId="0" nodeType="withEffect">
                                   <p:stCondLst>
                                     <p:cond delay="0"/>
                                   </p:stCondLst>
                                   <p:childTnLst>
                                     <p:set>
                                       <p:cBhvr>
-                                        <p:cTn id="26" dur="1" fill="hold">
+                                        <p:cTn id="24" dur="1" fill="hold">
                                           <p:stCondLst>
                                             <p:cond delay="0"/>
                                           </p:stCondLst>
@@ -5720,7 +8121,7 @@
         </p:nvSpPr>
         <p:spPr>
           <a:xfrm>
-            <a:off x="3896750" y="393261"/>
+            <a:off x="374527" y="2593767"/>
             <a:ext cx="4164038" cy="1325563"/>
           </a:xfrm>
         </p:spPr>
@@ -5732,7 +8133,9 @@
           <a:p>
             <a:pPr algn="ctr"/>
             <a:r>
-              <a:rPr lang="es-AR" sz="5400" b="1" i="1" dirty="0"/>
+              <a:rPr lang="es-AR" sz="5400" b="1" i="1" dirty="0">
+                <a:latin typeface="Segoe Print" panose="02000600000000000000" pitchFamily="2" charset="0"/>
+              </a:rPr>
               <a:t>Insumos</a:t>
             </a:r>
           </a:p>
@@ -5752,18 +8155,181 @@
         </p:nvSpPr>
         <p:spPr>
           <a:xfrm>
-            <a:off x="3115993" y="1603717"/>
-            <a:ext cx="5725551" cy="4861022"/>
+            <a:off x="5615456" y="1527313"/>
+            <a:ext cx="6202017" cy="3803374"/>
           </a:xfrm>
-          <a:prstGeom prst="roundRect">
+          <a:custGeom>
             <a:avLst/>
-          </a:prstGeom>
+            <a:gdLst>
+              <a:gd name="connsiteX0" fmla="*/ 0 w 6202017"/>
+              <a:gd name="connsiteY0" fmla="*/ 633908 h 3803374"/>
+              <a:gd name="connsiteX1" fmla="*/ 633908 w 6202017"/>
+              <a:gd name="connsiteY1" fmla="*/ 0 h 3803374"/>
+              <a:gd name="connsiteX2" fmla="*/ 5568109 w 6202017"/>
+              <a:gd name="connsiteY2" fmla="*/ 0 h 3803374"/>
+              <a:gd name="connsiteX3" fmla="*/ 6202017 w 6202017"/>
+              <a:gd name="connsiteY3" fmla="*/ 633908 h 3803374"/>
+              <a:gd name="connsiteX4" fmla="*/ 6202017 w 6202017"/>
+              <a:gd name="connsiteY4" fmla="*/ 3169466 h 3803374"/>
+              <a:gd name="connsiteX5" fmla="*/ 5568109 w 6202017"/>
+              <a:gd name="connsiteY5" fmla="*/ 3803374 h 3803374"/>
+              <a:gd name="connsiteX6" fmla="*/ 633908 w 6202017"/>
+              <a:gd name="connsiteY6" fmla="*/ 3803374 h 3803374"/>
+              <a:gd name="connsiteX7" fmla="*/ 0 w 6202017"/>
+              <a:gd name="connsiteY7" fmla="*/ 3169466 h 3803374"/>
+              <a:gd name="connsiteX8" fmla="*/ 0 w 6202017"/>
+              <a:gd name="connsiteY8" fmla="*/ 633908 h 3803374"/>
+            </a:gdLst>
+            <a:ahLst/>
+            <a:cxnLst>
+              <a:cxn ang="0">
+                <a:pos x="connsiteX0" y="connsiteY0"/>
+              </a:cxn>
+              <a:cxn ang="0">
+                <a:pos x="connsiteX1" y="connsiteY1"/>
+              </a:cxn>
+              <a:cxn ang="0">
+                <a:pos x="connsiteX2" y="connsiteY2"/>
+              </a:cxn>
+              <a:cxn ang="0">
+                <a:pos x="connsiteX3" y="connsiteY3"/>
+              </a:cxn>
+              <a:cxn ang="0">
+                <a:pos x="connsiteX4" y="connsiteY4"/>
+              </a:cxn>
+              <a:cxn ang="0">
+                <a:pos x="connsiteX5" y="connsiteY5"/>
+              </a:cxn>
+              <a:cxn ang="0">
+                <a:pos x="connsiteX6" y="connsiteY6"/>
+              </a:cxn>
+              <a:cxn ang="0">
+                <a:pos x="connsiteX7" y="connsiteY7"/>
+              </a:cxn>
+              <a:cxn ang="0">
+                <a:pos x="connsiteX8" y="connsiteY8"/>
+              </a:cxn>
+            </a:cxnLst>
+            <a:rect l="l" t="t" r="r" b="b"/>
+            <a:pathLst>
+              <a:path w="6202017" h="3803374" fill="none" extrusionOk="0">
+                <a:moveTo>
+                  <a:pt x="0" y="633908"/>
+                </a:moveTo>
+                <a:cubicBezTo>
+                  <a:pt x="-5152" y="335360"/>
+                  <a:pt x="221911" y="25462"/>
+                  <a:pt x="633908" y="0"/>
+                </a:cubicBezTo>
+                <a:cubicBezTo>
+                  <a:pt x="2906773" y="-134591"/>
+                  <a:pt x="4733137" y="-33941"/>
+                  <a:pt x="5568109" y="0"/>
+                </a:cubicBezTo>
+                <a:cubicBezTo>
+                  <a:pt x="5866862" y="-43591"/>
+                  <a:pt x="6191212" y="220920"/>
+                  <a:pt x="6202017" y="633908"/>
+                </a:cubicBezTo>
+                <a:cubicBezTo>
+                  <a:pt x="6294378" y="1826837"/>
+                  <a:pt x="6221210" y="2511854"/>
+                  <a:pt x="6202017" y="3169466"/>
+                </a:cubicBezTo>
+                <a:cubicBezTo>
+                  <a:pt x="6170541" y="3511852"/>
+                  <a:pt x="5910616" y="3806465"/>
+                  <a:pt x="5568109" y="3803374"/>
+                </a:cubicBezTo>
+                <a:cubicBezTo>
+                  <a:pt x="4311877" y="3730440"/>
+                  <a:pt x="2248750" y="3920360"/>
+                  <a:pt x="633908" y="3803374"/>
+                </a:cubicBezTo>
+                <a:cubicBezTo>
+                  <a:pt x="305962" y="3772628"/>
+                  <a:pt x="768" y="3459382"/>
+                  <a:pt x="0" y="3169466"/>
+                </a:cubicBezTo>
+                <a:cubicBezTo>
+                  <a:pt x="-47784" y="2158168"/>
+                  <a:pt x="135778" y="1224069"/>
+                  <a:pt x="0" y="633908"/>
+                </a:cubicBezTo>
+                <a:close/>
+              </a:path>
+              <a:path w="6202017" h="3803374" stroke="0" extrusionOk="0">
+                <a:moveTo>
+                  <a:pt x="0" y="633908"/>
+                </a:moveTo>
+                <a:cubicBezTo>
+                  <a:pt x="60607" y="301462"/>
+                  <a:pt x="254691" y="7691"/>
+                  <a:pt x="633908" y="0"/>
+                </a:cubicBezTo>
+                <a:cubicBezTo>
+                  <a:pt x="1569851" y="-59091"/>
+                  <a:pt x="4272693" y="-148325"/>
+                  <a:pt x="5568109" y="0"/>
+                </a:cubicBezTo>
+                <a:cubicBezTo>
+                  <a:pt x="5899039" y="28715"/>
+                  <a:pt x="6268142" y="295479"/>
+                  <a:pt x="6202017" y="633908"/>
+                </a:cubicBezTo>
+                <a:cubicBezTo>
+                  <a:pt x="6117869" y="950193"/>
+                  <a:pt x="6237141" y="2021779"/>
+                  <a:pt x="6202017" y="3169466"/>
+                </a:cubicBezTo>
+                <a:cubicBezTo>
+                  <a:pt x="6179370" y="3501397"/>
+                  <a:pt x="5882911" y="3769038"/>
+                  <a:pt x="5568109" y="3803374"/>
+                </a:cubicBezTo>
+                <a:cubicBezTo>
+                  <a:pt x="4819526" y="3683932"/>
+                  <a:pt x="1232135" y="3814252"/>
+                  <a:pt x="633908" y="3803374"/>
+                </a:cubicBezTo>
+                <a:cubicBezTo>
+                  <a:pt x="270345" y="3779489"/>
+                  <a:pt x="-14696" y="3492692"/>
+                  <a:pt x="0" y="3169466"/>
+                </a:cubicBezTo>
+                <a:cubicBezTo>
+                  <a:pt x="-25003" y="2023069"/>
+                  <a:pt x="5261" y="971603"/>
+                  <a:pt x="0" y="633908"/>
+                </a:cubicBezTo>
+                <a:close/>
+              </a:path>
+            </a:pathLst>
+          </a:custGeom>
           <a:solidFill>
-            <a:schemeClr val="accent2">
-              <a:lumMod val="20000"/>
-              <a:lumOff val="80000"/>
-            </a:schemeClr>
+            <a:schemeClr val="bg1"/>
           </a:solidFill>
+          <a:ln w="38100">
+            <a:solidFill>
+              <a:schemeClr val="tx1"/>
+            </a:solidFill>
+            <a:extLst>
+              <a:ext uri="{C807C97D-BFC1-408E-A445-0C87EB9F89A2}">
+                <ask:lineSketchStyleProps xmlns:ask="http://schemas.microsoft.com/office/drawing/2018/sketchyshapes" sd="3151298364">
+                  <a:prstGeom prst="roundRect">
+                    <a:avLst/>
+                  </a:prstGeom>
+                  <ask:type>
+                    <ask:lineSketchCurved/>
+                  </ask:type>
+                </ask:lineSketchStyleProps>
+              </a:ext>
+            </a:extLst>
+          </a:ln>
+          <a:scene3d>
+            <a:camera prst="perspectiveAbove"/>
+            <a:lightRig rig="threePt" dir="t"/>
+          </a:scene3d>
         </p:spPr>
         <p:style>
           <a:lnRef idx="2">
@@ -5797,6 +8363,7 @@
                 <a:solidFill>
                   <a:schemeClr val="tx1"/>
                 </a:solidFill>
+                <a:latin typeface="Segoe Script" panose="030B0504020000000003" pitchFamily="66" charset="0"/>
               </a:rPr>
               <a:t>Listados de direcciones, </a:t>
             </a:r>
@@ -5805,6 +8372,7 @@
                 <a:solidFill>
                   <a:schemeClr val="tx1"/>
                 </a:solidFill>
+                <a:latin typeface="Segoe Script" panose="030B0504020000000003" pitchFamily="66" charset="0"/>
               </a:rPr>
             </a:br>
             <a:r>
@@ -5812,6 +8380,7 @@
                 <a:solidFill>
                   <a:schemeClr val="tx1"/>
                 </a:solidFill>
+                <a:latin typeface="Segoe Script" panose="030B0504020000000003" pitchFamily="66" charset="0"/>
               </a:rPr>
               <a:t>o conteos de viviendas.</a:t>
             </a:r>
@@ -5820,12 +8389,14 @@
                 <a:solidFill>
                   <a:schemeClr val="tx1"/>
                 </a:solidFill>
+                <a:latin typeface="Segoe Script" panose="030B0504020000000003" pitchFamily="66" charset="0"/>
               </a:rPr>
             </a:br>
             <a:endParaRPr lang="es-AR" sz="3200" dirty="0">
               <a:solidFill>
                 <a:schemeClr val="tx1"/>
               </a:solidFill>
+              <a:latin typeface="Segoe Script" panose="030B0504020000000003" pitchFamily="66" charset="0"/>
             </a:endParaRPr>
           </a:p>
           <a:p>
@@ -5841,6 +8412,7 @@
                 <a:solidFill>
                   <a:schemeClr val="tx1"/>
                 </a:solidFill>
+                <a:latin typeface="Segoe Script" panose="030B0504020000000003" pitchFamily="66" charset="0"/>
               </a:rPr>
               <a:t>Datos espaciales </a:t>
             </a:r>
@@ -5849,6 +8421,7 @@
                 <a:solidFill>
                   <a:schemeClr val="tx1"/>
                 </a:solidFill>
+                <a:latin typeface="Segoe Script" panose="030B0504020000000003" pitchFamily="66" charset="0"/>
               </a:rPr>
             </a:br>
             <a:r>
@@ -5856,6 +8429,7 @@
                 <a:solidFill>
                   <a:schemeClr val="tx1"/>
                 </a:solidFill>
+                <a:latin typeface="Segoe Script" panose="030B0504020000000003" pitchFamily="66" charset="0"/>
               </a:rPr>
               <a:t>cartografía de la zona.</a:t>
             </a:r>
@@ -5934,15 +8508,331 @@
             <a:off x="956603" y="2321169"/>
             <a:ext cx="3995225" cy="1800665"/>
           </a:xfrm>
-          <a:prstGeom prst="roundRect">
+          <a:custGeom>
             <a:avLst/>
-          </a:prstGeom>
+            <a:gdLst>
+              <a:gd name="connsiteX0" fmla="*/ 0 w 3995225"/>
+              <a:gd name="connsiteY0" fmla="*/ 300117 h 1800665"/>
+              <a:gd name="connsiteX1" fmla="*/ 300117 w 3995225"/>
+              <a:gd name="connsiteY1" fmla="*/ 0 h 1800665"/>
+              <a:gd name="connsiteX2" fmla="*/ 877265 w 3995225"/>
+              <a:gd name="connsiteY2" fmla="*/ 0 h 1800665"/>
+              <a:gd name="connsiteX3" fmla="*/ 1454414 w 3995225"/>
+              <a:gd name="connsiteY3" fmla="*/ 0 h 1800665"/>
+              <a:gd name="connsiteX4" fmla="*/ 2031562 w 3995225"/>
+              <a:gd name="connsiteY4" fmla="*/ 0 h 1800665"/>
+              <a:gd name="connsiteX5" fmla="*/ 2642661 w 3995225"/>
+              <a:gd name="connsiteY5" fmla="*/ 0 h 1800665"/>
+              <a:gd name="connsiteX6" fmla="*/ 3695108 w 3995225"/>
+              <a:gd name="connsiteY6" fmla="*/ 0 h 1800665"/>
+              <a:gd name="connsiteX7" fmla="*/ 3995225 w 3995225"/>
+              <a:gd name="connsiteY7" fmla="*/ 300117 h 1800665"/>
+              <a:gd name="connsiteX8" fmla="*/ 3995225 w 3995225"/>
+              <a:gd name="connsiteY8" fmla="*/ 864320 h 1800665"/>
+              <a:gd name="connsiteX9" fmla="*/ 3995225 w 3995225"/>
+              <a:gd name="connsiteY9" fmla="*/ 1500548 h 1800665"/>
+              <a:gd name="connsiteX10" fmla="*/ 3695108 w 3995225"/>
+              <a:gd name="connsiteY10" fmla="*/ 1800665 h 1800665"/>
+              <a:gd name="connsiteX11" fmla="*/ 3117960 w 3995225"/>
+              <a:gd name="connsiteY11" fmla="*/ 1800665 h 1800665"/>
+              <a:gd name="connsiteX12" fmla="*/ 2540811 w 3995225"/>
+              <a:gd name="connsiteY12" fmla="*/ 1800665 h 1800665"/>
+              <a:gd name="connsiteX13" fmla="*/ 1827863 w 3995225"/>
+              <a:gd name="connsiteY13" fmla="*/ 1800665 h 1800665"/>
+              <a:gd name="connsiteX14" fmla="*/ 1114915 w 3995225"/>
+              <a:gd name="connsiteY14" fmla="*/ 1800665 h 1800665"/>
+              <a:gd name="connsiteX15" fmla="*/ 300117 w 3995225"/>
+              <a:gd name="connsiteY15" fmla="*/ 1800665 h 1800665"/>
+              <a:gd name="connsiteX16" fmla="*/ 0 w 3995225"/>
+              <a:gd name="connsiteY16" fmla="*/ 1500548 h 1800665"/>
+              <a:gd name="connsiteX17" fmla="*/ 0 w 3995225"/>
+              <a:gd name="connsiteY17" fmla="*/ 888328 h 1800665"/>
+              <a:gd name="connsiteX18" fmla="*/ 0 w 3995225"/>
+              <a:gd name="connsiteY18" fmla="*/ 300117 h 1800665"/>
+            </a:gdLst>
+            <a:ahLst/>
+            <a:cxnLst>
+              <a:cxn ang="0">
+                <a:pos x="connsiteX0" y="connsiteY0"/>
+              </a:cxn>
+              <a:cxn ang="0">
+                <a:pos x="connsiteX1" y="connsiteY1"/>
+              </a:cxn>
+              <a:cxn ang="0">
+                <a:pos x="connsiteX2" y="connsiteY2"/>
+              </a:cxn>
+              <a:cxn ang="0">
+                <a:pos x="connsiteX3" y="connsiteY3"/>
+              </a:cxn>
+              <a:cxn ang="0">
+                <a:pos x="connsiteX4" y="connsiteY4"/>
+              </a:cxn>
+              <a:cxn ang="0">
+                <a:pos x="connsiteX5" y="connsiteY5"/>
+              </a:cxn>
+              <a:cxn ang="0">
+                <a:pos x="connsiteX6" y="connsiteY6"/>
+              </a:cxn>
+              <a:cxn ang="0">
+                <a:pos x="connsiteX7" y="connsiteY7"/>
+              </a:cxn>
+              <a:cxn ang="0">
+                <a:pos x="connsiteX8" y="connsiteY8"/>
+              </a:cxn>
+              <a:cxn ang="0">
+                <a:pos x="connsiteX9" y="connsiteY9"/>
+              </a:cxn>
+              <a:cxn ang="0">
+                <a:pos x="connsiteX10" y="connsiteY10"/>
+              </a:cxn>
+              <a:cxn ang="0">
+                <a:pos x="connsiteX11" y="connsiteY11"/>
+              </a:cxn>
+              <a:cxn ang="0">
+                <a:pos x="connsiteX12" y="connsiteY12"/>
+              </a:cxn>
+              <a:cxn ang="0">
+                <a:pos x="connsiteX13" y="connsiteY13"/>
+              </a:cxn>
+              <a:cxn ang="0">
+                <a:pos x="connsiteX14" y="connsiteY14"/>
+              </a:cxn>
+              <a:cxn ang="0">
+                <a:pos x="connsiteX15" y="connsiteY15"/>
+              </a:cxn>
+              <a:cxn ang="0">
+                <a:pos x="connsiteX16" y="connsiteY16"/>
+              </a:cxn>
+              <a:cxn ang="0">
+                <a:pos x="connsiteX17" y="connsiteY17"/>
+              </a:cxn>
+              <a:cxn ang="0">
+                <a:pos x="connsiteX18" y="connsiteY18"/>
+              </a:cxn>
+            </a:cxnLst>
+            <a:rect l="l" t="t" r="r" b="b"/>
+            <a:pathLst>
+              <a:path w="3995225" h="1800665" fill="none" extrusionOk="0">
+                <a:moveTo>
+                  <a:pt x="0" y="300117"/>
+                </a:moveTo>
+                <a:cubicBezTo>
+                  <a:pt x="-16064" y="126917"/>
+                  <a:pt x="131031" y="-35111"/>
+                  <a:pt x="300117" y="0"/>
+                </a:cubicBezTo>
+                <a:cubicBezTo>
+                  <a:pt x="524191" y="-3316"/>
+                  <a:pt x="730414" y="-5422"/>
+                  <a:pt x="877265" y="0"/>
+                </a:cubicBezTo>
+                <a:cubicBezTo>
+                  <a:pt x="1024116" y="5422"/>
+                  <a:pt x="1275000" y="27131"/>
+                  <a:pt x="1454414" y="0"/>
+                </a:cubicBezTo>
+                <a:cubicBezTo>
+                  <a:pt x="1633828" y="-27131"/>
+                  <a:pt x="1872576" y="13205"/>
+                  <a:pt x="2031562" y="0"/>
+                </a:cubicBezTo>
+                <a:cubicBezTo>
+                  <a:pt x="2190548" y="-13205"/>
+                  <a:pt x="2490994" y="-14548"/>
+                  <a:pt x="2642661" y="0"/>
+                </a:cubicBezTo>
+                <a:cubicBezTo>
+                  <a:pt x="2794328" y="14548"/>
+                  <a:pt x="3401013" y="-3752"/>
+                  <a:pt x="3695108" y="0"/>
+                </a:cubicBezTo>
+                <a:cubicBezTo>
+                  <a:pt x="3865880" y="4314"/>
+                  <a:pt x="4008258" y="121353"/>
+                  <a:pt x="3995225" y="300117"/>
+                </a:cubicBezTo>
+                <a:cubicBezTo>
+                  <a:pt x="3968939" y="566507"/>
+                  <a:pt x="3972202" y="626333"/>
+                  <a:pt x="3995225" y="864320"/>
+                </a:cubicBezTo>
+                <a:cubicBezTo>
+                  <a:pt x="4018248" y="1102307"/>
+                  <a:pt x="4006335" y="1213951"/>
+                  <a:pt x="3995225" y="1500548"/>
+                </a:cubicBezTo>
+                <a:cubicBezTo>
+                  <a:pt x="3999705" y="1661758"/>
+                  <a:pt x="3875663" y="1819444"/>
+                  <a:pt x="3695108" y="1800665"/>
+                </a:cubicBezTo>
+                <a:cubicBezTo>
+                  <a:pt x="3502505" y="1800912"/>
+                  <a:pt x="3269088" y="1799007"/>
+                  <a:pt x="3117960" y="1800665"/>
+                </a:cubicBezTo>
+                <a:cubicBezTo>
+                  <a:pt x="2966832" y="1802323"/>
+                  <a:pt x="2784479" y="1780327"/>
+                  <a:pt x="2540811" y="1800665"/>
+                </a:cubicBezTo>
+                <a:cubicBezTo>
+                  <a:pt x="2297143" y="1821003"/>
+                  <a:pt x="1995141" y="1794342"/>
+                  <a:pt x="1827863" y="1800665"/>
+                </a:cubicBezTo>
+                <a:cubicBezTo>
+                  <a:pt x="1660585" y="1806988"/>
+                  <a:pt x="1457486" y="1819936"/>
+                  <a:pt x="1114915" y="1800665"/>
+                </a:cubicBezTo>
+                <a:cubicBezTo>
+                  <a:pt x="772344" y="1781394"/>
+                  <a:pt x="480080" y="1818861"/>
+                  <a:pt x="300117" y="1800665"/>
+                </a:cubicBezTo>
+                <a:cubicBezTo>
+                  <a:pt x="127918" y="1841071"/>
+                  <a:pt x="15447" y="1653620"/>
+                  <a:pt x="0" y="1500548"/>
+                </a:cubicBezTo>
+                <a:cubicBezTo>
+                  <a:pt x="12620" y="1312763"/>
+                  <a:pt x="-11713" y="1111690"/>
+                  <a:pt x="0" y="888328"/>
+                </a:cubicBezTo>
+                <a:cubicBezTo>
+                  <a:pt x="11713" y="664966"/>
+                  <a:pt x="-27546" y="482636"/>
+                  <a:pt x="0" y="300117"/>
+                </a:cubicBezTo>
+                <a:close/>
+              </a:path>
+              <a:path w="3995225" h="1800665" stroke="0" extrusionOk="0">
+                <a:moveTo>
+                  <a:pt x="0" y="300117"/>
+                </a:moveTo>
+                <a:cubicBezTo>
+                  <a:pt x="-29899" y="119830"/>
+                  <a:pt x="162075" y="18585"/>
+                  <a:pt x="300117" y="0"/>
+                </a:cubicBezTo>
+                <a:cubicBezTo>
+                  <a:pt x="445649" y="-10744"/>
+                  <a:pt x="698857" y="540"/>
+                  <a:pt x="945165" y="0"/>
+                </a:cubicBezTo>
+                <a:cubicBezTo>
+                  <a:pt x="1191473" y="-540"/>
+                  <a:pt x="1422211" y="-15199"/>
+                  <a:pt x="1590214" y="0"/>
+                </a:cubicBezTo>
+                <a:cubicBezTo>
+                  <a:pt x="1758217" y="15199"/>
+                  <a:pt x="1971793" y="-1763"/>
+                  <a:pt x="2337112" y="0"/>
+                </a:cubicBezTo>
+                <a:cubicBezTo>
+                  <a:pt x="2702431" y="1763"/>
+                  <a:pt x="2711395" y="7775"/>
+                  <a:pt x="2982160" y="0"/>
+                </a:cubicBezTo>
+                <a:cubicBezTo>
+                  <a:pt x="3252925" y="-7775"/>
+                  <a:pt x="3518653" y="-31600"/>
+                  <a:pt x="3695108" y="0"/>
+                </a:cubicBezTo>
+                <a:cubicBezTo>
+                  <a:pt x="3876903" y="27796"/>
+                  <a:pt x="3978936" y="140247"/>
+                  <a:pt x="3995225" y="300117"/>
+                </a:cubicBezTo>
+                <a:cubicBezTo>
+                  <a:pt x="4001740" y="463673"/>
+                  <a:pt x="3978299" y="735624"/>
+                  <a:pt x="3995225" y="876324"/>
+                </a:cubicBezTo>
+                <a:cubicBezTo>
+                  <a:pt x="4012151" y="1017024"/>
+                  <a:pt x="3970396" y="1249793"/>
+                  <a:pt x="3995225" y="1500548"/>
+                </a:cubicBezTo>
+                <a:cubicBezTo>
+                  <a:pt x="3993788" y="1661397"/>
+                  <a:pt x="3862398" y="1816396"/>
+                  <a:pt x="3695108" y="1800665"/>
+                </a:cubicBezTo>
+                <a:cubicBezTo>
+                  <a:pt x="3556004" y="1804417"/>
+                  <a:pt x="3257515" y="1829507"/>
+                  <a:pt x="3016110" y="1800665"/>
+                </a:cubicBezTo>
+                <a:cubicBezTo>
+                  <a:pt x="2774705" y="1771823"/>
+                  <a:pt x="2613773" y="1816544"/>
+                  <a:pt x="2405011" y="1800665"/>
+                </a:cubicBezTo>
+                <a:cubicBezTo>
+                  <a:pt x="2196249" y="1784786"/>
+                  <a:pt x="2026464" y="1827994"/>
+                  <a:pt x="1759963" y="1800665"/>
+                </a:cubicBezTo>
+                <a:cubicBezTo>
+                  <a:pt x="1493462" y="1773336"/>
+                  <a:pt x="1279772" y="1773181"/>
+                  <a:pt x="1080965" y="1800665"/>
+                </a:cubicBezTo>
+                <a:cubicBezTo>
+                  <a:pt x="882158" y="1828149"/>
+                  <a:pt x="560967" y="1806425"/>
+                  <a:pt x="300117" y="1800665"/>
+                </a:cubicBezTo>
+                <a:cubicBezTo>
+                  <a:pt x="172789" y="1813790"/>
+                  <a:pt x="-14374" y="1667566"/>
+                  <a:pt x="0" y="1500548"/>
+                </a:cubicBezTo>
+                <a:cubicBezTo>
+                  <a:pt x="-29334" y="1226872"/>
+                  <a:pt x="18842" y="1145722"/>
+                  <a:pt x="0" y="888328"/>
+                </a:cubicBezTo>
+                <a:cubicBezTo>
+                  <a:pt x="-18842" y="630934"/>
+                  <a:pt x="7403" y="505835"/>
+                  <a:pt x="0" y="300117"/>
+                </a:cubicBezTo>
+                <a:close/>
+              </a:path>
+            </a:pathLst>
+          </a:custGeom>
           <a:solidFill>
-            <a:schemeClr val="accent2">
-              <a:lumMod val="20000"/>
-              <a:lumOff val="80000"/>
-            </a:schemeClr>
+            <a:schemeClr val="bg1"/>
           </a:solidFill>
+          <a:ln>
+            <a:solidFill>
+              <a:schemeClr val="tx1"/>
+            </a:solidFill>
+            <a:extLst>
+              <a:ext uri="{C807C97D-BFC1-408E-A445-0C87EB9F89A2}">
+                <ask:lineSketchStyleProps xmlns:ask="http://schemas.microsoft.com/office/drawing/2018/sketchyshapes" sd="287282211">
+                  <a:prstGeom prst="roundRect">
+                    <a:avLst/>
+                  </a:prstGeom>
+                  <ask:type>
+                    <ask:lineSketchFreehand/>
+                  </ask:type>
+                </ask:lineSketchStyleProps>
+              </a:ext>
+            </a:extLst>
+          </a:ln>
+          <a:effectLst>
+            <a:outerShdw blurRad="50800" dist="38100" dir="5400000" algn="t" rotWithShape="0">
+              <a:prstClr val="black">
+                <a:alpha val="40000"/>
+              </a:prstClr>
+            </a:outerShdw>
+          </a:effectLst>
         </p:spPr>
         <p:style>
           <a:lnRef idx="2">
@@ -5973,6 +8863,7 @@
                 <a:solidFill>
                   <a:schemeClr val="tx1"/>
                 </a:solidFill>
+                <a:latin typeface="Segoe Print" panose="02000600000000000000" pitchFamily="2" charset="0"/>
               </a:rPr>
               <a:t>Reglas.</a:t>
             </a:r>
@@ -5996,15 +8887,331 @@
             <a:off x="4098387" y="4463610"/>
             <a:ext cx="3995225" cy="1800665"/>
           </a:xfrm>
-          <a:prstGeom prst="roundRect">
+          <a:custGeom>
             <a:avLst/>
-          </a:prstGeom>
+            <a:gdLst>
+              <a:gd name="connsiteX0" fmla="*/ 0 w 3995225"/>
+              <a:gd name="connsiteY0" fmla="*/ 300117 h 1800665"/>
+              <a:gd name="connsiteX1" fmla="*/ 300117 w 3995225"/>
+              <a:gd name="connsiteY1" fmla="*/ 0 h 1800665"/>
+              <a:gd name="connsiteX2" fmla="*/ 877265 w 3995225"/>
+              <a:gd name="connsiteY2" fmla="*/ 0 h 1800665"/>
+              <a:gd name="connsiteX3" fmla="*/ 1522314 w 3995225"/>
+              <a:gd name="connsiteY3" fmla="*/ 0 h 1800665"/>
+              <a:gd name="connsiteX4" fmla="*/ 2133412 w 3995225"/>
+              <a:gd name="connsiteY4" fmla="*/ 0 h 1800665"/>
+              <a:gd name="connsiteX5" fmla="*/ 2880310 w 3995225"/>
+              <a:gd name="connsiteY5" fmla="*/ 0 h 1800665"/>
+              <a:gd name="connsiteX6" fmla="*/ 3695108 w 3995225"/>
+              <a:gd name="connsiteY6" fmla="*/ 0 h 1800665"/>
+              <a:gd name="connsiteX7" fmla="*/ 3995225 w 3995225"/>
+              <a:gd name="connsiteY7" fmla="*/ 300117 h 1800665"/>
+              <a:gd name="connsiteX8" fmla="*/ 3995225 w 3995225"/>
+              <a:gd name="connsiteY8" fmla="*/ 876324 h 1800665"/>
+              <a:gd name="connsiteX9" fmla="*/ 3995225 w 3995225"/>
+              <a:gd name="connsiteY9" fmla="*/ 1500548 h 1800665"/>
+              <a:gd name="connsiteX10" fmla="*/ 3695108 w 3995225"/>
+              <a:gd name="connsiteY10" fmla="*/ 1800665 h 1800665"/>
+              <a:gd name="connsiteX11" fmla="*/ 3084010 w 3995225"/>
+              <a:gd name="connsiteY11" fmla="*/ 1800665 h 1800665"/>
+              <a:gd name="connsiteX12" fmla="*/ 2438961 w 3995225"/>
+              <a:gd name="connsiteY12" fmla="*/ 1800665 h 1800665"/>
+              <a:gd name="connsiteX13" fmla="*/ 1726013 w 3995225"/>
+              <a:gd name="connsiteY13" fmla="*/ 1800665 h 1800665"/>
+              <a:gd name="connsiteX14" fmla="*/ 1047015 w 3995225"/>
+              <a:gd name="connsiteY14" fmla="*/ 1800665 h 1800665"/>
+              <a:gd name="connsiteX15" fmla="*/ 300117 w 3995225"/>
+              <a:gd name="connsiteY15" fmla="*/ 1800665 h 1800665"/>
+              <a:gd name="connsiteX16" fmla="*/ 0 w 3995225"/>
+              <a:gd name="connsiteY16" fmla="*/ 1500548 h 1800665"/>
+              <a:gd name="connsiteX17" fmla="*/ 0 w 3995225"/>
+              <a:gd name="connsiteY17" fmla="*/ 924341 h 1800665"/>
+              <a:gd name="connsiteX18" fmla="*/ 0 w 3995225"/>
+              <a:gd name="connsiteY18" fmla="*/ 300117 h 1800665"/>
+            </a:gdLst>
+            <a:ahLst/>
+            <a:cxnLst>
+              <a:cxn ang="0">
+                <a:pos x="connsiteX0" y="connsiteY0"/>
+              </a:cxn>
+              <a:cxn ang="0">
+                <a:pos x="connsiteX1" y="connsiteY1"/>
+              </a:cxn>
+              <a:cxn ang="0">
+                <a:pos x="connsiteX2" y="connsiteY2"/>
+              </a:cxn>
+              <a:cxn ang="0">
+                <a:pos x="connsiteX3" y="connsiteY3"/>
+              </a:cxn>
+              <a:cxn ang="0">
+                <a:pos x="connsiteX4" y="connsiteY4"/>
+              </a:cxn>
+              <a:cxn ang="0">
+                <a:pos x="connsiteX5" y="connsiteY5"/>
+              </a:cxn>
+              <a:cxn ang="0">
+                <a:pos x="connsiteX6" y="connsiteY6"/>
+              </a:cxn>
+              <a:cxn ang="0">
+                <a:pos x="connsiteX7" y="connsiteY7"/>
+              </a:cxn>
+              <a:cxn ang="0">
+                <a:pos x="connsiteX8" y="connsiteY8"/>
+              </a:cxn>
+              <a:cxn ang="0">
+                <a:pos x="connsiteX9" y="connsiteY9"/>
+              </a:cxn>
+              <a:cxn ang="0">
+                <a:pos x="connsiteX10" y="connsiteY10"/>
+              </a:cxn>
+              <a:cxn ang="0">
+                <a:pos x="connsiteX11" y="connsiteY11"/>
+              </a:cxn>
+              <a:cxn ang="0">
+                <a:pos x="connsiteX12" y="connsiteY12"/>
+              </a:cxn>
+              <a:cxn ang="0">
+                <a:pos x="connsiteX13" y="connsiteY13"/>
+              </a:cxn>
+              <a:cxn ang="0">
+                <a:pos x="connsiteX14" y="connsiteY14"/>
+              </a:cxn>
+              <a:cxn ang="0">
+                <a:pos x="connsiteX15" y="connsiteY15"/>
+              </a:cxn>
+              <a:cxn ang="0">
+                <a:pos x="connsiteX16" y="connsiteY16"/>
+              </a:cxn>
+              <a:cxn ang="0">
+                <a:pos x="connsiteX17" y="connsiteY17"/>
+              </a:cxn>
+              <a:cxn ang="0">
+                <a:pos x="connsiteX18" y="connsiteY18"/>
+              </a:cxn>
+            </a:cxnLst>
+            <a:rect l="l" t="t" r="r" b="b"/>
+            <a:pathLst>
+              <a:path w="3995225" h="1800665" fill="none" extrusionOk="0">
+                <a:moveTo>
+                  <a:pt x="0" y="300117"/>
+                </a:moveTo>
+                <a:cubicBezTo>
+                  <a:pt x="19569" y="98971"/>
+                  <a:pt x="133434" y="-32579"/>
+                  <a:pt x="300117" y="0"/>
+                </a:cubicBezTo>
+                <a:cubicBezTo>
+                  <a:pt x="455192" y="-7166"/>
+                  <a:pt x="627319" y="-4715"/>
+                  <a:pt x="877265" y="0"/>
+                </a:cubicBezTo>
+                <a:cubicBezTo>
+                  <a:pt x="1127211" y="4715"/>
+                  <a:pt x="1211130" y="-15042"/>
+                  <a:pt x="1522314" y="0"/>
+                </a:cubicBezTo>
+                <a:cubicBezTo>
+                  <a:pt x="1833498" y="15042"/>
+                  <a:pt x="1933592" y="12214"/>
+                  <a:pt x="2133412" y="0"/>
+                </a:cubicBezTo>
+                <a:cubicBezTo>
+                  <a:pt x="2333232" y="-12214"/>
+                  <a:pt x="2620242" y="-5306"/>
+                  <a:pt x="2880310" y="0"/>
+                </a:cubicBezTo>
+                <a:cubicBezTo>
+                  <a:pt x="3140378" y="5306"/>
+                  <a:pt x="3411782" y="13435"/>
+                  <a:pt x="3695108" y="0"/>
+                </a:cubicBezTo>
+                <a:cubicBezTo>
+                  <a:pt x="3871545" y="13214"/>
+                  <a:pt x="3989802" y="140969"/>
+                  <a:pt x="3995225" y="300117"/>
+                </a:cubicBezTo>
+                <a:cubicBezTo>
+                  <a:pt x="4004504" y="488010"/>
+                  <a:pt x="3967989" y="665544"/>
+                  <a:pt x="3995225" y="876324"/>
+                </a:cubicBezTo>
+                <a:cubicBezTo>
+                  <a:pt x="4022461" y="1087104"/>
+                  <a:pt x="3987432" y="1261154"/>
+                  <a:pt x="3995225" y="1500548"/>
+                </a:cubicBezTo>
+                <a:cubicBezTo>
+                  <a:pt x="3964093" y="1681559"/>
+                  <a:pt x="3872728" y="1776224"/>
+                  <a:pt x="3695108" y="1800665"/>
+                </a:cubicBezTo>
+                <a:cubicBezTo>
+                  <a:pt x="3570364" y="1806444"/>
+                  <a:pt x="3223333" y="1779453"/>
+                  <a:pt x="3084010" y="1800665"/>
+                </a:cubicBezTo>
+                <a:cubicBezTo>
+                  <a:pt x="2944687" y="1821877"/>
+                  <a:pt x="2730763" y="1773979"/>
+                  <a:pt x="2438961" y="1800665"/>
+                </a:cubicBezTo>
+                <a:cubicBezTo>
+                  <a:pt x="2147159" y="1827351"/>
+                  <a:pt x="1994071" y="1777379"/>
+                  <a:pt x="1726013" y="1800665"/>
+                </a:cubicBezTo>
+                <a:cubicBezTo>
+                  <a:pt x="1457955" y="1823951"/>
+                  <a:pt x="1258738" y="1774554"/>
+                  <a:pt x="1047015" y="1800665"/>
+                </a:cubicBezTo>
+                <a:cubicBezTo>
+                  <a:pt x="835292" y="1826776"/>
+                  <a:pt x="453018" y="1792121"/>
+                  <a:pt x="300117" y="1800665"/>
+                </a:cubicBezTo>
+                <a:cubicBezTo>
+                  <a:pt x="120934" y="1770303"/>
+                  <a:pt x="12755" y="1667152"/>
+                  <a:pt x="0" y="1500548"/>
+                </a:cubicBezTo>
+                <a:cubicBezTo>
+                  <a:pt x="-22485" y="1309358"/>
+                  <a:pt x="13548" y="1105733"/>
+                  <a:pt x="0" y="924341"/>
+                </a:cubicBezTo>
+                <a:cubicBezTo>
+                  <a:pt x="-13548" y="742949"/>
+                  <a:pt x="-19099" y="544317"/>
+                  <a:pt x="0" y="300117"/>
+                </a:cubicBezTo>
+                <a:close/>
+              </a:path>
+              <a:path w="3995225" h="1800665" stroke="0" extrusionOk="0">
+                <a:moveTo>
+                  <a:pt x="0" y="300117"/>
+                </a:moveTo>
+                <a:cubicBezTo>
+                  <a:pt x="18089" y="151228"/>
+                  <a:pt x="124744" y="20560"/>
+                  <a:pt x="300117" y="0"/>
+                </a:cubicBezTo>
+                <a:cubicBezTo>
+                  <a:pt x="453706" y="27399"/>
+                  <a:pt x="704865" y="13380"/>
+                  <a:pt x="877265" y="0"/>
+                </a:cubicBezTo>
+                <a:cubicBezTo>
+                  <a:pt x="1049665" y="-13380"/>
+                  <a:pt x="1192859" y="-17126"/>
+                  <a:pt x="1454414" y="0"/>
+                </a:cubicBezTo>
+                <a:cubicBezTo>
+                  <a:pt x="1715969" y="17126"/>
+                  <a:pt x="1771659" y="-14091"/>
+                  <a:pt x="2031562" y="0"/>
+                </a:cubicBezTo>
+                <a:cubicBezTo>
+                  <a:pt x="2291465" y="14091"/>
+                  <a:pt x="2387785" y="4256"/>
+                  <a:pt x="2642661" y="0"/>
+                </a:cubicBezTo>
+                <a:cubicBezTo>
+                  <a:pt x="2897537" y="-4256"/>
+                  <a:pt x="3286355" y="37653"/>
+                  <a:pt x="3695108" y="0"/>
+                </a:cubicBezTo>
+                <a:cubicBezTo>
+                  <a:pt x="3829939" y="-13959"/>
+                  <a:pt x="3984430" y="128093"/>
+                  <a:pt x="3995225" y="300117"/>
+                </a:cubicBezTo>
+                <a:cubicBezTo>
+                  <a:pt x="4013292" y="584389"/>
+                  <a:pt x="4004886" y="598963"/>
+                  <a:pt x="3995225" y="888328"/>
+                </a:cubicBezTo>
+                <a:cubicBezTo>
+                  <a:pt x="3985564" y="1177693"/>
+                  <a:pt x="3965187" y="1260070"/>
+                  <a:pt x="3995225" y="1500548"/>
+                </a:cubicBezTo>
+                <a:cubicBezTo>
+                  <a:pt x="3991272" y="1630544"/>
+                  <a:pt x="3846876" y="1831393"/>
+                  <a:pt x="3695108" y="1800665"/>
+                </a:cubicBezTo>
+                <a:cubicBezTo>
+                  <a:pt x="3516999" y="1793332"/>
+                  <a:pt x="3329109" y="1773051"/>
+                  <a:pt x="3050060" y="1800665"/>
+                </a:cubicBezTo>
+                <a:cubicBezTo>
+                  <a:pt x="2771011" y="1828279"/>
+                  <a:pt x="2559283" y="1813704"/>
+                  <a:pt x="2405011" y="1800665"/>
+                </a:cubicBezTo>
+                <a:cubicBezTo>
+                  <a:pt x="2250739" y="1787626"/>
+                  <a:pt x="2074779" y="1829921"/>
+                  <a:pt x="1759963" y="1800665"/>
+                </a:cubicBezTo>
+                <a:cubicBezTo>
+                  <a:pt x="1445147" y="1771409"/>
+                  <a:pt x="1433111" y="1780709"/>
+                  <a:pt x="1114915" y="1800665"/>
+                </a:cubicBezTo>
+                <a:cubicBezTo>
+                  <a:pt x="796719" y="1820621"/>
+                  <a:pt x="607402" y="1801484"/>
+                  <a:pt x="300117" y="1800665"/>
+                </a:cubicBezTo>
+                <a:cubicBezTo>
+                  <a:pt x="135645" y="1779613"/>
+                  <a:pt x="3741" y="1636135"/>
+                  <a:pt x="0" y="1500548"/>
+                </a:cubicBezTo>
+                <a:cubicBezTo>
+                  <a:pt x="14502" y="1223756"/>
+                  <a:pt x="10493" y="1074444"/>
+                  <a:pt x="0" y="924341"/>
+                </a:cubicBezTo>
+                <a:cubicBezTo>
+                  <a:pt x="-10493" y="774238"/>
+                  <a:pt x="-25586" y="538766"/>
+                  <a:pt x="0" y="300117"/>
+                </a:cubicBezTo>
+                <a:close/>
+              </a:path>
+            </a:pathLst>
+          </a:custGeom>
           <a:solidFill>
-            <a:schemeClr val="accent2">
-              <a:lumMod val="20000"/>
-              <a:lumOff val="80000"/>
-            </a:schemeClr>
+            <a:schemeClr val="bg1"/>
           </a:solidFill>
+          <a:ln>
+            <a:solidFill>
+              <a:schemeClr val="tx1"/>
+            </a:solidFill>
+            <a:extLst>
+              <a:ext uri="{C807C97D-BFC1-408E-A445-0C87EB9F89A2}">
+                <ask:lineSketchStyleProps xmlns:ask="http://schemas.microsoft.com/office/drawing/2018/sketchyshapes" sd="4288420566">
+                  <a:prstGeom prst="roundRect">
+                    <a:avLst/>
+                  </a:prstGeom>
+                  <ask:type>
+                    <ask:lineSketchFreehand/>
+                  </ask:type>
+                </ask:lineSketchStyleProps>
+              </a:ext>
+            </a:extLst>
+          </a:ln>
+          <a:effectLst>
+            <a:outerShdw blurRad="50800" dist="38100" dir="5400000" algn="t" rotWithShape="0">
+              <a:prstClr val="black">
+                <a:alpha val="40000"/>
+              </a:prstClr>
+            </a:outerShdw>
+          </a:effectLst>
         </p:spPr>
         <p:style>
           <a:lnRef idx="2">
@@ -6035,6 +9242,7 @@
                 <a:solidFill>
                   <a:schemeClr val="tx1"/>
                 </a:solidFill>
+                <a:latin typeface="Segoe Print" panose="02000600000000000000" pitchFamily="2" charset="0"/>
               </a:rPr>
               <a:t>Objetivos.</a:t>
             </a:r>
@@ -6058,15 +9266,331 @@
             <a:off x="7240172" y="2321169"/>
             <a:ext cx="3995225" cy="1800665"/>
           </a:xfrm>
-          <a:prstGeom prst="roundRect">
+          <a:custGeom>
             <a:avLst/>
-          </a:prstGeom>
+            <a:gdLst>
+              <a:gd name="connsiteX0" fmla="*/ 0 w 3995225"/>
+              <a:gd name="connsiteY0" fmla="*/ 300117 h 1800665"/>
+              <a:gd name="connsiteX1" fmla="*/ 300117 w 3995225"/>
+              <a:gd name="connsiteY1" fmla="*/ 0 h 1800665"/>
+              <a:gd name="connsiteX2" fmla="*/ 911215 w 3995225"/>
+              <a:gd name="connsiteY2" fmla="*/ 0 h 1800665"/>
+              <a:gd name="connsiteX3" fmla="*/ 1590214 w 3995225"/>
+              <a:gd name="connsiteY3" fmla="*/ 0 h 1800665"/>
+              <a:gd name="connsiteX4" fmla="*/ 2201312 w 3995225"/>
+              <a:gd name="connsiteY4" fmla="*/ 0 h 1800665"/>
+              <a:gd name="connsiteX5" fmla="*/ 2812410 w 3995225"/>
+              <a:gd name="connsiteY5" fmla="*/ 0 h 1800665"/>
+              <a:gd name="connsiteX6" fmla="*/ 3695108 w 3995225"/>
+              <a:gd name="connsiteY6" fmla="*/ 0 h 1800665"/>
+              <a:gd name="connsiteX7" fmla="*/ 3995225 w 3995225"/>
+              <a:gd name="connsiteY7" fmla="*/ 300117 h 1800665"/>
+              <a:gd name="connsiteX8" fmla="*/ 3995225 w 3995225"/>
+              <a:gd name="connsiteY8" fmla="*/ 900333 h 1800665"/>
+              <a:gd name="connsiteX9" fmla="*/ 3995225 w 3995225"/>
+              <a:gd name="connsiteY9" fmla="*/ 1500548 h 1800665"/>
+              <a:gd name="connsiteX10" fmla="*/ 3695108 w 3995225"/>
+              <a:gd name="connsiteY10" fmla="*/ 1800665 h 1800665"/>
+              <a:gd name="connsiteX11" fmla="*/ 3050060 w 3995225"/>
+              <a:gd name="connsiteY11" fmla="*/ 1800665 h 1800665"/>
+              <a:gd name="connsiteX12" fmla="*/ 2472911 w 3995225"/>
+              <a:gd name="connsiteY12" fmla="*/ 1800665 h 1800665"/>
+              <a:gd name="connsiteX13" fmla="*/ 1895763 w 3995225"/>
+              <a:gd name="connsiteY13" fmla="*/ 1800665 h 1800665"/>
+              <a:gd name="connsiteX14" fmla="*/ 1318614 w 3995225"/>
+              <a:gd name="connsiteY14" fmla="*/ 1800665 h 1800665"/>
+              <a:gd name="connsiteX15" fmla="*/ 300117 w 3995225"/>
+              <a:gd name="connsiteY15" fmla="*/ 1800665 h 1800665"/>
+              <a:gd name="connsiteX16" fmla="*/ 0 w 3995225"/>
+              <a:gd name="connsiteY16" fmla="*/ 1500548 h 1800665"/>
+              <a:gd name="connsiteX17" fmla="*/ 0 w 3995225"/>
+              <a:gd name="connsiteY17" fmla="*/ 924341 h 1800665"/>
+              <a:gd name="connsiteX18" fmla="*/ 0 w 3995225"/>
+              <a:gd name="connsiteY18" fmla="*/ 300117 h 1800665"/>
+            </a:gdLst>
+            <a:ahLst/>
+            <a:cxnLst>
+              <a:cxn ang="0">
+                <a:pos x="connsiteX0" y="connsiteY0"/>
+              </a:cxn>
+              <a:cxn ang="0">
+                <a:pos x="connsiteX1" y="connsiteY1"/>
+              </a:cxn>
+              <a:cxn ang="0">
+                <a:pos x="connsiteX2" y="connsiteY2"/>
+              </a:cxn>
+              <a:cxn ang="0">
+                <a:pos x="connsiteX3" y="connsiteY3"/>
+              </a:cxn>
+              <a:cxn ang="0">
+                <a:pos x="connsiteX4" y="connsiteY4"/>
+              </a:cxn>
+              <a:cxn ang="0">
+                <a:pos x="connsiteX5" y="connsiteY5"/>
+              </a:cxn>
+              <a:cxn ang="0">
+                <a:pos x="connsiteX6" y="connsiteY6"/>
+              </a:cxn>
+              <a:cxn ang="0">
+                <a:pos x="connsiteX7" y="connsiteY7"/>
+              </a:cxn>
+              <a:cxn ang="0">
+                <a:pos x="connsiteX8" y="connsiteY8"/>
+              </a:cxn>
+              <a:cxn ang="0">
+                <a:pos x="connsiteX9" y="connsiteY9"/>
+              </a:cxn>
+              <a:cxn ang="0">
+                <a:pos x="connsiteX10" y="connsiteY10"/>
+              </a:cxn>
+              <a:cxn ang="0">
+                <a:pos x="connsiteX11" y="connsiteY11"/>
+              </a:cxn>
+              <a:cxn ang="0">
+                <a:pos x="connsiteX12" y="connsiteY12"/>
+              </a:cxn>
+              <a:cxn ang="0">
+                <a:pos x="connsiteX13" y="connsiteY13"/>
+              </a:cxn>
+              <a:cxn ang="0">
+                <a:pos x="connsiteX14" y="connsiteY14"/>
+              </a:cxn>
+              <a:cxn ang="0">
+                <a:pos x="connsiteX15" y="connsiteY15"/>
+              </a:cxn>
+              <a:cxn ang="0">
+                <a:pos x="connsiteX16" y="connsiteY16"/>
+              </a:cxn>
+              <a:cxn ang="0">
+                <a:pos x="connsiteX17" y="connsiteY17"/>
+              </a:cxn>
+              <a:cxn ang="0">
+                <a:pos x="connsiteX18" y="connsiteY18"/>
+              </a:cxn>
+            </a:cxnLst>
+            <a:rect l="l" t="t" r="r" b="b"/>
+            <a:pathLst>
+              <a:path w="3995225" h="1800665" fill="none" extrusionOk="0">
+                <a:moveTo>
+                  <a:pt x="0" y="300117"/>
+                </a:moveTo>
+                <a:cubicBezTo>
+                  <a:pt x="6445" y="118651"/>
+                  <a:pt x="161375" y="2223"/>
+                  <a:pt x="300117" y="0"/>
+                </a:cubicBezTo>
+                <a:cubicBezTo>
+                  <a:pt x="519827" y="-10234"/>
+                  <a:pt x="631552" y="24100"/>
+                  <a:pt x="911215" y="0"/>
+                </a:cubicBezTo>
+                <a:cubicBezTo>
+                  <a:pt x="1190878" y="-24100"/>
+                  <a:pt x="1347112" y="2282"/>
+                  <a:pt x="1590214" y="0"/>
+                </a:cubicBezTo>
+                <a:cubicBezTo>
+                  <a:pt x="1833316" y="-2282"/>
+                  <a:pt x="2010094" y="21870"/>
+                  <a:pt x="2201312" y="0"/>
+                </a:cubicBezTo>
+                <a:cubicBezTo>
+                  <a:pt x="2392530" y="-21870"/>
+                  <a:pt x="2661904" y="-16176"/>
+                  <a:pt x="2812410" y="0"/>
+                </a:cubicBezTo>
+                <a:cubicBezTo>
+                  <a:pt x="2962916" y="16176"/>
+                  <a:pt x="3303333" y="-14880"/>
+                  <a:pt x="3695108" y="0"/>
+                </a:cubicBezTo>
+                <a:cubicBezTo>
+                  <a:pt x="3868347" y="7565"/>
+                  <a:pt x="4001085" y="138473"/>
+                  <a:pt x="3995225" y="300117"/>
+                </a:cubicBezTo>
+                <a:cubicBezTo>
+                  <a:pt x="4010560" y="450380"/>
+                  <a:pt x="3979589" y="648332"/>
+                  <a:pt x="3995225" y="900333"/>
+                </a:cubicBezTo>
+                <a:cubicBezTo>
+                  <a:pt x="4010861" y="1152334"/>
+                  <a:pt x="4004050" y="1237305"/>
+                  <a:pt x="3995225" y="1500548"/>
+                </a:cubicBezTo>
+                <a:cubicBezTo>
+                  <a:pt x="4015621" y="1678172"/>
+                  <a:pt x="3862552" y="1805649"/>
+                  <a:pt x="3695108" y="1800665"/>
+                </a:cubicBezTo>
+                <a:cubicBezTo>
+                  <a:pt x="3461902" y="1786875"/>
+                  <a:pt x="3231459" y="1775697"/>
+                  <a:pt x="3050060" y="1800665"/>
+                </a:cubicBezTo>
+                <a:cubicBezTo>
+                  <a:pt x="2868661" y="1825633"/>
+                  <a:pt x="2695018" y="1784422"/>
+                  <a:pt x="2472911" y="1800665"/>
+                </a:cubicBezTo>
+                <a:cubicBezTo>
+                  <a:pt x="2250804" y="1816908"/>
+                  <a:pt x="2155556" y="1819482"/>
+                  <a:pt x="1895763" y="1800665"/>
+                </a:cubicBezTo>
+                <a:cubicBezTo>
+                  <a:pt x="1635970" y="1781848"/>
+                  <a:pt x="1581012" y="1773585"/>
+                  <a:pt x="1318614" y="1800665"/>
+                </a:cubicBezTo>
+                <a:cubicBezTo>
+                  <a:pt x="1056216" y="1827745"/>
+                  <a:pt x="612020" y="1786803"/>
+                  <a:pt x="300117" y="1800665"/>
+                </a:cubicBezTo>
+                <a:cubicBezTo>
+                  <a:pt x="172993" y="1786110"/>
+                  <a:pt x="14272" y="1662457"/>
+                  <a:pt x="0" y="1500548"/>
+                </a:cubicBezTo>
+                <a:cubicBezTo>
+                  <a:pt x="-4500" y="1346578"/>
+                  <a:pt x="-27126" y="1098751"/>
+                  <a:pt x="0" y="924341"/>
+                </a:cubicBezTo>
+                <a:cubicBezTo>
+                  <a:pt x="27126" y="749931"/>
+                  <a:pt x="4626" y="536313"/>
+                  <a:pt x="0" y="300117"/>
+                </a:cubicBezTo>
+                <a:close/>
+              </a:path>
+              <a:path w="3995225" h="1800665" stroke="0" extrusionOk="0">
+                <a:moveTo>
+                  <a:pt x="0" y="300117"/>
+                </a:moveTo>
+                <a:cubicBezTo>
+                  <a:pt x="522" y="123323"/>
+                  <a:pt x="166146" y="6650"/>
+                  <a:pt x="300117" y="0"/>
+                </a:cubicBezTo>
+                <a:cubicBezTo>
+                  <a:pt x="503452" y="-7601"/>
+                  <a:pt x="837068" y="-31518"/>
+                  <a:pt x="979115" y="0"/>
+                </a:cubicBezTo>
+                <a:cubicBezTo>
+                  <a:pt x="1121162" y="31518"/>
+                  <a:pt x="1480732" y="-2954"/>
+                  <a:pt x="1624163" y="0"/>
+                </a:cubicBezTo>
+                <a:cubicBezTo>
+                  <a:pt x="1767594" y="2954"/>
+                  <a:pt x="2028143" y="-21881"/>
+                  <a:pt x="2371062" y="0"/>
+                </a:cubicBezTo>
+                <a:cubicBezTo>
+                  <a:pt x="2713981" y="21881"/>
+                  <a:pt x="2836742" y="8826"/>
+                  <a:pt x="3016110" y="0"/>
+                </a:cubicBezTo>
+                <a:cubicBezTo>
+                  <a:pt x="3195478" y="-8826"/>
+                  <a:pt x="3376573" y="5216"/>
+                  <a:pt x="3695108" y="0"/>
+                </a:cubicBezTo>
+                <a:cubicBezTo>
+                  <a:pt x="3900751" y="3530"/>
+                  <a:pt x="4010859" y="117789"/>
+                  <a:pt x="3995225" y="300117"/>
+                </a:cubicBezTo>
+                <a:cubicBezTo>
+                  <a:pt x="4011836" y="491967"/>
+                  <a:pt x="3984916" y="622824"/>
+                  <a:pt x="3995225" y="876324"/>
+                </a:cubicBezTo>
+                <a:cubicBezTo>
+                  <a:pt x="4005534" y="1129824"/>
+                  <a:pt x="3970568" y="1274823"/>
+                  <a:pt x="3995225" y="1500548"/>
+                </a:cubicBezTo>
+                <a:cubicBezTo>
+                  <a:pt x="3987879" y="1706247"/>
+                  <a:pt x="3872295" y="1840457"/>
+                  <a:pt x="3695108" y="1800665"/>
+                </a:cubicBezTo>
+                <a:cubicBezTo>
+                  <a:pt x="3470621" y="1813339"/>
+                  <a:pt x="3403284" y="1802001"/>
+                  <a:pt x="3117960" y="1800665"/>
+                </a:cubicBezTo>
+                <a:cubicBezTo>
+                  <a:pt x="2832636" y="1799329"/>
+                  <a:pt x="2666812" y="1801615"/>
+                  <a:pt x="2405011" y="1800665"/>
+                </a:cubicBezTo>
+                <a:cubicBezTo>
+                  <a:pt x="2143210" y="1799715"/>
+                  <a:pt x="2074121" y="1797952"/>
+                  <a:pt x="1793913" y="1800665"/>
+                </a:cubicBezTo>
+                <a:cubicBezTo>
+                  <a:pt x="1513705" y="1803378"/>
+                  <a:pt x="1450427" y="1807084"/>
+                  <a:pt x="1216765" y="1800665"/>
+                </a:cubicBezTo>
+                <a:cubicBezTo>
+                  <a:pt x="983103" y="1794246"/>
+                  <a:pt x="606287" y="1844852"/>
+                  <a:pt x="300117" y="1800665"/>
+                </a:cubicBezTo>
+                <a:cubicBezTo>
+                  <a:pt x="144860" y="1807691"/>
+                  <a:pt x="-7559" y="1661226"/>
+                  <a:pt x="0" y="1500548"/>
+                </a:cubicBezTo>
+                <a:cubicBezTo>
+                  <a:pt x="-23345" y="1236908"/>
+                  <a:pt x="17122" y="1053555"/>
+                  <a:pt x="0" y="924341"/>
+                </a:cubicBezTo>
+                <a:cubicBezTo>
+                  <a:pt x="-17122" y="795127"/>
+                  <a:pt x="-14057" y="446175"/>
+                  <a:pt x="0" y="300117"/>
+                </a:cubicBezTo>
+                <a:close/>
+              </a:path>
+            </a:pathLst>
+          </a:custGeom>
           <a:solidFill>
-            <a:schemeClr val="accent2">
-              <a:lumMod val="20000"/>
-              <a:lumOff val="80000"/>
-            </a:schemeClr>
+            <a:schemeClr val="bg1"/>
           </a:solidFill>
+          <a:ln>
+            <a:solidFill>
+              <a:schemeClr val="tx1"/>
+            </a:solidFill>
+            <a:extLst>
+              <a:ext uri="{C807C97D-BFC1-408E-A445-0C87EB9F89A2}">
+                <ask:lineSketchStyleProps xmlns:ask="http://schemas.microsoft.com/office/drawing/2018/sketchyshapes" sd="2821381245">
+                  <a:prstGeom prst="roundRect">
+                    <a:avLst/>
+                  </a:prstGeom>
+                  <ask:type>
+                    <ask:lineSketchFreehand/>
+                  </ask:type>
+                </ask:lineSketchStyleProps>
+              </a:ext>
+            </a:extLst>
+          </a:ln>
+          <a:effectLst>
+            <a:outerShdw blurRad="50800" dist="38100" dir="5400000" algn="t" rotWithShape="0">
+              <a:prstClr val="black">
+                <a:alpha val="40000"/>
+              </a:prstClr>
+            </a:outerShdw>
+          </a:effectLst>
         </p:spPr>
         <p:style>
           <a:lnRef idx="2">
@@ -6097,6 +9621,7 @@
                 <a:solidFill>
                   <a:schemeClr val="tx1"/>
                 </a:solidFill>
+                <a:latin typeface="Segoe Print" panose="02000600000000000000" pitchFamily="2" charset="0"/>
               </a:rPr>
               <a:t>Restricciones.</a:t>
             </a:r>
@@ -6285,7 +9810,7 @@
         </p:nvSpPr>
         <p:spPr>
           <a:xfrm>
-            <a:off x="3468859" y="393260"/>
+            <a:off x="428552" y="516652"/>
             <a:ext cx="4760742" cy="1325563"/>
           </a:xfrm>
         </p:spPr>
@@ -6297,7 +9822,9 @@
           <a:p>
             <a:pPr algn="ctr"/>
             <a:r>
-              <a:rPr lang="es-AR" sz="5400" b="1" i="1" dirty="0"/>
+              <a:rPr lang="es-AR" sz="5400" b="1" i="1" dirty="0">
+                <a:latin typeface="Segoe Print" panose="02000600000000000000" pitchFamily="2" charset="0"/>
+              </a:rPr>
               <a:t>Productos</a:t>
             </a:r>
           </a:p>
@@ -6317,18 +9844,117 @@
         </p:nvSpPr>
         <p:spPr>
           <a:xfrm rot="20847102">
-            <a:off x="562707" y="2584938"/>
+            <a:off x="562707" y="2632438"/>
             <a:ext cx="4121834" cy="1688123"/>
           </a:xfrm>
-          <a:prstGeom prst="ellipse">
+          <a:custGeom>
             <a:avLst/>
-          </a:prstGeom>
+            <a:gdLst>
+              <a:gd name="connsiteX0" fmla="*/ 0 w 4121834"/>
+              <a:gd name="connsiteY0" fmla="*/ 844062 h 1688123"/>
+              <a:gd name="connsiteX1" fmla="*/ 2060917 w 4121834"/>
+              <a:gd name="connsiteY1" fmla="*/ 0 h 1688123"/>
+              <a:gd name="connsiteX2" fmla="*/ 4121834 w 4121834"/>
+              <a:gd name="connsiteY2" fmla="*/ 844062 h 1688123"/>
+              <a:gd name="connsiteX3" fmla="*/ 2060917 w 4121834"/>
+              <a:gd name="connsiteY3" fmla="*/ 1688124 h 1688123"/>
+              <a:gd name="connsiteX4" fmla="*/ 0 w 4121834"/>
+              <a:gd name="connsiteY4" fmla="*/ 844062 h 1688123"/>
+            </a:gdLst>
+            <a:ahLst/>
+            <a:cxnLst>
+              <a:cxn ang="0">
+                <a:pos x="connsiteX0" y="connsiteY0"/>
+              </a:cxn>
+              <a:cxn ang="0">
+                <a:pos x="connsiteX1" y="connsiteY1"/>
+              </a:cxn>
+              <a:cxn ang="0">
+                <a:pos x="connsiteX2" y="connsiteY2"/>
+              </a:cxn>
+              <a:cxn ang="0">
+                <a:pos x="connsiteX3" y="connsiteY3"/>
+              </a:cxn>
+              <a:cxn ang="0">
+                <a:pos x="connsiteX4" y="connsiteY4"/>
+              </a:cxn>
+            </a:cxnLst>
+            <a:rect l="l" t="t" r="r" b="b"/>
+            <a:pathLst>
+              <a:path w="4121834" h="1688123" fill="none" extrusionOk="0">
+                <a:moveTo>
+                  <a:pt x="0" y="844062"/>
+                </a:moveTo>
+                <a:cubicBezTo>
+                  <a:pt x="5150" y="406525"/>
+                  <a:pt x="1108179" y="-128483"/>
+                  <a:pt x="2060917" y="0"/>
+                </a:cubicBezTo>
+                <a:cubicBezTo>
+                  <a:pt x="3211235" y="-115564"/>
+                  <a:pt x="4161441" y="369041"/>
+                  <a:pt x="4121834" y="844062"/>
+                </a:cubicBezTo>
+                <a:cubicBezTo>
+                  <a:pt x="4134351" y="1218995"/>
+                  <a:pt x="3197652" y="1651226"/>
+                  <a:pt x="2060917" y="1688124"/>
+                </a:cubicBezTo>
+                <a:cubicBezTo>
+                  <a:pt x="1004600" y="1702852"/>
+                  <a:pt x="-5151" y="1255834"/>
+                  <a:pt x="0" y="844062"/>
+                </a:cubicBezTo>
+                <a:close/>
+              </a:path>
+              <a:path w="4121834" h="1688123" stroke="0" extrusionOk="0">
+                <a:moveTo>
+                  <a:pt x="0" y="844062"/>
+                </a:moveTo>
+                <a:cubicBezTo>
+                  <a:pt x="-57132" y="189835"/>
+                  <a:pt x="1084159" y="-27453"/>
+                  <a:pt x="2060917" y="0"/>
+                </a:cubicBezTo>
+                <a:cubicBezTo>
+                  <a:pt x="3186119" y="-64373"/>
+                  <a:pt x="4077082" y="274872"/>
+                  <a:pt x="4121834" y="844062"/>
+                </a:cubicBezTo>
+                <a:cubicBezTo>
+                  <a:pt x="4134395" y="1378300"/>
+                  <a:pt x="3161546" y="1750614"/>
+                  <a:pt x="2060917" y="1688124"/>
+                </a:cubicBezTo>
+                <a:cubicBezTo>
+                  <a:pt x="939231" y="1686436"/>
+                  <a:pt x="-42245" y="1306576"/>
+                  <a:pt x="0" y="844062"/>
+                </a:cubicBezTo>
+                <a:close/>
+              </a:path>
+            </a:pathLst>
+          </a:custGeom>
           <a:solidFill>
-            <a:schemeClr val="accent2">
-              <a:lumMod val="20000"/>
-              <a:lumOff val="80000"/>
-            </a:schemeClr>
+            <a:schemeClr val="bg1"/>
           </a:solidFill>
+          <a:ln w="19050">
+            <a:solidFill>
+              <a:schemeClr val="tx1"/>
+            </a:solidFill>
+            <a:extLst>
+              <a:ext uri="{C807C97D-BFC1-408E-A445-0C87EB9F89A2}">
+                <ask:lineSketchStyleProps xmlns:ask="http://schemas.microsoft.com/office/drawing/2018/sketchyshapes" sd="912927091">
+                  <a:prstGeom prst="ellipse">
+                    <a:avLst/>
+                  </a:prstGeom>
+                  <ask:type>
+                    <ask:lineSketchFreehand/>
+                  </ask:type>
+                </ask:lineSketchStyleProps>
+              </a:ext>
+            </a:extLst>
+          </a:ln>
         </p:spPr>
         <p:style>
           <a:lnRef idx="2">
@@ -6359,6 +9985,7 @@
                 <a:solidFill>
                   <a:schemeClr val="tx1"/>
                 </a:solidFill>
+                <a:latin typeface="Segoe Print" panose="02000600000000000000" pitchFamily="2" charset="0"/>
               </a:rPr>
               <a:t>Mapas.</a:t>
             </a:r>
@@ -6378,19 +10005,118 @@
           <p:nvPr/>
         </p:nvSpPr>
         <p:spPr>
-          <a:xfrm rot="21095712">
-            <a:off x="7507461" y="1740876"/>
-            <a:ext cx="4121834" cy="1688123"/>
+          <a:xfrm rot="21056263">
+            <a:off x="7037704" y="1243260"/>
+            <a:ext cx="4327477" cy="1688123"/>
           </a:xfrm>
-          <a:prstGeom prst="ellipse">
+          <a:custGeom>
             <a:avLst/>
-          </a:prstGeom>
+            <a:gdLst>
+              <a:gd name="connsiteX0" fmla="*/ 0 w 4327477"/>
+              <a:gd name="connsiteY0" fmla="*/ 844062 h 1688123"/>
+              <a:gd name="connsiteX1" fmla="*/ 2163739 w 4327477"/>
+              <a:gd name="connsiteY1" fmla="*/ 0 h 1688123"/>
+              <a:gd name="connsiteX2" fmla="*/ 4327478 w 4327477"/>
+              <a:gd name="connsiteY2" fmla="*/ 844062 h 1688123"/>
+              <a:gd name="connsiteX3" fmla="*/ 2163739 w 4327477"/>
+              <a:gd name="connsiteY3" fmla="*/ 1688124 h 1688123"/>
+              <a:gd name="connsiteX4" fmla="*/ 0 w 4327477"/>
+              <a:gd name="connsiteY4" fmla="*/ 844062 h 1688123"/>
+            </a:gdLst>
+            <a:ahLst/>
+            <a:cxnLst>
+              <a:cxn ang="0">
+                <a:pos x="connsiteX0" y="connsiteY0"/>
+              </a:cxn>
+              <a:cxn ang="0">
+                <a:pos x="connsiteX1" y="connsiteY1"/>
+              </a:cxn>
+              <a:cxn ang="0">
+                <a:pos x="connsiteX2" y="connsiteY2"/>
+              </a:cxn>
+              <a:cxn ang="0">
+                <a:pos x="connsiteX3" y="connsiteY3"/>
+              </a:cxn>
+              <a:cxn ang="0">
+                <a:pos x="connsiteX4" y="connsiteY4"/>
+              </a:cxn>
+            </a:cxnLst>
+            <a:rect l="l" t="t" r="r" b="b"/>
+            <a:pathLst>
+              <a:path w="4327477" h="1688123" fill="none" extrusionOk="0">
+                <a:moveTo>
+                  <a:pt x="0" y="844062"/>
+                </a:moveTo>
+                <a:cubicBezTo>
+                  <a:pt x="28943" y="435174"/>
+                  <a:pt x="826145" y="-105797"/>
+                  <a:pt x="2163739" y="0"/>
+                </a:cubicBezTo>
+                <a:cubicBezTo>
+                  <a:pt x="3452297" y="-62476"/>
+                  <a:pt x="4342889" y="388816"/>
+                  <a:pt x="4327478" y="844062"/>
+                </a:cubicBezTo>
+                <a:cubicBezTo>
+                  <a:pt x="4386772" y="1248741"/>
+                  <a:pt x="3414502" y="1916747"/>
+                  <a:pt x="2163739" y="1688124"/>
+                </a:cubicBezTo>
+                <a:cubicBezTo>
+                  <a:pt x="944104" y="1680607"/>
+                  <a:pt x="-41681" y="1239852"/>
+                  <a:pt x="0" y="844062"/>
+                </a:cubicBezTo>
+                <a:close/>
+              </a:path>
+              <a:path w="4327477" h="1688123" stroke="0" extrusionOk="0">
+                <a:moveTo>
+                  <a:pt x="0" y="844062"/>
+                </a:moveTo>
+                <a:cubicBezTo>
+                  <a:pt x="133716" y="160329"/>
+                  <a:pt x="988652" y="77527"/>
+                  <a:pt x="2163739" y="0"/>
+                </a:cubicBezTo>
+                <a:cubicBezTo>
+                  <a:pt x="3341303" y="-25269"/>
+                  <a:pt x="4318745" y="319283"/>
+                  <a:pt x="4327478" y="844062"/>
+                </a:cubicBezTo>
+                <a:cubicBezTo>
+                  <a:pt x="4183741" y="1311399"/>
+                  <a:pt x="3137474" y="1798861"/>
+                  <a:pt x="2163739" y="1688124"/>
+                </a:cubicBezTo>
+                <a:cubicBezTo>
+                  <a:pt x="866712" y="1729582"/>
+                  <a:pt x="-38457" y="1363467"/>
+                  <a:pt x="0" y="844062"/>
+                </a:cubicBezTo>
+                <a:close/>
+              </a:path>
+            </a:pathLst>
+          </a:custGeom>
           <a:solidFill>
-            <a:schemeClr val="accent2">
-              <a:lumMod val="20000"/>
-              <a:lumOff val="80000"/>
-            </a:schemeClr>
+            <a:schemeClr val="bg1"/>
           </a:solidFill>
+          <a:ln w="19050">
+            <a:solidFill>
+              <a:schemeClr val="tx1"/>
+            </a:solidFill>
+            <a:extLst>
+              <a:ext uri="{C807C97D-BFC1-408E-A445-0C87EB9F89A2}">
+                <ask:lineSketchStyleProps xmlns:ask="http://schemas.microsoft.com/office/drawing/2018/sketchyshapes" sd="2399098278">
+                  <a:prstGeom prst="ellipse">
+                    <a:avLst/>
+                  </a:prstGeom>
+                  <ask:type>
+                    <ask:lineSketchFreehand/>
+                  </ask:type>
+                </ask:lineSketchStyleProps>
+              </a:ext>
+            </a:extLst>
+          </a:ln>
         </p:spPr>
         <p:style>
           <a:lnRef idx="2">
@@ -6421,6 +10147,7 @@
                 <a:solidFill>
                   <a:schemeClr val="tx1"/>
                 </a:solidFill>
+                <a:latin typeface="Segoe Print" panose="02000600000000000000" pitchFamily="2" charset="0"/>
               </a:rPr>
               <a:t>Recorridos.</a:t>
             </a:r>
@@ -6440,19 +10167,118 @@
           <p:nvPr/>
         </p:nvSpPr>
         <p:spPr>
-          <a:xfrm rot="21290349">
-            <a:off x="4393812" y="4295114"/>
-            <a:ext cx="4121834" cy="1688123"/>
+          <a:xfrm rot="20964236">
+            <a:off x="4584965" y="4236079"/>
+            <a:ext cx="4693598" cy="1688123"/>
           </a:xfrm>
-          <a:prstGeom prst="ellipse">
+          <a:custGeom>
             <a:avLst/>
-          </a:prstGeom>
+            <a:gdLst>
+              <a:gd name="connsiteX0" fmla="*/ 0 w 4693598"/>
+              <a:gd name="connsiteY0" fmla="*/ 844062 h 1688123"/>
+              <a:gd name="connsiteX1" fmla="*/ 2346799 w 4693598"/>
+              <a:gd name="connsiteY1" fmla="*/ 0 h 1688123"/>
+              <a:gd name="connsiteX2" fmla="*/ 4693598 w 4693598"/>
+              <a:gd name="connsiteY2" fmla="*/ 844062 h 1688123"/>
+              <a:gd name="connsiteX3" fmla="*/ 2346799 w 4693598"/>
+              <a:gd name="connsiteY3" fmla="*/ 1688124 h 1688123"/>
+              <a:gd name="connsiteX4" fmla="*/ 0 w 4693598"/>
+              <a:gd name="connsiteY4" fmla="*/ 844062 h 1688123"/>
+            </a:gdLst>
+            <a:ahLst/>
+            <a:cxnLst>
+              <a:cxn ang="0">
+                <a:pos x="connsiteX0" y="connsiteY0"/>
+              </a:cxn>
+              <a:cxn ang="0">
+                <a:pos x="connsiteX1" y="connsiteY1"/>
+              </a:cxn>
+              <a:cxn ang="0">
+                <a:pos x="connsiteX2" y="connsiteY2"/>
+              </a:cxn>
+              <a:cxn ang="0">
+                <a:pos x="connsiteX3" y="connsiteY3"/>
+              </a:cxn>
+              <a:cxn ang="0">
+                <a:pos x="connsiteX4" y="connsiteY4"/>
+              </a:cxn>
+            </a:cxnLst>
+            <a:rect l="l" t="t" r="r" b="b"/>
+            <a:pathLst>
+              <a:path w="4693598" h="1688123" fill="none" extrusionOk="0">
+                <a:moveTo>
+                  <a:pt x="0" y="844062"/>
+                </a:moveTo>
+                <a:cubicBezTo>
+                  <a:pt x="-186205" y="230957"/>
+                  <a:pt x="1014083" y="27575"/>
+                  <a:pt x="2346799" y="0"/>
+                </a:cubicBezTo>
+                <a:cubicBezTo>
+                  <a:pt x="3612992" y="-41853"/>
+                  <a:pt x="4663372" y="354976"/>
+                  <a:pt x="4693598" y="844062"/>
+                </a:cubicBezTo>
+                <a:cubicBezTo>
+                  <a:pt x="4744444" y="1388428"/>
+                  <a:pt x="3614571" y="1717834"/>
+                  <a:pt x="2346799" y="1688124"/>
+                </a:cubicBezTo>
+                <a:cubicBezTo>
+                  <a:pt x="1017237" y="1636213"/>
+                  <a:pt x="53503" y="1347700"/>
+                  <a:pt x="0" y="844062"/>
+                </a:cubicBezTo>
+                <a:close/>
+              </a:path>
+              <a:path w="4693598" h="1688123" stroke="0" extrusionOk="0">
+                <a:moveTo>
+                  <a:pt x="0" y="844062"/>
+                </a:moveTo>
+                <a:cubicBezTo>
+                  <a:pt x="210261" y="301894"/>
+                  <a:pt x="1001713" y="48539"/>
+                  <a:pt x="2346799" y="0"/>
+                </a:cubicBezTo>
+                <a:cubicBezTo>
+                  <a:pt x="3610706" y="66523"/>
+                  <a:pt x="4712872" y="387055"/>
+                  <a:pt x="4693598" y="844062"/>
+                </a:cubicBezTo>
+                <a:cubicBezTo>
+                  <a:pt x="4844135" y="1507287"/>
+                  <a:pt x="3826184" y="1823173"/>
+                  <a:pt x="2346799" y="1688124"/>
+                </a:cubicBezTo>
+                <a:cubicBezTo>
+                  <a:pt x="1118802" y="1731098"/>
+                  <a:pt x="9710" y="1282528"/>
+                  <a:pt x="0" y="844062"/>
+                </a:cubicBezTo>
+                <a:close/>
+              </a:path>
+            </a:pathLst>
+          </a:custGeom>
           <a:solidFill>
-            <a:schemeClr val="accent2">
-              <a:lumMod val="20000"/>
-              <a:lumOff val="80000"/>
-            </a:schemeClr>
+            <a:schemeClr val="bg1"/>
           </a:solidFill>
+          <a:ln w="19050">
+            <a:solidFill>
+              <a:schemeClr val="tx1"/>
+            </a:solidFill>
+            <a:extLst>
+              <a:ext uri="{C807C97D-BFC1-408E-A445-0C87EB9F89A2}">
+                <ask:lineSketchStyleProps xmlns:ask="http://schemas.microsoft.com/office/drawing/2018/sketchyshapes" sd="2061786284">
+                  <a:prstGeom prst="ellipse">
+                    <a:avLst/>
+                  </a:prstGeom>
+                  <ask:type>
+                    <ask:lineSketchFreehand/>
+                  </ask:type>
+                </ask:lineSketchStyleProps>
+              </a:ext>
+            </a:extLst>
+          </a:ln>
         </p:spPr>
         <p:style>
           <a:lnRef idx="2">
@@ -6483,6 +10309,7 @@
                 <a:solidFill>
                   <a:schemeClr val="tx1"/>
                 </a:solidFill>
+                <a:latin typeface="Segoe Print" panose="02000600000000000000" pitchFamily="2" charset="0"/>
               </a:rPr>
               <a:t>Formularios.</a:t>
             </a:r>
@@ -6592,7 +10419,7 @@
         </p:nvSpPr>
         <p:spPr>
           <a:xfrm>
-            <a:off x="3891475" y="463598"/>
+            <a:off x="6833457" y="900920"/>
             <a:ext cx="4409049" cy="1325563"/>
           </a:xfrm>
         </p:spPr>
@@ -6604,7 +10431,9 @@
           <a:p>
             <a:pPr algn="ctr"/>
             <a:r>
-              <a:rPr lang="es-AR" sz="5400" b="1" i="1" dirty="0"/>
+              <a:rPr lang="es-AR" sz="5400" b="1" i="1" dirty="0">
+                <a:latin typeface="Segoe Print" panose="02000600000000000000" pitchFamily="2" charset="0"/>
+              </a:rPr>
               <a:t>Historia</a:t>
             </a:r>
           </a:p>
@@ -6623,19 +10452,388 @@
           <p:nvPr/>
         </p:nvSpPr>
         <p:spPr>
-          <a:xfrm>
-            <a:off x="1209822" y="2534749"/>
-            <a:ext cx="4409049" cy="1325563"/>
+          <a:xfrm rot="584737">
+            <a:off x="558358" y="2420013"/>
+            <a:ext cx="5045204" cy="1325563"/>
           </a:xfrm>
-          <a:prstGeom prst="roundRect">
+          <a:custGeom>
             <a:avLst/>
-          </a:prstGeom>
+            <a:gdLst>
+              <a:gd name="connsiteX0" fmla="*/ 0 w 5045204"/>
+              <a:gd name="connsiteY0" fmla="*/ 220932 h 1325563"/>
+              <a:gd name="connsiteX1" fmla="*/ 220932 w 5045204"/>
+              <a:gd name="connsiteY1" fmla="*/ 0 h 1325563"/>
+              <a:gd name="connsiteX2" fmla="*/ 970619 w 5045204"/>
+              <a:gd name="connsiteY2" fmla="*/ 0 h 1325563"/>
+              <a:gd name="connsiteX3" fmla="*/ 1674272 w 5045204"/>
+              <a:gd name="connsiteY3" fmla="*/ 0 h 1325563"/>
+              <a:gd name="connsiteX4" fmla="*/ 2285859 w 5045204"/>
+              <a:gd name="connsiteY4" fmla="*/ 0 h 1325563"/>
+              <a:gd name="connsiteX5" fmla="*/ 2851412 w 5045204"/>
+              <a:gd name="connsiteY5" fmla="*/ 0 h 1325563"/>
+              <a:gd name="connsiteX6" fmla="*/ 3509032 w 5045204"/>
+              <a:gd name="connsiteY6" fmla="*/ 0 h 1325563"/>
+              <a:gd name="connsiteX7" fmla="*/ 4074585 w 5045204"/>
+              <a:gd name="connsiteY7" fmla="*/ 0 h 1325563"/>
+              <a:gd name="connsiteX8" fmla="*/ 4824272 w 5045204"/>
+              <a:gd name="connsiteY8" fmla="*/ 0 h 1325563"/>
+              <a:gd name="connsiteX9" fmla="*/ 5045204 w 5045204"/>
+              <a:gd name="connsiteY9" fmla="*/ 220932 h 1325563"/>
+              <a:gd name="connsiteX10" fmla="*/ 5045204 w 5045204"/>
+              <a:gd name="connsiteY10" fmla="*/ 645108 h 1325563"/>
+              <a:gd name="connsiteX11" fmla="*/ 5045204 w 5045204"/>
+              <a:gd name="connsiteY11" fmla="*/ 1104631 h 1325563"/>
+              <a:gd name="connsiteX12" fmla="*/ 4824272 w 5045204"/>
+              <a:gd name="connsiteY12" fmla="*/ 1325563 h 1325563"/>
+              <a:gd name="connsiteX13" fmla="*/ 4258719 w 5045204"/>
+              <a:gd name="connsiteY13" fmla="*/ 1325563 h 1325563"/>
+              <a:gd name="connsiteX14" fmla="*/ 3739199 w 5045204"/>
+              <a:gd name="connsiteY14" fmla="*/ 1325563 h 1325563"/>
+              <a:gd name="connsiteX15" fmla="*/ 3127612 w 5045204"/>
+              <a:gd name="connsiteY15" fmla="*/ 1325563 h 1325563"/>
+              <a:gd name="connsiteX16" fmla="*/ 2423959 w 5045204"/>
+              <a:gd name="connsiteY16" fmla="*/ 1325563 h 1325563"/>
+              <a:gd name="connsiteX17" fmla="*/ 1674272 w 5045204"/>
+              <a:gd name="connsiteY17" fmla="*/ 1325563 h 1325563"/>
+              <a:gd name="connsiteX18" fmla="*/ 1062686 w 5045204"/>
+              <a:gd name="connsiteY18" fmla="*/ 1325563 h 1325563"/>
+              <a:gd name="connsiteX19" fmla="*/ 220932 w 5045204"/>
+              <a:gd name="connsiteY19" fmla="*/ 1325563 h 1325563"/>
+              <a:gd name="connsiteX20" fmla="*/ 0 w 5045204"/>
+              <a:gd name="connsiteY20" fmla="*/ 1104631 h 1325563"/>
+              <a:gd name="connsiteX21" fmla="*/ 0 w 5045204"/>
+              <a:gd name="connsiteY21" fmla="*/ 662782 h 1325563"/>
+              <a:gd name="connsiteX22" fmla="*/ 0 w 5045204"/>
+              <a:gd name="connsiteY22" fmla="*/ 220932 h 1325563"/>
+            </a:gdLst>
+            <a:ahLst/>
+            <a:cxnLst>
+              <a:cxn ang="0">
+                <a:pos x="connsiteX0" y="connsiteY0"/>
+              </a:cxn>
+              <a:cxn ang="0">
+                <a:pos x="connsiteX1" y="connsiteY1"/>
+              </a:cxn>
+              <a:cxn ang="0">
+                <a:pos x="connsiteX2" y="connsiteY2"/>
+              </a:cxn>
+              <a:cxn ang="0">
+                <a:pos x="connsiteX3" y="connsiteY3"/>
+              </a:cxn>
+              <a:cxn ang="0">
+                <a:pos x="connsiteX4" y="connsiteY4"/>
+              </a:cxn>
+              <a:cxn ang="0">
+                <a:pos x="connsiteX5" y="connsiteY5"/>
+              </a:cxn>
+              <a:cxn ang="0">
+                <a:pos x="connsiteX6" y="connsiteY6"/>
+              </a:cxn>
+              <a:cxn ang="0">
+                <a:pos x="connsiteX7" y="connsiteY7"/>
+              </a:cxn>
+              <a:cxn ang="0">
+                <a:pos x="connsiteX8" y="connsiteY8"/>
+              </a:cxn>
+              <a:cxn ang="0">
+                <a:pos x="connsiteX9" y="connsiteY9"/>
+              </a:cxn>
+              <a:cxn ang="0">
+                <a:pos x="connsiteX10" y="connsiteY10"/>
+              </a:cxn>
+              <a:cxn ang="0">
+                <a:pos x="connsiteX11" y="connsiteY11"/>
+              </a:cxn>
+              <a:cxn ang="0">
+                <a:pos x="connsiteX12" y="connsiteY12"/>
+              </a:cxn>
+              <a:cxn ang="0">
+                <a:pos x="connsiteX13" y="connsiteY13"/>
+              </a:cxn>
+              <a:cxn ang="0">
+                <a:pos x="connsiteX14" y="connsiteY14"/>
+              </a:cxn>
+              <a:cxn ang="0">
+                <a:pos x="connsiteX15" y="connsiteY15"/>
+              </a:cxn>
+              <a:cxn ang="0">
+                <a:pos x="connsiteX16" y="connsiteY16"/>
+              </a:cxn>
+              <a:cxn ang="0">
+                <a:pos x="connsiteX17" y="connsiteY17"/>
+              </a:cxn>
+              <a:cxn ang="0">
+                <a:pos x="connsiteX18" y="connsiteY18"/>
+              </a:cxn>
+              <a:cxn ang="0">
+                <a:pos x="connsiteX19" y="connsiteY19"/>
+              </a:cxn>
+              <a:cxn ang="0">
+                <a:pos x="connsiteX20" y="connsiteY20"/>
+              </a:cxn>
+              <a:cxn ang="0">
+                <a:pos x="connsiteX21" y="connsiteY21"/>
+              </a:cxn>
+              <a:cxn ang="0">
+                <a:pos x="connsiteX22" y="connsiteY22"/>
+              </a:cxn>
+            </a:cxnLst>
+            <a:rect l="l" t="t" r="r" b="b"/>
+            <a:pathLst>
+              <a:path w="5045204" h="1325563" fill="none" extrusionOk="0">
+                <a:moveTo>
+                  <a:pt x="0" y="220932"/>
+                </a:moveTo>
+                <a:cubicBezTo>
+                  <a:pt x="-10497" y="75801"/>
+                  <a:pt x="81892" y="-4559"/>
+                  <a:pt x="220932" y="0"/>
+                </a:cubicBezTo>
+                <a:cubicBezTo>
+                  <a:pt x="469923" y="-23889"/>
+                  <a:pt x="679491" y="12907"/>
+                  <a:pt x="970619" y="0"/>
+                </a:cubicBezTo>
+                <a:cubicBezTo>
+                  <a:pt x="1261747" y="-12907"/>
+                  <a:pt x="1521393" y="-11145"/>
+                  <a:pt x="1674272" y="0"/>
+                </a:cubicBezTo>
+                <a:cubicBezTo>
+                  <a:pt x="1827151" y="11145"/>
+                  <a:pt x="2086419" y="-26822"/>
+                  <a:pt x="2285859" y="0"/>
+                </a:cubicBezTo>
+                <a:cubicBezTo>
+                  <a:pt x="2485299" y="26822"/>
+                  <a:pt x="2703959" y="-4777"/>
+                  <a:pt x="2851412" y="0"/>
+                </a:cubicBezTo>
+                <a:cubicBezTo>
+                  <a:pt x="2998865" y="4777"/>
+                  <a:pt x="3231014" y="22382"/>
+                  <a:pt x="3509032" y="0"/>
+                </a:cubicBezTo>
+                <a:cubicBezTo>
+                  <a:pt x="3787050" y="-22382"/>
+                  <a:pt x="3843446" y="4008"/>
+                  <a:pt x="4074585" y="0"/>
+                </a:cubicBezTo>
+                <a:cubicBezTo>
+                  <a:pt x="4305724" y="-4008"/>
+                  <a:pt x="4617021" y="-5073"/>
+                  <a:pt x="4824272" y="0"/>
+                </a:cubicBezTo>
+                <a:cubicBezTo>
+                  <a:pt x="4937914" y="-13791"/>
+                  <a:pt x="5054792" y="105930"/>
+                  <a:pt x="5045204" y="220932"/>
+                </a:cubicBezTo>
+                <a:cubicBezTo>
+                  <a:pt x="5036318" y="375086"/>
+                  <a:pt x="5028034" y="551966"/>
+                  <a:pt x="5045204" y="645108"/>
+                </a:cubicBezTo>
+                <a:cubicBezTo>
+                  <a:pt x="5062374" y="738250"/>
+                  <a:pt x="5035214" y="934131"/>
+                  <a:pt x="5045204" y="1104631"/>
+                </a:cubicBezTo>
+                <a:cubicBezTo>
+                  <a:pt x="5045674" y="1245643"/>
+                  <a:pt x="4952516" y="1354176"/>
+                  <a:pt x="4824272" y="1325563"/>
+                </a:cubicBezTo>
+                <a:cubicBezTo>
+                  <a:pt x="4614990" y="1328184"/>
+                  <a:pt x="4405023" y="1303688"/>
+                  <a:pt x="4258719" y="1325563"/>
+                </a:cubicBezTo>
+                <a:cubicBezTo>
+                  <a:pt x="4112415" y="1347438"/>
+                  <a:pt x="3877587" y="1316914"/>
+                  <a:pt x="3739199" y="1325563"/>
+                </a:cubicBezTo>
+                <a:cubicBezTo>
+                  <a:pt x="3600811" y="1334212"/>
+                  <a:pt x="3395054" y="1351065"/>
+                  <a:pt x="3127612" y="1325563"/>
+                </a:cubicBezTo>
+                <a:cubicBezTo>
+                  <a:pt x="2860170" y="1300061"/>
+                  <a:pt x="2703395" y="1327646"/>
+                  <a:pt x="2423959" y="1325563"/>
+                </a:cubicBezTo>
+                <a:cubicBezTo>
+                  <a:pt x="2144523" y="1323480"/>
+                  <a:pt x="1923194" y="1299137"/>
+                  <a:pt x="1674272" y="1325563"/>
+                </a:cubicBezTo>
+                <a:cubicBezTo>
+                  <a:pt x="1425350" y="1351989"/>
+                  <a:pt x="1343868" y="1352527"/>
+                  <a:pt x="1062686" y="1325563"/>
+                </a:cubicBezTo>
+                <a:cubicBezTo>
+                  <a:pt x="781504" y="1298599"/>
+                  <a:pt x="474346" y="1310357"/>
+                  <a:pt x="220932" y="1325563"/>
+                </a:cubicBezTo>
+                <a:cubicBezTo>
+                  <a:pt x="82481" y="1302290"/>
+                  <a:pt x="3733" y="1242975"/>
+                  <a:pt x="0" y="1104631"/>
+                </a:cubicBezTo>
+                <a:cubicBezTo>
+                  <a:pt x="17905" y="917386"/>
+                  <a:pt x="-16539" y="847517"/>
+                  <a:pt x="0" y="662782"/>
+                </a:cubicBezTo>
+                <a:cubicBezTo>
+                  <a:pt x="16539" y="478047"/>
+                  <a:pt x="12774" y="344964"/>
+                  <a:pt x="0" y="220932"/>
+                </a:cubicBezTo>
+                <a:close/>
+              </a:path>
+              <a:path w="5045204" h="1325563" stroke="0" extrusionOk="0">
+                <a:moveTo>
+                  <a:pt x="0" y="220932"/>
+                </a:moveTo>
+                <a:cubicBezTo>
+                  <a:pt x="10783" y="104707"/>
+                  <a:pt x="97665" y="2832"/>
+                  <a:pt x="220932" y="0"/>
+                </a:cubicBezTo>
+                <a:cubicBezTo>
+                  <a:pt x="351284" y="-22793"/>
+                  <a:pt x="600963" y="20059"/>
+                  <a:pt x="832519" y="0"/>
+                </a:cubicBezTo>
+                <a:cubicBezTo>
+                  <a:pt x="1064075" y="-20059"/>
+                  <a:pt x="1265036" y="10073"/>
+                  <a:pt x="1490139" y="0"/>
+                </a:cubicBezTo>
+                <a:cubicBezTo>
+                  <a:pt x="1715242" y="-10073"/>
+                  <a:pt x="1834479" y="14883"/>
+                  <a:pt x="2101725" y="0"/>
+                </a:cubicBezTo>
+                <a:cubicBezTo>
+                  <a:pt x="2368971" y="-14883"/>
+                  <a:pt x="2442946" y="-20168"/>
+                  <a:pt x="2713312" y="0"/>
+                </a:cubicBezTo>
+                <a:cubicBezTo>
+                  <a:pt x="2983678" y="20168"/>
+                  <a:pt x="3066200" y="1572"/>
+                  <a:pt x="3278865" y="0"/>
+                </a:cubicBezTo>
+                <a:cubicBezTo>
+                  <a:pt x="3491530" y="-1572"/>
+                  <a:pt x="3613195" y="-11751"/>
+                  <a:pt x="3844418" y="0"/>
+                </a:cubicBezTo>
+                <a:cubicBezTo>
+                  <a:pt x="4075641" y="11751"/>
+                  <a:pt x="4575101" y="11413"/>
+                  <a:pt x="4824272" y="0"/>
+                </a:cubicBezTo>
+                <a:cubicBezTo>
+                  <a:pt x="4944013" y="-4127"/>
+                  <a:pt x="5051789" y="105557"/>
+                  <a:pt x="5045204" y="220932"/>
+                </a:cubicBezTo>
+                <a:cubicBezTo>
+                  <a:pt x="5038843" y="352003"/>
+                  <a:pt x="5062311" y="521764"/>
+                  <a:pt x="5045204" y="671618"/>
+                </a:cubicBezTo>
+                <a:cubicBezTo>
+                  <a:pt x="5028097" y="821472"/>
+                  <a:pt x="5042838" y="991024"/>
+                  <a:pt x="5045204" y="1104631"/>
+                </a:cubicBezTo>
+                <a:cubicBezTo>
+                  <a:pt x="5042759" y="1239809"/>
+                  <a:pt x="4938723" y="1332243"/>
+                  <a:pt x="4824272" y="1325563"/>
+                </a:cubicBezTo>
+                <a:cubicBezTo>
+                  <a:pt x="4550946" y="1302749"/>
+                  <a:pt x="4382792" y="1328010"/>
+                  <a:pt x="4120619" y="1325563"/>
+                </a:cubicBezTo>
+                <a:cubicBezTo>
+                  <a:pt x="3858446" y="1323116"/>
+                  <a:pt x="3643039" y="1335815"/>
+                  <a:pt x="3416965" y="1325563"/>
+                </a:cubicBezTo>
+                <a:cubicBezTo>
+                  <a:pt x="3190891" y="1315311"/>
+                  <a:pt x="2908415" y="1349920"/>
+                  <a:pt x="2713312" y="1325563"/>
+                </a:cubicBezTo>
+                <a:cubicBezTo>
+                  <a:pt x="2518209" y="1301206"/>
+                  <a:pt x="2316837" y="1322933"/>
+                  <a:pt x="2193792" y="1325563"/>
+                </a:cubicBezTo>
+                <a:cubicBezTo>
+                  <a:pt x="2070747" y="1328193"/>
+                  <a:pt x="1828270" y="1331136"/>
+                  <a:pt x="1490139" y="1325563"/>
+                </a:cubicBezTo>
+                <a:cubicBezTo>
+                  <a:pt x="1152008" y="1319990"/>
+                  <a:pt x="1195962" y="1333861"/>
+                  <a:pt x="924585" y="1325563"/>
+                </a:cubicBezTo>
+                <a:cubicBezTo>
+                  <a:pt x="653208" y="1317265"/>
+                  <a:pt x="448733" y="1337815"/>
+                  <a:pt x="220932" y="1325563"/>
+                </a:cubicBezTo>
+                <a:cubicBezTo>
+                  <a:pt x="93103" y="1321382"/>
+                  <a:pt x="10961" y="1252310"/>
+                  <a:pt x="0" y="1104631"/>
+                </a:cubicBezTo>
+                <a:cubicBezTo>
+                  <a:pt x="-7328" y="952566"/>
+                  <a:pt x="-3094" y="804330"/>
+                  <a:pt x="0" y="645108"/>
+                </a:cubicBezTo>
+                <a:cubicBezTo>
+                  <a:pt x="3094" y="485886"/>
+                  <a:pt x="-21014" y="334666"/>
+                  <a:pt x="0" y="220932"/>
+                </a:cubicBezTo>
+                <a:close/>
+              </a:path>
+            </a:pathLst>
+          </a:custGeom>
           <a:solidFill>
-            <a:schemeClr val="accent2">
-              <a:lumMod val="20000"/>
-              <a:lumOff val="80000"/>
-            </a:schemeClr>
+            <a:schemeClr val="bg1"/>
           </a:solidFill>
+          <a:ln w="19050">
+            <a:solidFill>
+              <a:schemeClr val="tx1"/>
+            </a:solidFill>
+            <a:extLst>
+              <a:ext uri="{C807C97D-BFC1-408E-A445-0C87EB9F89A2}">
+                <ask:lineSketchStyleProps xmlns:ask="http://schemas.microsoft.com/office/drawing/2018/sketchyshapes" sd="1145574428">
+                  <a:prstGeom prst="roundRect">
+                    <a:avLst/>
+                  </a:prstGeom>
+                  <ask:type>
+                    <ask:lineSketchFreehand/>
+                  </ask:type>
+                </ask:lineSketchStyleProps>
+              </a:ext>
+            </a:extLst>
+          </a:ln>
         </p:spPr>
         <p:style>
           <a:lnRef idx="2">
@@ -6666,6 +10864,7 @@
                 <a:solidFill>
                   <a:schemeClr val="tx1"/>
                 </a:solidFill>
+                <a:latin typeface="Segoe Script" panose="030B0504020000000003" pitchFamily="66" charset="0"/>
               </a:rPr>
               <a:t>Censo cada 10 años.</a:t>
             </a:r>
@@ -6685,19 +10884,388 @@
           <p:nvPr/>
         </p:nvSpPr>
         <p:spPr>
-          <a:xfrm>
-            <a:off x="6272432" y="4406058"/>
-            <a:ext cx="4618892" cy="1325563"/>
+          <a:xfrm rot="20901172">
+            <a:off x="6563977" y="4578508"/>
+            <a:ext cx="5150943" cy="1325563"/>
           </a:xfrm>
-          <a:prstGeom prst="roundRect">
+          <a:custGeom>
             <a:avLst/>
-          </a:prstGeom>
+            <a:gdLst>
+              <a:gd name="connsiteX0" fmla="*/ 0 w 5150943"/>
+              <a:gd name="connsiteY0" fmla="*/ 220932 h 1325563"/>
+              <a:gd name="connsiteX1" fmla="*/ 220932 w 5150943"/>
+              <a:gd name="connsiteY1" fmla="*/ 0 h 1325563"/>
+              <a:gd name="connsiteX2" fmla="*/ 940748 w 5150943"/>
+              <a:gd name="connsiteY2" fmla="*/ 0 h 1325563"/>
+              <a:gd name="connsiteX3" fmla="*/ 1566383 w 5150943"/>
+              <a:gd name="connsiteY3" fmla="*/ 0 h 1325563"/>
+              <a:gd name="connsiteX4" fmla="*/ 2333290 w 5150943"/>
+              <a:gd name="connsiteY4" fmla="*/ 0 h 1325563"/>
+              <a:gd name="connsiteX5" fmla="*/ 2911834 w 5150943"/>
+              <a:gd name="connsiteY5" fmla="*/ 0 h 1325563"/>
+              <a:gd name="connsiteX6" fmla="*/ 3584560 w 5150943"/>
+              <a:gd name="connsiteY6" fmla="*/ 0 h 1325563"/>
+              <a:gd name="connsiteX7" fmla="*/ 4116013 w 5150943"/>
+              <a:gd name="connsiteY7" fmla="*/ 0 h 1325563"/>
+              <a:gd name="connsiteX8" fmla="*/ 4930011 w 5150943"/>
+              <a:gd name="connsiteY8" fmla="*/ 0 h 1325563"/>
+              <a:gd name="connsiteX9" fmla="*/ 5150943 w 5150943"/>
+              <a:gd name="connsiteY9" fmla="*/ 220932 h 1325563"/>
+              <a:gd name="connsiteX10" fmla="*/ 5150943 w 5150943"/>
+              <a:gd name="connsiteY10" fmla="*/ 645108 h 1325563"/>
+              <a:gd name="connsiteX11" fmla="*/ 5150943 w 5150943"/>
+              <a:gd name="connsiteY11" fmla="*/ 1104631 h 1325563"/>
+              <a:gd name="connsiteX12" fmla="*/ 4930011 w 5150943"/>
+              <a:gd name="connsiteY12" fmla="*/ 1325563 h 1325563"/>
+              <a:gd name="connsiteX13" fmla="*/ 4398558 w 5150943"/>
+              <a:gd name="connsiteY13" fmla="*/ 1325563 h 1325563"/>
+              <a:gd name="connsiteX14" fmla="*/ 3631651 w 5150943"/>
+              <a:gd name="connsiteY14" fmla="*/ 1325563 h 1325563"/>
+              <a:gd name="connsiteX15" fmla="*/ 3100197 w 5150943"/>
+              <a:gd name="connsiteY15" fmla="*/ 1325563 h 1325563"/>
+              <a:gd name="connsiteX16" fmla="*/ 2380381 w 5150943"/>
+              <a:gd name="connsiteY16" fmla="*/ 1325563 h 1325563"/>
+              <a:gd name="connsiteX17" fmla="*/ 1707656 w 5150943"/>
+              <a:gd name="connsiteY17" fmla="*/ 1325563 h 1325563"/>
+              <a:gd name="connsiteX18" fmla="*/ 987839 w 5150943"/>
+              <a:gd name="connsiteY18" fmla="*/ 1325563 h 1325563"/>
+              <a:gd name="connsiteX19" fmla="*/ 220932 w 5150943"/>
+              <a:gd name="connsiteY19" fmla="*/ 1325563 h 1325563"/>
+              <a:gd name="connsiteX20" fmla="*/ 0 w 5150943"/>
+              <a:gd name="connsiteY20" fmla="*/ 1104631 h 1325563"/>
+              <a:gd name="connsiteX21" fmla="*/ 0 w 5150943"/>
+              <a:gd name="connsiteY21" fmla="*/ 653945 h 1325563"/>
+              <a:gd name="connsiteX22" fmla="*/ 0 w 5150943"/>
+              <a:gd name="connsiteY22" fmla="*/ 220932 h 1325563"/>
+            </a:gdLst>
+            <a:ahLst/>
+            <a:cxnLst>
+              <a:cxn ang="0">
+                <a:pos x="connsiteX0" y="connsiteY0"/>
+              </a:cxn>
+              <a:cxn ang="0">
+                <a:pos x="connsiteX1" y="connsiteY1"/>
+              </a:cxn>
+              <a:cxn ang="0">
+                <a:pos x="connsiteX2" y="connsiteY2"/>
+              </a:cxn>
+              <a:cxn ang="0">
+                <a:pos x="connsiteX3" y="connsiteY3"/>
+              </a:cxn>
+              <a:cxn ang="0">
+                <a:pos x="connsiteX4" y="connsiteY4"/>
+              </a:cxn>
+              <a:cxn ang="0">
+                <a:pos x="connsiteX5" y="connsiteY5"/>
+              </a:cxn>
+              <a:cxn ang="0">
+                <a:pos x="connsiteX6" y="connsiteY6"/>
+              </a:cxn>
+              <a:cxn ang="0">
+                <a:pos x="connsiteX7" y="connsiteY7"/>
+              </a:cxn>
+              <a:cxn ang="0">
+                <a:pos x="connsiteX8" y="connsiteY8"/>
+              </a:cxn>
+              <a:cxn ang="0">
+                <a:pos x="connsiteX9" y="connsiteY9"/>
+              </a:cxn>
+              <a:cxn ang="0">
+                <a:pos x="connsiteX10" y="connsiteY10"/>
+              </a:cxn>
+              <a:cxn ang="0">
+                <a:pos x="connsiteX11" y="connsiteY11"/>
+              </a:cxn>
+              <a:cxn ang="0">
+                <a:pos x="connsiteX12" y="connsiteY12"/>
+              </a:cxn>
+              <a:cxn ang="0">
+                <a:pos x="connsiteX13" y="connsiteY13"/>
+              </a:cxn>
+              <a:cxn ang="0">
+                <a:pos x="connsiteX14" y="connsiteY14"/>
+              </a:cxn>
+              <a:cxn ang="0">
+                <a:pos x="connsiteX15" y="connsiteY15"/>
+              </a:cxn>
+              <a:cxn ang="0">
+                <a:pos x="connsiteX16" y="connsiteY16"/>
+              </a:cxn>
+              <a:cxn ang="0">
+                <a:pos x="connsiteX17" y="connsiteY17"/>
+              </a:cxn>
+              <a:cxn ang="0">
+                <a:pos x="connsiteX18" y="connsiteY18"/>
+              </a:cxn>
+              <a:cxn ang="0">
+                <a:pos x="connsiteX19" y="connsiteY19"/>
+              </a:cxn>
+              <a:cxn ang="0">
+                <a:pos x="connsiteX20" y="connsiteY20"/>
+              </a:cxn>
+              <a:cxn ang="0">
+                <a:pos x="connsiteX21" y="connsiteY21"/>
+              </a:cxn>
+              <a:cxn ang="0">
+                <a:pos x="connsiteX22" y="connsiteY22"/>
+              </a:cxn>
+            </a:cxnLst>
+            <a:rect l="l" t="t" r="r" b="b"/>
+            <a:pathLst>
+              <a:path w="5150943" h="1325563" fill="none" extrusionOk="0">
+                <a:moveTo>
+                  <a:pt x="0" y="220932"/>
+                </a:moveTo>
+                <a:cubicBezTo>
+                  <a:pt x="-18779" y="99929"/>
+                  <a:pt x="113710" y="22480"/>
+                  <a:pt x="220932" y="0"/>
+                </a:cubicBezTo>
+                <a:cubicBezTo>
+                  <a:pt x="574371" y="1407"/>
+                  <a:pt x="684553" y="2277"/>
+                  <a:pt x="940748" y="0"/>
+                </a:cubicBezTo>
+                <a:cubicBezTo>
+                  <a:pt x="1196943" y="-2277"/>
+                  <a:pt x="1303510" y="28522"/>
+                  <a:pt x="1566383" y="0"/>
+                </a:cubicBezTo>
+                <a:cubicBezTo>
+                  <a:pt x="1829257" y="-28522"/>
+                  <a:pt x="2006607" y="-25496"/>
+                  <a:pt x="2333290" y="0"/>
+                </a:cubicBezTo>
+                <a:cubicBezTo>
+                  <a:pt x="2659973" y="25496"/>
+                  <a:pt x="2700524" y="-5448"/>
+                  <a:pt x="2911834" y="0"/>
+                </a:cubicBezTo>
+                <a:cubicBezTo>
+                  <a:pt x="3123144" y="5448"/>
+                  <a:pt x="3412865" y="-27464"/>
+                  <a:pt x="3584560" y="0"/>
+                </a:cubicBezTo>
+                <a:cubicBezTo>
+                  <a:pt x="3756255" y="27464"/>
+                  <a:pt x="3965167" y="8001"/>
+                  <a:pt x="4116013" y="0"/>
+                </a:cubicBezTo>
+                <a:cubicBezTo>
+                  <a:pt x="4266859" y="-8001"/>
+                  <a:pt x="4698433" y="-28873"/>
+                  <a:pt x="4930011" y="0"/>
+                </a:cubicBezTo>
+                <a:cubicBezTo>
+                  <a:pt x="5040012" y="10315"/>
+                  <a:pt x="5149958" y="126576"/>
+                  <a:pt x="5150943" y="220932"/>
+                </a:cubicBezTo>
+                <a:cubicBezTo>
+                  <a:pt x="5153810" y="323817"/>
+                  <a:pt x="5158590" y="494041"/>
+                  <a:pt x="5150943" y="645108"/>
+                </a:cubicBezTo>
+                <a:cubicBezTo>
+                  <a:pt x="5143296" y="796175"/>
+                  <a:pt x="5137377" y="880831"/>
+                  <a:pt x="5150943" y="1104631"/>
+                </a:cubicBezTo>
+                <a:cubicBezTo>
+                  <a:pt x="5145986" y="1210693"/>
+                  <a:pt x="5070119" y="1333344"/>
+                  <a:pt x="4930011" y="1325563"/>
+                </a:cubicBezTo>
+                <a:cubicBezTo>
+                  <a:pt x="4757876" y="1345664"/>
+                  <a:pt x="4560421" y="1341853"/>
+                  <a:pt x="4398558" y="1325563"/>
+                </a:cubicBezTo>
+                <a:cubicBezTo>
+                  <a:pt x="4236695" y="1309273"/>
+                  <a:pt x="3962632" y="1318544"/>
+                  <a:pt x="3631651" y="1325563"/>
+                </a:cubicBezTo>
+                <a:cubicBezTo>
+                  <a:pt x="3300670" y="1332582"/>
+                  <a:pt x="3264957" y="1304746"/>
+                  <a:pt x="3100197" y="1325563"/>
+                </a:cubicBezTo>
+                <a:cubicBezTo>
+                  <a:pt x="2935437" y="1346380"/>
+                  <a:pt x="2657590" y="1331849"/>
+                  <a:pt x="2380381" y="1325563"/>
+                </a:cubicBezTo>
+                <a:cubicBezTo>
+                  <a:pt x="2103172" y="1319277"/>
+                  <a:pt x="1843112" y="1351535"/>
+                  <a:pt x="1707656" y="1325563"/>
+                </a:cubicBezTo>
+                <a:cubicBezTo>
+                  <a:pt x="1572200" y="1299591"/>
+                  <a:pt x="1291069" y="1296841"/>
+                  <a:pt x="987839" y="1325563"/>
+                </a:cubicBezTo>
+                <a:cubicBezTo>
+                  <a:pt x="684609" y="1354285"/>
+                  <a:pt x="585032" y="1300983"/>
+                  <a:pt x="220932" y="1325563"/>
+                </a:cubicBezTo>
+                <a:cubicBezTo>
+                  <a:pt x="87884" y="1344262"/>
+                  <a:pt x="2367" y="1224593"/>
+                  <a:pt x="0" y="1104631"/>
+                </a:cubicBezTo>
+                <a:cubicBezTo>
+                  <a:pt x="-22362" y="905191"/>
+                  <a:pt x="7223" y="852384"/>
+                  <a:pt x="0" y="653945"/>
+                </a:cubicBezTo>
+                <a:cubicBezTo>
+                  <a:pt x="-7223" y="455506"/>
+                  <a:pt x="-17636" y="365659"/>
+                  <a:pt x="0" y="220932"/>
+                </a:cubicBezTo>
+                <a:close/>
+              </a:path>
+              <a:path w="5150943" h="1325563" stroke="0" extrusionOk="0">
+                <a:moveTo>
+                  <a:pt x="0" y="220932"/>
+                </a:moveTo>
+                <a:cubicBezTo>
+                  <a:pt x="-11416" y="101302"/>
+                  <a:pt x="99373" y="13156"/>
+                  <a:pt x="220932" y="0"/>
+                </a:cubicBezTo>
+                <a:cubicBezTo>
+                  <a:pt x="475639" y="4981"/>
+                  <a:pt x="506374" y="21105"/>
+                  <a:pt x="752385" y="0"/>
+                </a:cubicBezTo>
+                <a:cubicBezTo>
+                  <a:pt x="998396" y="-21105"/>
+                  <a:pt x="1197661" y="-24263"/>
+                  <a:pt x="1378020" y="0"/>
+                </a:cubicBezTo>
+                <a:cubicBezTo>
+                  <a:pt x="1558379" y="24263"/>
+                  <a:pt x="1818187" y="12922"/>
+                  <a:pt x="2050746" y="0"/>
+                </a:cubicBezTo>
+                <a:cubicBezTo>
+                  <a:pt x="2283305" y="-12922"/>
+                  <a:pt x="2364332" y="-1443"/>
+                  <a:pt x="2629290" y="0"/>
+                </a:cubicBezTo>
+                <a:cubicBezTo>
+                  <a:pt x="2894248" y="1443"/>
+                  <a:pt x="2995317" y="6821"/>
+                  <a:pt x="3207834" y="0"/>
+                </a:cubicBezTo>
+                <a:cubicBezTo>
+                  <a:pt x="3420351" y="-6821"/>
+                  <a:pt x="3707124" y="1173"/>
+                  <a:pt x="3927650" y="0"/>
+                </a:cubicBezTo>
+                <a:cubicBezTo>
+                  <a:pt x="4148176" y="-1173"/>
+                  <a:pt x="4446253" y="-34529"/>
+                  <a:pt x="4930011" y="0"/>
+                </a:cubicBezTo>
+                <a:cubicBezTo>
+                  <a:pt x="5047503" y="2794"/>
+                  <a:pt x="5137600" y="86629"/>
+                  <a:pt x="5150943" y="220932"/>
+                </a:cubicBezTo>
+                <a:cubicBezTo>
+                  <a:pt x="5159478" y="394769"/>
+                  <a:pt x="5150654" y="574902"/>
+                  <a:pt x="5150943" y="671618"/>
+                </a:cubicBezTo>
+                <a:cubicBezTo>
+                  <a:pt x="5151232" y="768334"/>
+                  <a:pt x="5152066" y="892004"/>
+                  <a:pt x="5150943" y="1104631"/>
+                </a:cubicBezTo>
+                <a:cubicBezTo>
+                  <a:pt x="5142517" y="1205418"/>
+                  <a:pt x="5039116" y="1317939"/>
+                  <a:pt x="4930011" y="1325563"/>
+                </a:cubicBezTo>
+                <a:cubicBezTo>
+                  <a:pt x="4783283" y="1337208"/>
+                  <a:pt x="4509419" y="1311984"/>
+                  <a:pt x="4210195" y="1325563"/>
+                </a:cubicBezTo>
+                <a:cubicBezTo>
+                  <a:pt x="3910971" y="1339142"/>
+                  <a:pt x="3712200" y="1306853"/>
+                  <a:pt x="3443287" y="1325563"/>
+                </a:cubicBezTo>
+                <a:cubicBezTo>
+                  <a:pt x="3174374" y="1344273"/>
+                  <a:pt x="3097035" y="1313399"/>
+                  <a:pt x="2911834" y="1325563"/>
+                </a:cubicBezTo>
+                <a:cubicBezTo>
+                  <a:pt x="2726633" y="1337727"/>
+                  <a:pt x="2421384" y="1294697"/>
+                  <a:pt x="2286200" y="1325563"/>
+                </a:cubicBezTo>
+                <a:cubicBezTo>
+                  <a:pt x="2151016" y="1356429"/>
+                  <a:pt x="1945147" y="1350009"/>
+                  <a:pt x="1613474" y="1325563"/>
+                </a:cubicBezTo>
+                <a:cubicBezTo>
+                  <a:pt x="1281801" y="1301117"/>
+                  <a:pt x="1210691" y="1302932"/>
+                  <a:pt x="1082021" y="1325563"/>
+                </a:cubicBezTo>
+                <a:cubicBezTo>
+                  <a:pt x="953351" y="1348194"/>
+                  <a:pt x="401334" y="1310122"/>
+                  <a:pt x="220932" y="1325563"/>
+                </a:cubicBezTo>
+                <a:cubicBezTo>
+                  <a:pt x="99805" y="1340517"/>
+                  <a:pt x="-639" y="1213642"/>
+                  <a:pt x="0" y="1104631"/>
+                </a:cubicBezTo>
+                <a:cubicBezTo>
+                  <a:pt x="18403" y="970486"/>
+                  <a:pt x="12345" y="833371"/>
+                  <a:pt x="0" y="653945"/>
+                </a:cubicBezTo>
+                <a:cubicBezTo>
+                  <a:pt x="-12345" y="474519"/>
+                  <a:pt x="2085" y="418784"/>
+                  <a:pt x="0" y="220932"/>
+                </a:cubicBezTo>
+                <a:close/>
+              </a:path>
+            </a:pathLst>
+          </a:custGeom>
           <a:solidFill>
-            <a:schemeClr val="accent2">
-              <a:lumMod val="20000"/>
-              <a:lumOff val="80000"/>
-            </a:schemeClr>
+            <a:schemeClr val="bg1"/>
           </a:solidFill>
+          <a:ln w="19050">
+            <a:solidFill>
+              <a:schemeClr val="tx1"/>
+            </a:solidFill>
+            <a:extLst>
+              <a:ext uri="{C807C97D-BFC1-408E-A445-0C87EB9F89A2}">
+                <ask:lineSketchStyleProps xmlns:ask="http://schemas.microsoft.com/office/drawing/2018/sketchyshapes" sd="696522520">
+                  <a:prstGeom prst="roundRect">
+                    <a:avLst/>
+                  </a:prstGeom>
+                  <ask:type>
+                    <ask:lineSketchFreehand/>
+                  </ask:type>
+                </ask:lineSketchStyleProps>
+              </a:ext>
+            </a:extLst>
+          </a:ln>
         </p:spPr>
         <p:style>
           <a:lnRef idx="2">
@@ -6728,6 +11296,7 @@
                 <a:solidFill>
                   <a:schemeClr val="tx1"/>
                 </a:solidFill>
+                <a:latin typeface="Segoe Script" panose="030B0504020000000003" pitchFamily="66" charset="0"/>
               </a:rPr>
               <a:t>Segmentación manual.</a:t>
             </a:r>
@@ -6918,7 +11487,9 @@
           <a:p>
             <a:pPr algn="ctr"/>
             <a:r>
-              <a:rPr lang="es-AR" sz="5400" b="1" i="1" dirty="0"/>
+              <a:rPr lang="es-AR" sz="5400" b="1" i="1" dirty="0">
+                <a:latin typeface="Segoe Print" panose="02000600000000000000" pitchFamily="2" charset="0"/>
+              </a:rPr>
               <a:t>Antecedentes</a:t>
             </a:r>
           </a:p>
@@ -6972,8 +11543,8 @@
         </p:nvSpPr>
         <p:spPr>
           <a:xfrm>
-            <a:off x="3060895" y="548005"/>
-            <a:ext cx="6800557" cy="1325563"/>
+            <a:off x="781878" y="548005"/>
+            <a:ext cx="10137913" cy="1325563"/>
           </a:xfrm>
         </p:spPr>
         <p:txBody>
@@ -6983,14 +11554,20 @@
           <a:lstStyle/>
           <a:p>
             <a:r>
-              <a:rPr lang="es-AR" sz="5400" b="1" i="1" dirty="0"/>
+              <a:rPr lang="es-AR" sz="5400" b="1" i="1" dirty="0">
+                <a:latin typeface="Segoe Print" panose="02000600000000000000" pitchFamily="2" charset="0"/>
+              </a:rPr>
               <a:t>Descripción más precisa</a:t>
             </a:r>
             <a:br>
-              <a:rPr lang="es-AR" sz="5400" b="1" i="1" dirty="0"/>
+              <a:rPr lang="es-AR" sz="5400" b="1" i="1" dirty="0">
+                <a:latin typeface="Segoe Print" panose="02000600000000000000" pitchFamily="2" charset="0"/>
+              </a:rPr>
             </a:br>
             <a:r>
-              <a:rPr lang="es-AR" sz="5400" b="1" i="1" dirty="0"/>
+              <a:rPr lang="es-AR" sz="5400" b="1" i="1" dirty="0">
+                <a:latin typeface="Segoe Print" panose="02000600000000000000" pitchFamily="2" charset="0"/>
+              </a:rPr>
               <a:t>y Definiciones.</a:t>
             </a:r>
           </a:p>
@@ -7010,18 +11587,532 @@
         </p:nvSpPr>
         <p:spPr>
           <a:xfrm>
-            <a:off x="576775" y="2222696"/>
-            <a:ext cx="7188591" cy="1463040"/>
+            <a:off x="225287" y="2368470"/>
+            <a:ext cx="8295861" cy="1463040"/>
           </a:xfrm>
-          <a:prstGeom prst="roundRect">
+          <a:custGeom>
             <a:avLst/>
-          </a:prstGeom>
+            <a:gdLst>
+              <a:gd name="connsiteX0" fmla="*/ 0 w 8295861"/>
+              <a:gd name="connsiteY0" fmla="*/ 243845 h 1463040"/>
+              <a:gd name="connsiteX1" fmla="*/ 243845 w 8295861"/>
+              <a:gd name="connsiteY1" fmla="*/ 0 h 1463040"/>
+              <a:gd name="connsiteX2" fmla="*/ 660281 w 8295861"/>
+              <a:gd name="connsiteY2" fmla="*/ 0 h 1463040"/>
+              <a:gd name="connsiteX3" fmla="*/ 1467125 w 8295861"/>
+              <a:gd name="connsiteY3" fmla="*/ 0 h 1463040"/>
+              <a:gd name="connsiteX4" fmla="*/ 2117806 w 8295861"/>
+              <a:gd name="connsiteY4" fmla="*/ 0 h 1463040"/>
+              <a:gd name="connsiteX5" fmla="*/ 2924650 w 8295861"/>
+              <a:gd name="connsiteY5" fmla="*/ 0 h 1463040"/>
+              <a:gd name="connsiteX6" fmla="*/ 3497250 w 8295861"/>
+              <a:gd name="connsiteY6" fmla="*/ 0 h 1463040"/>
+              <a:gd name="connsiteX7" fmla="*/ 4069849 w 8295861"/>
+              <a:gd name="connsiteY7" fmla="*/ 0 h 1463040"/>
+              <a:gd name="connsiteX8" fmla="*/ 4876693 w 8295861"/>
+              <a:gd name="connsiteY8" fmla="*/ 0 h 1463040"/>
+              <a:gd name="connsiteX9" fmla="*/ 5683537 w 8295861"/>
+              <a:gd name="connsiteY9" fmla="*/ 0 h 1463040"/>
+              <a:gd name="connsiteX10" fmla="*/ 6099973 w 8295861"/>
+              <a:gd name="connsiteY10" fmla="*/ 0 h 1463040"/>
+              <a:gd name="connsiteX11" fmla="*/ 6906818 w 8295861"/>
+              <a:gd name="connsiteY11" fmla="*/ 0 h 1463040"/>
+              <a:gd name="connsiteX12" fmla="*/ 8052016 w 8295861"/>
+              <a:gd name="connsiteY12" fmla="*/ 0 h 1463040"/>
+              <a:gd name="connsiteX13" fmla="*/ 8295861 w 8295861"/>
+              <a:gd name="connsiteY13" fmla="*/ 243845 h 1463040"/>
+              <a:gd name="connsiteX14" fmla="*/ 8295861 w 8295861"/>
+              <a:gd name="connsiteY14" fmla="*/ 731520 h 1463040"/>
+              <a:gd name="connsiteX15" fmla="*/ 8295861 w 8295861"/>
+              <a:gd name="connsiteY15" fmla="*/ 1219195 h 1463040"/>
+              <a:gd name="connsiteX16" fmla="*/ 8052016 w 8295861"/>
+              <a:gd name="connsiteY16" fmla="*/ 1463040 h 1463040"/>
+              <a:gd name="connsiteX17" fmla="*/ 7401335 w 8295861"/>
+              <a:gd name="connsiteY17" fmla="*/ 1463040 h 1463040"/>
+              <a:gd name="connsiteX18" fmla="*/ 6750654 w 8295861"/>
+              <a:gd name="connsiteY18" fmla="*/ 1463040 h 1463040"/>
+              <a:gd name="connsiteX19" fmla="*/ 5943810 w 8295861"/>
+              <a:gd name="connsiteY19" fmla="*/ 1463040 h 1463040"/>
+              <a:gd name="connsiteX20" fmla="*/ 5215047 w 8295861"/>
+              <a:gd name="connsiteY20" fmla="*/ 1463040 h 1463040"/>
+              <a:gd name="connsiteX21" fmla="*/ 4564366 w 8295861"/>
+              <a:gd name="connsiteY21" fmla="*/ 1463040 h 1463040"/>
+              <a:gd name="connsiteX22" fmla="*/ 4069849 w 8295861"/>
+              <a:gd name="connsiteY22" fmla="*/ 1463040 h 1463040"/>
+              <a:gd name="connsiteX23" fmla="*/ 3263004 w 8295861"/>
+              <a:gd name="connsiteY23" fmla="*/ 1463040 h 1463040"/>
+              <a:gd name="connsiteX24" fmla="*/ 2612324 w 8295861"/>
+              <a:gd name="connsiteY24" fmla="*/ 1463040 h 1463040"/>
+              <a:gd name="connsiteX25" fmla="*/ 2039724 w 8295861"/>
+              <a:gd name="connsiteY25" fmla="*/ 1463040 h 1463040"/>
+              <a:gd name="connsiteX26" fmla="*/ 1310962 w 8295861"/>
+              <a:gd name="connsiteY26" fmla="*/ 1463040 h 1463040"/>
+              <a:gd name="connsiteX27" fmla="*/ 816444 w 8295861"/>
+              <a:gd name="connsiteY27" fmla="*/ 1463040 h 1463040"/>
+              <a:gd name="connsiteX28" fmla="*/ 243845 w 8295861"/>
+              <a:gd name="connsiteY28" fmla="*/ 1463040 h 1463040"/>
+              <a:gd name="connsiteX29" fmla="*/ 0 w 8295861"/>
+              <a:gd name="connsiteY29" fmla="*/ 1219195 h 1463040"/>
+              <a:gd name="connsiteX30" fmla="*/ 0 w 8295861"/>
+              <a:gd name="connsiteY30" fmla="*/ 712013 h 1463040"/>
+              <a:gd name="connsiteX31" fmla="*/ 0 w 8295861"/>
+              <a:gd name="connsiteY31" fmla="*/ 243845 h 1463040"/>
+            </a:gdLst>
+            <a:ahLst/>
+            <a:cxnLst>
+              <a:cxn ang="0">
+                <a:pos x="connsiteX0" y="connsiteY0"/>
+              </a:cxn>
+              <a:cxn ang="0">
+                <a:pos x="connsiteX1" y="connsiteY1"/>
+              </a:cxn>
+              <a:cxn ang="0">
+                <a:pos x="connsiteX2" y="connsiteY2"/>
+              </a:cxn>
+              <a:cxn ang="0">
+                <a:pos x="connsiteX3" y="connsiteY3"/>
+              </a:cxn>
+              <a:cxn ang="0">
+                <a:pos x="connsiteX4" y="connsiteY4"/>
+              </a:cxn>
+              <a:cxn ang="0">
+                <a:pos x="connsiteX5" y="connsiteY5"/>
+              </a:cxn>
+              <a:cxn ang="0">
+                <a:pos x="connsiteX6" y="connsiteY6"/>
+              </a:cxn>
+              <a:cxn ang="0">
+                <a:pos x="connsiteX7" y="connsiteY7"/>
+              </a:cxn>
+              <a:cxn ang="0">
+                <a:pos x="connsiteX8" y="connsiteY8"/>
+              </a:cxn>
+              <a:cxn ang="0">
+                <a:pos x="connsiteX9" y="connsiteY9"/>
+              </a:cxn>
+              <a:cxn ang="0">
+                <a:pos x="connsiteX10" y="connsiteY10"/>
+              </a:cxn>
+              <a:cxn ang="0">
+                <a:pos x="connsiteX11" y="connsiteY11"/>
+              </a:cxn>
+              <a:cxn ang="0">
+                <a:pos x="connsiteX12" y="connsiteY12"/>
+              </a:cxn>
+              <a:cxn ang="0">
+                <a:pos x="connsiteX13" y="connsiteY13"/>
+              </a:cxn>
+              <a:cxn ang="0">
+                <a:pos x="connsiteX14" y="connsiteY14"/>
+              </a:cxn>
+              <a:cxn ang="0">
+                <a:pos x="connsiteX15" y="connsiteY15"/>
+              </a:cxn>
+              <a:cxn ang="0">
+                <a:pos x="connsiteX16" y="connsiteY16"/>
+              </a:cxn>
+              <a:cxn ang="0">
+                <a:pos x="connsiteX17" y="connsiteY17"/>
+              </a:cxn>
+              <a:cxn ang="0">
+                <a:pos x="connsiteX18" y="connsiteY18"/>
+              </a:cxn>
+              <a:cxn ang="0">
+                <a:pos x="connsiteX19" y="connsiteY19"/>
+              </a:cxn>
+              <a:cxn ang="0">
+                <a:pos x="connsiteX20" y="connsiteY20"/>
+              </a:cxn>
+              <a:cxn ang="0">
+                <a:pos x="connsiteX21" y="connsiteY21"/>
+              </a:cxn>
+              <a:cxn ang="0">
+                <a:pos x="connsiteX22" y="connsiteY22"/>
+              </a:cxn>
+              <a:cxn ang="0">
+                <a:pos x="connsiteX23" y="connsiteY23"/>
+              </a:cxn>
+              <a:cxn ang="0">
+                <a:pos x="connsiteX24" y="connsiteY24"/>
+              </a:cxn>
+              <a:cxn ang="0">
+                <a:pos x="connsiteX25" y="connsiteY25"/>
+              </a:cxn>
+              <a:cxn ang="0">
+                <a:pos x="connsiteX26" y="connsiteY26"/>
+              </a:cxn>
+              <a:cxn ang="0">
+                <a:pos x="connsiteX27" y="connsiteY27"/>
+              </a:cxn>
+              <a:cxn ang="0">
+                <a:pos x="connsiteX28" y="connsiteY28"/>
+              </a:cxn>
+              <a:cxn ang="0">
+                <a:pos x="connsiteX29" y="connsiteY29"/>
+              </a:cxn>
+              <a:cxn ang="0">
+                <a:pos x="connsiteX30" y="connsiteY30"/>
+              </a:cxn>
+              <a:cxn ang="0">
+                <a:pos x="connsiteX31" y="connsiteY31"/>
+              </a:cxn>
+            </a:cxnLst>
+            <a:rect l="l" t="t" r="r" b="b"/>
+            <a:pathLst>
+              <a:path w="8295861" h="1463040" fill="none" extrusionOk="0">
+                <a:moveTo>
+                  <a:pt x="0" y="243845"/>
+                </a:moveTo>
+                <a:cubicBezTo>
+                  <a:pt x="-5334" y="108420"/>
+                  <a:pt x="97570" y="9777"/>
+                  <a:pt x="243845" y="0"/>
+                </a:cubicBezTo>
+                <a:cubicBezTo>
+                  <a:pt x="450405" y="9563"/>
+                  <a:pt x="575308" y="-12555"/>
+                  <a:pt x="660281" y="0"/>
+                </a:cubicBezTo>
+                <a:cubicBezTo>
+                  <a:pt x="745254" y="12555"/>
+                  <a:pt x="1066493" y="21653"/>
+                  <a:pt x="1467125" y="0"/>
+                </a:cubicBezTo>
+                <a:cubicBezTo>
+                  <a:pt x="1867757" y="-21653"/>
+                  <a:pt x="1807704" y="-16791"/>
+                  <a:pt x="2117806" y="0"/>
+                </a:cubicBezTo>
+                <a:cubicBezTo>
+                  <a:pt x="2427908" y="16791"/>
+                  <a:pt x="2710762" y="4908"/>
+                  <a:pt x="2924650" y="0"/>
+                </a:cubicBezTo>
+                <a:cubicBezTo>
+                  <a:pt x="3138538" y="-4908"/>
+                  <a:pt x="3248039" y="-18635"/>
+                  <a:pt x="3497250" y="0"/>
+                </a:cubicBezTo>
+                <a:cubicBezTo>
+                  <a:pt x="3746461" y="18635"/>
+                  <a:pt x="3787787" y="12770"/>
+                  <a:pt x="4069849" y="0"/>
+                </a:cubicBezTo>
+                <a:cubicBezTo>
+                  <a:pt x="4351911" y="-12770"/>
+                  <a:pt x="4480616" y="2955"/>
+                  <a:pt x="4876693" y="0"/>
+                </a:cubicBezTo>
+                <a:cubicBezTo>
+                  <a:pt x="5272770" y="-2955"/>
+                  <a:pt x="5461159" y="14358"/>
+                  <a:pt x="5683537" y="0"/>
+                </a:cubicBezTo>
+                <a:cubicBezTo>
+                  <a:pt x="5905915" y="-14358"/>
+                  <a:pt x="5979162" y="-15829"/>
+                  <a:pt x="6099973" y="0"/>
+                </a:cubicBezTo>
+                <a:cubicBezTo>
+                  <a:pt x="6220784" y="15829"/>
+                  <a:pt x="6609252" y="-7659"/>
+                  <a:pt x="6906818" y="0"/>
+                </a:cubicBezTo>
+                <a:cubicBezTo>
+                  <a:pt x="7204384" y="7659"/>
+                  <a:pt x="7812129" y="36566"/>
+                  <a:pt x="8052016" y="0"/>
+                </a:cubicBezTo>
+                <a:cubicBezTo>
+                  <a:pt x="8168774" y="-14226"/>
+                  <a:pt x="8291959" y="104608"/>
+                  <a:pt x="8295861" y="243845"/>
+                </a:cubicBezTo>
+                <a:cubicBezTo>
+                  <a:pt x="8317188" y="405246"/>
+                  <a:pt x="8301711" y="590733"/>
+                  <a:pt x="8295861" y="731520"/>
+                </a:cubicBezTo>
+                <a:cubicBezTo>
+                  <a:pt x="8290011" y="872308"/>
+                  <a:pt x="8274533" y="1057005"/>
+                  <a:pt x="8295861" y="1219195"/>
+                </a:cubicBezTo>
+                <a:cubicBezTo>
+                  <a:pt x="8298813" y="1340212"/>
+                  <a:pt x="8167892" y="1462135"/>
+                  <a:pt x="8052016" y="1463040"/>
+                </a:cubicBezTo>
+                <a:cubicBezTo>
+                  <a:pt x="7918438" y="1469531"/>
+                  <a:pt x="7720551" y="1468736"/>
+                  <a:pt x="7401335" y="1463040"/>
+                </a:cubicBezTo>
+                <a:cubicBezTo>
+                  <a:pt x="7082119" y="1457344"/>
+                  <a:pt x="6942802" y="1485397"/>
+                  <a:pt x="6750654" y="1463040"/>
+                </a:cubicBezTo>
+                <a:cubicBezTo>
+                  <a:pt x="6558506" y="1440683"/>
+                  <a:pt x="6149554" y="1463071"/>
+                  <a:pt x="5943810" y="1463040"/>
+                </a:cubicBezTo>
+                <a:cubicBezTo>
+                  <a:pt x="5738066" y="1463009"/>
+                  <a:pt x="5390921" y="1482762"/>
+                  <a:pt x="5215047" y="1463040"/>
+                </a:cubicBezTo>
+                <a:cubicBezTo>
+                  <a:pt x="5039173" y="1443318"/>
+                  <a:pt x="4877022" y="1454226"/>
+                  <a:pt x="4564366" y="1463040"/>
+                </a:cubicBezTo>
+                <a:cubicBezTo>
+                  <a:pt x="4251710" y="1471854"/>
+                  <a:pt x="4186447" y="1439716"/>
+                  <a:pt x="4069849" y="1463040"/>
+                </a:cubicBezTo>
+                <a:cubicBezTo>
+                  <a:pt x="3953251" y="1486364"/>
+                  <a:pt x="3602777" y="1424044"/>
+                  <a:pt x="3263004" y="1463040"/>
+                </a:cubicBezTo>
+                <a:cubicBezTo>
+                  <a:pt x="2923231" y="1502036"/>
+                  <a:pt x="2869798" y="1459018"/>
+                  <a:pt x="2612324" y="1463040"/>
+                </a:cubicBezTo>
+                <a:cubicBezTo>
+                  <a:pt x="2354850" y="1467062"/>
+                  <a:pt x="2212953" y="1475569"/>
+                  <a:pt x="2039724" y="1463040"/>
+                </a:cubicBezTo>
+                <a:cubicBezTo>
+                  <a:pt x="1866495" y="1450511"/>
+                  <a:pt x="1554378" y="1428113"/>
+                  <a:pt x="1310962" y="1463040"/>
+                </a:cubicBezTo>
+                <a:cubicBezTo>
+                  <a:pt x="1067546" y="1497967"/>
+                  <a:pt x="966961" y="1469709"/>
+                  <a:pt x="816444" y="1463040"/>
+                </a:cubicBezTo>
+                <a:cubicBezTo>
+                  <a:pt x="665927" y="1456371"/>
+                  <a:pt x="430043" y="1443047"/>
+                  <a:pt x="243845" y="1463040"/>
+                </a:cubicBezTo>
+                <a:cubicBezTo>
+                  <a:pt x="104608" y="1475057"/>
+                  <a:pt x="-11638" y="1340512"/>
+                  <a:pt x="0" y="1219195"/>
+                </a:cubicBezTo>
+                <a:cubicBezTo>
+                  <a:pt x="18592" y="1028317"/>
+                  <a:pt x="19888" y="882823"/>
+                  <a:pt x="0" y="712013"/>
+                </a:cubicBezTo>
+                <a:cubicBezTo>
+                  <a:pt x="-19888" y="541203"/>
+                  <a:pt x="6768" y="423279"/>
+                  <a:pt x="0" y="243845"/>
+                </a:cubicBezTo>
+                <a:close/>
+              </a:path>
+              <a:path w="8295861" h="1463040" stroke="0" extrusionOk="0">
+                <a:moveTo>
+                  <a:pt x="0" y="243845"/>
+                </a:moveTo>
+                <a:cubicBezTo>
+                  <a:pt x="-12084" y="114251"/>
+                  <a:pt x="119778" y="19087"/>
+                  <a:pt x="243845" y="0"/>
+                </a:cubicBezTo>
+                <a:cubicBezTo>
+                  <a:pt x="512611" y="-6815"/>
+                  <a:pt x="613595" y="-13294"/>
+                  <a:pt x="972608" y="0"/>
+                </a:cubicBezTo>
+                <a:cubicBezTo>
+                  <a:pt x="1331621" y="13294"/>
+                  <a:pt x="1188582" y="15790"/>
+                  <a:pt x="1389043" y="0"/>
+                </a:cubicBezTo>
+                <a:cubicBezTo>
+                  <a:pt x="1589505" y="-15790"/>
+                  <a:pt x="1679169" y="7133"/>
+                  <a:pt x="1961643" y="0"/>
+                </a:cubicBezTo>
+                <a:cubicBezTo>
+                  <a:pt x="2244117" y="-7133"/>
+                  <a:pt x="2303302" y="-11911"/>
+                  <a:pt x="2456160" y="0"/>
+                </a:cubicBezTo>
+                <a:cubicBezTo>
+                  <a:pt x="2609018" y="11911"/>
+                  <a:pt x="2796329" y="8759"/>
+                  <a:pt x="2950678" y="0"/>
+                </a:cubicBezTo>
+                <a:cubicBezTo>
+                  <a:pt x="3105027" y="-8759"/>
+                  <a:pt x="3359973" y="1705"/>
+                  <a:pt x="3523277" y="0"/>
+                </a:cubicBezTo>
+                <a:cubicBezTo>
+                  <a:pt x="3686581" y="-1705"/>
+                  <a:pt x="3898196" y="-546"/>
+                  <a:pt x="4095876" y="0"/>
+                </a:cubicBezTo>
+                <a:cubicBezTo>
+                  <a:pt x="4293556" y="546"/>
+                  <a:pt x="4668440" y="4032"/>
+                  <a:pt x="4824639" y="0"/>
+                </a:cubicBezTo>
+                <a:cubicBezTo>
+                  <a:pt x="4980838" y="-4032"/>
+                  <a:pt x="5240147" y="25734"/>
+                  <a:pt x="5397238" y="0"/>
+                </a:cubicBezTo>
+                <a:cubicBezTo>
+                  <a:pt x="5554329" y="-25734"/>
+                  <a:pt x="5995776" y="-4365"/>
+                  <a:pt x="6204082" y="0"/>
+                </a:cubicBezTo>
+                <a:cubicBezTo>
+                  <a:pt x="6412388" y="4365"/>
+                  <a:pt x="6681611" y="11770"/>
+                  <a:pt x="7010927" y="0"/>
+                </a:cubicBezTo>
+                <a:cubicBezTo>
+                  <a:pt x="7340244" y="-11770"/>
+                  <a:pt x="7651604" y="-1402"/>
+                  <a:pt x="8052016" y="0"/>
+                </a:cubicBezTo>
+                <a:cubicBezTo>
+                  <a:pt x="8172314" y="-5880"/>
+                  <a:pt x="8303431" y="135625"/>
+                  <a:pt x="8295861" y="243845"/>
+                </a:cubicBezTo>
+                <a:cubicBezTo>
+                  <a:pt x="8282746" y="468457"/>
+                  <a:pt x="8288108" y="631361"/>
+                  <a:pt x="8295861" y="731520"/>
+                </a:cubicBezTo>
+                <a:cubicBezTo>
+                  <a:pt x="8303614" y="831679"/>
+                  <a:pt x="8300540" y="1023706"/>
+                  <a:pt x="8295861" y="1219195"/>
+                </a:cubicBezTo>
+                <a:cubicBezTo>
+                  <a:pt x="8317316" y="1330478"/>
+                  <a:pt x="8187919" y="1450700"/>
+                  <a:pt x="8052016" y="1463040"/>
+                </a:cubicBezTo>
+                <a:cubicBezTo>
+                  <a:pt x="7922318" y="1453372"/>
+                  <a:pt x="7841200" y="1450254"/>
+                  <a:pt x="7635580" y="1463040"/>
+                </a:cubicBezTo>
+                <a:cubicBezTo>
+                  <a:pt x="7429960" y="1475826"/>
+                  <a:pt x="7328757" y="1451661"/>
+                  <a:pt x="7062981" y="1463040"/>
+                </a:cubicBezTo>
+                <a:cubicBezTo>
+                  <a:pt x="6797205" y="1474419"/>
+                  <a:pt x="6619513" y="1440537"/>
+                  <a:pt x="6412300" y="1463040"/>
+                </a:cubicBezTo>
+                <a:cubicBezTo>
+                  <a:pt x="6205087" y="1485543"/>
+                  <a:pt x="6179163" y="1447978"/>
+                  <a:pt x="5995864" y="1463040"/>
+                </a:cubicBezTo>
+                <a:cubicBezTo>
+                  <a:pt x="5812565" y="1478102"/>
+                  <a:pt x="5583662" y="1452163"/>
+                  <a:pt x="5345183" y="1463040"/>
+                </a:cubicBezTo>
+                <a:cubicBezTo>
+                  <a:pt x="5106704" y="1473917"/>
+                  <a:pt x="4909695" y="1481944"/>
+                  <a:pt x="4772584" y="1463040"/>
+                </a:cubicBezTo>
+                <a:cubicBezTo>
+                  <a:pt x="4635473" y="1444136"/>
+                  <a:pt x="4415233" y="1461099"/>
+                  <a:pt x="4199985" y="1463040"/>
+                </a:cubicBezTo>
+                <a:cubicBezTo>
+                  <a:pt x="3984737" y="1464981"/>
+                  <a:pt x="3890837" y="1438800"/>
+                  <a:pt x="3627386" y="1463040"/>
+                </a:cubicBezTo>
+                <a:cubicBezTo>
+                  <a:pt x="3363935" y="1487280"/>
+                  <a:pt x="3160260" y="1468270"/>
+                  <a:pt x="2820541" y="1463040"/>
+                </a:cubicBezTo>
+                <a:cubicBezTo>
+                  <a:pt x="2480823" y="1457810"/>
+                  <a:pt x="2560203" y="1477981"/>
+                  <a:pt x="2404106" y="1463040"/>
+                </a:cubicBezTo>
+                <a:cubicBezTo>
+                  <a:pt x="2248009" y="1448099"/>
+                  <a:pt x="2011328" y="1449675"/>
+                  <a:pt x="1753425" y="1463040"/>
+                </a:cubicBezTo>
+                <a:cubicBezTo>
+                  <a:pt x="1495522" y="1476405"/>
+                  <a:pt x="1297420" y="1452486"/>
+                  <a:pt x="1102744" y="1463040"/>
+                </a:cubicBezTo>
+                <a:cubicBezTo>
+                  <a:pt x="908068" y="1473594"/>
+                  <a:pt x="480540" y="1460603"/>
+                  <a:pt x="243845" y="1463040"/>
+                </a:cubicBezTo>
+                <a:cubicBezTo>
+                  <a:pt x="110253" y="1485131"/>
+                  <a:pt x="19030" y="1360854"/>
+                  <a:pt x="0" y="1219195"/>
+                </a:cubicBezTo>
+                <a:cubicBezTo>
+                  <a:pt x="-12337" y="1071257"/>
+                  <a:pt x="-18836" y="856423"/>
+                  <a:pt x="0" y="712013"/>
+                </a:cubicBezTo>
+                <a:cubicBezTo>
+                  <a:pt x="18836" y="567603"/>
+                  <a:pt x="-4915" y="437297"/>
+                  <a:pt x="0" y="243845"/>
+                </a:cubicBezTo>
+                <a:close/>
+              </a:path>
+            </a:pathLst>
+          </a:custGeom>
           <a:solidFill>
-            <a:schemeClr val="accent2">
-              <a:lumMod val="20000"/>
-              <a:lumOff val="80000"/>
-            </a:schemeClr>
+            <a:schemeClr val="bg1"/>
           </a:solidFill>
+          <a:ln w="9525">
+            <a:solidFill>
+              <a:schemeClr val="tx1"/>
+            </a:solidFill>
+            <a:extLst>
+              <a:ext uri="{C807C97D-BFC1-408E-A445-0C87EB9F89A2}">
+                <ask:lineSketchStyleProps xmlns:ask="http://schemas.microsoft.com/office/drawing/2018/sketchyshapes" sd="3084354295">
+                  <a:prstGeom prst="roundRect">
+                    <a:avLst/>
+                  </a:prstGeom>
+                  <ask:type>
+                    <ask:lineSketchFreehand/>
+                  </ask:type>
+                </ask:lineSketchStyleProps>
+              </a:ext>
+            </a:extLst>
+          </a:ln>
         </p:spPr>
         <p:style>
           <a:lnRef idx="2">
@@ -7052,6 +12143,7 @@
                 <a:solidFill>
                   <a:schemeClr val="tx1"/>
                 </a:solidFill>
+                <a:latin typeface="Segoe Script" panose="030B0504020000000003" pitchFamily="66" charset="0"/>
               </a:rPr>
               <a:t>Cubrir completamente una zona geográfica (radio)</a:t>
             </a:r>
@@ -7066,6 +12158,7 @@
                 <a:solidFill>
                   <a:schemeClr val="tx1"/>
                 </a:solidFill>
+                <a:latin typeface="Segoe Script" panose="030B0504020000000003" pitchFamily="66" charset="0"/>
               </a:rPr>
               <a:t>Dividiéndola en conjuntos de viviendas (segmentos)</a:t>
             </a:r>
@@ -7086,18 +12179,117 @@
         </p:nvSpPr>
         <p:spPr>
           <a:xfrm rot="21051103">
-            <a:off x="6442425" y="4009145"/>
-            <a:ext cx="5592794" cy="2419644"/>
+            <a:off x="5567771" y="3924188"/>
+            <a:ext cx="6447899" cy="2733967"/>
           </a:xfrm>
-          <a:prstGeom prst="ellipse">
+          <a:custGeom>
             <a:avLst/>
-          </a:prstGeom>
+            <a:gdLst>
+              <a:gd name="connsiteX0" fmla="*/ 0 w 6447899"/>
+              <a:gd name="connsiteY0" fmla="*/ 1366984 h 2733967"/>
+              <a:gd name="connsiteX1" fmla="*/ 3223950 w 6447899"/>
+              <a:gd name="connsiteY1" fmla="*/ 0 h 2733967"/>
+              <a:gd name="connsiteX2" fmla="*/ 6447900 w 6447899"/>
+              <a:gd name="connsiteY2" fmla="*/ 1366984 h 2733967"/>
+              <a:gd name="connsiteX3" fmla="*/ 3223950 w 6447899"/>
+              <a:gd name="connsiteY3" fmla="*/ 2733968 h 2733967"/>
+              <a:gd name="connsiteX4" fmla="*/ 0 w 6447899"/>
+              <a:gd name="connsiteY4" fmla="*/ 1366984 h 2733967"/>
+            </a:gdLst>
+            <a:ahLst/>
+            <a:cxnLst>
+              <a:cxn ang="0">
+                <a:pos x="connsiteX0" y="connsiteY0"/>
+              </a:cxn>
+              <a:cxn ang="0">
+                <a:pos x="connsiteX1" y="connsiteY1"/>
+              </a:cxn>
+              <a:cxn ang="0">
+                <a:pos x="connsiteX2" y="connsiteY2"/>
+              </a:cxn>
+              <a:cxn ang="0">
+                <a:pos x="connsiteX3" y="connsiteY3"/>
+              </a:cxn>
+              <a:cxn ang="0">
+                <a:pos x="connsiteX4" y="connsiteY4"/>
+              </a:cxn>
+            </a:cxnLst>
+            <a:rect l="l" t="t" r="r" b="b"/>
+            <a:pathLst>
+              <a:path w="6447899" h="2733967" fill="none" extrusionOk="0">
+                <a:moveTo>
+                  <a:pt x="0" y="1366984"/>
+                </a:moveTo>
+                <a:cubicBezTo>
+                  <a:pt x="78259" y="693728"/>
+                  <a:pt x="1215136" y="-87701"/>
+                  <a:pt x="3223950" y="0"/>
+                </a:cubicBezTo>
+                <a:cubicBezTo>
+                  <a:pt x="5036093" y="65976"/>
+                  <a:pt x="6493295" y="608435"/>
+                  <a:pt x="6447900" y="1366984"/>
+                </a:cubicBezTo>
+                <a:cubicBezTo>
+                  <a:pt x="6472530" y="2127588"/>
+                  <a:pt x="5126406" y="2616841"/>
+                  <a:pt x="3223950" y="2733968"/>
+                </a:cubicBezTo>
+                <a:cubicBezTo>
+                  <a:pt x="1382636" y="2602926"/>
+                  <a:pt x="-91560" y="2014302"/>
+                  <a:pt x="0" y="1366984"/>
+                </a:cubicBezTo>
+                <a:close/>
+              </a:path>
+              <a:path w="6447899" h="2733967" stroke="0" extrusionOk="0">
+                <a:moveTo>
+                  <a:pt x="0" y="1366984"/>
+                </a:moveTo>
+                <a:cubicBezTo>
+                  <a:pt x="-64380" y="737720"/>
+                  <a:pt x="1473169" y="119664"/>
+                  <a:pt x="3223950" y="0"/>
+                </a:cubicBezTo>
+                <a:cubicBezTo>
+                  <a:pt x="4929304" y="111626"/>
+                  <a:pt x="6443529" y="599676"/>
+                  <a:pt x="6447900" y="1366984"/>
+                </a:cubicBezTo>
+                <a:cubicBezTo>
+                  <a:pt x="6301919" y="2246170"/>
+                  <a:pt x="5083194" y="2733201"/>
+                  <a:pt x="3223950" y="2733968"/>
+                </a:cubicBezTo>
+                <a:cubicBezTo>
+                  <a:pt x="1443297" y="2670075"/>
+                  <a:pt x="3089" y="2107328"/>
+                  <a:pt x="0" y="1366984"/>
+                </a:cubicBezTo>
+                <a:close/>
+              </a:path>
+            </a:pathLst>
+          </a:custGeom>
           <a:solidFill>
-            <a:schemeClr val="accent2">
-              <a:lumMod val="40000"/>
-              <a:lumOff val="60000"/>
-            </a:schemeClr>
+            <a:schemeClr val="bg1"/>
           </a:solidFill>
+          <a:ln w="19050">
+            <a:solidFill>
+              <a:schemeClr val="tx1"/>
+            </a:solidFill>
+            <a:extLst>
+              <a:ext uri="{C807C97D-BFC1-408E-A445-0C87EB9F89A2}">
+                <ask:lineSketchStyleProps xmlns:ask="http://schemas.microsoft.com/office/drawing/2018/sketchyshapes" sd="2917715713">
+                  <a:prstGeom prst="ellipse">
+                    <a:avLst/>
+                  </a:prstGeom>
+                  <ask:type>
+                    <ask:lineSketchCurved/>
+                  </ask:type>
+                </ask:lineSketchStyleProps>
+              </a:ext>
+            </a:extLst>
+          </a:ln>
         </p:spPr>
         <p:style>
           <a:lnRef idx="2">
@@ -7124,6 +12316,7 @@
                 <a:solidFill>
                   <a:schemeClr val="tx1"/>
                 </a:solidFill>
+                <a:latin typeface="Segoe Script" panose="030B0504020000000003" pitchFamily="66" charset="0"/>
               </a:rPr>
               <a:t>Los segmentos deberán tener:</a:t>
             </a:r>
@@ -7133,6 +12326,7 @@
               <a:solidFill>
                 <a:schemeClr val="tx1"/>
               </a:solidFill>
+              <a:latin typeface="Segoe Script" panose="030B0504020000000003" pitchFamily="66" charset="0"/>
             </a:endParaRPr>
           </a:p>
           <a:p>
@@ -7145,6 +12339,7 @@
                 <a:solidFill>
                   <a:schemeClr val="tx1"/>
                 </a:solidFill>
+                <a:latin typeface="Segoe Script" panose="030B0504020000000003" pitchFamily="66" charset="0"/>
               </a:rPr>
               <a:t>Una carga.</a:t>
             </a:r>
@@ -7159,6 +12354,7 @@
                 <a:solidFill>
                   <a:schemeClr val="tx1"/>
                 </a:solidFill>
+                <a:latin typeface="Segoe Script" panose="030B0504020000000003" pitchFamily="66" charset="0"/>
               </a:rPr>
               <a:t>Continuidad.</a:t>
             </a:r>
@@ -7173,6 +12369,7 @@
                 <a:solidFill>
                   <a:schemeClr val="tx1"/>
                 </a:solidFill>
+                <a:latin typeface="Segoe Script" panose="030B0504020000000003" pitchFamily="66" charset="0"/>
               </a:rPr>
               <a:t>Recorrido.</a:t>
             </a:r>
@@ -7189,13 +12386,165 @@
   <p:clrMapOvr>
     <a:masterClrMapping/>
   </p:clrMapOvr>
+  <p:timing>
+    <p:tnLst>
+      <p:par>
+        <p:cTn id="1" dur="indefinite" restart="never" nodeType="tmRoot">
+          <p:childTnLst>
+            <p:seq concurrent="1" nextAc="seek">
+              <p:cTn id="2" dur="indefinite" nodeType="mainSeq">
+                <p:childTnLst>
+                  <p:par>
+                    <p:cTn id="3" fill="hold">
+                      <p:stCondLst>
+                        <p:cond delay="indefinite"/>
+                      </p:stCondLst>
+                      <p:childTnLst>
+                        <p:par>
+                          <p:cTn id="4" fill="hold">
+                            <p:stCondLst>
+                              <p:cond delay="0"/>
+                            </p:stCondLst>
+                            <p:childTnLst>
+                              <p:par>
+                                <p:cTn id="5" presetID="1" presetClass="entr" presetSubtype="0" fill="hold" grpId="0" nodeType="clickEffect">
+                                  <p:stCondLst>
+                                    <p:cond delay="0"/>
+                                  </p:stCondLst>
+                                  <p:childTnLst>
+                                    <p:set>
+                                      <p:cBhvr>
+                                        <p:cTn id="6" dur="1" fill="hold">
+                                          <p:stCondLst>
+                                            <p:cond delay="0"/>
+                                          </p:stCondLst>
+                                        </p:cTn>
+                                        <p:tgtEl>
+                                          <p:spTgt spid="2"/>
+                                        </p:tgtEl>
+                                        <p:attrNameLst>
+                                          <p:attrName>style.visibility</p:attrName>
+                                        </p:attrNameLst>
+                                      </p:cBhvr>
+                                      <p:to>
+                                        <p:strVal val="visible"/>
+                                      </p:to>
+                                    </p:set>
+                                  </p:childTnLst>
+                                </p:cTn>
+                              </p:par>
+                            </p:childTnLst>
+                          </p:cTn>
+                        </p:par>
+                      </p:childTnLst>
+                    </p:cTn>
+                  </p:par>
+                  <p:par>
+                    <p:cTn id="7" fill="hold">
+                      <p:stCondLst>
+                        <p:cond delay="indefinite"/>
+                      </p:stCondLst>
+                      <p:childTnLst>
+                        <p:par>
+                          <p:cTn id="8" fill="hold">
+                            <p:stCondLst>
+                              <p:cond delay="0"/>
+                            </p:stCondLst>
+                            <p:childTnLst>
+                              <p:par>
+                                <p:cTn id="9" presetID="1" presetClass="entr" presetSubtype="0" fill="hold" grpId="0" nodeType="clickEffect">
+                                  <p:stCondLst>
+                                    <p:cond delay="0"/>
+                                  </p:stCondLst>
+                                  <p:childTnLst>
+                                    <p:set>
+                                      <p:cBhvr>
+                                        <p:cTn id="10" dur="1" fill="hold">
+                                          <p:stCondLst>
+                                            <p:cond delay="0"/>
+                                          </p:stCondLst>
+                                        </p:cTn>
+                                        <p:tgtEl>
+                                          <p:spTgt spid="3"/>
+                                        </p:tgtEl>
+                                        <p:attrNameLst>
+                                          <p:attrName>style.visibility</p:attrName>
+                                        </p:attrNameLst>
+                                      </p:cBhvr>
+                                      <p:to>
+                                        <p:strVal val="visible"/>
+                                      </p:to>
+                                    </p:set>
+                                  </p:childTnLst>
+                                </p:cTn>
+                              </p:par>
+                              <p:par>
+                                <p:cTn id="11" presetID="1" presetClass="entr" presetSubtype="0" fill="hold" grpId="0" nodeType="withEffect">
+                                  <p:stCondLst>
+                                    <p:cond delay="0"/>
+                                  </p:stCondLst>
+                                  <p:childTnLst>
+                                    <p:set>
+                                      <p:cBhvr>
+                                        <p:cTn id="12" dur="1" fill="hold">
+                                          <p:stCondLst>
+                                            <p:cond delay="0"/>
+                                          </p:stCondLst>
+                                        </p:cTn>
+                                        <p:tgtEl>
+                                          <p:spTgt spid="4"/>
+                                        </p:tgtEl>
+                                        <p:attrNameLst>
+                                          <p:attrName>style.visibility</p:attrName>
+                                        </p:attrNameLst>
+                                      </p:cBhvr>
+                                      <p:to>
+                                        <p:strVal val="visible"/>
+                                      </p:to>
+                                    </p:set>
+                                  </p:childTnLst>
+                                </p:cTn>
+                              </p:par>
+                            </p:childTnLst>
+                          </p:cTn>
+                        </p:par>
+                      </p:childTnLst>
+                    </p:cTn>
+                  </p:par>
+                </p:childTnLst>
+              </p:cTn>
+              <p:prevCondLst>
+                <p:cond evt="onPrev" delay="0">
+                  <p:tgtEl>
+                    <p:sldTgt/>
+                  </p:tgtEl>
+                </p:cond>
+              </p:prevCondLst>
+              <p:nextCondLst>
+                <p:cond evt="onNext" delay="0">
+                  <p:tgtEl>
+                    <p:sldTgt/>
+                  </p:tgtEl>
+                </p:cond>
+              </p:nextCondLst>
+            </p:seq>
+          </p:childTnLst>
+        </p:cTn>
+      </p:par>
+    </p:tnLst>
+    <p:bldLst>
+      <p:bldP spid="2" grpId="0"/>
+      <p:bldP spid="3" grpId="0" animBg="1"/>
+      <p:bldP spid="4" grpId="0" animBg="1"/>
+    </p:bldLst>
+  </p:timing>
 </p:sld>
 </file>
 
 <file path=ppt/theme/theme1.xml><?xml version="1.0" encoding="utf-8"?>
-<a:theme xmlns:a="http://schemas.openxmlformats.org/drawingml/2006/main" name="Tema de Office">
+<a:theme xmlns:a="http://schemas.openxmlformats.org/drawingml/2006/main" name="Office Theme">
   <a:themeElements>
-    <a:clrScheme name="Office">
+    <a:clrScheme name="Tema de Office">
       <a:dk1>
         <a:sysClr val="windowText" lastClr="000000"/>
       </a:dk1>
@@ -7209,22 +12558,22 @@
         <a:srgbClr val="E7E6E6"/>
       </a:lt2>
       <a:accent1>
-        <a:srgbClr val="4472C4"/>
+        <a:srgbClr val="1D9A78"/>
       </a:accent1>
       <a:accent2>
-        <a:srgbClr val="ED7D31"/>
+        <a:srgbClr val="8BC145"/>
       </a:accent2>
       <a:accent3>
-        <a:srgbClr val="A5A5A5"/>
+        <a:srgbClr val="36AFCE"/>
       </a:accent3>
       <a:accent4>
-        <a:srgbClr val="FFC000"/>
+        <a:srgbClr val="1D6FA9"/>
       </a:accent4>
       <a:accent5>
-        <a:srgbClr val="5B9BD5"/>
+        <a:srgbClr val="B74919"/>
       </a:accent5>
       <a:accent6>
-        <a:srgbClr val="70AD47"/>
+        <a:srgbClr val="F19D19"/>
       </a:accent6>
       <a:hlink>
         <a:srgbClr val="0563C1"/>
@@ -7233,7 +12582,7 @@
         <a:srgbClr val="954F72"/>
       </a:folHlink>
     </a:clrScheme>
-    <a:fontScheme name="Office">
+    <a:fontScheme name="Tema de Office">
       <a:majorFont>
         <a:latin typeface="Calibri Light" panose="020F0302020204030204"/>
         <a:ea typeface=""/>
@@ -7268,23 +12617,6 @@
         <a:font script="Viet" typeface="Times New Roman"/>
         <a:font script="Uigh" typeface="Microsoft Uighur"/>
         <a:font script="Geor" typeface="Sylfaen"/>
-        <a:font script="Armn" typeface="Arial"/>
-        <a:font script="Bugi" typeface="Leelawadee UI"/>
-        <a:font script="Bopo" typeface="Microsoft JhengHei"/>
-        <a:font script="Java" typeface="Javanese Text"/>
-        <a:font script="Lisu" typeface="Segoe UI"/>
-        <a:font script="Mymr" typeface="Myanmar Text"/>
-        <a:font script="Nkoo" typeface="Ebrima"/>
-        <a:font script="Olck" typeface="Nirmala UI"/>
-        <a:font script="Osma" typeface="Ebrima"/>
-        <a:font script="Phag" typeface="Phagspa"/>
-        <a:font script="Syrn" typeface="Estrangelo Edessa"/>
-        <a:font script="Syrj" typeface="Estrangelo Edessa"/>
-        <a:font script="Syre" typeface="Estrangelo Edessa"/>
-        <a:font script="Sora" typeface="Nirmala UI"/>
-        <a:font script="Tale" typeface="Microsoft Tai Le"/>
-        <a:font script="Talu" typeface="Microsoft New Tai Lue"/>
-        <a:font script="Tfng" typeface="Ebrima"/>
       </a:majorFont>
       <a:minorFont>
         <a:latin typeface="Calibri" panose="020F0502020204030204"/>
@@ -7320,26 +12652,9 @@
         <a:font script="Viet" typeface="Arial"/>
         <a:font script="Uigh" typeface="Microsoft Uighur"/>
         <a:font script="Geor" typeface="Sylfaen"/>
-        <a:font script="Armn" typeface="Arial"/>
-        <a:font script="Bugi" typeface="Leelawadee UI"/>
-        <a:font script="Bopo" typeface="Microsoft JhengHei"/>
-        <a:font script="Java" typeface="Javanese Text"/>
-        <a:font script="Lisu" typeface="Segoe UI"/>
-        <a:font script="Mymr" typeface="Myanmar Text"/>
-        <a:font script="Nkoo" typeface="Ebrima"/>
-        <a:font script="Olck" typeface="Nirmala UI"/>
-        <a:font script="Osma" typeface="Ebrima"/>
-        <a:font script="Phag" typeface="Phagspa"/>
-        <a:font script="Syrn" typeface="Estrangelo Edessa"/>
-        <a:font script="Syrj" typeface="Estrangelo Edessa"/>
-        <a:font script="Syre" typeface="Estrangelo Edessa"/>
-        <a:font script="Sora" typeface="Nirmala UI"/>
-        <a:font script="Tale" typeface="Microsoft Tai Le"/>
-        <a:font script="Talu" typeface="Microsoft New Tai Lue"/>
-        <a:font script="Tfng" typeface="Ebrima"/>
       </a:minorFont>
     </a:fontScheme>
-    <a:fmtScheme name="Office">
+    <a:fmtScheme name="Tema de Office">
       <a:fillStyleLst>
         <a:solidFill>
           <a:schemeClr val="phClr"/>
@@ -7481,7 +12796,7 @@
   <a:extraClrSchemeLst/>
   <a:extLst>
     <a:ext uri="{05A4C25C-085E-4340-85A3-A5531E510DB2}">
-      <thm15:themeFamily xmlns:thm15="http://schemas.microsoft.com/office/thememl/2012/main" name="Office Theme" id="{62F939B6-93AF-4DB8-9C6B-D6C7DFDC589F}" vid="{4A3C46E8-61CC-4603-A589-7422A47A8E4A}"/>
+      <thm15:themeFamily xmlns:thm15="http://schemas.microsoft.com/office/thememl/2012/main" name="Office Theme" id="{62F939B6-93AF-4DB8-9C6B-D6C7DFDC589F}" vid="{AE6F2518-B084-4896-AF52-66CC2144AA26}"/>
     </a:ext>
   </a:extLst>
 </a:theme>

--- a/Censo Nacional de Población, Hogares y Viviendas.pptx
+++ b/Censo Nacional de Población, Hogares y Viviendas.pptx
@@ -10,13 +10,20 @@
     <p:sldId id="258" r:id="rId4"/>
     <p:sldId id="259" r:id="rId5"/>
     <p:sldId id="260" r:id="rId6"/>
-    <p:sldId id="261" r:id="rId7"/>
-    <p:sldId id="262" r:id="rId8"/>
-    <p:sldId id="263" r:id="rId9"/>
-    <p:sldId id="264" r:id="rId10"/>
-    <p:sldId id="265" r:id="rId11"/>
-    <p:sldId id="266" r:id="rId12"/>
-    <p:sldId id="267" r:id="rId13"/>
+    <p:sldId id="262" r:id="rId7"/>
+    <p:sldId id="263" r:id="rId8"/>
+    <p:sldId id="264" r:id="rId9"/>
+    <p:sldId id="265" r:id="rId10"/>
+    <p:sldId id="266" r:id="rId11"/>
+    <p:sldId id="273" r:id="rId12"/>
+    <p:sldId id="276" r:id="rId13"/>
+    <p:sldId id="274" r:id="rId14"/>
+    <p:sldId id="275" r:id="rId15"/>
+    <p:sldId id="272" r:id="rId16"/>
+    <p:sldId id="277" r:id="rId17"/>
+    <p:sldId id="278" r:id="rId18"/>
+    <p:sldId id="279" r:id="rId19"/>
+    <p:sldId id="267" r:id="rId20"/>
   </p:sldIdLst>
   <p:sldSz cx="12192000" cy="6858000"/>
   <p:notesSz cx="6858000" cy="9144000"/>
@@ -138,7 +145,7 @@
 <file path=ppt/revisionInfo.xml><?xml version="1.0" encoding="utf-8"?>
 <p1510:revInfo xmlns:a="http://schemas.openxmlformats.org/drawingml/2006/main" xmlns:r="http://schemas.openxmlformats.org/officeDocument/2006/relationships" xmlns:p1510="http://schemas.microsoft.com/office/powerpoint/2015/10/main">
   <p1510:revLst>
-    <p1510:client id="{0ACE6762-BEC4-424F-AA07-B2B8DE7B0D67}" v="140" dt="2020-07-09T00:43:41.298"/>
+    <p1510:client id="{0ACE6762-BEC4-424F-AA07-B2B8DE7B0D67}" v="171" dt="2020-07-13T21:59:53.812"/>
   </p1510:revLst>
 </p1510:revInfo>
 </file>
@@ -147,8 +154,8 @@
 <pc:chgInfo xmlns:a="http://schemas.openxmlformats.org/drawingml/2006/main" xmlns:r="http://schemas.openxmlformats.org/officeDocument/2006/relationships" xmlns:ac="http://schemas.microsoft.com/office/drawing/2013/main/command" xmlns:pc="http://schemas.microsoft.com/office/powerpoint/2013/main/command">
   <pc:docChgLst>
     <pc:chgData name="Hernan Alperin" userId="53934dd3a01d9526" providerId="LiveId" clId="{0ACE6762-BEC4-424F-AA07-B2B8DE7B0D67}"/>
-    <pc:docChg chg="undo custSel mod addSld modSld">
-      <pc:chgData name="Hernan Alperin" userId="53934dd3a01d9526" providerId="LiveId" clId="{0ACE6762-BEC4-424F-AA07-B2B8DE7B0D67}" dt="2020-07-09T00:43:41.298" v="609"/>
+    <pc:docChg chg="undo custSel mod addSld delSld modSld sldOrd">
+      <pc:chgData name="Hernan Alperin" userId="53934dd3a01d9526" providerId="LiveId" clId="{0ACE6762-BEC4-424F-AA07-B2B8DE7B0D67}" dt="2020-07-31T01:22:28.168" v="1102" actId="1076"/>
       <pc:docMkLst>
         <pc:docMk/>
       </pc:docMkLst>
@@ -768,7 +775,7 @@
         </pc:cxnChg>
       </pc:sldChg>
       <pc:sldChg chg="addSp delSp modSp mod setBg modAnim">
-        <pc:chgData name="Hernan Alperin" userId="53934dd3a01d9526" providerId="LiveId" clId="{0ACE6762-BEC4-424F-AA07-B2B8DE7B0D67}" dt="2020-07-08T21:44:28.619" v="532" actId="1076"/>
+        <pc:chgData name="Hernan Alperin" userId="53934dd3a01d9526" providerId="LiveId" clId="{0ACE6762-BEC4-424F-AA07-B2B8DE7B0D67}" dt="2020-07-13T21:59:53.812" v="837" actId="20577"/>
         <pc:sldMkLst>
           <pc:docMk/>
           <pc:sldMk cId="3177965585" sldId="257"/>
@@ -822,7 +829,7 @@
           </ac:spMkLst>
         </pc:spChg>
         <pc:spChg chg="mod">
-          <ac:chgData name="Hernan Alperin" userId="53934dd3a01d9526" providerId="LiveId" clId="{0ACE6762-BEC4-424F-AA07-B2B8DE7B0D67}" dt="2020-07-08T21:43:43.818" v="528" actId="1076"/>
+          <ac:chgData name="Hernan Alperin" userId="53934dd3a01d9526" providerId="LiveId" clId="{0ACE6762-BEC4-424F-AA07-B2B8DE7B0D67}" dt="2020-07-13T21:59:53.812" v="837" actId="20577"/>
           <ac:spMkLst>
             <pc:docMk/>
             <pc:sldMk cId="3177965585" sldId="257"/>
@@ -1099,8 +1106,8 @@
           </ac:spMkLst>
         </pc:spChg>
       </pc:sldChg>
-      <pc:sldChg chg="modSp">
-        <pc:chgData name="Hernan Alperin" userId="53934dd3a01d9526" providerId="LiveId" clId="{0ACE6762-BEC4-424F-AA07-B2B8DE7B0D67}" dt="2020-07-08T20:45:51.782" v="260"/>
+      <pc:sldChg chg="modSp del">
+        <pc:chgData name="Hernan Alperin" userId="53934dd3a01d9526" providerId="LiveId" clId="{0ACE6762-BEC4-424F-AA07-B2B8DE7B0D67}" dt="2020-07-30T23:45:47.138" v="838" actId="2696"/>
         <pc:sldMkLst>
           <pc:docMk/>
           <pc:sldMk cId="2013699600" sldId="261"/>
@@ -1192,13 +1199,13 @@
         </pc:spChg>
       </pc:sldChg>
       <pc:sldChg chg="modSp mod">
-        <pc:chgData name="Hernan Alperin" userId="53934dd3a01d9526" providerId="LiveId" clId="{0ACE6762-BEC4-424F-AA07-B2B8DE7B0D67}" dt="2020-07-08T21:40:37.973" v="490" actId="114"/>
+        <pc:chgData name="Hernan Alperin" userId="53934dd3a01d9526" providerId="LiveId" clId="{0ACE6762-BEC4-424F-AA07-B2B8DE7B0D67}" dt="2020-07-13T14:31:14.496" v="785" actId="114"/>
         <pc:sldMkLst>
           <pc:docMk/>
           <pc:sldMk cId="59448841" sldId="265"/>
         </pc:sldMkLst>
         <pc:spChg chg="mod">
-          <ac:chgData name="Hernan Alperin" userId="53934dd3a01d9526" providerId="LiveId" clId="{0ACE6762-BEC4-424F-AA07-B2B8DE7B0D67}" dt="2020-07-08T21:39:13.185" v="482" actId="27636"/>
+          <ac:chgData name="Hernan Alperin" userId="53934dd3a01d9526" providerId="LiveId" clId="{0ACE6762-BEC4-424F-AA07-B2B8DE7B0D67}" dt="2020-07-13T14:31:14.496" v="785" actId="114"/>
           <ac:spMkLst>
             <pc:docMk/>
             <pc:sldMk cId="59448841" sldId="265"/>
@@ -1206,7 +1213,7 @@
           </ac:spMkLst>
         </pc:spChg>
         <pc:spChg chg="mod">
-          <ac:chgData name="Hernan Alperin" userId="53934dd3a01d9526" providerId="LiveId" clId="{0ACE6762-BEC4-424F-AA07-B2B8DE7B0D67}" dt="2020-07-08T21:39:21.655" v="483" actId="2711"/>
+          <ac:chgData name="Hernan Alperin" userId="53934dd3a01d9526" providerId="LiveId" clId="{0ACE6762-BEC4-424F-AA07-B2B8DE7B0D67}" dt="2020-07-13T11:53:19.887" v="722" actId="1076"/>
           <ac:spMkLst>
             <pc:docMk/>
             <pc:sldMk cId="59448841" sldId="265"/>
@@ -1223,13 +1230,13 @@
         </pc:spChg>
       </pc:sldChg>
       <pc:sldChg chg="modSp mod">
-        <pc:chgData name="Hernan Alperin" userId="53934dd3a01d9526" providerId="LiveId" clId="{0ACE6762-BEC4-424F-AA07-B2B8DE7B0D67}" dt="2020-07-08T21:48:38.234" v="545" actId="2711"/>
+        <pc:chgData name="Hernan Alperin" userId="53934dd3a01d9526" providerId="LiveId" clId="{0ACE6762-BEC4-424F-AA07-B2B8DE7B0D67}" dt="2020-07-13T14:31:07.256" v="784" actId="114"/>
         <pc:sldMkLst>
           <pc:docMk/>
           <pc:sldMk cId="643338633" sldId="266"/>
         </pc:sldMkLst>
         <pc:spChg chg="mod">
-          <ac:chgData name="Hernan Alperin" userId="53934dd3a01d9526" providerId="LiveId" clId="{0ACE6762-BEC4-424F-AA07-B2B8DE7B0D67}" dt="2020-07-08T21:48:24.583" v="544" actId="2711"/>
+          <ac:chgData name="Hernan Alperin" userId="53934dd3a01d9526" providerId="LiveId" clId="{0ACE6762-BEC4-424F-AA07-B2B8DE7B0D67}" dt="2020-07-13T14:31:07.256" v="784" actId="114"/>
           <ac:spMkLst>
             <pc:docMk/>
             <pc:sldMk cId="643338633" sldId="266"/>
@@ -1245,7 +1252,7 @@
           </ac:spMkLst>
         </pc:spChg>
         <pc:spChg chg="mod">
-          <ac:chgData name="Hernan Alperin" userId="53934dd3a01d9526" providerId="LiveId" clId="{0ACE6762-BEC4-424F-AA07-B2B8DE7B0D67}" dt="2020-07-08T20:57:01.131" v="323"/>
+          <ac:chgData name="Hernan Alperin" userId="53934dd3a01d9526" providerId="LiveId" clId="{0ACE6762-BEC4-424F-AA07-B2B8DE7B0D67}" dt="2020-07-13T11:52:15.998" v="720" actId="1076"/>
           <ac:spMkLst>
             <pc:docMk/>
             <pc:sldMk cId="643338633" sldId="266"/>
@@ -1253,14 +1260,14 @@
           </ac:spMkLst>
         </pc:spChg>
       </pc:sldChg>
-      <pc:sldChg chg="addSp modSp new mod">
-        <pc:chgData name="Hernan Alperin" userId="53934dd3a01d9526" providerId="LiveId" clId="{0ACE6762-BEC4-424F-AA07-B2B8DE7B0D67}" dt="2020-07-09T00:43:41.298" v="609"/>
+      <pc:sldChg chg="addSp delSp modSp new mod">
+        <pc:chgData name="Hernan Alperin" userId="53934dd3a01d9526" providerId="LiveId" clId="{0ACE6762-BEC4-424F-AA07-B2B8DE7B0D67}" dt="2020-07-09T02:32:22.620" v="653" actId="1076"/>
         <pc:sldMkLst>
           <pc:docMk/>
           <pc:sldMk cId="3133358121" sldId="267"/>
         </pc:sldMkLst>
         <pc:spChg chg="mod">
-          <ac:chgData name="Hernan Alperin" userId="53934dd3a01d9526" providerId="LiveId" clId="{0ACE6762-BEC4-424F-AA07-B2B8DE7B0D67}" dt="2020-07-09T00:43:41.298" v="609"/>
+          <ac:chgData name="Hernan Alperin" userId="53934dd3a01d9526" providerId="LiveId" clId="{0ACE6762-BEC4-424F-AA07-B2B8DE7B0D67}" dt="2020-07-09T02:32:05.340" v="643" actId="368"/>
           <ac:spMkLst>
             <pc:docMk/>
             <pc:sldMk cId="3133358121" sldId="267"/>
@@ -1275,7 +1282,532 @@
             <ac:spMk id="3" creationId="{94B2457D-889F-4629-8DA1-06A3DFA168A3}"/>
           </ac:spMkLst>
         </pc:spChg>
+        <pc:picChg chg="del mod">
+          <ac:chgData name="Hernan Alperin" userId="53934dd3a01d9526" providerId="LiveId" clId="{0ACE6762-BEC4-424F-AA07-B2B8DE7B0D67}" dt="2020-07-09T02:25:02.145" v="630" actId="478"/>
+          <ac:picMkLst>
+            <pc:docMk/>
+            <pc:sldMk cId="3133358121" sldId="267"/>
+            <ac:picMk id="5" creationId="{B9BD60C3-2632-4C0C-8275-16A796C92ECB}"/>
+          </ac:picMkLst>
+        </pc:picChg>
+        <pc:picChg chg="del mod">
+          <ac:chgData name="Hernan Alperin" userId="53934dd3a01d9526" providerId="LiveId" clId="{0ACE6762-BEC4-424F-AA07-B2B8DE7B0D67}" dt="2020-07-09T02:32:19.987" v="652" actId="478"/>
+          <ac:picMkLst>
+            <pc:docMk/>
+            <pc:sldMk cId="3133358121" sldId="267"/>
+            <ac:picMk id="7" creationId="{40F39315-2C2C-4D29-AF33-69906F02FA77}"/>
+          </ac:picMkLst>
+        </pc:picChg>
+        <pc:picChg chg="mod">
+          <ac:chgData name="Hernan Alperin" userId="53934dd3a01d9526" providerId="LiveId" clId="{0ACE6762-BEC4-424F-AA07-B2B8DE7B0D67}" dt="2020-07-09T02:32:22.620" v="653" actId="1076"/>
+          <ac:picMkLst>
+            <pc:docMk/>
+            <pc:sldMk cId="3133358121" sldId="267"/>
+            <ac:picMk id="9" creationId="{999F2EA5-F51A-4561-93D6-1BDDB36B6830}"/>
+          </ac:picMkLst>
+        </pc:picChg>
       </pc:sldChg>
+      <pc:sldChg chg="new del">
+        <pc:chgData name="Hernan Alperin" userId="53934dd3a01d9526" providerId="LiveId" clId="{0ACE6762-BEC4-424F-AA07-B2B8DE7B0D67}" dt="2020-07-30T23:46:26.617" v="839" actId="2696"/>
+        <pc:sldMkLst>
+          <pc:docMk/>
+          <pc:sldMk cId="947570110" sldId="268"/>
+        </pc:sldMkLst>
+      </pc:sldChg>
+      <pc:sldChg chg="add del">
+        <pc:chgData name="Hernan Alperin" userId="53934dd3a01d9526" providerId="LiveId" clId="{0ACE6762-BEC4-424F-AA07-B2B8DE7B0D67}" dt="2020-07-09T08:45:44.450" v="658" actId="47"/>
+        <pc:sldMkLst>
+          <pc:docMk/>
+          <pc:sldMk cId="0" sldId="269"/>
+        </pc:sldMkLst>
+      </pc:sldChg>
+      <pc:sldChg chg="addSp delSp modSp new del mod">
+        <pc:chgData name="Hernan Alperin" userId="53934dd3a01d9526" providerId="LiveId" clId="{0ACE6762-BEC4-424F-AA07-B2B8DE7B0D67}" dt="2020-07-13T14:34:38.274" v="802" actId="47"/>
+        <pc:sldMkLst>
+          <pc:docMk/>
+          <pc:sldMk cId="2771617430" sldId="269"/>
+        </pc:sldMkLst>
+        <pc:spChg chg="mod">
+          <ac:chgData name="Hernan Alperin" userId="53934dd3a01d9526" providerId="LiveId" clId="{0ACE6762-BEC4-424F-AA07-B2B8DE7B0D67}" dt="2020-07-13T11:48:55.951" v="707" actId="20577"/>
+          <ac:spMkLst>
+            <pc:docMk/>
+            <pc:sldMk cId="2771617430" sldId="269"/>
+            <ac:spMk id="2" creationId="{E9294C88-B9A5-42C4-AEB1-329F5A9B9A24}"/>
+          </ac:spMkLst>
+        </pc:spChg>
+        <pc:spChg chg="add mod">
+          <ac:chgData name="Hernan Alperin" userId="53934dd3a01d9526" providerId="LiveId" clId="{0ACE6762-BEC4-424F-AA07-B2B8DE7B0D67}" dt="2020-07-13T14:30:07.825" v="782" actId="255"/>
+          <ac:spMkLst>
+            <pc:docMk/>
+            <pc:sldMk cId="2771617430" sldId="269"/>
+            <ac:spMk id="7" creationId="{A2B55C06-CAFB-4C94-B2C9-BA48B2730677}"/>
+          </ac:spMkLst>
+        </pc:spChg>
+        <pc:spChg chg="add mod">
+          <ac:chgData name="Hernan Alperin" userId="53934dd3a01d9526" providerId="LiveId" clId="{0ACE6762-BEC4-424F-AA07-B2B8DE7B0D67}" dt="2020-07-13T14:34:19.759" v="801"/>
+          <ac:spMkLst>
+            <pc:docMk/>
+            <pc:sldMk cId="2771617430" sldId="269"/>
+            <ac:spMk id="10" creationId="{DFBE4248-8C31-4CBD-B019-C38C7D164A0E}"/>
+          </ac:spMkLst>
+        </pc:spChg>
+        <pc:picChg chg="add del mod">
+          <ac:chgData name="Hernan Alperin" userId="53934dd3a01d9526" providerId="LiveId" clId="{0ACE6762-BEC4-424F-AA07-B2B8DE7B0D67}" dt="2020-07-13T11:51:19.755" v="719" actId="931"/>
+          <ac:picMkLst>
+            <pc:docMk/>
+            <pc:sldMk cId="2771617430" sldId="269"/>
+            <ac:picMk id="4" creationId="{24BB72BD-1EFD-49E9-A1B2-2E9616F3E444}"/>
+          </ac:picMkLst>
+        </pc:picChg>
+        <pc:picChg chg="add mod">
+          <ac:chgData name="Hernan Alperin" userId="53934dd3a01d9526" providerId="LiveId" clId="{0ACE6762-BEC4-424F-AA07-B2B8DE7B0D67}" dt="2020-07-13T14:29:31.297" v="778" actId="1076"/>
+          <ac:picMkLst>
+            <pc:docMk/>
+            <pc:sldMk cId="2771617430" sldId="269"/>
+            <ac:picMk id="6" creationId="{0CE668BE-1F04-4816-9E99-57EB2C7B607D}"/>
+          </ac:picMkLst>
+        </pc:picChg>
+        <pc:picChg chg="add mod">
+          <ac:chgData name="Hernan Alperin" userId="53934dd3a01d9526" providerId="LiveId" clId="{0ACE6762-BEC4-424F-AA07-B2B8DE7B0D67}" dt="2020-07-13T14:29:33.417" v="779" actId="1076"/>
+          <ac:picMkLst>
+            <pc:docMk/>
+            <pc:sldMk cId="2771617430" sldId="269"/>
+            <ac:picMk id="9" creationId="{C5D208AF-8571-43D5-B6F7-C52EEA124317}"/>
+          </ac:picMkLst>
+        </pc:picChg>
+      </pc:sldChg>
+      <pc:sldChg chg="new del">
+        <pc:chgData name="Hernan Alperin" userId="53934dd3a01d9526" providerId="LiveId" clId="{0ACE6762-BEC4-424F-AA07-B2B8DE7B0D67}" dt="2020-07-30T23:46:30.312" v="840" actId="2696"/>
+        <pc:sldMkLst>
+          <pc:docMk/>
+          <pc:sldMk cId="1019277122" sldId="270"/>
+        </pc:sldMkLst>
+      </pc:sldChg>
+      <pc:sldChg chg="modSp new del mod">
+        <pc:chgData name="Hernan Alperin" userId="53934dd3a01d9526" providerId="LiveId" clId="{0ACE6762-BEC4-424F-AA07-B2B8DE7B0D67}" dt="2020-07-13T11:54:34.056" v="736" actId="47"/>
+        <pc:sldMkLst>
+          <pc:docMk/>
+          <pc:sldMk cId="3576122065" sldId="270"/>
+        </pc:sldMkLst>
+        <pc:spChg chg="mod">
+          <ac:chgData name="Hernan Alperin" userId="53934dd3a01d9526" providerId="LiveId" clId="{0ACE6762-BEC4-424F-AA07-B2B8DE7B0D67}" dt="2020-07-13T11:54:05.661" v="735" actId="20577"/>
+          <ac:spMkLst>
+            <pc:docMk/>
+            <pc:sldMk cId="3576122065" sldId="270"/>
+            <ac:spMk id="2" creationId="{C146AD89-7F3B-4C64-82B4-7686B2E0B85E}"/>
+          </ac:spMkLst>
+        </pc:spChg>
+      </pc:sldChg>
+      <pc:sldChg chg="add del">
+        <pc:chgData name="Hernan Alperin" userId="53934dd3a01d9526" providerId="LiveId" clId="{0ACE6762-BEC4-424F-AA07-B2B8DE7B0D67}" dt="2020-07-13T14:34:52.072" v="803" actId="47"/>
+        <pc:sldMkLst>
+          <pc:docMk/>
+          <pc:sldMk cId="3087402434" sldId="271"/>
+        </pc:sldMkLst>
+      </pc:sldChg>
+      <pc:sldChg chg="modSp add mod">
+        <pc:chgData name="Hernan Alperin" userId="53934dd3a01d9526" providerId="LiveId" clId="{0ACE6762-BEC4-424F-AA07-B2B8DE7B0D67}" dt="2020-07-13T14:34:59.353" v="805" actId="20577"/>
+        <pc:sldMkLst>
+          <pc:docMk/>
+          <pc:sldMk cId="1630160372" sldId="272"/>
+        </pc:sldMkLst>
+        <pc:spChg chg="mod">
+          <ac:chgData name="Hernan Alperin" userId="53934dd3a01d9526" providerId="LiveId" clId="{0ACE6762-BEC4-424F-AA07-B2B8DE7B0D67}" dt="2020-07-13T14:34:59.353" v="805" actId="20577"/>
+          <ac:spMkLst>
+            <pc:docMk/>
+            <pc:sldMk cId="1630160372" sldId="272"/>
+            <ac:spMk id="2" creationId="{E9294C88-B9A5-42C4-AEB1-329F5A9B9A24}"/>
+          </ac:spMkLst>
+        </pc:spChg>
+      </pc:sldChg>
+      <pc:sldChg chg="addSp delSp modSp add mod ord">
+        <pc:chgData name="Hernan Alperin" userId="53934dd3a01d9526" providerId="LiveId" clId="{0ACE6762-BEC4-424F-AA07-B2B8DE7B0D67}" dt="2020-07-30T23:50:18.776" v="918" actId="14100"/>
+        <pc:sldMkLst>
+          <pc:docMk/>
+          <pc:sldMk cId="1806228873" sldId="273"/>
+        </pc:sldMkLst>
+        <pc:spChg chg="mod">
+          <ac:chgData name="Hernan Alperin" userId="53934dd3a01d9526" providerId="LiveId" clId="{0ACE6762-BEC4-424F-AA07-B2B8DE7B0D67}" dt="2020-07-30T23:48:36.508" v="904" actId="20577"/>
+          <ac:spMkLst>
+            <pc:docMk/>
+            <pc:sldMk cId="1806228873" sldId="273"/>
+            <ac:spMk id="2" creationId="{E9294C88-B9A5-42C4-AEB1-329F5A9B9A24}"/>
+          </ac:spMkLst>
+        </pc:spChg>
+        <pc:spChg chg="add del mod">
+          <ac:chgData name="Hernan Alperin" userId="53934dd3a01d9526" providerId="LiveId" clId="{0ACE6762-BEC4-424F-AA07-B2B8DE7B0D67}" dt="2020-07-30T23:50:13.955" v="917" actId="478"/>
+          <ac:spMkLst>
+            <pc:docMk/>
+            <pc:sldMk cId="1806228873" sldId="273"/>
+            <ac:spMk id="7" creationId="{A2B55C06-CAFB-4C94-B2C9-BA48B2730677}"/>
+          </ac:spMkLst>
+        </pc:spChg>
+        <pc:picChg chg="add mod">
+          <ac:chgData name="Hernan Alperin" userId="53934dd3a01d9526" providerId="LiveId" clId="{0ACE6762-BEC4-424F-AA07-B2B8DE7B0D67}" dt="2020-07-30T23:50:18.776" v="918" actId="14100"/>
+          <ac:picMkLst>
+            <pc:docMk/>
+            <pc:sldMk cId="1806228873" sldId="273"/>
+            <ac:picMk id="4" creationId="{2C4807DD-39C3-4BEF-A052-72037BA9E9E4}"/>
+          </ac:picMkLst>
+        </pc:picChg>
+        <pc:picChg chg="add del mod">
+          <ac:chgData name="Hernan Alperin" userId="53934dd3a01d9526" providerId="LiveId" clId="{0ACE6762-BEC4-424F-AA07-B2B8DE7B0D67}" dt="2020-07-13T14:35:48.629" v="810" actId="931"/>
+          <ac:picMkLst>
+            <pc:docMk/>
+            <pc:sldMk cId="1806228873" sldId="273"/>
+            <ac:picMk id="4" creationId="{64708A0D-75C4-42BB-8026-A849FDF2DC86}"/>
+          </ac:picMkLst>
+        </pc:picChg>
+        <pc:picChg chg="del">
+          <ac:chgData name="Hernan Alperin" userId="53934dd3a01d9526" providerId="LiveId" clId="{0ACE6762-BEC4-424F-AA07-B2B8DE7B0D67}" dt="2020-07-13T14:35:12.997" v="807" actId="478"/>
+          <ac:picMkLst>
+            <pc:docMk/>
+            <pc:sldMk cId="1806228873" sldId="273"/>
+            <ac:picMk id="6" creationId="{0CE668BE-1F04-4816-9E99-57EB2C7B607D}"/>
+          </ac:picMkLst>
+        </pc:picChg>
+        <pc:picChg chg="add del mod">
+          <ac:chgData name="Hernan Alperin" userId="53934dd3a01d9526" providerId="LiveId" clId="{0ACE6762-BEC4-424F-AA07-B2B8DE7B0D67}" dt="2020-07-13T14:37:17.210" v="815" actId="478"/>
+          <ac:picMkLst>
+            <pc:docMk/>
+            <pc:sldMk cId="1806228873" sldId="273"/>
+            <ac:picMk id="8" creationId="{35FB60B7-3E4C-4D59-8CB2-7AEF7E774F4A}"/>
+          </ac:picMkLst>
+        </pc:picChg>
+        <pc:picChg chg="del">
+          <ac:chgData name="Hernan Alperin" userId="53934dd3a01d9526" providerId="LiveId" clId="{0ACE6762-BEC4-424F-AA07-B2B8DE7B0D67}" dt="2020-07-13T14:35:16.427" v="808" actId="478"/>
+          <ac:picMkLst>
+            <pc:docMk/>
+            <pc:sldMk cId="1806228873" sldId="273"/>
+            <ac:picMk id="9" creationId="{C5D208AF-8571-43D5-B6F7-C52EEA124317}"/>
+          </ac:picMkLst>
+        </pc:picChg>
+      </pc:sldChg>
+      <pc:sldChg chg="addSp delSp modSp new mod">
+        <pc:chgData name="Hernan Alperin" userId="53934dd3a01d9526" providerId="LiveId" clId="{0ACE6762-BEC4-424F-AA07-B2B8DE7B0D67}" dt="2020-07-31T00:10:03.532" v="956" actId="1076"/>
+        <pc:sldMkLst>
+          <pc:docMk/>
+          <pc:sldMk cId="669697881" sldId="274"/>
+        </pc:sldMkLst>
+        <pc:spChg chg="add del mod">
+          <ac:chgData name="Hernan Alperin" userId="53934dd3a01d9526" providerId="LiveId" clId="{0ACE6762-BEC4-424F-AA07-B2B8DE7B0D67}" dt="2020-07-31T00:09:28.380" v="954" actId="478"/>
+          <ac:spMkLst>
+            <pc:docMk/>
+            <pc:sldMk cId="669697881" sldId="274"/>
+            <ac:spMk id="3" creationId="{57DD6C2F-17E6-4B7E-AF2D-01CA60545A19}"/>
+          </ac:spMkLst>
+        </pc:spChg>
+        <pc:picChg chg="add mod">
+          <ac:chgData name="Hernan Alperin" userId="53934dd3a01d9526" providerId="LiveId" clId="{0ACE6762-BEC4-424F-AA07-B2B8DE7B0D67}" dt="2020-07-31T00:10:03.532" v="956" actId="1076"/>
+          <ac:picMkLst>
+            <pc:docMk/>
+            <pc:sldMk cId="669697881" sldId="274"/>
+            <ac:picMk id="5" creationId="{A19DAF25-0E7F-4E68-B4C5-85BF6DBCDFED}"/>
+          </ac:picMkLst>
+        </pc:picChg>
+      </pc:sldChg>
+      <pc:sldChg chg="addSp modSp new mod">
+        <pc:chgData name="Hernan Alperin" userId="53934dd3a01d9526" providerId="LiveId" clId="{0ACE6762-BEC4-424F-AA07-B2B8DE7B0D67}" dt="2020-07-31T00:08:58.188" v="952" actId="1076"/>
+        <pc:sldMkLst>
+          <pc:docMk/>
+          <pc:sldMk cId="1023199581" sldId="275"/>
+        </pc:sldMkLst>
+        <pc:spChg chg="mod">
+          <ac:chgData name="Hernan Alperin" userId="53934dd3a01d9526" providerId="LiveId" clId="{0ACE6762-BEC4-424F-AA07-B2B8DE7B0D67}" dt="2020-07-31T00:07:57.676" v="950" actId="20577"/>
+          <ac:spMkLst>
+            <pc:docMk/>
+            <pc:sldMk cId="1023199581" sldId="275"/>
+            <ac:spMk id="2" creationId="{C44660EB-A13E-4292-89E5-0152B7008566}"/>
+          </ac:spMkLst>
+        </pc:spChg>
+        <pc:picChg chg="add mod">
+          <ac:chgData name="Hernan Alperin" userId="53934dd3a01d9526" providerId="LiveId" clId="{0ACE6762-BEC4-424F-AA07-B2B8DE7B0D67}" dt="2020-07-31T00:08:58.188" v="952" actId="1076"/>
+          <ac:picMkLst>
+            <pc:docMk/>
+            <pc:sldMk cId="1023199581" sldId="275"/>
+            <ac:picMk id="4" creationId="{E318C07B-BE3A-4078-B113-61DC8CB3A429}"/>
+          </ac:picMkLst>
+        </pc:picChg>
+      </pc:sldChg>
+      <pc:sldChg chg="addSp modSp new mod">
+        <pc:chgData name="Hernan Alperin" userId="53934dd3a01d9526" providerId="LiveId" clId="{0ACE6762-BEC4-424F-AA07-B2B8DE7B0D67}" dt="2020-07-31T00:12:33.414" v="960" actId="14100"/>
+        <pc:sldMkLst>
+          <pc:docMk/>
+          <pc:sldMk cId="3858762720" sldId="276"/>
+        </pc:sldMkLst>
+        <pc:picChg chg="add mod">
+          <ac:chgData name="Hernan Alperin" userId="53934dd3a01d9526" providerId="LiveId" clId="{0ACE6762-BEC4-424F-AA07-B2B8DE7B0D67}" dt="2020-07-31T00:12:33.414" v="960" actId="14100"/>
+          <ac:picMkLst>
+            <pc:docMk/>
+            <pc:sldMk cId="3858762720" sldId="276"/>
+            <ac:picMk id="4" creationId="{2955AD87-C223-462E-B236-5508A302022C}"/>
+          </ac:picMkLst>
+        </pc:picChg>
+      </pc:sldChg>
+      <pc:sldChg chg="addSp delSp modSp new mod">
+        <pc:chgData name="Hernan Alperin" userId="53934dd3a01d9526" providerId="LiveId" clId="{0ACE6762-BEC4-424F-AA07-B2B8DE7B0D67}" dt="2020-07-31T01:09:37.325" v="1045" actId="1076"/>
+        <pc:sldMkLst>
+          <pc:docMk/>
+          <pc:sldMk cId="3754461258" sldId="277"/>
+        </pc:sldMkLst>
+        <pc:spChg chg="mod">
+          <ac:chgData name="Hernan Alperin" userId="53934dd3a01d9526" providerId="LiveId" clId="{0ACE6762-BEC4-424F-AA07-B2B8DE7B0D67}" dt="2020-07-31T00:14:17.814" v="970" actId="20577"/>
+          <ac:spMkLst>
+            <pc:docMk/>
+            <pc:sldMk cId="3754461258" sldId="277"/>
+            <ac:spMk id="2" creationId="{26EDAC25-72E2-4615-ABC7-FC356637FA1E}"/>
+          </ac:spMkLst>
+        </pc:spChg>
+        <pc:picChg chg="add del mod">
+          <ac:chgData name="Hernan Alperin" userId="53934dd3a01d9526" providerId="LiveId" clId="{0ACE6762-BEC4-424F-AA07-B2B8DE7B0D67}" dt="2020-07-31T00:58:02.906" v="997" actId="478"/>
+          <ac:picMkLst>
+            <pc:docMk/>
+            <pc:sldMk cId="3754461258" sldId="277"/>
+            <ac:picMk id="4" creationId="{B864FFE0-5491-4526-BDF8-CC17436C4465}"/>
+          </ac:picMkLst>
+        </pc:picChg>
+        <pc:picChg chg="add del mod">
+          <ac:chgData name="Hernan Alperin" userId="53934dd3a01d9526" providerId="LiveId" clId="{0ACE6762-BEC4-424F-AA07-B2B8DE7B0D67}" dt="2020-07-31T00:57:54.836" v="993" actId="478"/>
+          <ac:picMkLst>
+            <pc:docMk/>
+            <pc:sldMk cId="3754461258" sldId="277"/>
+            <ac:picMk id="6" creationId="{342EC77C-278D-42D1-8357-AA0DAD5316BA}"/>
+          </ac:picMkLst>
+        </pc:picChg>
+        <pc:picChg chg="add del mod">
+          <ac:chgData name="Hernan Alperin" userId="53934dd3a01d9526" providerId="LiveId" clId="{0ACE6762-BEC4-424F-AA07-B2B8DE7B0D67}" dt="2020-07-31T00:57:58.914" v="996" actId="478"/>
+          <ac:picMkLst>
+            <pc:docMk/>
+            <pc:sldMk cId="3754461258" sldId="277"/>
+            <ac:picMk id="8" creationId="{82EB4501-9972-4515-BC1D-4C5E342C8961}"/>
+          </ac:picMkLst>
+        </pc:picChg>
+        <pc:picChg chg="add del mod">
+          <ac:chgData name="Hernan Alperin" userId="53934dd3a01d9526" providerId="LiveId" clId="{0ACE6762-BEC4-424F-AA07-B2B8DE7B0D67}" dt="2020-07-31T00:57:57.058" v="994" actId="478"/>
+          <ac:picMkLst>
+            <pc:docMk/>
+            <pc:sldMk cId="3754461258" sldId="277"/>
+            <ac:picMk id="10" creationId="{E273D80C-A94A-452E-B0E0-1A61C3C0B651}"/>
+          </ac:picMkLst>
+        </pc:picChg>
+        <pc:picChg chg="add del mod">
+          <ac:chgData name="Hernan Alperin" userId="53934dd3a01d9526" providerId="LiveId" clId="{0ACE6762-BEC4-424F-AA07-B2B8DE7B0D67}" dt="2020-07-31T00:17:00.880" v="989" actId="478"/>
+          <ac:picMkLst>
+            <pc:docMk/>
+            <pc:sldMk cId="3754461258" sldId="277"/>
+            <ac:picMk id="12" creationId="{67896CA4-6BBB-4FFA-9989-DD54EAD3614A}"/>
+          </ac:picMkLst>
+        </pc:picChg>
+        <pc:picChg chg="add del mod">
+          <ac:chgData name="Hernan Alperin" userId="53934dd3a01d9526" providerId="LiveId" clId="{0ACE6762-BEC4-424F-AA07-B2B8DE7B0D67}" dt="2020-07-31T00:57:57.971" v="995" actId="478"/>
+          <ac:picMkLst>
+            <pc:docMk/>
+            <pc:sldMk cId="3754461258" sldId="277"/>
+            <ac:picMk id="14" creationId="{FE1EC3B0-19CE-4B0C-935E-F032608F9344}"/>
+          </ac:picMkLst>
+        </pc:picChg>
+        <pc:picChg chg="add mod">
+          <ac:chgData name="Hernan Alperin" userId="53934dd3a01d9526" providerId="LiveId" clId="{0ACE6762-BEC4-424F-AA07-B2B8DE7B0D67}" dt="2020-07-31T01:09:23.331" v="1044" actId="1076"/>
+          <ac:picMkLst>
+            <pc:docMk/>
+            <pc:sldMk cId="3754461258" sldId="277"/>
+            <ac:picMk id="16" creationId="{B93513D4-E64B-4BA5-AC5D-D488339A3AB8}"/>
+          </ac:picMkLst>
+        </pc:picChg>
+        <pc:picChg chg="add mod">
+          <ac:chgData name="Hernan Alperin" userId="53934dd3a01d9526" providerId="LiveId" clId="{0ACE6762-BEC4-424F-AA07-B2B8DE7B0D67}" dt="2020-07-31T01:09:37.325" v="1045" actId="1076"/>
+          <ac:picMkLst>
+            <pc:docMk/>
+            <pc:sldMk cId="3754461258" sldId="277"/>
+            <ac:picMk id="18" creationId="{DD9F636F-7233-49FD-8225-F02D61C6676D}"/>
+          </ac:picMkLst>
+        </pc:picChg>
+        <pc:picChg chg="add mod">
+          <ac:chgData name="Hernan Alperin" userId="53934dd3a01d9526" providerId="LiveId" clId="{0ACE6762-BEC4-424F-AA07-B2B8DE7B0D67}" dt="2020-07-31T01:08:45.583" v="1038" actId="1076"/>
+          <ac:picMkLst>
+            <pc:docMk/>
+            <pc:sldMk cId="3754461258" sldId="277"/>
+            <ac:picMk id="20" creationId="{FC948AB6-CD17-4FA8-B543-51D2C92375F0}"/>
+          </ac:picMkLst>
+        </pc:picChg>
+        <pc:picChg chg="add mod">
+          <ac:chgData name="Hernan Alperin" userId="53934dd3a01d9526" providerId="LiveId" clId="{0ACE6762-BEC4-424F-AA07-B2B8DE7B0D67}" dt="2020-07-31T01:09:37.325" v="1045" actId="1076"/>
+          <ac:picMkLst>
+            <pc:docMk/>
+            <pc:sldMk cId="3754461258" sldId="277"/>
+            <ac:picMk id="22" creationId="{45962548-7547-4F6C-8738-0A251020D0C0}"/>
+          </ac:picMkLst>
+        </pc:picChg>
+        <pc:picChg chg="add mod">
+          <ac:chgData name="Hernan Alperin" userId="53934dd3a01d9526" providerId="LiveId" clId="{0ACE6762-BEC4-424F-AA07-B2B8DE7B0D67}" dt="2020-07-31T01:05:20.607" v="1032" actId="1076"/>
+          <ac:picMkLst>
+            <pc:docMk/>
+            <pc:sldMk cId="3754461258" sldId="277"/>
+            <ac:picMk id="24" creationId="{3171A390-01F6-40B6-81E7-A040C930DB5B}"/>
+          </ac:picMkLst>
+        </pc:picChg>
+        <pc:picChg chg="add mod">
+          <ac:chgData name="Hernan Alperin" userId="53934dd3a01d9526" providerId="LiveId" clId="{0ACE6762-BEC4-424F-AA07-B2B8DE7B0D67}" dt="2020-07-31T01:09:37.325" v="1045" actId="1076"/>
+          <ac:picMkLst>
+            <pc:docMk/>
+            <pc:sldMk cId="3754461258" sldId="277"/>
+            <ac:picMk id="26" creationId="{C918BAE0-B54F-4CE8-9433-9B655BC8C700}"/>
+          </ac:picMkLst>
+        </pc:picChg>
+        <pc:picChg chg="add mod">
+          <ac:chgData name="Hernan Alperin" userId="53934dd3a01d9526" providerId="LiveId" clId="{0ACE6762-BEC4-424F-AA07-B2B8DE7B0D67}" dt="2020-07-31T01:09:04.729" v="1041" actId="1076"/>
+          <ac:picMkLst>
+            <pc:docMk/>
+            <pc:sldMk cId="3754461258" sldId="277"/>
+            <ac:picMk id="28" creationId="{DA75D45A-A1E0-4F2C-B947-D2760A959888}"/>
+          </ac:picMkLst>
+        </pc:picChg>
+      </pc:sldChg>
+      <pc:sldChg chg="addSp modSp new mod">
+        <pc:chgData name="Hernan Alperin" userId="53934dd3a01d9526" providerId="LiveId" clId="{0ACE6762-BEC4-424F-AA07-B2B8DE7B0D67}" dt="2020-07-31T01:17:16.691" v="1063" actId="14100"/>
+        <pc:sldMkLst>
+          <pc:docMk/>
+          <pc:sldMk cId="2696548569" sldId="278"/>
+        </pc:sldMkLst>
+        <pc:spChg chg="mod">
+          <ac:chgData name="Hernan Alperin" userId="53934dd3a01d9526" providerId="LiveId" clId="{0ACE6762-BEC4-424F-AA07-B2B8DE7B0D67}" dt="2020-07-31T01:09:56.479" v="1055" actId="20577"/>
+          <ac:spMkLst>
+            <pc:docMk/>
+            <pc:sldMk cId="2696548569" sldId="278"/>
+            <ac:spMk id="2" creationId="{A21D58BB-8D5E-4C5D-A76A-4A7BB96700D8}"/>
+          </ac:spMkLst>
+        </pc:spChg>
+        <pc:picChg chg="add mod">
+          <ac:chgData name="Hernan Alperin" userId="53934dd3a01d9526" providerId="LiveId" clId="{0ACE6762-BEC4-424F-AA07-B2B8DE7B0D67}" dt="2020-07-31T01:16:43.087" v="1059" actId="1076"/>
+          <ac:picMkLst>
+            <pc:docMk/>
+            <pc:sldMk cId="2696548569" sldId="278"/>
+            <ac:picMk id="4" creationId="{916F44B5-ECA4-496F-82FD-77323EDC7C33}"/>
+          </ac:picMkLst>
+        </pc:picChg>
+        <pc:picChg chg="add mod">
+          <ac:chgData name="Hernan Alperin" userId="53934dd3a01d9526" providerId="LiveId" clId="{0ACE6762-BEC4-424F-AA07-B2B8DE7B0D67}" dt="2020-07-31T01:17:16.691" v="1063" actId="14100"/>
+          <ac:picMkLst>
+            <pc:docMk/>
+            <pc:sldMk cId="2696548569" sldId="278"/>
+            <ac:picMk id="6" creationId="{5EBCA068-4F62-4E40-A7D2-8C00B0B22AA6}"/>
+          </ac:picMkLst>
+        </pc:picChg>
+      </pc:sldChg>
+      <pc:sldChg chg="addSp modSp new mod">
+        <pc:chgData name="Hernan Alperin" userId="53934dd3a01d9526" providerId="LiveId" clId="{0ACE6762-BEC4-424F-AA07-B2B8DE7B0D67}" dt="2020-07-31T01:22:28.168" v="1102" actId="1076"/>
+        <pc:sldMkLst>
+          <pc:docMk/>
+          <pc:sldMk cId="2823912760" sldId="279"/>
+        </pc:sldMkLst>
+        <pc:spChg chg="mod">
+          <ac:chgData name="Hernan Alperin" userId="53934dd3a01d9526" providerId="LiveId" clId="{0ACE6762-BEC4-424F-AA07-B2B8DE7B0D67}" dt="2020-07-31T01:18:11.243" v="1075" actId="20577"/>
+          <ac:spMkLst>
+            <pc:docMk/>
+            <pc:sldMk cId="2823912760" sldId="279"/>
+            <ac:spMk id="2" creationId="{49EED29B-6ECB-4B01-84C4-D3C997C5AADD}"/>
+          </ac:spMkLst>
+        </pc:spChg>
+        <pc:picChg chg="add mod">
+          <ac:chgData name="Hernan Alperin" userId="53934dd3a01d9526" providerId="LiveId" clId="{0ACE6762-BEC4-424F-AA07-B2B8DE7B0D67}" dt="2020-07-31T01:18:26.083" v="1078" actId="1076"/>
+          <ac:picMkLst>
+            <pc:docMk/>
+            <pc:sldMk cId="2823912760" sldId="279"/>
+            <ac:picMk id="4" creationId="{32C5F542-73DB-4315-8715-57B0ECCAF031}"/>
+          </ac:picMkLst>
+        </pc:picChg>
+        <pc:picChg chg="add mod">
+          <ac:chgData name="Hernan Alperin" userId="53934dd3a01d9526" providerId="LiveId" clId="{0ACE6762-BEC4-424F-AA07-B2B8DE7B0D67}" dt="2020-07-31T01:22:26.416" v="1101" actId="1076"/>
+          <ac:picMkLst>
+            <pc:docMk/>
+            <pc:sldMk cId="2823912760" sldId="279"/>
+            <ac:picMk id="6" creationId="{D54334BE-8F6B-428F-A714-8B61871D05AC}"/>
+          </ac:picMkLst>
+        </pc:picChg>
+        <pc:picChg chg="add mod">
+          <ac:chgData name="Hernan Alperin" userId="53934dd3a01d9526" providerId="LiveId" clId="{0ACE6762-BEC4-424F-AA07-B2B8DE7B0D67}" dt="2020-07-31T01:21:52.756" v="1088" actId="14100"/>
+          <ac:picMkLst>
+            <pc:docMk/>
+            <pc:sldMk cId="2823912760" sldId="279"/>
+            <ac:picMk id="8" creationId="{75398FDC-2888-4FE3-8C80-DC4B57335734}"/>
+          </ac:picMkLst>
+        </pc:picChg>
+        <pc:picChg chg="add mod">
+          <ac:chgData name="Hernan Alperin" userId="53934dd3a01d9526" providerId="LiveId" clId="{0ACE6762-BEC4-424F-AA07-B2B8DE7B0D67}" dt="2020-07-31T01:22:28.168" v="1102" actId="1076"/>
+          <ac:picMkLst>
+            <pc:docMk/>
+            <pc:sldMk cId="2823912760" sldId="279"/>
+            <ac:picMk id="10" creationId="{5025DE8C-BF87-424D-977F-44348C371343}"/>
+          </ac:picMkLst>
+        </pc:picChg>
+        <pc:picChg chg="add mod">
+          <ac:chgData name="Hernan Alperin" userId="53934dd3a01d9526" providerId="LiveId" clId="{0ACE6762-BEC4-424F-AA07-B2B8DE7B0D67}" dt="2020-07-31T01:22:09.142" v="1096" actId="1076"/>
+          <ac:picMkLst>
+            <pc:docMk/>
+            <pc:sldMk cId="2823912760" sldId="279"/>
+            <ac:picMk id="12" creationId="{D55C5612-B20F-4111-8933-212E14807788}"/>
+          </ac:picMkLst>
+        </pc:picChg>
+        <pc:picChg chg="add mod">
+          <ac:chgData name="Hernan Alperin" userId="53934dd3a01d9526" providerId="LiveId" clId="{0ACE6762-BEC4-424F-AA07-B2B8DE7B0D67}" dt="2020-07-31T01:22:24.744" v="1100" actId="1076"/>
+          <ac:picMkLst>
+            <pc:docMk/>
+            <pc:sldMk cId="2823912760" sldId="279"/>
+            <ac:picMk id="14" creationId="{4E216C38-43CD-436D-8331-ABB603EB054E}"/>
+          </ac:picMkLst>
+        </pc:picChg>
+        <pc:picChg chg="add mod">
+          <ac:chgData name="Hernan Alperin" userId="53934dd3a01d9526" providerId="LiveId" clId="{0ACE6762-BEC4-424F-AA07-B2B8DE7B0D67}" dt="2020-07-31T01:22:10.990" v="1097" actId="1076"/>
+          <ac:picMkLst>
+            <pc:docMk/>
+            <pc:sldMk cId="2823912760" sldId="279"/>
+            <ac:picMk id="16" creationId="{6269558D-2FF3-4A24-B8C0-99CC919A7D87}"/>
+          </ac:picMkLst>
+        </pc:picChg>
+      </pc:sldChg>
+      <pc:sldChg chg="add del">
+        <pc:chgData name="Hernan Alperin" userId="53934dd3a01d9526" providerId="LiveId" clId="{0ACE6762-BEC4-424F-AA07-B2B8DE7B0D67}" dt="2020-07-09T08:45:42.414" v="657" actId="47"/>
+        <pc:sldMkLst>
+          <pc:docMk/>
+          <pc:sldMk cId="0" sldId="308"/>
+        </pc:sldMkLst>
+      </pc:sldChg>
+      <pc:sldChg chg="add del">
+        <pc:chgData name="Hernan Alperin" userId="53934dd3a01d9526" providerId="LiveId" clId="{0ACE6762-BEC4-424F-AA07-B2B8DE7B0D67}" dt="2020-07-09T08:45:42.414" v="657" actId="47"/>
+        <pc:sldMkLst>
+          <pc:docMk/>
+          <pc:sldMk cId="0" sldId="309"/>
+        </pc:sldMkLst>
+      </pc:sldChg>
+      <pc:sldChg chg="add del">
+        <pc:chgData name="Hernan Alperin" userId="53934dd3a01d9526" providerId="LiveId" clId="{0ACE6762-BEC4-424F-AA07-B2B8DE7B0D67}" dt="2020-07-09T08:45:42.414" v="657" actId="47"/>
+        <pc:sldMkLst>
+          <pc:docMk/>
+          <pc:sldMk cId="0" sldId="310"/>
+        </pc:sldMkLst>
+      </pc:sldChg>
+      <pc:sldChg chg="add del">
+        <pc:chgData name="Hernan Alperin" userId="53934dd3a01d9526" providerId="LiveId" clId="{0ACE6762-BEC4-424F-AA07-B2B8DE7B0D67}" dt="2020-07-09T08:45:42.414" v="657" actId="47"/>
+        <pc:sldMkLst>
+          <pc:docMk/>
+          <pc:sldMk cId="0" sldId="327"/>
+        </pc:sldMkLst>
+      </pc:sldChg>
+      <pc:sldMasterChg chg="delSldLayout">
+        <pc:chgData name="Hernan Alperin" userId="53934dd3a01d9526" providerId="LiveId" clId="{0ACE6762-BEC4-424F-AA07-B2B8DE7B0D67}" dt="2020-07-09T08:45:42.414" v="657" actId="47"/>
+        <pc:sldMasterMkLst>
+          <pc:docMk/>
+          <pc:sldMasterMk cId="2512678763" sldId="2147483708"/>
+        </pc:sldMasterMkLst>
+        <pc:sldLayoutChg chg="del">
+          <pc:chgData name="Hernan Alperin" userId="53934dd3a01d9526" providerId="LiveId" clId="{0ACE6762-BEC4-424F-AA07-B2B8DE7B0D67}" dt="2020-07-09T08:45:42.414" v="657" actId="47"/>
+          <pc:sldLayoutMkLst>
+            <pc:docMk/>
+            <pc:sldMasterMk cId="2512678763" sldId="2147483708"/>
+            <pc:sldLayoutMk cId="1286837748" sldId="2147483720"/>
+          </pc:sldLayoutMkLst>
+        </pc:sldLayoutChg>
+      </pc:sldMasterChg>
     </pc:docChg>
   </pc:docChgLst>
   <pc:docChgLst>
@@ -1904,7 +2436,7 @@
           <a:p>
             <a:fld id="{BB2F7DFF-5F1B-4566-B0D3-4B3A3737C997}" type="datetimeFigureOut">
               <a:rPr lang="es-AR" smtClean="0"/>
-              <a:t>8/7/2020</a:t>
+              <a:t>30/7/2020</a:t>
             </a:fld>
             <a:endParaRPr lang="es-AR"/>
           </a:p>
@@ -2074,7 +2606,7 @@
           <a:p>
             <a:fld id="{BB2F7DFF-5F1B-4566-B0D3-4B3A3737C997}" type="datetimeFigureOut">
               <a:rPr lang="es-AR" smtClean="0"/>
-              <a:t>8/7/2020</a:t>
+              <a:t>30/7/2020</a:t>
             </a:fld>
             <a:endParaRPr lang="es-AR"/>
           </a:p>
@@ -2254,7 +2786,7 @@
           <a:p>
             <a:fld id="{BB2F7DFF-5F1B-4566-B0D3-4B3A3737C997}" type="datetimeFigureOut">
               <a:rPr lang="es-AR" smtClean="0"/>
-              <a:t>8/7/2020</a:t>
+              <a:t>30/7/2020</a:t>
             </a:fld>
             <a:endParaRPr lang="es-AR"/>
           </a:p>
@@ -2424,7 +2956,7 @@
           <a:p>
             <a:fld id="{BB2F7DFF-5F1B-4566-B0D3-4B3A3737C997}" type="datetimeFigureOut">
               <a:rPr lang="es-AR" smtClean="0"/>
-              <a:t>8/7/2020</a:t>
+              <a:t>30/7/2020</a:t>
             </a:fld>
             <a:endParaRPr lang="es-AR"/>
           </a:p>
@@ -2670,7 +3202,7 @@
           <a:p>
             <a:fld id="{BB2F7DFF-5F1B-4566-B0D3-4B3A3737C997}" type="datetimeFigureOut">
               <a:rPr lang="es-AR" smtClean="0"/>
-              <a:t>8/7/2020</a:t>
+              <a:t>30/7/2020</a:t>
             </a:fld>
             <a:endParaRPr lang="es-AR"/>
           </a:p>
@@ -2902,7 +3434,7 @@
           <a:p>
             <a:fld id="{BB2F7DFF-5F1B-4566-B0D3-4B3A3737C997}" type="datetimeFigureOut">
               <a:rPr lang="es-AR" smtClean="0"/>
-              <a:t>8/7/2020</a:t>
+              <a:t>30/7/2020</a:t>
             </a:fld>
             <a:endParaRPr lang="es-AR"/>
           </a:p>
@@ -3269,7 +3801,7 @@
           <a:p>
             <a:fld id="{BB2F7DFF-5F1B-4566-B0D3-4B3A3737C997}" type="datetimeFigureOut">
               <a:rPr lang="es-AR" smtClean="0"/>
-              <a:t>8/7/2020</a:t>
+              <a:t>30/7/2020</a:t>
             </a:fld>
             <a:endParaRPr lang="es-AR"/>
           </a:p>
@@ -3387,7 +3919,7 @@
           <a:p>
             <a:fld id="{BB2F7DFF-5F1B-4566-B0D3-4B3A3737C997}" type="datetimeFigureOut">
               <a:rPr lang="es-AR" smtClean="0"/>
-              <a:t>8/7/2020</a:t>
+              <a:t>30/7/2020</a:t>
             </a:fld>
             <a:endParaRPr lang="es-AR"/>
           </a:p>
@@ -3482,7 +4014,7 @@
           <a:p>
             <a:fld id="{BB2F7DFF-5F1B-4566-B0D3-4B3A3737C997}" type="datetimeFigureOut">
               <a:rPr lang="es-AR" smtClean="0"/>
-              <a:t>8/7/2020</a:t>
+              <a:t>30/7/2020</a:t>
             </a:fld>
             <a:endParaRPr lang="es-AR"/>
           </a:p>
@@ -3759,7 +4291,7 @@
           <a:p>
             <a:fld id="{BB2F7DFF-5F1B-4566-B0D3-4B3A3737C997}" type="datetimeFigureOut">
               <a:rPr lang="es-AR" smtClean="0"/>
-              <a:t>8/7/2020</a:t>
+              <a:t>30/7/2020</a:t>
             </a:fld>
             <a:endParaRPr lang="es-AR"/>
           </a:p>
@@ -4016,7 +4548,7 @@
           <a:p>
             <a:fld id="{BB2F7DFF-5F1B-4566-B0D3-4B3A3737C997}" type="datetimeFigureOut">
               <a:rPr lang="es-AR" smtClean="0"/>
-              <a:t>8/7/2020</a:t>
+              <a:t>30/7/2020</a:t>
             </a:fld>
             <a:endParaRPr lang="es-AR"/>
           </a:p>
@@ -4229,7 +4761,7 @@
           <a:p>
             <a:fld id="{BB2F7DFF-5F1B-4566-B0D3-4B3A3737C997}" type="datetimeFigureOut">
               <a:rPr lang="es-AR" smtClean="0"/>
-              <a:t>8/7/2020</a:t>
+              <a:t>30/7/2020</a:t>
             </a:fld>
             <a:endParaRPr lang="es-AR"/>
           </a:p>
@@ -5277,826 +5809,6 @@
           <p:cNvPr id="2" name="Título 1">
             <a:extLst>
               <a:ext uri="{FF2B5EF4-FFF2-40B4-BE49-F238E27FC236}">
-                <a16:creationId xmlns:a16="http://schemas.microsoft.com/office/drawing/2014/main" id="{3F9640A5-903A-45E6-8F6A-4F99470764CA}"/>
-              </a:ext>
-            </a:extLst>
-          </p:cNvPr>
-          <p:cNvSpPr>
-            <a:spLocks noGrp="1"/>
-          </p:cNvSpPr>
-          <p:nvPr>
-            <p:ph type="title"/>
-          </p:nvPr>
-        </p:nvSpPr>
-        <p:spPr>
-          <a:xfrm>
-            <a:off x="226815" y="450744"/>
-            <a:ext cx="5720735" cy="1325563"/>
-          </a:xfrm>
-        </p:spPr>
-        <p:txBody>
-          <a:bodyPr>
-            <a:normAutofit/>
-          </a:bodyPr>
-          <a:lstStyle/>
-          <a:p>
-            <a:pPr algn="ctr"/>
-            <a:r>
-              <a:rPr lang="es-AR" sz="5400" b="1" i="1" dirty="0">
-                <a:latin typeface="Segoe Print" panose="02000600000000000000" pitchFamily="2" charset="0"/>
-              </a:rPr>
-              <a:t>Tipos de Radios</a:t>
-            </a:r>
-            <a:endParaRPr lang="es-AR" sz="5400" b="1" i="1" dirty="0">
-              <a:latin typeface="Segoe Script" panose="030B0504020000000003" pitchFamily="66" charset="0"/>
-            </a:endParaRPr>
-          </a:p>
-        </p:txBody>
-      </p:sp>
-      <p:sp>
-        <p:nvSpPr>
-          <p:cNvPr id="3" name="CuadroTexto 2">
-            <a:extLst>
-              <a:ext uri="{FF2B5EF4-FFF2-40B4-BE49-F238E27FC236}">
-                <a16:creationId xmlns:a16="http://schemas.microsoft.com/office/drawing/2014/main" id="{5A9A0437-608D-495B-B722-C8295D7A3926}"/>
-              </a:ext>
-            </a:extLst>
-          </p:cNvPr>
-          <p:cNvSpPr txBox="1"/>
-          <p:nvPr/>
-        </p:nvSpPr>
-        <p:spPr>
-          <a:xfrm>
-            <a:off x="5947550" y="1597194"/>
-            <a:ext cx="5202372" cy="1384995"/>
-          </a:xfrm>
-          <a:prstGeom prst="rect">
-            <a:avLst/>
-          </a:prstGeom>
-          <a:noFill/>
-        </p:spPr>
-        <p:txBody>
-          <a:bodyPr wrap="square" rtlCol="0">
-            <a:spAutoFit/>
-          </a:bodyPr>
-          <a:lstStyle/>
-          <a:p>
-            <a:r>
-              <a:rPr lang="es-AR" sz="2800" i="1" dirty="0">
-                <a:latin typeface="Segoe Print" panose="02000600000000000000" pitchFamily="2" charset="0"/>
-              </a:rPr>
-              <a:t>Según distribución de viviendas</a:t>
-            </a:r>
-            <a:br>
-              <a:rPr lang="es-AR" sz="2800" i="1" dirty="0">
-                <a:latin typeface="Segoe Print" panose="02000600000000000000" pitchFamily="2" charset="0"/>
-              </a:rPr>
-            </a:br>
-            <a:r>
-              <a:rPr lang="es-AR" sz="2800" i="1" dirty="0">
-                <a:latin typeface="Segoe Print" panose="02000600000000000000" pitchFamily="2" charset="0"/>
-              </a:rPr>
-              <a:t>dada una carga deseada.</a:t>
-            </a:r>
-          </a:p>
-        </p:txBody>
-      </p:sp>
-      <p:sp>
-        <p:nvSpPr>
-          <p:cNvPr id="4" name="Rectángulo: esquinas redondeadas 3">
-            <a:extLst>
-              <a:ext uri="{FF2B5EF4-FFF2-40B4-BE49-F238E27FC236}">
-                <a16:creationId xmlns:a16="http://schemas.microsoft.com/office/drawing/2014/main" id="{88630322-1F4C-437E-81EE-6FCFFBB08546}"/>
-              </a:ext>
-            </a:extLst>
-          </p:cNvPr>
-          <p:cNvSpPr/>
-          <p:nvPr/>
-        </p:nvSpPr>
-        <p:spPr>
-          <a:xfrm>
-            <a:off x="608250" y="3565582"/>
-            <a:ext cx="7498080" cy="2841674"/>
-          </a:xfrm>
-          <a:custGeom>
-            <a:avLst/>
-            <a:gdLst>
-              <a:gd name="connsiteX0" fmla="*/ 0 w 7498080"/>
-              <a:gd name="connsiteY0" fmla="*/ 473622 h 2841674"/>
-              <a:gd name="connsiteX1" fmla="*/ 473622 w 7498080"/>
-              <a:gd name="connsiteY1" fmla="*/ 0 h 2841674"/>
-              <a:gd name="connsiteX2" fmla="*/ 1134661 w 7498080"/>
-              <a:gd name="connsiteY2" fmla="*/ 0 h 2841674"/>
-              <a:gd name="connsiteX3" fmla="*/ 1730191 w 7498080"/>
-              <a:gd name="connsiteY3" fmla="*/ 0 h 2841674"/>
-              <a:gd name="connsiteX4" fmla="*/ 2260214 w 7498080"/>
-              <a:gd name="connsiteY4" fmla="*/ 0 h 2841674"/>
-              <a:gd name="connsiteX5" fmla="*/ 2921253 w 7498080"/>
-              <a:gd name="connsiteY5" fmla="*/ 0 h 2841674"/>
-              <a:gd name="connsiteX6" fmla="*/ 3320258 w 7498080"/>
-              <a:gd name="connsiteY6" fmla="*/ 0 h 2841674"/>
-              <a:gd name="connsiteX7" fmla="*/ 3784772 w 7498080"/>
-              <a:gd name="connsiteY7" fmla="*/ 0 h 2841674"/>
-              <a:gd name="connsiteX8" fmla="*/ 4380302 w 7498080"/>
-              <a:gd name="connsiteY8" fmla="*/ 0 h 2841674"/>
-              <a:gd name="connsiteX9" fmla="*/ 4844816 w 7498080"/>
-              <a:gd name="connsiteY9" fmla="*/ 0 h 2841674"/>
-              <a:gd name="connsiteX10" fmla="*/ 5374838 w 7498080"/>
-              <a:gd name="connsiteY10" fmla="*/ 0 h 2841674"/>
-              <a:gd name="connsiteX11" fmla="*/ 5839352 w 7498080"/>
-              <a:gd name="connsiteY11" fmla="*/ 0 h 2841674"/>
-              <a:gd name="connsiteX12" fmla="*/ 6500391 w 7498080"/>
-              <a:gd name="connsiteY12" fmla="*/ 0 h 2841674"/>
-              <a:gd name="connsiteX13" fmla="*/ 7024458 w 7498080"/>
-              <a:gd name="connsiteY13" fmla="*/ 0 h 2841674"/>
-              <a:gd name="connsiteX14" fmla="*/ 7498080 w 7498080"/>
-              <a:gd name="connsiteY14" fmla="*/ 473622 h 2841674"/>
-              <a:gd name="connsiteX15" fmla="*/ 7498080 w 7498080"/>
-              <a:gd name="connsiteY15" fmla="*/ 890397 h 2841674"/>
-              <a:gd name="connsiteX16" fmla="*/ 7498080 w 7498080"/>
-              <a:gd name="connsiteY16" fmla="*/ 1364004 h 2841674"/>
-              <a:gd name="connsiteX17" fmla="*/ 7498080 w 7498080"/>
-              <a:gd name="connsiteY17" fmla="*/ 1780779 h 2841674"/>
-              <a:gd name="connsiteX18" fmla="*/ 7498080 w 7498080"/>
-              <a:gd name="connsiteY18" fmla="*/ 2368052 h 2841674"/>
-              <a:gd name="connsiteX19" fmla="*/ 7024458 w 7498080"/>
-              <a:gd name="connsiteY19" fmla="*/ 2841674 h 2841674"/>
-              <a:gd name="connsiteX20" fmla="*/ 6559944 w 7498080"/>
-              <a:gd name="connsiteY20" fmla="*/ 2841674 h 2841674"/>
-              <a:gd name="connsiteX21" fmla="*/ 6029922 w 7498080"/>
-              <a:gd name="connsiteY21" fmla="*/ 2841674 h 2841674"/>
-              <a:gd name="connsiteX22" fmla="*/ 5434391 w 7498080"/>
-              <a:gd name="connsiteY22" fmla="*/ 2841674 h 2841674"/>
-              <a:gd name="connsiteX23" fmla="*/ 4773353 w 7498080"/>
-              <a:gd name="connsiteY23" fmla="*/ 2841674 h 2841674"/>
-              <a:gd name="connsiteX24" fmla="*/ 4243330 w 7498080"/>
-              <a:gd name="connsiteY24" fmla="*/ 2841674 h 2841674"/>
-              <a:gd name="connsiteX25" fmla="*/ 3778817 w 7498080"/>
-              <a:gd name="connsiteY25" fmla="*/ 2841674 h 2841674"/>
-              <a:gd name="connsiteX26" fmla="*/ 3314303 w 7498080"/>
-              <a:gd name="connsiteY26" fmla="*/ 2841674 h 2841674"/>
-              <a:gd name="connsiteX27" fmla="*/ 2915297 w 7498080"/>
-              <a:gd name="connsiteY27" fmla="*/ 2841674 h 2841674"/>
-              <a:gd name="connsiteX28" fmla="*/ 2450783 w 7498080"/>
-              <a:gd name="connsiteY28" fmla="*/ 2841674 h 2841674"/>
-              <a:gd name="connsiteX29" fmla="*/ 1789745 w 7498080"/>
-              <a:gd name="connsiteY29" fmla="*/ 2841674 h 2841674"/>
-              <a:gd name="connsiteX30" fmla="*/ 1128706 w 7498080"/>
-              <a:gd name="connsiteY30" fmla="*/ 2841674 h 2841674"/>
-              <a:gd name="connsiteX31" fmla="*/ 473622 w 7498080"/>
-              <a:gd name="connsiteY31" fmla="*/ 2841674 h 2841674"/>
-              <a:gd name="connsiteX32" fmla="*/ 0 w 7498080"/>
-              <a:gd name="connsiteY32" fmla="*/ 2368052 h 2841674"/>
-              <a:gd name="connsiteX33" fmla="*/ 0 w 7498080"/>
-              <a:gd name="connsiteY33" fmla="*/ 1875500 h 2841674"/>
-              <a:gd name="connsiteX34" fmla="*/ 0 w 7498080"/>
-              <a:gd name="connsiteY34" fmla="*/ 1401893 h 2841674"/>
-              <a:gd name="connsiteX35" fmla="*/ 0 w 7498080"/>
-              <a:gd name="connsiteY35" fmla="*/ 985118 h 2841674"/>
-              <a:gd name="connsiteX36" fmla="*/ 0 w 7498080"/>
-              <a:gd name="connsiteY36" fmla="*/ 473622 h 2841674"/>
-            </a:gdLst>
-            <a:ahLst/>
-            <a:cxnLst>
-              <a:cxn ang="0">
-                <a:pos x="connsiteX0" y="connsiteY0"/>
-              </a:cxn>
-              <a:cxn ang="0">
-                <a:pos x="connsiteX1" y="connsiteY1"/>
-              </a:cxn>
-              <a:cxn ang="0">
-                <a:pos x="connsiteX2" y="connsiteY2"/>
-              </a:cxn>
-              <a:cxn ang="0">
-                <a:pos x="connsiteX3" y="connsiteY3"/>
-              </a:cxn>
-              <a:cxn ang="0">
-                <a:pos x="connsiteX4" y="connsiteY4"/>
-              </a:cxn>
-              <a:cxn ang="0">
-                <a:pos x="connsiteX5" y="connsiteY5"/>
-              </a:cxn>
-              <a:cxn ang="0">
-                <a:pos x="connsiteX6" y="connsiteY6"/>
-              </a:cxn>
-              <a:cxn ang="0">
-                <a:pos x="connsiteX7" y="connsiteY7"/>
-              </a:cxn>
-              <a:cxn ang="0">
-                <a:pos x="connsiteX8" y="connsiteY8"/>
-              </a:cxn>
-              <a:cxn ang="0">
-                <a:pos x="connsiteX9" y="connsiteY9"/>
-              </a:cxn>
-              <a:cxn ang="0">
-                <a:pos x="connsiteX10" y="connsiteY10"/>
-              </a:cxn>
-              <a:cxn ang="0">
-                <a:pos x="connsiteX11" y="connsiteY11"/>
-              </a:cxn>
-              <a:cxn ang="0">
-                <a:pos x="connsiteX12" y="connsiteY12"/>
-              </a:cxn>
-              <a:cxn ang="0">
-                <a:pos x="connsiteX13" y="connsiteY13"/>
-              </a:cxn>
-              <a:cxn ang="0">
-                <a:pos x="connsiteX14" y="connsiteY14"/>
-              </a:cxn>
-              <a:cxn ang="0">
-                <a:pos x="connsiteX15" y="connsiteY15"/>
-              </a:cxn>
-              <a:cxn ang="0">
-                <a:pos x="connsiteX16" y="connsiteY16"/>
-              </a:cxn>
-              <a:cxn ang="0">
-                <a:pos x="connsiteX17" y="connsiteY17"/>
-              </a:cxn>
-              <a:cxn ang="0">
-                <a:pos x="connsiteX18" y="connsiteY18"/>
-              </a:cxn>
-              <a:cxn ang="0">
-                <a:pos x="connsiteX19" y="connsiteY19"/>
-              </a:cxn>
-              <a:cxn ang="0">
-                <a:pos x="connsiteX20" y="connsiteY20"/>
-              </a:cxn>
-              <a:cxn ang="0">
-                <a:pos x="connsiteX21" y="connsiteY21"/>
-              </a:cxn>
-              <a:cxn ang="0">
-                <a:pos x="connsiteX22" y="connsiteY22"/>
-              </a:cxn>
-              <a:cxn ang="0">
-                <a:pos x="connsiteX23" y="connsiteY23"/>
-              </a:cxn>
-              <a:cxn ang="0">
-                <a:pos x="connsiteX24" y="connsiteY24"/>
-              </a:cxn>
-              <a:cxn ang="0">
-                <a:pos x="connsiteX25" y="connsiteY25"/>
-              </a:cxn>
-              <a:cxn ang="0">
-                <a:pos x="connsiteX26" y="connsiteY26"/>
-              </a:cxn>
-              <a:cxn ang="0">
-                <a:pos x="connsiteX27" y="connsiteY27"/>
-              </a:cxn>
-              <a:cxn ang="0">
-                <a:pos x="connsiteX28" y="connsiteY28"/>
-              </a:cxn>
-              <a:cxn ang="0">
-                <a:pos x="connsiteX29" y="connsiteY29"/>
-              </a:cxn>
-              <a:cxn ang="0">
-                <a:pos x="connsiteX30" y="connsiteY30"/>
-              </a:cxn>
-              <a:cxn ang="0">
-                <a:pos x="connsiteX31" y="connsiteY31"/>
-              </a:cxn>
-              <a:cxn ang="0">
-                <a:pos x="connsiteX32" y="connsiteY32"/>
-              </a:cxn>
-              <a:cxn ang="0">
-                <a:pos x="connsiteX33" y="connsiteY33"/>
-              </a:cxn>
-              <a:cxn ang="0">
-                <a:pos x="connsiteX34" y="connsiteY34"/>
-              </a:cxn>
-              <a:cxn ang="0">
-                <a:pos x="connsiteX35" y="connsiteY35"/>
-              </a:cxn>
-              <a:cxn ang="0">
-                <a:pos x="connsiteX36" y="connsiteY36"/>
-              </a:cxn>
-            </a:cxnLst>
-            <a:rect l="l" t="t" r="r" b="b"/>
-            <a:pathLst>
-              <a:path w="7498080" h="2841674" fill="none" extrusionOk="0">
-                <a:moveTo>
-                  <a:pt x="0" y="473622"/>
-                </a:moveTo>
-                <a:cubicBezTo>
-                  <a:pt x="38937" y="167040"/>
-                  <a:pt x="220279" y="-41260"/>
-                  <a:pt x="473622" y="0"/>
-                </a:cubicBezTo>
-                <a:cubicBezTo>
-                  <a:pt x="764155" y="-57616"/>
-                  <a:pt x="970367" y="46203"/>
-                  <a:pt x="1134661" y="0"/>
-                </a:cubicBezTo>
-                <a:cubicBezTo>
-                  <a:pt x="1298955" y="-46203"/>
-                  <a:pt x="1513677" y="70263"/>
-                  <a:pt x="1730191" y="0"/>
-                </a:cubicBezTo>
-                <a:cubicBezTo>
-                  <a:pt x="1946705" y="-70263"/>
-                  <a:pt x="2081045" y="10745"/>
-                  <a:pt x="2260214" y="0"/>
-                </a:cubicBezTo>
-                <a:cubicBezTo>
-                  <a:pt x="2439383" y="-10745"/>
-                  <a:pt x="2701347" y="23279"/>
-                  <a:pt x="2921253" y="0"/>
-                </a:cubicBezTo>
-                <a:cubicBezTo>
-                  <a:pt x="3141159" y="-23279"/>
-                  <a:pt x="3188188" y="20776"/>
-                  <a:pt x="3320258" y="0"/>
-                </a:cubicBezTo>
-                <a:cubicBezTo>
-                  <a:pt x="3452329" y="-20776"/>
-                  <a:pt x="3606351" y="36134"/>
-                  <a:pt x="3784772" y="0"/>
-                </a:cubicBezTo>
-                <a:cubicBezTo>
-                  <a:pt x="3963193" y="-36134"/>
-                  <a:pt x="4190527" y="6182"/>
-                  <a:pt x="4380302" y="0"/>
-                </a:cubicBezTo>
-                <a:cubicBezTo>
-                  <a:pt x="4570077" y="-6182"/>
-                  <a:pt x="4716500" y="7504"/>
-                  <a:pt x="4844816" y="0"/>
-                </a:cubicBezTo>
-                <a:cubicBezTo>
-                  <a:pt x="4973132" y="-7504"/>
-                  <a:pt x="5160078" y="47674"/>
-                  <a:pt x="5374838" y="0"/>
-                </a:cubicBezTo>
-                <a:cubicBezTo>
-                  <a:pt x="5589598" y="-47674"/>
-                  <a:pt x="5655889" y="4731"/>
-                  <a:pt x="5839352" y="0"/>
-                </a:cubicBezTo>
-                <a:cubicBezTo>
-                  <a:pt x="6022815" y="-4731"/>
-                  <a:pt x="6217972" y="12533"/>
-                  <a:pt x="6500391" y="0"/>
-                </a:cubicBezTo>
-                <a:cubicBezTo>
-                  <a:pt x="6782810" y="-12533"/>
-                  <a:pt x="6851124" y="18487"/>
-                  <a:pt x="7024458" y="0"/>
-                </a:cubicBezTo>
-                <a:cubicBezTo>
-                  <a:pt x="7282594" y="9488"/>
-                  <a:pt x="7525705" y="196804"/>
-                  <a:pt x="7498080" y="473622"/>
-                </a:cubicBezTo>
-                <a:cubicBezTo>
-                  <a:pt x="7499009" y="606687"/>
-                  <a:pt x="7459571" y="753336"/>
-                  <a:pt x="7498080" y="890397"/>
-                </a:cubicBezTo>
-                <a:cubicBezTo>
-                  <a:pt x="7536589" y="1027458"/>
-                  <a:pt x="7458316" y="1155393"/>
-                  <a:pt x="7498080" y="1364004"/>
-                </a:cubicBezTo>
-                <a:cubicBezTo>
-                  <a:pt x="7537844" y="1572615"/>
-                  <a:pt x="7487424" y="1655875"/>
-                  <a:pt x="7498080" y="1780779"/>
-                </a:cubicBezTo>
-                <a:cubicBezTo>
-                  <a:pt x="7508736" y="1905684"/>
-                  <a:pt x="7450497" y="2092794"/>
-                  <a:pt x="7498080" y="2368052"/>
-                </a:cubicBezTo>
-                <a:cubicBezTo>
-                  <a:pt x="7502145" y="2639467"/>
-                  <a:pt x="7280719" y="2839693"/>
-                  <a:pt x="7024458" y="2841674"/>
-                </a:cubicBezTo>
-                <a:cubicBezTo>
-                  <a:pt x="6817265" y="2851440"/>
-                  <a:pt x="6681567" y="2811562"/>
-                  <a:pt x="6559944" y="2841674"/>
-                </a:cubicBezTo>
-                <a:cubicBezTo>
-                  <a:pt x="6438321" y="2871786"/>
-                  <a:pt x="6141344" y="2839360"/>
-                  <a:pt x="6029922" y="2841674"/>
-                </a:cubicBezTo>
-                <a:cubicBezTo>
-                  <a:pt x="5918500" y="2843988"/>
-                  <a:pt x="5716467" y="2776185"/>
-                  <a:pt x="5434391" y="2841674"/>
-                </a:cubicBezTo>
-                <a:cubicBezTo>
-                  <a:pt x="5152315" y="2907163"/>
-                  <a:pt x="5053601" y="2839432"/>
-                  <a:pt x="4773353" y="2841674"/>
-                </a:cubicBezTo>
-                <a:cubicBezTo>
-                  <a:pt x="4493105" y="2843916"/>
-                  <a:pt x="4379474" y="2815957"/>
-                  <a:pt x="4243330" y="2841674"/>
-                </a:cubicBezTo>
-                <a:cubicBezTo>
-                  <a:pt x="4107186" y="2867391"/>
-                  <a:pt x="3876000" y="2813300"/>
-                  <a:pt x="3778817" y="2841674"/>
-                </a:cubicBezTo>
-                <a:cubicBezTo>
-                  <a:pt x="3681634" y="2870048"/>
-                  <a:pt x="3475978" y="2805797"/>
-                  <a:pt x="3314303" y="2841674"/>
-                </a:cubicBezTo>
-                <a:cubicBezTo>
-                  <a:pt x="3152628" y="2877551"/>
-                  <a:pt x="3084048" y="2836167"/>
-                  <a:pt x="2915297" y="2841674"/>
-                </a:cubicBezTo>
-                <a:cubicBezTo>
-                  <a:pt x="2746546" y="2847181"/>
-                  <a:pt x="2667107" y="2834218"/>
-                  <a:pt x="2450783" y="2841674"/>
-                </a:cubicBezTo>
-                <a:cubicBezTo>
-                  <a:pt x="2234459" y="2849130"/>
-                  <a:pt x="2112324" y="2826997"/>
-                  <a:pt x="1789745" y="2841674"/>
-                </a:cubicBezTo>
-                <a:cubicBezTo>
-                  <a:pt x="1467166" y="2856351"/>
-                  <a:pt x="1262375" y="2837060"/>
-                  <a:pt x="1128706" y="2841674"/>
-                </a:cubicBezTo>
-                <a:cubicBezTo>
-                  <a:pt x="995037" y="2846288"/>
-                  <a:pt x="790249" y="2766547"/>
-                  <a:pt x="473622" y="2841674"/>
-                </a:cubicBezTo>
-                <a:cubicBezTo>
-                  <a:pt x="254796" y="2797851"/>
-                  <a:pt x="5442" y="2623474"/>
-                  <a:pt x="0" y="2368052"/>
-                </a:cubicBezTo>
-                <a:cubicBezTo>
-                  <a:pt x="-31243" y="2146398"/>
-                  <a:pt x="36807" y="1981405"/>
-                  <a:pt x="0" y="1875500"/>
-                </a:cubicBezTo>
-                <a:cubicBezTo>
-                  <a:pt x="-36807" y="1769595"/>
-                  <a:pt x="55094" y="1626275"/>
-                  <a:pt x="0" y="1401893"/>
-                </a:cubicBezTo>
-                <a:cubicBezTo>
-                  <a:pt x="-55094" y="1177511"/>
-                  <a:pt x="20148" y="1088729"/>
-                  <a:pt x="0" y="985118"/>
-                </a:cubicBezTo>
-                <a:cubicBezTo>
-                  <a:pt x="-20148" y="881508"/>
-                  <a:pt x="43708" y="579178"/>
-                  <a:pt x="0" y="473622"/>
-                </a:cubicBezTo>
-                <a:close/>
-              </a:path>
-              <a:path w="7498080" h="2841674" stroke="0" extrusionOk="0">
-                <a:moveTo>
-                  <a:pt x="0" y="473622"/>
-                </a:moveTo>
-                <a:cubicBezTo>
-                  <a:pt x="24624" y="283457"/>
-                  <a:pt x="148952" y="-17882"/>
-                  <a:pt x="473622" y="0"/>
-                </a:cubicBezTo>
-                <a:cubicBezTo>
-                  <a:pt x="599206" y="-53255"/>
-                  <a:pt x="830935" y="42738"/>
-                  <a:pt x="938136" y="0"/>
-                </a:cubicBezTo>
-                <a:cubicBezTo>
-                  <a:pt x="1045337" y="-42738"/>
-                  <a:pt x="1451872" y="37831"/>
-                  <a:pt x="1599175" y="0"/>
-                </a:cubicBezTo>
-                <a:cubicBezTo>
-                  <a:pt x="1746478" y="-37831"/>
-                  <a:pt x="1937137" y="35184"/>
-                  <a:pt x="2194705" y="0"/>
-                </a:cubicBezTo>
-                <a:cubicBezTo>
-                  <a:pt x="2452273" y="-35184"/>
-                  <a:pt x="2599748" y="16445"/>
-                  <a:pt x="2724727" y="0"/>
-                </a:cubicBezTo>
-                <a:cubicBezTo>
-                  <a:pt x="2849706" y="-16445"/>
-                  <a:pt x="3080184" y="32036"/>
-                  <a:pt x="3254750" y="0"/>
-                </a:cubicBezTo>
-                <a:cubicBezTo>
-                  <a:pt x="3429316" y="-32036"/>
-                  <a:pt x="3582808" y="54826"/>
-                  <a:pt x="3719263" y="0"/>
-                </a:cubicBezTo>
-                <a:cubicBezTo>
-                  <a:pt x="3855718" y="-54826"/>
-                  <a:pt x="4158485" y="25737"/>
-                  <a:pt x="4380302" y="0"/>
-                </a:cubicBezTo>
-                <a:cubicBezTo>
-                  <a:pt x="4602119" y="-25737"/>
-                  <a:pt x="4783922" y="54750"/>
-                  <a:pt x="5041341" y="0"/>
-                </a:cubicBezTo>
-                <a:cubicBezTo>
-                  <a:pt x="5298760" y="-54750"/>
-                  <a:pt x="5301971" y="53319"/>
-                  <a:pt x="5505855" y="0"/>
-                </a:cubicBezTo>
-                <a:cubicBezTo>
-                  <a:pt x="5709739" y="-53319"/>
-                  <a:pt x="5914748" y="59925"/>
-                  <a:pt x="6035877" y="0"/>
-                </a:cubicBezTo>
-                <a:cubicBezTo>
-                  <a:pt x="6157006" y="-59925"/>
-                  <a:pt x="6651700" y="11212"/>
-                  <a:pt x="7024458" y="0"/>
-                </a:cubicBezTo>
-                <a:cubicBezTo>
-                  <a:pt x="7246075" y="4542"/>
-                  <a:pt x="7495419" y="196167"/>
-                  <a:pt x="7498080" y="473622"/>
-                </a:cubicBezTo>
-                <a:cubicBezTo>
-                  <a:pt x="7500491" y="690440"/>
-                  <a:pt x="7470507" y="789645"/>
-                  <a:pt x="7498080" y="909341"/>
-                </a:cubicBezTo>
-                <a:cubicBezTo>
-                  <a:pt x="7525653" y="1029037"/>
-                  <a:pt x="7449163" y="1236954"/>
-                  <a:pt x="7498080" y="1326116"/>
-                </a:cubicBezTo>
-                <a:cubicBezTo>
-                  <a:pt x="7546997" y="1415279"/>
-                  <a:pt x="7485451" y="1602565"/>
-                  <a:pt x="7498080" y="1742890"/>
-                </a:cubicBezTo>
-                <a:cubicBezTo>
-                  <a:pt x="7510709" y="1883215"/>
-                  <a:pt x="7471261" y="2171925"/>
-                  <a:pt x="7498080" y="2368052"/>
-                </a:cubicBezTo>
-                <a:cubicBezTo>
-                  <a:pt x="7491233" y="2625289"/>
-                  <a:pt x="7300145" y="2853102"/>
-                  <a:pt x="7024458" y="2841674"/>
-                </a:cubicBezTo>
-                <a:cubicBezTo>
-                  <a:pt x="6854776" y="2859721"/>
-                  <a:pt x="6708159" y="2817657"/>
-                  <a:pt x="6625453" y="2841674"/>
-                </a:cubicBezTo>
-                <a:cubicBezTo>
-                  <a:pt x="6542748" y="2865691"/>
-                  <a:pt x="6289264" y="2819102"/>
-                  <a:pt x="6095430" y="2841674"/>
-                </a:cubicBezTo>
-                <a:cubicBezTo>
-                  <a:pt x="5901596" y="2864246"/>
-                  <a:pt x="5701681" y="2806533"/>
-                  <a:pt x="5565408" y="2841674"/>
-                </a:cubicBezTo>
-                <a:cubicBezTo>
-                  <a:pt x="5429135" y="2876815"/>
-                  <a:pt x="5173002" y="2832096"/>
-                  <a:pt x="4969878" y="2841674"/>
-                </a:cubicBezTo>
-                <a:cubicBezTo>
-                  <a:pt x="4766754" y="2851252"/>
-                  <a:pt x="4661770" y="2771682"/>
-                  <a:pt x="4374347" y="2841674"/>
-                </a:cubicBezTo>
-                <a:cubicBezTo>
-                  <a:pt x="4086924" y="2911666"/>
-                  <a:pt x="4090390" y="2800514"/>
-                  <a:pt x="3909833" y="2841674"/>
-                </a:cubicBezTo>
-                <a:cubicBezTo>
-                  <a:pt x="3729276" y="2882834"/>
-                  <a:pt x="3530876" y="2806482"/>
-                  <a:pt x="3183286" y="2841674"/>
-                </a:cubicBezTo>
-                <a:cubicBezTo>
-                  <a:pt x="2835696" y="2876866"/>
-                  <a:pt x="2823892" y="2799101"/>
-                  <a:pt x="2718772" y="2841674"/>
-                </a:cubicBezTo>
-                <a:cubicBezTo>
-                  <a:pt x="2613652" y="2884247"/>
-                  <a:pt x="2217237" y="2778699"/>
-                  <a:pt x="2057733" y="2841674"/>
-                </a:cubicBezTo>
-                <a:cubicBezTo>
-                  <a:pt x="1898229" y="2904649"/>
-                  <a:pt x="1806720" y="2789543"/>
-                  <a:pt x="1593219" y="2841674"/>
-                </a:cubicBezTo>
-                <a:cubicBezTo>
-                  <a:pt x="1379718" y="2893805"/>
-                  <a:pt x="1354724" y="2807853"/>
-                  <a:pt x="1194214" y="2841674"/>
-                </a:cubicBezTo>
-                <a:cubicBezTo>
-                  <a:pt x="1033705" y="2875495"/>
-                  <a:pt x="642331" y="2788179"/>
-                  <a:pt x="473622" y="2841674"/>
-                </a:cubicBezTo>
-                <a:cubicBezTo>
-                  <a:pt x="261430" y="2806669"/>
-                  <a:pt x="9248" y="2567672"/>
-                  <a:pt x="0" y="2368052"/>
-                </a:cubicBezTo>
-                <a:cubicBezTo>
-                  <a:pt x="-44685" y="2159981"/>
-                  <a:pt x="14919" y="2111148"/>
-                  <a:pt x="0" y="1951277"/>
-                </a:cubicBezTo>
-                <a:cubicBezTo>
-                  <a:pt x="-14919" y="1791407"/>
-                  <a:pt x="20787" y="1595700"/>
-                  <a:pt x="0" y="1477670"/>
-                </a:cubicBezTo>
-                <a:cubicBezTo>
-                  <a:pt x="-20787" y="1359640"/>
-                  <a:pt x="17323" y="1232108"/>
-                  <a:pt x="0" y="1041951"/>
-                </a:cubicBezTo>
-                <a:cubicBezTo>
-                  <a:pt x="-17323" y="851794"/>
-                  <a:pt x="38344" y="730308"/>
-                  <a:pt x="0" y="473622"/>
-                </a:cubicBezTo>
-                <a:close/>
-              </a:path>
-            </a:pathLst>
-          </a:custGeom>
-          <a:solidFill>
-            <a:schemeClr val="bg1"/>
-          </a:solidFill>
-          <a:ln w="19050">
-            <a:solidFill>
-              <a:schemeClr val="tx1"/>
-            </a:solidFill>
-            <a:extLst>
-              <a:ext uri="{C807C97D-BFC1-408E-A445-0C87EB9F89A2}">
-                <ask:lineSketchStyleProps xmlns:ask="http://schemas.microsoft.com/office/drawing/2018/sketchyshapes" sd="2847000804">
-                  <a:prstGeom prst="roundRect">
-                    <a:avLst/>
-                  </a:prstGeom>
-                  <ask:type>
-                    <ask:lineSketchScribble/>
-                  </ask:type>
-                </ask:lineSketchStyleProps>
-              </a:ext>
-            </a:extLst>
-          </a:ln>
-        </p:spPr>
-        <p:style>
-          <a:lnRef idx="2">
-            <a:schemeClr val="accent1">
-              <a:shade val="50000"/>
-            </a:schemeClr>
-          </a:lnRef>
-          <a:fillRef idx="1">
-            <a:schemeClr val="accent1"/>
-          </a:fillRef>
-          <a:effectRef idx="0">
-            <a:schemeClr val="accent1"/>
-          </a:effectRef>
-          <a:fontRef idx="minor">
-            <a:schemeClr val="lt1"/>
-          </a:fontRef>
-        </p:style>
-        <p:txBody>
-          <a:bodyPr rtlCol="0" anchor="ctr"/>
-          <a:lstStyle/>
-          <a:p>
-            <a:pPr marL="457200" indent="-457200">
-              <a:buFont typeface="+mj-lt"/>
-              <a:buAutoNum type="arabicPeriod"/>
-            </a:pPr>
-            <a:r>
-              <a:rPr lang="es-AR" sz="2400" dirty="0">
-                <a:solidFill>
-                  <a:schemeClr val="tx1"/>
-                </a:solidFill>
-                <a:latin typeface="Segoe Print" panose="02000600000000000000" pitchFamily="2" charset="0"/>
-              </a:rPr>
-              <a:t>Esparcidos: todos los lados con pocas viviendas.</a:t>
-            </a:r>
-          </a:p>
-          <a:p>
-            <a:pPr marL="457200" indent="-457200">
-              <a:buFont typeface="+mj-lt"/>
-              <a:buAutoNum type="arabicPeriod"/>
-            </a:pPr>
-            <a:r>
-              <a:rPr lang="es-AR" sz="2400" dirty="0">
-                <a:solidFill>
-                  <a:schemeClr val="tx1"/>
-                </a:solidFill>
-                <a:latin typeface="Segoe Print" panose="02000600000000000000" pitchFamily="2" charset="0"/>
-              </a:rPr>
-              <a:t>Densos: todas las manzanas con muchas viviendas.</a:t>
-            </a:r>
-          </a:p>
-          <a:p>
-            <a:pPr marL="457200" indent="-457200">
-              <a:buFont typeface="+mj-lt"/>
-              <a:buAutoNum type="arabicPeriod"/>
-            </a:pPr>
-            <a:r>
-              <a:rPr lang="es-AR" sz="2400" dirty="0">
-                <a:solidFill>
-                  <a:schemeClr val="tx1"/>
-                </a:solidFill>
-                <a:latin typeface="Segoe Print" panose="02000600000000000000" pitchFamily="2" charset="0"/>
-              </a:rPr>
-              <a:t>Combinados: situaciones intermedias</a:t>
-            </a:r>
-            <a:br>
-              <a:rPr lang="es-AR" sz="2400" dirty="0">
-                <a:solidFill>
-                  <a:schemeClr val="tx1"/>
-                </a:solidFill>
-                <a:latin typeface="Segoe Print" panose="02000600000000000000" pitchFamily="2" charset="0"/>
-              </a:rPr>
-            </a:br>
-            <a:r>
-              <a:rPr lang="es-AR" sz="2400" dirty="0">
-                <a:solidFill>
-                  <a:schemeClr val="tx1"/>
-                </a:solidFill>
-                <a:latin typeface="Segoe Print" panose="02000600000000000000" pitchFamily="2" charset="0"/>
-              </a:rPr>
-              <a:t>algunas manzanas con pocas viviendas</a:t>
-            </a:r>
-            <a:br>
-              <a:rPr lang="es-AR" sz="2400" dirty="0">
-                <a:solidFill>
-                  <a:schemeClr val="tx1"/>
-                </a:solidFill>
-                <a:latin typeface="Segoe Print" panose="02000600000000000000" pitchFamily="2" charset="0"/>
-              </a:rPr>
-            </a:br>
-            <a:r>
-              <a:rPr lang="es-AR" sz="2400" dirty="0">
-                <a:solidFill>
-                  <a:schemeClr val="tx1"/>
-                </a:solidFill>
-                <a:latin typeface="Segoe Print" panose="02000600000000000000" pitchFamily="2" charset="0"/>
-              </a:rPr>
-              <a:t>o algunos lados con muchas viviendas. </a:t>
-            </a:r>
-          </a:p>
-        </p:txBody>
-      </p:sp>
-    </p:spTree>
-    <p:extLst>
-      <p:ext uri="{BB962C8B-B14F-4D97-AF65-F5344CB8AC3E}">
-        <p14:creationId xmlns:p14="http://schemas.microsoft.com/office/powerpoint/2010/main" val="59448841"/>
-      </p:ext>
-    </p:extLst>
-  </p:cSld>
-  <p:clrMapOvr>
-    <a:masterClrMapping/>
-  </p:clrMapOvr>
-</p:sld>
-</file>
-
-<file path=ppt/slides/slide11.xml><?xml version="1.0" encoding="utf-8"?>
-<p:sld xmlns:a="http://schemas.openxmlformats.org/drawingml/2006/main" xmlns:r="http://schemas.openxmlformats.org/officeDocument/2006/relationships" xmlns:p="http://schemas.openxmlformats.org/presentationml/2006/main">
-  <p:cSld>
-    <p:spTree>
-      <p:nvGrpSpPr>
-        <p:cNvPr id="1" name=""/>
-        <p:cNvGrpSpPr/>
-        <p:nvPr/>
-      </p:nvGrpSpPr>
-      <p:grpSpPr>
-        <a:xfrm>
-          <a:off x="0" y="0"/>
-          <a:ext cx="0" cy="0"/>
-          <a:chOff x="0" y="0"/>
-          <a:chExt cx="0" cy="0"/>
-        </a:xfrm>
-      </p:grpSpPr>
-      <p:sp>
-        <p:nvSpPr>
-          <p:cNvPr id="2" name="Título 1">
-            <a:extLst>
-              <a:ext uri="{FF2B5EF4-FFF2-40B4-BE49-F238E27FC236}">
                 <a16:creationId xmlns:a16="http://schemas.microsoft.com/office/drawing/2014/main" id="{97468D9B-3A92-40E5-9233-0525BD947993}"/>
               </a:ext>
             </a:extLst>
@@ -6122,10 +5834,16 @@
           <a:p>
             <a:pPr algn="ctr"/>
             <a:r>
+              <a:rPr lang="es-AR" sz="5400" b="1" dirty="0">
+                <a:latin typeface="Segoe Print" panose="02000600000000000000" pitchFamily="2" charset="0"/>
+              </a:rPr>
+              <a:t>Algoritmos o Métodos</a:t>
+            </a:r>
+            <a:r>
               <a:rPr lang="es-AR" sz="5400" i="1" dirty="0">
                 <a:latin typeface="Segoe Print" panose="02000600000000000000" pitchFamily="2" charset="0"/>
               </a:rPr>
-              <a:t>Algoritmos o Métodos.</a:t>
+              <a:t>.</a:t>
             </a:r>
           </a:p>
         </p:txBody>
@@ -6192,7 +5910,7 @@
         </p:nvSpPr>
         <p:spPr>
           <a:xfrm>
-            <a:off x="3895119" y="3128125"/>
+            <a:off x="4372197" y="2676055"/>
             <a:ext cx="7287065" cy="3369847"/>
           </a:xfrm>
           <a:custGeom>
@@ -6393,7 +6111,7 @@
                 <a:solidFill>
                   <a:schemeClr val="tx1"/>
                 </a:solidFill>
-                <a:latin typeface="Segoe Script" panose="030B0504020000000003" pitchFamily="66" charset="0"/>
+                <a:latin typeface="Segoe Print" panose="02000600000000000000" pitchFamily="2" charset="0"/>
               </a:rPr>
               <a:t>Conteos:</a:t>
             </a:r>
@@ -6402,7 +6120,7 @@
                 <a:solidFill>
                   <a:schemeClr val="tx1"/>
                 </a:solidFill>
-                <a:latin typeface="Segoe Script" panose="030B0504020000000003" pitchFamily="66" charset="0"/>
+                <a:latin typeface="Segoe Print" panose="02000600000000000000" pitchFamily="2" charset="0"/>
               </a:rPr>
             </a:br>
             <a:r>
@@ -6410,7 +6128,7 @@
                 <a:solidFill>
                   <a:schemeClr val="tx1"/>
                 </a:solidFill>
-                <a:latin typeface="Segoe Script" panose="030B0504020000000003" pitchFamily="66" charset="0"/>
+                <a:latin typeface="Segoe Print" panose="02000600000000000000" pitchFamily="2" charset="0"/>
               </a:rPr>
               <a:t>lados o manzanas completas</a:t>
             </a:r>
@@ -6425,7 +6143,7 @@
                 <a:solidFill>
                   <a:schemeClr val="tx1"/>
                 </a:solidFill>
-                <a:latin typeface="Segoe Script" panose="030B0504020000000003" pitchFamily="66" charset="0"/>
+                <a:latin typeface="Segoe Print" panose="02000600000000000000" pitchFamily="2" charset="0"/>
               </a:rPr>
               <a:t>Listados: direcciones, pisos</a:t>
             </a:r>
@@ -6434,7 +6152,7 @@
                 <a:solidFill>
                   <a:schemeClr val="tx1"/>
                 </a:solidFill>
-                <a:latin typeface="Segoe Script" panose="030B0504020000000003" pitchFamily="66" charset="0"/>
+                <a:latin typeface="Segoe Print" panose="02000600000000000000" pitchFamily="2" charset="0"/>
               </a:rPr>
             </a:br>
             <a:r>
@@ -6442,7 +6160,7 @@
                 <a:solidFill>
                   <a:schemeClr val="tx1"/>
                 </a:solidFill>
-                <a:latin typeface="Segoe Script" panose="030B0504020000000003" pitchFamily="66" charset="0"/>
+                <a:latin typeface="Segoe Print" panose="02000600000000000000" pitchFamily="2" charset="0"/>
               </a:rPr>
               <a:t>(no puede haber más de 1 segmento por piso)</a:t>
             </a:r>
@@ -6451,7 +6169,7 @@
                 <a:solidFill>
                   <a:schemeClr val="tx1"/>
                 </a:solidFill>
-                <a:latin typeface="Segoe Script" panose="030B0504020000000003" pitchFamily="66" charset="0"/>
+                <a:latin typeface="Segoe Print" panose="02000600000000000000" pitchFamily="2" charset="0"/>
               </a:rPr>
             </a:br>
             <a:r>
@@ -6459,7 +6177,7 @@
                 <a:solidFill>
                   <a:schemeClr val="tx1"/>
                 </a:solidFill>
-                <a:latin typeface="Segoe Script" panose="030B0504020000000003" pitchFamily="66" charset="0"/>
+                <a:latin typeface="Segoe Print" panose="02000600000000000000" pitchFamily="2" charset="0"/>
               </a:rPr>
               <a:t>recorridos o manzanas independientes</a:t>
             </a:r>
@@ -6474,7 +6192,7 @@
                 <a:solidFill>
                   <a:schemeClr val="tx1"/>
                 </a:solidFill>
-                <a:latin typeface="Segoe Script" panose="030B0504020000000003" pitchFamily="66" charset="0"/>
+                <a:latin typeface="Segoe Print" panose="02000600000000000000" pitchFamily="2" charset="0"/>
               </a:rPr>
               <a:t>Varias combinaciones de ambos.</a:t>
             </a:r>
@@ -6494,7 +6212,1320 @@
 </p:sld>
 </file>
 
+<file path=ppt/slides/slide11.xml><?xml version="1.0" encoding="utf-8"?>
+<p:sld xmlns:a="http://schemas.openxmlformats.org/drawingml/2006/main" xmlns:r="http://schemas.openxmlformats.org/officeDocument/2006/relationships" xmlns:p="http://schemas.openxmlformats.org/presentationml/2006/main">
+  <p:cSld>
+    <p:spTree>
+      <p:nvGrpSpPr>
+        <p:cNvPr id="1" name=""/>
+        <p:cNvGrpSpPr/>
+        <p:nvPr/>
+      </p:nvGrpSpPr>
+      <p:grpSpPr>
+        <a:xfrm>
+          <a:off x="0" y="0"/>
+          <a:ext cx="0" cy="0"/>
+          <a:chOff x="0" y="0"/>
+          <a:chExt cx="0" cy="0"/>
+        </a:xfrm>
+      </p:grpSpPr>
+      <p:sp>
+        <p:nvSpPr>
+          <p:cNvPr id="2" name="Título 1">
+            <a:extLst>
+              <a:ext uri="{FF2B5EF4-FFF2-40B4-BE49-F238E27FC236}">
+                <a16:creationId xmlns:a16="http://schemas.microsoft.com/office/drawing/2014/main" id="{E9294C88-B9A5-42C4-AEB1-329F5A9B9A24}"/>
+              </a:ext>
+            </a:extLst>
+          </p:cNvPr>
+          <p:cNvSpPr>
+            <a:spLocks noGrp="1"/>
+          </p:cNvSpPr>
+          <p:nvPr>
+            <p:ph type="title"/>
+          </p:nvPr>
+        </p:nvSpPr>
+        <p:spPr/>
+        <p:txBody>
+          <a:bodyPr/>
+          <a:lstStyle/>
+          <a:p>
+            <a:r>
+              <a:rPr lang="es-AR" dirty="0">
+                <a:latin typeface="Segoe Print" panose="02000600000000000000" pitchFamily="2" charset="0"/>
+              </a:rPr>
+              <a:t>1. Conteos: </a:t>
+            </a:r>
+            <a:br>
+              <a:rPr lang="es-AR" dirty="0">
+                <a:latin typeface="Segoe Print" panose="02000600000000000000" pitchFamily="2" charset="0"/>
+              </a:rPr>
+            </a:br>
+            <a:r>
+              <a:rPr lang="es-AR" dirty="0">
+                <a:latin typeface="Segoe Print" panose="02000600000000000000" pitchFamily="2" charset="0"/>
+              </a:rPr>
+              <a:t>Segmentaciones posibles</a:t>
+            </a:r>
+          </a:p>
+        </p:txBody>
+      </p:sp>
+      <p:pic>
+        <p:nvPicPr>
+          <p:cNvPr id="4" name="Imagen 3">
+            <a:extLst>
+              <a:ext uri="{FF2B5EF4-FFF2-40B4-BE49-F238E27FC236}">
+                <a16:creationId xmlns:a16="http://schemas.microsoft.com/office/drawing/2014/main" id="{2C4807DD-39C3-4BEF-A052-72037BA9E9E4}"/>
+              </a:ext>
+            </a:extLst>
+          </p:cNvPr>
+          <p:cNvPicPr>
+            <a:picLocks noChangeAspect="1"/>
+          </p:cNvPicPr>
+          <p:nvPr/>
+        </p:nvPicPr>
+        <p:blipFill>
+          <a:blip r:embed="rId2">
+            <a:extLst>
+              <a:ext uri="{28A0092B-C50C-407E-A947-70E740481C1C}">
+                <a14:useLocalDpi xmlns:a14="http://schemas.microsoft.com/office/drawing/2010/main" val="0"/>
+              </a:ext>
+            </a:extLst>
+          </a:blip>
+          <a:stretch>
+            <a:fillRect/>
+          </a:stretch>
+        </p:blipFill>
+        <p:spPr>
+          <a:xfrm>
+            <a:off x="4381499" y="2047875"/>
+            <a:ext cx="5769665" cy="4647786"/>
+          </a:xfrm>
+          <a:prstGeom prst="rect">
+            <a:avLst/>
+          </a:prstGeom>
+        </p:spPr>
+      </p:pic>
+    </p:spTree>
+    <p:extLst>
+      <p:ext uri="{BB962C8B-B14F-4D97-AF65-F5344CB8AC3E}">
+        <p14:creationId xmlns:p14="http://schemas.microsoft.com/office/powerpoint/2010/main" val="1806228873"/>
+      </p:ext>
+    </p:extLst>
+  </p:cSld>
+  <p:clrMapOvr>
+    <a:masterClrMapping/>
+  </p:clrMapOvr>
+</p:sld>
+</file>
+
 <file path=ppt/slides/slide12.xml><?xml version="1.0" encoding="utf-8"?>
+<p:sld xmlns:a="http://schemas.openxmlformats.org/drawingml/2006/main" xmlns:r="http://schemas.openxmlformats.org/officeDocument/2006/relationships" xmlns:p="http://schemas.openxmlformats.org/presentationml/2006/main">
+  <p:cSld>
+    <p:spTree>
+      <p:nvGrpSpPr>
+        <p:cNvPr id="1" name=""/>
+        <p:cNvGrpSpPr/>
+        <p:nvPr/>
+      </p:nvGrpSpPr>
+      <p:grpSpPr>
+        <a:xfrm>
+          <a:off x="0" y="0"/>
+          <a:ext cx="0" cy="0"/>
+          <a:chOff x="0" y="0"/>
+          <a:chExt cx="0" cy="0"/>
+        </a:xfrm>
+      </p:grpSpPr>
+      <p:sp>
+        <p:nvSpPr>
+          <p:cNvPr id="2" name="Título 1">
+            <a:extLst>
+              <a:ext uri="{FF2B5EF4-FFF2-40B4-BE49-F238E27FC236}">
+                <a16:creationId xmlns:a16="http://schemas.microsoft.com/office/drawing/2014/main" id="{25C0853D-8F91-4C11-8656-DDF489661565}"/>
+              </a:ext>
+            </a:extLst>
+          </p:cNvPr>
+          <p:cNvSpPr>
+            <a:spLocks noGrp="1"/>
+          </p:cNvSpPr>
+          <p:nvPr>
+            <p:ph type="title"/>
+          </p:nvPr>
+        </p:nvSpPr>
+        <p:spPr/>
+        <p:txBody>
+          <a:bodyPr/>
+          <a:lstStyle/>
+          <a:p>
+            <a:endParaRPr lang="es-AR"/>
+          </a:p>
+        </p:txBody>
+      </p:sp>
+      <p:pic>
+        <p:nvPicPr>
+          <p:cNvPr id="4" name="Imagen 3">
+            <a:extLst>
+              <a:ext uri="{FF2B5EF4-FFF2-40B4-BE49-F238E27FC236}">
+                <a16:creationId xmlns:a16="http://schemas.microsoft.com/office/drawing/2014/main" id="{2955AD87-C223-462E-B236-5508A302022C}"/>
+              </a:ext>
+            </a:extLst>
+          </p:cNvPr>
+          <p:cNvPicPr>
+            <a:picLocks noChangeAspect="1"/>
+          </p:cNvPicPr>
+          <p:nvPr/>
+        </p:nvPicPr>
+        <p:blipFill>
+          <a:blip r:embed="rId2">
+            <a:extLst>
+              <a:ext uri="{28A0092B-C50C-407E-A947-70E740481C1C}">
+                <a14:useLocalDpi xmlns:a14="http://schemas.microsoft.com/office/drawing/2010/main" val="0"/>
+              </a:ext>
+            </a:extLst>
+          </a:blip>
+          <a:stretch>
+            <a:fillRect/>
+          </a:stretch>
+        </p:blipFill>
+        <p:spPr>
+          <a:xfrm>
+            <a:off x="2855428" y="1687375"/>
+            <a:ext cx="6712641" cy="5112675"/>
+          </a:xfrm>
+          <a:prstGeom prst="rect">
+            <a:avLst/>
+          </a:prstGeom>
+        </p:spPr>
+      </p:pic>
+    </p:spTree>
+    <p:extLst>
+      <p:ext uri="{BB962C8B-B14F-4D97-AF65-F5344CB8AC3E}">
+        <p14:creationId xmlns:p14="http://schemas.microsoft.com/office/powerpoint/2010/main" val="3858762720"/>
+      </p:ext>
+    </p:extLst>
+  </p:cSld>
+  <p:clrMapOvr>
+    <a:masterClrMapping/>
+  </p:clrMapOvr>
+</p:sld>
+</file>
+
+<file path=ppt/slides/slide13.xml><?xml version="1.0" encoding="utf-8"?>
+<p:sld xmlns:a="http://schemas.openxmlformats.org/drawingml/2006/main" xmlns:r="http://schemas.openxmlformats.org/officeDocument/2006/relationships" xmlns:p="http://schemas.openxmlformats.org/presentationml/2006/main">
+  <p:cSld>
+    <p:spTree>
+      <p:nvGrpSpPr>
+        <p:cNvPr id="1" name=""/>
+        <p:cNvGrpSpPr/>
+        <p:nvPr/>
+      </p:nvGrpSpPr>
+      <p:grpSpPr>
+        <a:xfrm>
+          <a:off x="0" y="0"/>
+          <a:ext cx="0" cy="0"/>
+          <a:chOff x="0" y="0"/>
+          <a:chExt cx="0" cy="0"/>
+        </a:xfrm>
+      </p:grpSpPr>
+      <p:sp>
+        <p:nvSpPr>
+          <p:cNvPr id="2" name="Título 1">
+            <a:extLst>
+              <a:ext uri="{FF2B5EF4-FFF2-40B4-BE49-F238E27FC236}">
+                <a16:creationId xmlns:a16="http://schemas.microsoft.com/office/drawing/2014/main" id="{ECEE162C-7D81-4FDD-B718-14327B57EE7D}"/>
+              </a:ext>
+            </a:extLst>
+          </p:cNvPr>
+          <p:cNvSpPr>
+            <a:spLocks noGrp="1"/>
+          </p:cNvSpPr>
+          <p:nvPr>
+            <p:ph type="title"/>
+          </p:nvPr>
+        </p:nvSpPr>
+        <p:spPr/>
+        <p:txBody>
+          <a:bodyPr/>
+          <a:lstStyle/>
+          <a:p>
+            <a:endParaRPr lang="es-AR"/>
+          </a:p>
+        </p:txBody>
+      </p:sp>
+      <p:pic>
+        <p:nvPicPr>
+          <p:cNvPr id="5" name="Imagen 4">
+            <a:extLst>
+              <a:ext uri="{FF2B5EF4-FFF2-40B4-BE49-F238E27FC236}">
+                <a16:creationId xmlns:a16="http://schemas.microsoft.com/office/drawing/2014/main" id="{A19DAF25-0E7F-4E68-B4C5-85BF6DBCDFED}"/>
+              </a:ext>
+            </a:extLst>
+          </p:cNvPr>
+          <p:cNvPicPr>
+            <a:picLocks noChangeAspect="1"/>
+          </p:cNvPicPr>
+          <p:nvPr/>
+        </p:nvPicPr>
+        <p:blipFill>
+          <a:blip r:embed="rId2">
+            <a:extLst>
+              <a:ext uri="{28A0092B-C50C-407E-A947-70E740481C1C}">
+                <a14:useLocalDpi xmlns:a14="http://schemas.microsoft.com/office/drawing/2010/main" val="0"/>
+              </a:ext>
+            </a:extLst>
+          </a:blip>
+          <a:stretch>
+            <a:fillRect/>
+          </a:stretch>
+        </p:blipFill>
+        <p:spPr>
+          <a:xfrm>
+            <a:off x="2975589" y="2056101"/>
+            <a:ext cx="7619048" cy="5714286"/>
+          </a:xfrm>
+          <a:prstGeom prst="rect">
+            <a:avLst/>
+          </a:prstGeom>
+        </p:spPr>
+      </p:pic>
+    </p:spTree>
+    <p:extLst>
+      <p:ext uri="{BB962C8B-B14F-4D97-AF65-F5344CB8AC3E}">
+        <p14:creationId xmlns:p14="http://schemas.microsoft.com/office/powerpoint/2010/main" val="669697881"/>
+      </p:ext>
+    </p:extLst>
+  </p:cSld>
+  <p:clrMapOvr>
+    <a:masterClrMapping/>
+  </p:clrMapOvr>
+</p:sld>
+</file>
+
+<file path=ppt/slides/slide14.xml><?xml version="1.0" encoding="utf-8"?>
+<p:sld xmlns:a="http://schemas.openxmlformats.org/drawingml/2006/main" xmlns:r="http://schemas.openxmlformats.org/officeDocument/2006/relationships" xmlns:p="http://schemas.openxmlformats.org/presentationml/2006/main">
+  <p:cSld>
+    <p:spTree>
+      <p:nvGrpSpPr>
+        <p:cNvPr id="1" name=""/>
+        <p:cNvGrpSpPr/>
+        <p:nvPr/>
+      </p:nvGrpSpPr>
+      <p:grpSpPr>
+        <a:xfrm>
+          <a:off x="0" y="0"/>
+          <a:ext cx="0" cy="0"/>
+          <a:chOff x="0" y="0"/>
+          <a:chExt cx="0" cy="0"/>
+        </a:xfrm>
+      </p:grpSpPr>
+      <p:sp>
+        <p:nvSpPr>
+          <p:cNvPr id="2" name="Título 1">
+            <a:extLst>
+              <a:ext uri="{FF2B5EF4-FFF2-40B4-BE49-F238E27FC236}">
+                <a16:creationId xmlns:a16="http://schemas.microsoft.com/office/drawing/2014/main" id="{C44660EB-A13E-4292-89E5-0152B7008566}"/>
+              </a:ext>
+            </a:extLst>
+          </p:cNvPr>
+          <p:cNvSpPr>
+            <a:spLocks noGrp="1"/>
+          </p:cNvSpPr>
+          <p:nvPr>
+            <p:ph type="title"/>
+          </p:nvPr>
+        </p:nvSpPr>
+        <p:spPr/>
+        <p:txBody>
+          <a:bodyPr/>
+          <a:lstStyle/>
+          <a:p>
+            <a:r>
+              <a:rPr lang="es-AR" dirty="0"/>
+              <a:t>2. Listados</a:t>
+            </a:r>
+          </a:p>
+        </p:txBody>
+      </p:sp>
+      <p:pic>
+        <p:nvPicPr>
+          <p:cNvPr id="4" name="Imagen 3">
+            <a:extLst>
+              <a:ext uri="{FF2B5EF4-FFF2-40B4-BE49-F238E27FC236}">
+                <a16:creationId xmlns:a16="http://schemas.microsoft.com/office/drawing/2014/main" id="{E318C07B-BE3A-4078-B113-61DC8CB3A429}"/>
+              </a:ext>
+            </a:extLst>
+          </p:cNvPr>
+          <p:cNvPicPr>
+            <a:picLocks noChangeAspect="1"/>
+          </p:cNvPicPr>
+          <p:nvPr/>
+        </p:nvPicPr>
+        <p:blipFill>
+          <a:blip r:embed="rId2">
+            <a:extLst>
+              <a:ext uri="{28A0092B-C50C-407E-A947-70E740481C1C}">
+                <a14:useLocalDpi xmlns:a14="http://schemas.microsoft.com/office/drawing/2010/main" val="0"/>
+              </a:ext>
+            </a:extLst>
+          </a:blip>
+          <a:stretch>
+            <a:fillRect/>
+          </a:stretch>
+        </p:blipFill>
+        <p:spPr>
+          <a:xfrm>
+            <a:off x="2737050" y="1393492"/>
+            <a:ext cx="7619048" cy="5714286"/>
+          </a:xfrm>
+          <a:prstGeom prst="rect">
+            <a:avLst/>
+          </a:prstGeom>
+        </p:spPr>
+      </p:pic>
+    </p:spTree>
+    <p:extLst>
+      <p:ext uri="{BB962C8B-B14F-4D97-AF65-F5344CB8AC3E}">
+        <p14:creationId xmlns:p14="http://schemas.microsoft.com/office/powerpoint/2010/main" val="1023199581"/>
+      </p:ext>
+    </p:extLst>
+  </p:cSld>
+  <p:clrMapOvr>
+    <a:masterClrMapping/>
+  </p:clrMapOvr>
+</p:sld>
+</file>
+
+<file path=ppt/slides/slide15.xml><?xml version="1.0" encoding="utf-8"?>
+<p:sld xmlns:a="http://schemas.openxmlformats.org/drawingml/2006/main" xmlns:r="http://schemas.openxmlformats.org/officeDocument/2006/relationships" xmlns:p="http://schemas.openxmlformats.org/presentationml/2006/main">
+  <p:cSld>
+    <p:spTree>
+      <p:nvGrpSpPr>
+        <p:cNvPr id="1" name=""/>
+        <p:cNvGrpSpPr/>
+        <p:nvPr/>
+      </p:nvGrpSpPr>
+      <p:grpSpPr>
+        <a:xfrm>
+          <a:off x="0" y="0"/>
+          <a:ext cx="0" cy="0"/>
+          <a:chOff x="0" y="0"/>
+          <a:chExt cx="0" cy="0"/>
+        </a:xfrm>
+      </p:grpSpPr>
+      <p:sp>
+        <p:nvSpPr>
+          <p:cNvPr id="2" name="Título 1">
+            <a:extLst>
+              <a:ext uri="{FF2B5EF4-FFF2-40B4-BE49-F238E27FC236}">
+                <a16:creationId xmlns:a16="http://schemas.microsoft.com/office/drawing/2014/main" id="{E9294C88-B9A5-42C4-AEB1-329F5A9B9A24}"/>
+              </a:ext>
+            </a:extLst>
+          </p:cNvPr>
+          <p:cNvSpPr>
+            <a:spLocks noGrp="1"/>
+          </p:cNvSpPr>
+          <p:nvPr>
+            <p:ph type="title"/>
+          </p:nvPr>
+        </p:nvSpPr>
+        <p:spPr/>
+        <p:txBody>
+          <a:bodyPr/>
+          <a:lstStyle/>
+          <a:p>
+            <a:r>
+              <a:rPr lang="es-AR" dirty="0">
+                <a:latin typeface="Segoe Print" panose="02000600000000000000" pitchFamily="2" charset="0"/>
+              </a:rPr>
+              <a:t>1. Conteos: manzanas completas</a:t>
+            </a:r>
+          </a:p>
+        </p:txBody>
+      </p:sp>
+      <p:pic>
+        <p:nvPicPr>
+          <p:cNvPr id="6" name="Imagen 5">
+            <a:extLst>
+              <a:ext uri="{FF2B5EF4-FFF2-40B4-BE49-F238E27FC236}">
+                <a16:creationId xmlns:a16="http://schemas.microsoft.com/office/drawing/2014/main" id="{0CE668BE-1F04-4816-9E99-57EB2C7B607D}"/>
+              </a:ext>
+            </a:extLst>
+          </p:cNvPr>
+          <p:cNvPicPr>
+            <a:picLocks noChangeAspect="1"/>
+          </p:cNvPicPr>
+          <p:nvPr/>
+        </p:nvPicPr>
+        <p:blipFill>
+          <a:blip r:embed="rId2">
+            <a:extLst>
+              <a:ext uri="{28A0092B-C50C-407E-A947-70E740481C1C}">
+                <a14:useLocalDpi xmlns:a14="http://schemas.microsoft.com/office/drawing/2010/main" val="0"/>
+              </a:ext>
+            </a:extLst>
+          </a:blip>
+          <a:stretch>
+            <a:fillRect/>
+          </a:stretch>
+        </p:blipFill>
+        <p:spPr>
+          <a:xfrm>
+            <a:off x="180177" y="1690688"/>
+            <a:ext cx="7663661" cy="3691330"/>
+          </a:xfrm>
+          <a:prstGeom prst="rect">
+            <a:avLst/>
+          </a:prstGeom>
+        </p:spPr>
+      </p:pic>
+      <p:sp>
+        <p:nvSpPr>
+          <p:cNvPr id="7" name="CuadroTexto 6">
+            <a:extLst>
+              <a:ext uri="{FF2B5EF4-FFF2-40B4-BE49-F238E27FC236}">
+                <a16:creationId xmlns:a16="http://schemas.microsoft.com/office/drawing/2014/main" id="{A2B55C06-CAFB-4C94-B2C9-BA48B2730677}"/>
+              </a:ext>
+            </a:extLst>
+          </p:cNvPr>
+          <p:cNvSpPr txBox="1"/>
+          <p:nvPr/>
+        </p:nvSpPr>
+        <p:spPr>
+          <a:xfrm>
+            <a:off x="585788" y="5462976"/>
+            <a:ext cx="3347391" cy="1077218"/>
+          </a:xfrm>
+          <a:prstGeom prst="rect">
+            <a:avLst/>
+          </a:prstGeom>
+          <a:noFill/>
+        </p:spPr>
+        <p:txBody>
+          <a:bodyPr wrap="none" rtlCol="0">
+            <a:spAutoFit/>
+          </a:bodyPr>
+          <a:lstStyle/>
+          <a:p>
+            <a:r>
+              <a:rPr lang="es-AR" sz="3200" dirty="0">
+                <a:latin typeface="Segoe Print" panose="02000600000000000000" pitchFamily="2" charset="0"/>
+              </a:rPr>
+              <a:t>Carga deseada </a:t>
+            </a:r>
+            <a:br>
+              <a:rPr lang="es-AR" sz="3200" dirty="0">
+                <a:latin typeface="Segoe Print" panose="02000600000000000000" pitchFamily="2" charset="0"/>
+              </a:rPr>
+            </a:br>
+            <a:r>
+              <a:rPr lang="es-AR" sz="3200" dirty="0">
+                <a:latin typeface="Segoe Print" panose="02000600000000000000" pitchFamily="2" charset="0"/>
+              </a:rPr>
+              <a:t>20 viviendas</a:t>
+            </a:r>
+          </a:p>
+        </p:txBody>
+      </p:sp>
+      <p:pic>
+        <p:nvPicPr>
+          <p:cNvPr id="9" name="Imagen 8">
+            <a:extLst>
+              <a:ext uri="{FF2B5EF4-FFF2-40B4-BE49-F238E27FC236}">
+                <a16:creationId xmlns:a16="http://schemas.microsoft.com/office/drawing/2014/main" id="{C5D208AF-8571-43D5-B6F7-C52EEA124317}"/>
+              </a:ext>
+            </a:extLst>
+          </p:cNvPr>
+          <p:cNvPicPr>
+            <a:picLocks noChangeAspect="1"/>
+          </p:cNvPicPr>
+          <p:nvPr/>
+        </p:nvPicPr>
+        <p:blipFill>
+          <a:blip r:embed="rId3">
+            <a:extLst>
+              <a:ext uri="{28A0092B-C50C-407E-A947-70E740481C1C}">
+                <a14:useLocalDpi xmlns:a14="http://schemas.microsoft.com/office/drawing/2010/main" val="0"/>
+              </a:ext>
+            </a:extLst>
+          </a:blip>
+          <a:stretch>
+            <a:fillRect/>
+          </a:stretch>
+        </p:blipFill>
+        <p:spPr>
+          <a:xfrm>
+            <a:off x="5044078" y="1609730"/>
+            <a:ext cx="7999819" cy="3853246"/>
+          </a:xfrm>
+          <a:prstGeom prst="rect">
+            <a:avLst/>
+          </a:prstGeom>
+        </p:spPr>
+      </p:pic>
+    </p:spTree>
+    <p:extLst>
+      <p:ext uri="{BB962C8B-B14F-4D97-AF65-F5344CB8AC3E}">
+        <p14:creationId xmlns:p14="http://schemas.microsoft.com/office/powerpoint/2010/main" val="1630160372"/>
+      </p:ext>
+    </p:extLst>
+  </p:cSld>
+  <p:clrMapOvr>
+    <a:masterClrMapping/>
+  </p:clrMapOvr>
+</p:sld>
+</file>
+
+<file path=ppt/slides/slide16.xml><?xml version="1.0" encoding="utf-8"?>
+<p:sld xmlns:a="http://schemas.openxmlformats.org/drawingml/2006/main" xmlns:r="http://schemas.openxmlformats.org/officeDocument/2006/relationships" xmlns:p="http://schemas.openxmlformats.org/presentationml/2006/main">
+  <p:cSld>
+    <p:spTree>
+      <p:nvGrpSpPr>
+        <p:cNvPr id="1" name=""/>
+        <p:cNvGrpSpPr/>
+        <p:nvPr/>
+      </p:nvGrpSpPr>
+      <p:grpSpPr>
+        <a:xfrm>
+          <a:off x="0" y="0"/>
+          <a:ext cx="0" cy="0"/>
+          <a:chOff x="0" y="0"/>
+          <a:chExt cx="0" cy="0"/>
+        </a:xfrm>
+      </p:grpSpPr>
+      <p:sp>
+        <p:nvSpPr>
+          <p:cNvPr id="2" name="Título 1">
+            <a:extLst>
+              <a:ext uri="{FF2B5EF4-FFF2-40B4-BE49-F238E27FC236}">
+                <a16:creationId xmlns:a16="http://schemas.microsoft.com/office/drawing/2014/main" id="{26EDAC25-72E2-4615-ABC7-FC356637FA1E}"/>
+              </a:ext>
+            </a:extLst>
+          </p:cNvPr>
+          <p:cNvSpPr>
+            <a:spLocks noGrp="1"/>
+          </p:cNvSpPr>
+          <p:nvPr>
+            <p:ph type="title"/>
+          </p:nvPr>
+        </p:nvSpPr>
+        <p:spPr/>
+        <p:txBody>
+          <a:bodyPr/>
+          <a:lstStyle/>
+          <a:p>
+            <a:r>
+              <a:rPr lang="es-AR" dirty="0"/>
+              <a:t>extraer</a:t>
+            </a:r>
+          </a:p>
+        </p:txBody>
+      </p:sp>
+      <p:pic>
+        <p:nvPicPr>
+          <p:cNvPr id="16" name="Imagen 15">
+            <a:extLst>
+              <a:ext uri="{FF2B5EF4-FFF2-40B4-BE49-F238E27FC236}">
+                <a16:creationId xmlns:a16="http://schemas.microsoft.com/office/drawing/2014/main" id="{B93513D4-E64B-4BA5-AC5D-D488339A3AB8}"/>
+              </a:ext>
+            </a:extLst>
+          </p:cNvPr>
+          <p:cNvPicPr>
+            <a:picLocks noChangeAspect="1"/>
+          </p:cNvPicPr>
+          <p:nvPr/>
+        </p:nvPicPr>
+        <p:blipFill>
+          <a:blip r:embed="rId2">
+            <a:extLst>
+              <a:ext uri="{28A0092B-C50C-407E-A947-70E740481C1C}">
+                <a14:useLocalDpi xmlns:a14="http://schemas.microsoft.com/office/drawing/2010/main" val="0"/>
+              </a:ext>
+            </a:extLst>
+          </a:blip>
+          <a:stretch>
+            <a:fillRect/>
+          </a:stretch>
+        </p:blipFill>
+        <p:spPr>
+          <a:xfrm>
+            <a:off x="534284" y="2234735"/>
+            <a:ext cx="2916184" cy="2787871"/>
+          </a:xfrm>
+          <a:prstGeom prst="rect">
+            <a:avLst/>
+          </a:prstGeom>
+        </p:spPr>
+      </p:pic>
+      <p:pic>
+        <p:nvPicPr>
+          <p:cNvPr id="18" name="Imagen 17">
+            <a:extLst>
+              <a:ext uri="{FF2B5EF4-FFF2-40B4-BE49-F238E27FC236}">
+                <a16:creationId xmlns:a16="http://schemas.microsoft.com/office/drawing/2014/main" id="{DD9F636F-7233-49FD-8225-F02D61C6676D}"/>
+              </a:ext>
+            </a:extLst>
+          </p:cNvPr>
+          <p:cNvPicPr>
+            <a:picLocks noChangeAspect="1"/>
+          </p:cNvPicPr>
+          <p:nvPr/>
+        </p:nvPicPr>
+        <p:blipFill>
+          <a:blip r:embed="rId3">
+            <a:extLst>
+              <a:ext uri="{28A0092B-C50C-407E-A947-70E740481C1C}">
+                <a14:useLocalDpi xmlns:a14="http://schemas.microsoft.com/office/drawing/2010/main" val="0"/>
+              </a:ext>
+            </a:extLst>
+          </a:blip>
+          <a:stretch>
+            <a:fillRect/>
+          </a:stretch>
+        </p:blipFill>
+        <p:spPr>
+          <a:xfrm>
+            <a:off x="4470641" y="81158"/>
+            <a:ext cx="2155336" cy="2060501"/>
+          </a:xfrm>
+          <a:prstGeom prst="rect">
+            <a:avLst/>
+          </a:prstGeom>
+        </p:spPr>
+      </p:pic>
+      <p:pic>
+        <p:nvPicPr>
+          <p:cNvPr id="20" name="Imagen 19">
+            <a:extLst>
+              <a:ext uri="{FF2B5EF4-FFF2-40B4-BE49-F238E27FC236}">
+                <a16:creationId xmlns:a16="http://schemas.microsoft.com/office/drawing/2014/main" id="{FC948AB6-CD17-4FA8-B543-51D2C92375F0}"/>
+              </a:ext>
+            </a:extLst>
+          </p:cNvPr>
+          <p:cNvPicPr>
+            <a:picLocks noChangeAspect="1"/>
+          </p:cNvPicPr>
+          <p:nvPr/>
+        </p:nvPicPr>
+        <p:blipFill>
+          <a:blip r:embed="rId4">
+            <a:extLst>
+              <a:ext uri="{28A0092B-C50C-407E-A947-70E740481C1C}">
+                <a14:useLocalDpi xmlns:a14="http://schemas.microsoft.com/office/drawing/2010/main" val="0"/>
+              </a:ext>
+            </a:extLst>
+          </a:blip>
+          <a:stretch>
+            <a:fillRect/>
+          </a:stretch>
+        </p:blipFill>
+        <p:spPr>
+          <a:xfrm>
+            <a:off x="8163558" y="147433"/>
+            <a:ext cx="2155336" cy="2060501"/>
+          </a:xfrm>
+          <a:prstGeom prst="rect">
+            <a:avLst/>
+          </a:prstGeom>
+        </p:spPr>
+      </p:pic>
+      <p:pic>
+        <p:nvPicPr>
+          <p:cNvPr id="22" name="Imagen 21">
+            <a:extLst>
+              <a:ext uri="{FF2B5EF4-FFF2-40B4-BE49-F238E27FC236}">
+                <a16:creationId xmlns:a16="http://schemas.microsoft.com/office/drawing/2014/main" id="{45962548-7547-4F6C-8738-0A251020D0C0}"/>
+              </a:ext>
+            </a:extLst>
+          </p:cNvPr>
+          <p:cNvPicPr>
+            <a:picLocks noChangeAspect="1"/>
+          </p:cNvPicPr>
+          <p:nvPr/>
+        </p:nvPicPr>
+        <p:blipFill>
+          <a:blip r:embed="rId5">
+            <a:extLst>
+              <a:ext uri="{28A0092B-C50C-407E-A947-70E740481C1C}">
+                <a14:useLocalDpi xmlns:a14="http://schemas.microsoft.com/office/drawing/2010/main" val="0"/>
+              </a:ext>
+            </a:extLst>
+          </a:blip>
+          <a:stretch>
+            <a:fillRect/>
+          </a:stretch>
+        </p:blipFill>
+        <p:spPr>
+          <a:xfrm>
+            <a:off x="4470641" y="2539490"/>
+            <a:ext cx="2195423" cy="2098824"/>
+          </a:xfrm>
+          <a:prstGeom prst="rect">
+            <a:avLst/>
+          </a:prstGeom>
+        </p:spPr>
+      </p:pic>
+      <p:pic>
+        <p:nvPicPr>
+          <p:cNvPr id="24" name="Imagen 23">
+            <a:extLst>
+              <a:ext uri="{FF2B5EF4-FFF2-40B4-BE49-F238E27FC236}">
+                <a16:creationId xmlns:a16="http://schemas.microsoft.com/office/drawing/2014/main" id="{3171A390-01F6-40B6-81E7-A040C930DB5B}"/>
+              </a:ext>
+            </a:extLst>
+          </p:cNvPr>
+          <p:cNvPicPr>
+            <a:picLocks noChangeAspect="1"/>
+          </p:cNvPicPr>
+          <p:nvPr/>
+        </p:nvPicPr>
+        <p:blipFill>
+          <a:blip r:embed="rId6">
+            <a:extLst>
+              <a:ext uri="{28A0092B-C50C-407E-A947-70E740481C1C}">
+                <a14:useLocalDpi xmlns:a14="http://schemas.microsoft.com/office/drawing/2010/main" val="0"/>
+              </a:ext>
+            </a:extLst>
+          </a:blip>
+          <a:stretch>
+            <a:fillRect/>
+          </a:stretch>
+        </p:blipFill>
+        <p:spPr>
+          <a:xfrm>
+            <a:off x="8176920" y="2579259"/>
+            <a:ext cx="2195423" cy="2098824"/>
+          </a:xfrm>
+          <a:prstGeom prst="rect">
+            <a:avLst/>
+          </a:prstGeom>
+        </p:spPr>
+      </p:pic>
+      <p:pic>
+        <p:nvPicPr>
+          <p:cNvPr id="26" name="Imagen 25">
+            <a:extLst>
+              <a:ext uri="{FF2B5EF4-FFF2-40B4-BE49-F238E27FC236}">
+                <a16:creationId xmlns:a16="http://schemas.microsoft.com/office/drawing/2014/main" id="{C918BAE0-B54F-4CE8-9433-9B655BC8C700}"/>
+              </a:ext>
+            </a:extLst>
+          </p:cNvPr>
+          <p:cNvPicPr>
+            <a:picLocks noChangeAspect="1"/>
+          </p:cNvPicPr>
+          <p:nvPr/>
+        </p:nvPicPr>
+        <p:blipFill>
+          <a:blip r:embed="rId7">
+            <a:extLst>
+              <a:ext uri="{28A0092B-C50C-407E-A947-70E740481C1C}">
+                <a14:useLocalDpi xmlns:a14="http://schemas.microsoft.com/office/drawing/2010/main" val="0"/>
+              </a:ext>
+            </a:extLst>
+          </a:blip>
+          <a:stretch>
+            <a:fillRect/>
+          </a:stretch>
+        </p:blipFill>
+        <p:spPr>
+          <a:xfrm>
+            <a:off x="4484003" y="4719405"/>
+            <a:ext cx="2195424" cy="2098825"/>
+          </a:xfrm>
+          <a:prstGeom prst="rect">
+            <a:avLst/>
+          </a:prstGeom>
+        </p:spPr>
+      </p:pic>
+      <p:pic>
+        <p:nvPicPr>
+          <p:cNvPr id="28" name="Imagen 27">
+            <a:extLst>
+              <a:ext uri="{FF2B5EF4-FFF2-40B4-BE49-F238E27FC236}">
+                <a16:creationId xmlns:a16="http://schemas.microsoft.com/office/drawing/2014/main" id="{DA75D45A-A1E0-4F2C-B947-D2760A959888}"/>
+              </a:ext>
+            </a:extLst>
+          </p:cNvPr>
+          <p:cNvPicPr>
+            <a:picLocks noChangeAspect="1"/>
+          </p:cNvPicPr>
+          <p:nvPr/>
+        </p:nvPicPr>
+        <p:blipFill>
+          <a:blip r:embed="rId8">
+            <a:extLst>
+              <a:ext uri="{28A0092B-C50C-407E-A947-70E740481C1C}">
+                <a14:useLocalDpi xmlns:a14="http://schemas.microsoft.com/office/drawing/2010/main" val="0"/>
+              </a:ext>
+            </a:extLst>
+          </a:blip>
+          <a:stretch>
+            <a:fillRect/>
+          </a:stretch>
+        </p:blipFill>
+        <p:spPr>
+          <a:xfrm>
+            <a:off x="8217007" y="4757729"/>
+            <a:ext cx="2155336" cy="2060501"/>
+          </a:xfrm>
+          <a:prstGeom prst="rect">
+            <a:avLst/>
+          </a:prstGeom>
+        </p:spPr>
+      </p:pic>
+    </p:spTree>
+    <p:extLst>
+      <p:ext uri="{BB962C8B-B14F-4D97-AF65-F5344CB8AC3E}">
+        <p14:creationId xmlns:p14="http://schemas.microsoft.com/office/powerpoint/2010/main" val="3754461258"/>
+      </p:ext>
+    </p:extLst>
+  </p:cSld>
+  <p:clrMapOvr>
+    <a:masterClrMapping/>
+  </p:clrMapOvr>
+</p:sld>
+</file>
+
+<file path=ppt/slides/slide17.xml><?xml version="1.0" encoding="utf-8"?>
+<p:sld xmlns:a="http://schemas.openxmlformats.org/drawingml/2006/main" xmlns:r="http://schemas.openxmlformats.org/officeDocument/2006/relationships" xmlns:p="http://schemas.openxmlformats.org/presentationml/2006/main">
+  <p:cSld>
+    <p:spTree>
+      <p:nvGrpSpPr>
+        <p:cNvPr id="1" name=""/>
+        <p:cNvGrpSpPr/>
+        <p:nvPr/>
+      </p:nvGrpSpPr>
+      <p:grpSpPr>
+        <a:xfrm>
+          <a:off x="0" y="0"/>
+          <a:ext cx="0" cy="0"/>
+          <a:chOff x="0" y="0"/>
+          <a:chExt cx="0" cy="0"/>
+        </a:xfrm>
+      </p:grpSpPr>
+      <p:sp>
+        <p:nvSpPr>
+          <p:cNvPr id="2" name="Título 1">
+            <a:extLst>
+              <a:ext uri="{FF2B5EF4-FFF2-40B4-BE49-F238E27FC236}">
+                <a16:creationId xmlns:a16="http://schemas.microsoft.com/office/drawing/2014/main" id="{A21D58BB-8D5E-4C5D-A76A-4A7BB96700D8}"/>
+              </a:ext>
+            </a:extLst>
+          </p:cNvPr>
+          <p:cNvSpPr>
+            <a:spLocks noGrp="1"/>
+          </p:cNvSpPr>
+          <p:nvPr>
+            <p:ph type="title"/>
+          </p:nvPr>
+        </p:nvSpPr>
+        <p:spPr/>
+        <p:txBody>
+          <a:bodyPr/>
+          <a:lstStyle/>
+          <a:p>
+            <a:r>
+              <a:rPr lang="es-AR" dirty="0"/>
+              <a:t>Transferir</a:t>
+            </a:r>
+          </a:p>
+        </p:txBody>
+      </p:sp>
+      <p:pic>
+        <p:nvPicPr>
+          <p:cNvPr id="4" name="Imagen 3">
+            <a:extLst>
+              <a:ext uri="{FF2B5EF4-FFF2-40B4-BE49-F238E27FC236}">
+                <a16:creationId xmlns:a16="http://schemas.microsoft.com/office/drawing/2014/main" id="{916F44B5-ECA4-496F-82FD-77323EDC7C33}"/>
+              </a:ext>
+            </a:extLst>
+          </p:cNvPr>
+          <p:cNvPicPr>
+            <a:picLocks noChangeAspect="1"/>
+          </p:cNvPicPr>
+          <p:nvPr/>
+        </p:nvPicPr>
+        <p:blipFill>
+          <a:blip r:embed="rId2">
+            <a:extLst>
+              <a:ext uri="{28A0092B-C50C-407E-A947-70E740481C1C}">
+                <a14:useLocalDpi xmlns:a14="http://schemas.microsoft.com/office/drawing/2010/main" val="0"/>
+              </a:ext>
+            </a:extLst>
+          </a:blip>
+          <a:stretch>
+            <a:fillRect/>
+          </a:stretch>
+        </p:blipFill>
+        <p:spPr>
+          <a:xfrm>
+            <a:off x="838200" y="1994387"/>
+            <a:ext cx="3001281" cy="2869225"/>
+          </a:xfrm>
+          <a:prstGeom prst="rect">
+            <a:avLst/>
+          </a:prstGeom>
+        </p:spPr>
+      </p:pic>
+      <p:pic>
+        <p:nvPicPr>
+          <p:cNvPr id="6" name="Imagen 5">
+            <a:extLst>
+              <a:ext uri="{FF2B5EF4-FFF2-40B4-BE49-F238E27FC236}">
+                <a16:creationId xmlns:a16="http://schemas.microsoft.com/office/drawing/2014/main" id="{5EBCA068-4F62-4E40-A7D2-8C00B0B22AA6}"/>
+              </a:ext>
+            </a:extLst>
+          </p:cNvPr>
+          <p:cNvPicPr>
+            <a:picLocks noChangeAspect="1"/>
+          </p:cNvPicPr>
+          <p:nvPr/>
+        </p:nvPicPr>
+        <p:blipFill>
+          <a:blip r:embed="rId3">
+            <a:extLst>
+              <a:ext uri="{28A0092B-C50C-407E-A947-70E740481C1C}">
+                <a14:useLocalDpi xmlns:a14="http://schemas.microsoft.com/office/drawing/2010/main" val="0"/>
+              </a:ext>
+            </a:extLst>
+          </a:blip>
+          <a:stretch>
+            <a:fillRect/>
+          </a:stretch>
+        </p:blipFill>
+        <p:spPr>
+          <a:xfrm>
+            <a:off x="5197375" y="408751"/>
+            <a:ext cx="3001282" cy="2869226"/>
+          </a:xfrm>
+          <a:prstGeom prst="rect">
+            <a:avLst/>
+          </a:prstGeom>
+        </p:spPr>
+      </p:pic>
+    </p:spTree>
+    <p:extLst>
+      <p:ext uri="{BB962C8B-B14F-4D97-AF65-F5344CB8AC3E}">
+        <p14:creationId xmlns:p14="http://schemas.microsoft.com/office/powerpoint/2010/main" val="2696548569"/>
+      </p:ext>
+    </p:extLst>
+  </p:cSld>
+  <p:clrMapOvr>
+    <a:masterClrMapping/>
+  </p:clrMapOvr>
+</p:sld>
+</file>
+
+<file path=ppt/slides/slide18.xml><?xml version="1.0" encoding="utf-8"?>
+<p:sld xmlns:a="http://schemas.openxmlformats.org/drawingml/2006/main" xmlns:r="http://schemas.openxmlformats.org/officeDocument/2006/relationships" xmlns:p="http://schemas.openxmlformats.org/presentationml/2006/main">
+  <p:cSld>
+    <p:spTree>
+      <p:nvGrpSpPr>
+        <p:cNvPr id="1" name=""/>
+        <p:cNvGrpSpPr/>
+        <p:nvPr/>
+      </p:nvGrpSpPr>
+      <p:grpSpPr>
+        <a:xfrm>
+          <a:off x="0" y="0"/>
+          <a:ext cx="0" cy="0"/>
+          <a:chOff x="0" y="0"/>
+          <a:chExt cx="0" cy="0"/>
+        </a:xfrm>
+      </p:grpSpPr>
+      <p:sp>
+        <p:nvSpPr>
+          <p:cNvPr id="2" name="Título 1">
+            <a:extLst>
+              <a:ext uri="{FF2B5EF4-FFF2-40B4-BE49-F238E27FC236}">
+                <a16:creationId xmlns:a16="http://schemas.microsoft.com/office/drawing/2014/main" id="{49EED29B-6ECB-4B01-84C4-D3C997C5AADD}"/>
+              </a:ext>
+            </a:extLst>
+          </p:cNvPr>
+          <p:cNvSpPr>
+            <a:spLocks noGrp="1"/>
+          </p:cNvSpPr>
+          <p:nvPr>
+            <p:ph type="title"/>
+          </p:nvPr>
+        </p:nvSpPr>
+        <p:spPr/>
+        <p:txBody>
+          <a:bodyPr/>
+          <a:lstStyle/>
+          <a:p>
+            <a:r>
+              <a:rPr lang="es-AR" dirty="0"/>
+              <a:t>Fusionar</a:t>
+            </a:r>
+          </a:p>
+        </p:txBody>
+      </p:sp>
+      <p:pic>
+        <p:nvPicPr>
+          <p:cNvPr id="4" name="Imagen 3">
+            <a:extLst>
+              <a:ext uri="{FF2B5EF4-FFF2-40B4-BE49-F238E27FC236}">
+                <a16:creationId xmlns:a16="http://schemas.microsoft.com/office/drawing/2014/main" id="{32C5F542-73DB-4315-8715-57B0ECCAF031}"/>
+              </a:ext>
+            </a:extLst>
+          </p:cNvPr>
+          <p:cNvPicPr>
+            <a:picLocks noChangeAspect="1"/>
+          </p:cNvPicPr>
+          <p:nvPr/>
+        </p:nvPicPr>
+        <p:blipFill>
+          <a:blip r:embed="rId2">
+            <a:extLst>
+              <a:ext uri="{28A0092B-C50C-407E-A947-70E740481C1C}">
+                <a14:useLocalDpi xmlns:a14="http://schemas.microsoft.com/office/drawing/2010/main" val="0"/>
+              </a:ext>
+            </a:extLst>
+          </a:blip>
+          <a:stretch>
+            <a:fillRect/>
+          </a:stretch>
+        </p:blipFill>
+        <p:spPr>
+          <a:xfrm>
+            <a:off x="838200" y="2103437"/>
+            <a:ext cx="2380952" cy="2276190"/>
+          </a:xfrm>
+          <a:prstGeom prst="rect">
+            <a:avLst/>
+          </a:prstGeom>
+        </p:spPr>
+      </p:pic>
+      <p:pic>
+        <p:nvPicPr>
+          <p:cNvPr id="6" name="Imagen 5">
+            <a:extLst>
+              <a:ext uri="{FF2B5EF4-FFF2-40B4-BE49-F238E27FC236}">
+                <a16:creationId xmlns:a16="http://schemas.microsoft.com/office/drawing/2014/main" id="{D54334BE-8F6B-428F-A714-8B61871D05AC}"/>
+              </a:ext>
+            </a:extLst>
+          </p:cNvPr>
+          <p:cNvPicPr>
+            <a:picLocks noChangeAspect="1"/>
+          </p:cNvPicPr>
+          <p:nvPr/>
+        </p:nvPicPr>
+        <p:blipFill>
+          <a:blip r:embed="rId3">
+            <a:extLst>
+              <a:ext uri="{28A0092B-C50C-407E-A947-70E740481C1C}">
+                <a14:useLocalDpi xmlns:a14="http://schemas.microsoft.com/office/drawing/2010/main" val="0"/>
+              </a:ext>
+            </a:extLst>
+          </a:blip>
+          <a:stretch>
+            <a:fillRect/>
+          </a:stretch>
+        </p:blipFill>
+        <p:spPr>
+          <a:xfrm>
+            <a:off x="8679719" y="2391218"/>
+            <a:ext cx="2171091" cy="2075563"/>
+          </a:xfrm>
+          <a:prstGeom prst="rect">
+            <a:avLst/>
+          </a:prstGeom>
+        </p:spPr>
+      </p:pic>
+      <p:pic>
+        <p:nvPicPr>
+          <p:cNvPr id="8" name="Imagen 7">
+            <a:extLst>
+              <a:ext uri="{FF2B5EF4-FFF2-40B4-BE49-F238E27FC236}">
+                <a16:creationId xmlns:a16="http://schemas.microsoft.com/office/drawing/2014/main" id="{75398FDC-2888-4FE3-8C80-DC4B57335734}"/>
+              </a:ext>
+            </a:extLst>
+          </p:cNvPr>
+          <p:cNvPicPr>
+            <a:picLocks noChangeAspect="1"/>
+          </p:cNvPicPr>
+          <p:nvPr/>
+        </p:nvPicPr>
+        <p:blipFill>
+          <a:blip r:embed="rId4">
+            <a:extLst>
+              <a:ext uri="{28A0092B-C50C-407E-A947-70E740481C1C}">
+                <a14:useLocalDpi xmlns:a14="http://schemas.microsoft.com/office/drawing/2010/main" val="0"/>
+              </a:ext>
+            </a:extLst>
+          </a:blip>
+          <a:stretch>
+            <a:fillRect/>
+          </a:stretch>
+        </p:blipFill>
+        <p:spPr>
+          <a:xfrm>
+            <a:off x="8934020" y="4883555"/>
+            <a:ext cx="1916790" cy="1832451"/>
+          </a:xfrm>
+          <a:prstGeom prst="rect">
+            <a:avLst/>
+          </a:prstGeom>
+        </p:spPr>
+      </p:pic>
+      <p:pic>
+        <p:nvPicPr>
+          <p:cNvPr id="10" name="Imagen 9">
+            <a:extLst>
+              <a:ext uri="{FF2B5EF4-FFF2-40B4-BE49-F238E27FC236}">
+                <a16:creationId xmlns:a16="http://schemas.microsoft.com/office/drawing/2014/main" id="{5025DE8C-BF87-424D-977F-44348C371343}"/>
+              </a:ext>
+            </a:extLst>
+          </p:cNvPr>
+          <p:cNvPicPr>
+            <a:picLocks noChangeAspect="1"/>
+          </p:cNvPicPr>
+          <p:nvPr/>
+        </p:nvPicPr>
+        <p:blipFill>
+          <a:blip r:embed="rId5">
+            <a:extLst>
+              <a:ext uri="{28A0092B-C50C-407E-A947-70E740481C1C}">
+                <a14:useLocalDpi xmlns:a14="http://schemas.microsoft.com/office/drawing/2010/main" val="0"/>
+              </a:ext>
+            </a:extLst>
+          </a:blip>
+          <a:stretch>
+            <a:fillRect/>
+          </a:stretch>
+        </p:blipFill>
+        <p:spPr>
+          <a:xfrm>
+            <a:off x="8679719" y="349138"/>
+            <a:ext cx="1916790" cy="1832451"/>
+          </a:xfrm>
+          <a:prstGeom prst="rect">
+            <a:avLst/>
+          </a:prstGeom>
+        </p:spPr>
+      </p:pic>
+      <p:pic>
+        <p:nvPicPr>
+          <p:cNvPr id="12" name="Imagen 11">
+            <a:extLst>
+              <a:ext uri="{FF2B5EF4-FFF2-40B4-BE49-F238E27FC236}">
+                <a16:creationId xmlns:a16="http://schemas.microsoft.com/office/drawing/2014/main" id="{D55C5612-B20F-4111-8933-212E14807788}"/>
+              </a:ext>
+            </a:extLst>
+          </p:cNvPr>
+          <p:cNvPicPr>
+            <a:picLocks noChangeAspect="1"/>
+          </p:cNvPicPr>
+          <p:nvPr/>
+        </p:nvPicPr>
+        <p:blipFill>
+          <a:blip r:embed="rId6">
+            <a:extLst>
+              <a:ext uri="{28A0092B-C50C-407E-A947-70E740481C1C}">
+                <a14:useLocalDpi xmlns:a14="http://schemas.microsoft.com/office/drawing/2010/main" val="0"/>
+              </a:ext>
+            </a:extLst>
+          </a:blip>
+          <a:stretch>
+            <a:fillRect/>
+          </a:stretch>
+        </p:blipFill>
+        <p:spPr>
+          <a:xfrm>
+            <a:off x="4909408" y="2330209"/>
+            <a:ext cx="2171091" cy="2075563"/>
+          </a:xfrm>
+          <a:prstGeom prst="rect">
+            <a:avLst/>
+          </a:prstGeom>
+        </p:spPr>
+      </p:pic>
+      <p:pic>
+        <p:nvPicPr>
+          <p:cNvPr id="14" name="Imagen 13">
+            <a:extLst>
+              <a:ext uri="{FF2B5EF4-FFF2-40B4-BE49-F238E27FC236}">
+                <a16:creationId xmlns:a16="http://schemas.microsoft.com/office/drawing/2014/main" id="{4E216C38-43CD-436D-8331-ABB603EB054E}"/>
+              </a:ext>
+            </a:extLst>
+          </p:cNvPr>
+          <p:cNvPicPr>
+            <a:picLocks noChangeAspect="1"/>
+          </p:cNvPicPr>
+          <p:nvPr/>
+        </p:nvPicPr>
+        <p:blipFill>
+          <a:blip r:embed="rId7">
+            <a:extLst>
+              <a:ext uri="{28A0092B-C50C-407E-A947-70E740481C1C}">
+                <a14:useLocalDpi xmlns:a14="http://schemas.microsoft.com/office/drawing/2010/main" val="0"/>
+              </a:ext>
+            </a:extLst>
+          </a:blip>
+          <a:stretch>
+            <a:fillRect/>
+          </a:stretch>
+        </p:blipFill>
+        <p:spPr>
+          <a:xfrm>
+            <a:off x="4909408" y="4630729"/>
+            <a:ext cx="2171091" cy="2075563"/>
+          </a:xfrm>
+          <a:prstGeom prst="rect">
+            <a:avLst/>
+          </a:prstGeom>
+        </p:spPr>
+      </p:pic>
+      <p:pic>
+        <p:nvPicPr>
+          <p:cNvPr id="16" name="Imagen 15">
+            <a:extLst>
+              <a:ext uri="{FF2B5EF4-FFF2-40B4-BE49-F238E27FC236}">
+                <a16:creationId xmlns:a16="http://schemas.microsoft.com/office/drawing/2014/main" id="{6269558D-2FF3-4A24-B8C0-99CC919A7D87}"/>
+              </a:ext>
+            </a:extLst>
+          </p:cNvPr>
+          <p:cNvPicPr>
+            <a:picLocks noChangeAspect="1"/>
+          </p:cNvPicPr>
+          <p:nvPr/>
+        </p:nvPicPr>
+        <p:blipFill>
+          <a:blip r:embed="rId8">
+            <a:extLst>
+              <a:ext uri="{28A0092B-C50C-407E-A947-70E740481C1C}">
+                <a14:useLocalDpi xmlns:a14="http://schemas.microsoft.com/office/drawing/2010/main" val="0"/>
+              </a:ext>
+            </a:extLst>
+          </a:blip>
+          <a:stretch>
+            <a:fillRect/>
+          </a:stretch>
+        </p:blipFill>
+        <p:spPr>
+          <a:xfrm>
+            <a:off x="4909408" y="258066"/>
+            <a:ext cx="1916791" cy="1832452"/>
+          </a:xfrm>
+          <a:prstGeom prst="rect">
+            <a:avLst/>
+          </a:prstGeom>
+        </p:spPr>
+      </p:pic>
+    </p:spTree>
+    <p:extLst>
+      <p:ext uri="{BB962C8B-B14F-4D97-AF65-F5344CB8AC3E}">
+        <p14:creationId xmlns:p14="http://schemas.microsoft.com/office/powerpoint/2010/main" val="2823912760"/>
+      </p:ext>
+    </p:extLst>
+  </p:cSld>
+  <p:clrMapOvr>
+    <a:masterClrMapping/>
+  </p:clrMapOvr>
+</p:sld>
+</file>
+
+<file path=ppt/slides/slide19.xml><?xml version="1.0" encoding="utf-8"?>
 <p:sld xmlns:a="http://schemas.openxmlformats.org/drawingml/2006/main" xmlns:r="http://schemas.openxmlformats.org/officeDocument/2006/relationships" xmlns:p="http://schemas.openxmlformats.org/presentationml/2006/main">
   <p:cSld>
     <p:spTree>
@@ -6529,7 +7560,9 @@
         </p:nvSpPr>
         <p:spPr/>
         <p:txBody>
-          <a:bodyPr/>
+          <a:bodyPr>
+            <a:normAutofit/>
+          </a:bodyPr>
           <a:lstStyle/>
           <a:p>
             <a:endParaRPr lang="es-AR" dirty="0"/>
@@ -6568,6 +7601,46 @@
           </a:p>
         </p:txBody>
       </p:sp>
+      <p:pic>
+        <p:nvPicPr>
+          <p:cNvPr id="9" name="Imagen 8">
+            <a:extLst>
+              <a:ext uri="{FF2B5EF4-FFF2-40B4-BE49-F238E27FC236}">
+                <a16:creationId xmlns:a16="http://schemas.microsoft.com/office/drawing/2014/main" id="{999F2EA5-F51A-4561-93D6-1BDDB36B6830}"/>
+              </a:ext>
+            </a:extLst>
+          </p:cNvPr>
+          <p:cNvPicPr>
+            <a:picLocks noChangeAspect="1"/>
+          </p:cNvPicPr>
+          <p:nvPr>
+            <p:custDataLst>
+              <p:tags r:id="rId1"/>
+            </p:custDataLst>
+          </p:nvPr>
+        </p:nvPicPr>
+        <p:blipFill>
+          <a:blip r:embed="rId3">
+            <a:extLst>
+              <a:ext uri="{28A0092B-C50C-407E-A947-70E740481C1C}">
+                <a14:useLocalDpi xmlns:a14="http://schemas.microsoft.com/office/drawing/2010/main" val="0"/>
+              </a:ext>
+            </a:extLst>
+          </a:blip>
+          <a:stretch>
+            <a:fillRect/>
+          </a:stretch>
+        </p:blipFill>
+        <p:spPr>
+          <a:xfrm>
+            <a:off x="3528368" y="3252112"/>
+            <a:ext cx="4220862" cy="2112424"/>
+          </a:xfrm>
+          <a:prstGeom prst="rect">
+            <a:avLst/>
+          </a:prstGeom>
+        </p:spPr>
+      </p:pic>
     </p:spTree>
     <p:extLst>
       <p:ext uri="{BB962C8B-B14F-4D97-AF65-F5344CB8AC3E}">
@@ -7691,17 +8764,32 @@
                 </a:solidFill>
                 <a:latin typeface="Segoe Script" panose="030B0504020000000003" pitchFamily="66" charset="0"/>
               </a:rPr>
-              <a:t>Generar mapas, recorridos, formularios</a:t>
+              <a:t>Generar mapas, recorridos</a:t>
             </a:r>
             <a:r>
-              <a:rPr lang="es-AR" sz="2400" dirty="0">
+              <a:rPr lang="es-AR" sz="2400" b="1">
                 <a:solidFill>
                   <a:schemeClr val="tx1"/>
                 </a:solidFill>
                 <a:latin typeface="Segoe Script" panose="030B0504020000000003" pitchFamily="66" charset="0"/>
               </a:rPr>
-              <a:t>. </a:t>
+              <a:t>, planillas.</a:t>
             </a:r>
+            <a:r>
+              <a:rPr lang="es-AR" sz="2400">
+                <a:solidFill>
+                  <a:schemeClr val="tx1"/>
+                </a:solidFill>
+                <a:latin typeface="Segoe Script" panose="030B0504020000000003" pitchFamily="66" charset="0"/>
+              </a:rPr>
+              <a:t> </a:t>
+            </a:r>
+            <a:endParaRPr lang="es-AR" sz="2400" dirty="0">
+              <a:solidFill>
+                <a:schemeClr val="tx1"/>
+              </a:solidFill>
+              <a:latin typeface="Segoe Script" panose="030B0504020000000003" pitchFamily="66" charset="0"/>
+            </a:endParaRPr>
           </a:p>
         </p:txBody>
       </p:sp>
@@ -10351,61 +11439,6 @@
           <p:cNvPr id="2" name="Título 1">
             <a:extLst>
               <a:ext uri="{FF2B5EF4-FFF2-40B4-BE49-F238E27FC236}">
-                <a16:creationId xmlns:a16="http://schemas.microsoft.com/office/drawing/2014/main" id="{5DF3062B-DEF6-43CC-8EA2-1CDEE96544CA}"/>
-              </a:ext>
-            </a:extLst>
-          </p:cNvPr>
-          <p:cNvSpPr>
-            <a:spLocks noGrp="1"/>
-          </p:cNvSpPr>
-          <p:nvPr>
-            <p:ph type="title"/>
-          </p:nvPr>
-        </p:nvSpPr>
-        <p:spPr/>
-        <p:txBody>
-          <a:bodyPr/>
-          <a:lstStyle/>
-          <a:p>
-            <a:endParaRPr lang="es-AR"/>
-          </a:p>
-        </p:txBody>
-      </p:sp>
-    </p:spTree>
-    <p:extLst>
-      <p:ext uri="{BB962C8B-B14F-4D97-AF65-F5344CB8AC3E}">
-        <p14:creationId xmlns:p14="http://schemas.microsoft.com/office/powerpoint/2010/main" val="2013699600"/>
-      </p:ext>
-    </p:extLst>
-  </p:cSld>
-  <p:clrMapOvr>
-    <a:masterClrMapping/>
-  </p:clrMapOvr>
-</p:sld>
-</file>
-
-<file path=ppt/slides/slide7.xml><?xml version="1.0" encoding="utf-8"?>
-<p:sld xmlns:a="http://schemas.openxmlformats.org/drawingml/2006/main" xmlns:r="http://schemas.openxmlformats.org/officeDocument/2006/relationships" xmlns:p="http://schemas.openxmlformats.org/presentationml/2006/main">
-  <p:cSld>
-    <p:spTree>
-      <p:nvGrpSpPr>
-        <p:cNvPr id="1" name=""/>
-        <p:cNvGrpSpPr/>
-        <p:nvPr/>
-      </p:nvGrpSpPr>
-      <p:grpSpPr>
-        <a:xfrm>
-          <a:off x="0" y="0"/>
-          <a:ext cx="0" cy="0"/>
-          <a:chOff x="0" y="0"/>
-          <a:chExt cx="0" cy="0"/>
-        </a:xfrm>
-      </p:grpSpPr>
-      <p:sp>
-        <p:nvSpPr>
-          <p:cNvPr id="2" name="Título 1">
-            <a:extLst>
-              <a:ext uri="{FF2B5EF4-FFF2-40B4-BE49-F238E27FC236}">
                 <a16:creationId xmlns:a16="http://schemas.microsoft.com/office/drawing/2014/main" id="{7D328287-46F2-4C2A-915C-CF8849C4E797}"/>
               </a:ext>
             </a:extLst>
@@ -11440,7 +12473,7 @@
 </p:sld>
 </file>
 
-<file path=ppt/slides/slide8.xml><?xml version="1.0" encoding="utf-8"?>
+<file path=ppt/slides/slide7.xml><?xml version="1.0" encoding="utf-8"?>
 <p:sld xmlns:a="http://schemas.openxmlformats.org/drawingml/2006/main" xmlns:r="http://schemas.openxmlformats.org/officeDocument/2006/relationships" xmlns:p="http://schemas.openxmlformats.org/presentationml/2006/main">
   <p:cSld>
     <p:spTree>
@@ -11508,7 +12541,7 @@
 </p:sld>
 </file>
 
-<file path=ppt/slides/slide9.xml><?xml version="1.0" encoding="utf-8"?>
+<file path=ppt/slides/slide8.xml><?xml version="1.0" encoding="utf-8"?>
 <p:sld xmlns:a="http://schemas.openxmlformats.org/drawingml/2006/main" xmlns:r="http://schemas.openxmlformats.org/officeDocument/2006/relationships" xmlns:p="http://schemas.openxmlformats.org/presentationml/2006/main">
   <p:cSld>
     <p:spTree>
@@ -12539,6 +13572,845 @@
     </p:bldLst>
   </p:timing>
 </p:sld>
+</file>
+
+<file path=ppt/slides/slide9.xml><?xml version="1.0" encoding="utf-8"?>
+<p:sld xmlns:a="http://schemas.openxmlformats.org/drawingml/2006/main" xmlns:r="http://schemas.openxmlformats.org/officeDocument/2006/relationships" xmlns:p="http://schemas.openxmlformats.org/presentationml/2006/main">
+  <p:cSld>
+    <p:spTree>
+      <p:nvGrpSpPr>
+        <p:cNvPr id="1" name=""/>
+        <p:cNvGrpSpPr/>
+        <p:nvPr/>
+      </p:nvGrpSpPr>
+      <p:grpSpPr>
+        <a:xfrm>
+          <a:off x="0" y="0"/>
+          <a:ext cx="0" cy="0"/>
+          <a:chOff x="0" y="0"/>
+          <a:chExt cx="0" cy="0"/>
+        </a:xfrm>
+      </p:grpSpPr>
+      <p:sp>
+        <p:nvSpPr>
+          <p:cNvPr id="2" name="Título 1">
+            <a:extLst>
+              <a:ext uri="{FF2B5EF4-FFF2-40B4-BE49-F238E27FC236}">
+                <a16:creationId xmlns:a16="http://schemas.microsoft.com/office/drawing/2014/main" id="{3F9640A5-903A-45E6-8F6A-4F99470764CA}"/>
+              </a:ext>
+            </a:extLst>
+          </p:cNvPr>
+          <p:cNvSpPr>
+            <a:spLocks noGrp="1"/>
+          </p:cNvSpPr>
+          <p:nvPr>
+            <p:ph type="title"/>
+          </p:nvPr>
+        </p:nvSpPr>
+        <p:spPr>
+          <a:xfrm>
+            <a:off x="226815" y="450744"/>
+            <a:ext cx="5720735" cy="1325563"/>
+          </a:xfrm>
+        </p:spPr>
+        <p:txBody>
+          <a:bodyPr>
+            <a:normAutofit/>
+          </a:bodyPr>
+          <a:lstStyle/>
+          <a:p>
+            <a:pPr algn="ctr"/>
+            <a:r>
+              <a:rPr lang="es-AR" sz="5400" b="1" dirty="0">
+                <a:latin typeface="Segoe Print" panose="02000600000000000000" pitchFamily="2" charset="0"/>
+              </a:rPr>
+              <a:t>Tipos de Radios</a:t>
+            </a:r>
+            <a:endParaRPr lang="es-AR" sz="5400" b="1" dirty="0">
+              <a:latin typeface="Segoe Script" panose="030B0504020000000003" pitchFamily="66" charset="0"/>
+            </a:endParaRPr>
+          </a:p>
+        </p:txBody>
+      </p:sp>
+      <p:sp>
+        <p:nvSpPr>
+          <p:cNvPr id="3" name="CuadroTexto 2">
+            <a:extLst>
+              <a:ext uri="{FF2B5EF4-FFF2-40B4-BE49-F238E27FC236}">
+                <a16:creationId xmlns:a16="http://schemas.microsoft.com/office/drawing/2014/main" id="{5A9A0437-608D-495B-B722-C8295D7A3926}"/>
+              </a:ext>
+            </a:extLst>
+          </p:cNvPr>
+          <p:cNvSpPr txBox="1"/>
+          <p:nvPr/>
+        </p:nvSpPr>
+        <p:spPr>
+          <a:xfrm>
+            <a:off x="4357290" y="1901994"/>
+            <a:ext cx="7108009" cy="954107"/>
+          </a:xfrm>
+          <a:prstGeom prst="rect">
+            <a:avLst/>
+          </a:prstGeom>
+          <a:noFill/>
+        </p:spPr>
+        <p:txBody>
+          <a:bodyPr wrap="square" rtlCol="0">
+            <a:spAutoFit/>
+          </a:bodyPr>
+          <a:lstStyle/>
+          <a:p>
+            <a:r>
+              <a:rPr lang="es-AR" sz="2800" i="1" dirty="0">
+                <a:latin typeface="Segoe Print" panose="02000600000000000000" pitchFamily="2" charset="0"/>
+              </a:rPr>
+              <a:t>Según distribución de viviendas</a:t>
+            </a:r>
+            <a:br>
+              <a:rPr lang="es-AR" sz="2800" i="1" dirty="0">
+                <a:latin typeface="Segoe Print" panose="02000600000000000000" pitchFamily="2" charset="0"/>
+              </a:rPr>
+            </a:br>
+            <a:r>
+              <a:rPr lang="es-AR" sz="2800" i="1" dirty="0">
+                <a:latin typeface="Segoe Print" panose="02000600000000000000" pitchFamily="2" charset="0"/>
+              </a:rPr>
+              <a:t>dada una carga deseada.</a:t>
+            </a:r>
+          </a:p>
+        </p:txBody>
+      </p:sp>
+      <p:sp>
+        <p:nvSpPr>
+          <p:cNvPr id="4" name="Rectángulo: esquinas redondeadas 3">
+            <a:extLst>
+              <a:ext uri="{FF2B5EF4-FFF2-40B4-BE49-F238E27FC236}">
+                <a16:creationId xmlns:a16="http://schemas.microsoft.com/office/drawing/2014/main" id="{88630322-1F4C-437E-81EE-6FCFFBB08546}"/>
+              </a:ext>
+            </a:extLst>
+          </p:cNvPr>
+          <p:cNvSpPr/>
+          <p:nvPr/>
+        </p:nvSpPr>
+        <p:spPr>
+          <a:xfrm>
+            <a:off x="608250" y="3565582"/>
+            <a:ext cx="7498080" cy="2841674"/>
+          </a:xfrm>
+          <a:custGeom>
+            <a:avLst/>
+            <a:gdLst>
+              <a:gd name="connsiteX0" fmla="*/ 0 w 7498080"/>
+              <a:gd name="connsiteY0" fmla="*/ 473622 h 2841674"/>
+              <a:gd name="connsiteX1" fmla="*/ 473622 w 7498080"/>
+              <a:gd name="connsiteY1" fmla="*/ 0 h 2841674"/>
+              <a:gd name="connsiteX2" fmla="*/ 1134661 w 7498080"/>
+              <a:gd name="connsiteY2" fmla="*/ 0 h 2841674"/>
+              <a:gd name="connsiteX3" fmla="*/ 1730191 w 7498080"/>
+              <a:gd name="connsiteY3" fmla="*/ 0 h 2841674"/>
+              <a:gd name="connsiteX4" fmla="*/ 2260214 w 7498080"/>
+              <a:gd name="connsiteY4" fmla="*/ 0 h 2841674"/>
+              <a:gd name="connsiteX5" fmla="*/ 2921253 w 7498080"/>
+              <a:gd name="connsiteY5" fmla="*/ 0 h 2841674"/>
+              <a:gd name="connsiteX6" fmla="*/ 3320258 w 7498080"/>
+              <a:gd name="connsiteY6" fmla="*/ 0 h 2841674"/>
+              <a:gd name="connsiteX7" fmla="*/ 3784772 w 7498080"/>
+              <a:gd name="connsiteY7" fmla="*/ 0 h 2841674"/>
+              <a:gd name="connsiteX8" fmla="*/ 4380302 w 7498080"/>
+              <a:gd name="connsiteY8" fmla="*/ 0 h 2841674"/>
+              <a:gd name="connsiteX9" fmla="*/ 4844816 w 7498080"/>
+              <a:gd name="connsiteY9" fmla="*/ 0 h 2841674"/>
+              <a:gd name="connsiteX10" fmla="*/ 5374838 w 7498080"/>
+              <a:gd name="connsiteY10" fmla="*/ 0 h 2841674"/>
+              <a:gd name="connsiteX11" fmla="*/ 5839352 w 7498080"/>
+              <a:gd name="connsiteY11" fmla="*/ 0 h 2841674"/>
+              <a:gd name="connsiteX12" fmla="*/ 6500391 w 7498080"/>
+              <a:gd name="connsiteY12" fmla="*/ 0 h 2841674"/>
+              <a:gd name="connsiteX13" fmla="*/ 7024458 w 7498080"/>
+              <a:gd name="connsiteY13" fmla="*/ 0 h 2841674"/>
+              <a:gd name="connsiteX14" fmla="*/ 7498080 w 7498080"/>
+              <a:gd name="connsiteY14" fmla="*/ 473622 h 2841674"/>
+              <a:gd name="connsiteX15" fmla="*/ 7498080 w 7498080"/>
+              <a:gd name="connsiteY15" fmla="*/ 890397 h 2841674"/>
+              <a:gd name="connsiteX16" fmla="*/ 7498080 w 7498080"/>
+              <a:gd name="connsiteY16" fmla="*/ 1364004 h 2841674"/>
+              <a:gd name="connsiteX17" fmla="*/ 7498080 w 7498080"/>
+              <a:gd name="connsiteY17" fmla="*/ 1780779 h 2841674"/>
+              <a:gd name="connsiteX18" fmla="*/ 7498080 w 7498080"/>
+              <a:gd name="connsiteY18" fmla="*/ 2368052 h 2841674"/>
+              <a:gd name="connsiteX19" fmla="*/ 7024458 w 7498080"/>
+              <a:gd name="connsiteY19" fmla="*/ 2841674 h 2841674"/>
+              <a:gd name="connsiteX20" fmla="*/ 6559944 w 7498080"/>
+              <a:gd name="connsiteY20" fmla="*/ 2841674 h 2841674"/>
+              <a:gd name="connsiteX21" fmla="*/ 6029922 w 7498080"/>
+              <a:gd name="connsiteY21" fmla="*/ 2841674 h 2841674"/>
+              <a:gd name="connsiteX22" fmla="*/ 5434391 w 7498080"/>
+              <a:gd name="connsiteY22" fmla="*/ 2841674 h 2841674"/>
+              <a:gd name="connsiteX23" fmla="*/ 4773353 w 7498080"/>
+              <a:gd name="connsiteY23" fmla="*/ 2841674 h 2841674"/>
+              <a:gd name="connsiteX24" fmla="*/ 4243330 w 7498080"/>
+              <a:gd name="connsiteY24" fmla="*/ 2841674 h 2841674"/>
+              <a:gd name="connsiteX25" fmla="*/ 3778817 w 7498080"/>
+              <a:gd name="connsiteY25" fmla="*/ 2841674 h 2841674"/>
+              <a:gd name="connsiteX26" fmla="*/ 3314303 w 7498080"/>
+              <a:gd name="connsiteY26" fmla="*/ 2841674 h 2841674"/>
+              <a:gd name="connsiteX27" fmla="*/ 2915297 w 7498080"/>
+              <a:gd name="connsiteY27" fmla="*/ 2841674 h 2841674"/>
+              <a:gd name="connsiteX28" fmla="*/ 2450783 w 7498080"/>
+              <a:gd name="connsiteY28" fmla="*/ 2841674 h 2841674"/>
+              <a:gd name="connsiteX29" fmla="*/ 1789745 w 7498080"/>
+              <a:gd name="connsiteY29" fmla="*/ 2841674 h 2841674"/>
+              <a:gd name="connsiteX30" fmla="*/ 1128706 w 7498080"/>
+              <a:gd name="connsiteY30" fmla="*/ 2841674 h 2841674"/>
+              <a:gd name="connsiteX31" fmla="*/ 473622 w 7498080"/>
+              <a:gd name="connsiteY31" fmla="*/ 2841674 h 2841674"/>
+              <a:gd name="connsiteX32" fmla="*/ 0 w 7498080"/>
+              <a:gd name="connsiteY32" fmla="*/ 2368052 h 2841674"/>
+              <a:gd name="connsiteX33" fmla="*/ 0 w 7498080"/>
+              <a:gd name="connsiteY33" fmla="*/ 1875500 h 2841674"/>
+              <a:gd name="connsiteX34" fmla="*/ 0 w 7498080"/>
+              <a:gd name="connsiteY34" fmla="*/ 1401893 h 2841674"/>
+              <a:gd name="connsiteX35" fmla="*/ 0 w 7498080"/>
+              <a:gd name="connsiteY35" fmla="*/ 985118 h 2841674"/>
+              <a:gd name="connsiteX36" fmla="*/ 0 w 7498080"/>
+              <a:gd name="connsiteY36" fmla="*/ 473622 h 2841674"/>
+            </a:gdLst>
+            <a:ahLst/>
+            <a:cxnLst>
+              <a:cxn ang="0">
+                <a:pos x="connsiteX0" y="connsiteY0"/>
+              </a:cxn>
+              <a:cxn ang="0">
+                <a:pos x="connsiteX1" y="connsiteY1"/>
+              </a:cxn>
+              <a:cxn ang="0">
+                <a:pos x="connsiteX2" y="connsiteY2"/>
+              </a:cxn>
+              <a:cxn ang="0">
+                <a:pos x="connsiteX3" y="connsiteY3"/>
+              </a:cxn>
+              <a:cxn ang="0">
+                <a:pos x="connsiteX4" y="connsiteY4"/>
+              </a:cxn>
+              <a:cxn ang="0">
+                <a:pos x="connsiteX5" y="connsiteY5"/>
+              </a:cxn>
+              <a:cxn ang="0">
+                <a:pos x="connsiteX6" y="connsiteY6"/>
+              </a:cxn>
+              <a:cxn ang="0">
+                <a:pos x="connsiteX7" y="connsiteY7"/>
+              </a:cxn>
+              <a:cxn ang="0">
+                <a:pos x="connsiteX8" y="connsiteY8"/>
+              </a:cxn>
+              <a:cxn ang="0">
+                <a:pos x="connsiteX9" y="connsiteY9"/>
+              </a:cxn>
+              <a:cxn ang="0">
+                <a:pos x="connsiteX10" y="connsiteY10"/>
+              </a:cxn>
+              <a:cxn ang="0">
+                <a:pos x="connsiteX11" y="connsiteY11"/>
+              </a:cxn>
+              <a:cxn ang="0">
+                <a:pos x="connsiteX12" y="connsiteY12"/>
+              </a:cxn>
+              <a:cxn ang="0">
+                <a:pos x="connsiteX13" y="connsiteY13"/>
+              </a:cxn>
+              <a:cxn ang="0">
+                <a:pos x="connsiteX14" y="connsiteY14"/>
+              </a:cxn>
+              <a:cxn ang="0">
+                <a:pos x="connsiteX15" y="connsiteY15"/>
+              </a:cxn>
+              <a:cxn ang="0">
+                <a:pos x="connsiteX16" y="connsiteY16"/>
+              </a:cxn>
+              <a:cxn ang="0">
+                <a:pos x="connsiteX17" y="connsiteY17"/>
+              </a:cxn>
+              <a:cxn ang="0">
+                <a:pos x="connsiteX18" y="connsiteY18"/>
+              </a:cxn>
+              <a:cxn ang="0">
+                <a:pos x="connsiteX19" y="connsiteY19"/>
+              </a:cxn>
+              <a:cxn ang="0">
+                <a:pos x="connsiteX20" y="connsiteY20"/>
+              </a:cxn>
+              <a:cxn ang="0">
+                <a:pos x="connsiteX21" y="connsiteY21"/>
+              </a:cxn>
+              <a:cxn ang="0">
+                <a:pos x="connsiteX22" y="connsiteY22"/>
+              </a:cxn>
+              <a:cxn ang="0">
+                <a:pos x="connsiteX23" y="connsiteY23"/>
+              </a:cxn>
+              <a:cxn ang="0">
+                <a:pos x="connsiteX24" y="connsiteY24"/>
+              </a:cxn>
+              <a:cxn ang="0">
+                <a:pos x="connsiteX25" y="connsiteY25"/>
+              </a:cxn>
+              <a:cxn ang="0">
+                <a:pos x="connsiteX26" y="connsiteY26"/>
+              </a:cxn>
+              <a:cxn ang="0">
+                <a:pos x="connsiteX27" y="connsiteY27"/>
+              </a:cxn>
+              <a:cxn ang="0">
+                <a:pos x="connsiteX28" y="connsiteY28"/>
+              </a:cxn>
+              <a:cxn ang="0">
+                <a:pos x="connsiteX29" y="connsiteY29"/>
+              </a:cxn>
+              <a:cxn ang="0">
+                <a:pos x="connsiteX30" y="connsiteY30"/>
+              </a:cxn>
+              <a:cxn ang="0">
+                <a:pos x="connsiteX31" y="connsiteY31"/>
+              </a:cxn>
+              <a:cxn ang="0">
+                <a:pos x="connsiteX32" y="connsiteY32"/>
+              </a:cxn>
+              <a:cxn ang="0">
+                <a:pos x="connsiteX33" y="connsiteY33"/>
+              </a:cxn>
+              <a:cxn ang="0">
+                <a:pos x="connsiteX34" y="connsiteY34"/>
+              </a:cxn>
+              <a:cxn ang="0">
+                <a:pos x="connsiteX35" y="connsiteY35"/>
+              </a:cxn>
+              <a:cxn ang="0">
+                <a:pos x="connsiteX36" y="connsiteY36"/>
+              </a:cxn>
+            </a:cxnLst>
+            <a:rect l="l" t="t" r="r" b="b"/>
+            <a:pathLst>
+              <a:path w="7498080" h="2841674" fill="none" extrusionOk="0">
+                <a:moveTo>
+                  <a:pt x="0" y="473622"/>
+                </a:moveTo>
+                <a:cubicBezTo>
+                  <a:pt x="38937" y="167040"/>
+                  <a:pt x="220279" y="-41260"/>
+                  <a:pt x="473622" y="0"/>
+                </a:cubicBezTo>
+                <a:cubicBezTo>
+                  <a:pt x="764155" y="-57616"/>
+                  <a:pt x="970367" y="46203"/>
+                  <a:pt x="1134661" y="0"/>
+                </a:cubicBezTo>
+                <a:cubicBezTo>
+                  <a:pt x="1298955" y="-46203"/>
+                  <a:pt x="1513677" y="70263"/>
+                  <a:pt x="1730191" y="0"/>
+                </a:cubicBezTo>
+                <a:cubicBezTo>
+                  <a:pt x="1946705" y="-70263"/>
+                  <a:pt x="2081045" y="10745"/>
+                  <a:pt x="2260214" y="0"/>
+                </a:cubicBezTo>
+                <a:cubicBezTo>
+                  <a:pt x="2439383" y="-10745"/>
+                  <a:pt x="2701347" y="23279"/>
+                  <a:pt x="2921253" y="0"/>
+                </a:cubicBezTo>
+                <a:cubicBezTo>
+                  <a:pt x="3141159" y="-23279"/>
+                  <a:pt x="3188188" y="20776"/>
+                  <a:pt x="3320258" y="0"/>
+                </a:cubicBezTo>
+                <a:cubicBezTo>
+                  <a:pt x="3452329" y="-20776"/>
+                  <a:pt x="3606351" y="36134"/>
+                  <a:pt x="3784772" y="0"/>
+                </a:cubicBezTo>
+                <a:cubicBezTo>
+                  <a:pt x="3963193" y="-36134"/>
+                  <a:pt x="4190527" y="6182"/>
+                  <a:pt x="4380302" y="0"/>
+                </a:cubicBezTo>
+                <a:cubicBezTo>
+                  <a:pt x="4570077" y="-6182"/>
+                  <a:pt x="4716500" y="7504"/>
+                  <a:pt x="4844816" y="0"/>
+                </a:cubicBezTo>
+                <a:cubicBezTo>
+                  <a:pt x="4973132" y="-7504"/>
+                  <a:pt x="5160078" y="47674"/>
+                  <a:pt x="5374838" y="0"/>
+                </a:cubicBezTo>
+                <a:cubicBezTo>
+                  <a:pt x="5589598" y="-47674"/>
+                  <a:pt x="5655889" y="4731"/>
+                  <a:pt x="5839352" y="0"/>
+                </a:cubicBezTo>
+                <a:cubicBezTo>
+                  <a:pt x="6022815" y="-4731"/>
+                  <a:pt x="6217972" y="12533"/>
+                  <a:pt x="6500391" y="0"/>
+                </a:cubicBezTo>
+                <a:cubicBezTo>
+                  <a:pt x="6782810" y="-12533"/>
+                  <a:pt x="6851124" y="18487"/>
+                  <a:pt x="7024458" y="0"/>
+                </a:cubicBezTo>
+                <a:cubicBezTo>
+                  <a:pt x="7282594" y="9488"/>
+                  <a:pt x="7525705" y="196804"/>
+                  <a:pt x="7498080" y="473622"/>
+                </a:cubicBezTo>
+                <a:cubicBezTo>
+                  <a:pt x="7499009" y="606687"/>
+                  <a:pt x="7459571" y="753336"/>
+                  <a:pt x="7498080" y="890397"/>
+                </a:cubicBezTo>
+                <a:cubicBezTo>
+                  <a:pt x="7536589" y="1027458"/>
+                  <a:pt x="7458316" y="1155393"/>
+                  <a:pt x="7498080" y="1364004"/>
+                </a:cubicBezTo>
+                <a:cubicBezTo>
+                  <a:pt x="7537844" y="1572615"/>
+                  <a:pt x="7487424" y="1655875"/>
+                  <a:pt x="7498080" y="1780779"/>
+                </a:cubicBezTo>
+                <a:cubicBezTo>
+                  <a:pt x="7508736" y="1905684"/>
+                  <a:pt x="7450497" y="2092794"/>
+                  <a:pt x="7498080" y="2368052"/>
+                </a:cubicBezTo>
+                <a:cubicBezTo>
+                  <a:pt x="7502145" y="2639467"/>
+                  <a:pt x="7280719" y="2839693"/>
+                  <a:pt x="7024458" y="2841674"/>
+                </a:cubicBezTo>
+                <a:cubicBezTo>
+                  <a:pt x="6817265" y="2851440"/>
+                  <a:pt x="6681567" y="2811562"/>
+                  <a:pt x="6559944" y="2841674"/>
+                </a:cubicBezTo>
+                <a:cubicBezTo>
+                  <a:pt x="6438321" y="2871786"/>
+                  <a:pt x="6141344" y="2839360"/>
+                  <a:pt x="6029922" y="2841674"/>
+                </a:cubicBezTo>
+                <a:cubicBezTo>
+                  <a:pt x="5918500" y="2843988"/>
+                  <a:pt x="5716467" y="2776185"/>
+                  <a:pt x="5434391" y="2841674"/>
+                </a:cubicBezTo>
+                <a:cubicBezTo>
+                  <a:pt x="5152315" y="2907163"/>
+                  <a:pt x="5053601" y="2839432"/>
+                  <a:pt x="4773353" y="2841674"/>
+                </a:cubicBezTo>
+                <a:cubicBezTo>
+                  <a:pt x="4493105" y="2843916"/>
+                  <a:pt x="4379474" y="2815957"/>
+                  <a:pt x="4243330" y="2841674"/>
+                </a:cubicBezTo>
+                <a:cubicBezTo>
+                  <a:pt x="4107186" y="2867391"/>
+                  <a:pt x="3876000" y="2813300"/>
+                  <a:pt x="3778817" y="2841674"/>
+                </a:cubicBezTo>
+                <a:cubicBezTo>
+                  <a:pt x="3681634" y="2870048"/>
+                  <a:pt x="3475978" y="2805797"/>
+                  <a:pt x="3314303" y="2841674"/>
+                </a:cubicBezTo>
+                <a:cubicBezTo>
+                  <a:pt x="3152628" y="2877551"/>
+                  <a:pt x="3084048" y="2836167"/>
+                  <a:pt x="2915297" y="2841674"/>
+                </a:cubicBezTo>
+                <a:cubicBezTo>
+                  <a:pt x="2746546" y="2847181"/>
+                  <a:pt x="2667107" y="2834218"/>
+                  <a:pt x="2450783" y="2841674"/>
+                </a:cubicBezTo>
+                <a:cubicBezTo>
+                  <a:pt x="2234459" y="2849130"/>
+                  <a:pt x="2112324" y="2826997"/>
+                  <a:pt x="1789745" y="2841674"/>
+                </a:cubicBezTo>
+                <a:cubicBezTo>
+                  <a:pt x="1467166" y="2856351"/>
+                  <a:pt x="1262375" y="2837060"/>
+                  <a:pt x="1128706" y="2841674"/>
+                </a:cubicBezTo>
+                <a:cubicBezTo>
+                  <a:pt x="995037" y="2846288"/>
+                  <a:pt x="790249" y="2766547"/>
+                  <a:pt x="473622" y="2841674"/>
+                </a:cubicBezTo>
+                <a:cubicBezTo>
+                  <a:pt x="254796" y="2797851"/>
+                  <a:pt x="5442" y="2623474"/>
+                  <a:pt x="0" y="2368052"/>
+                </a:cubicBezTo>
+                <a:cubicBezTo>
+                  <a:pt x="-31243" y="2146398"/>
+                  <a:pt x="36807" y="1981405"/>
+                  <a:pt x="0" y="1875500"/>
+                </a:cubicBezTo>
+                <a:cubicBezTo>
+                  <a:pt x="-36807" y="1769595"/>
+                  <a:pt x="55094" y="1626275"/>
+                  <a:pt x="0" y="1401893"/>
+                </a:cubicBezTo>
+                <a:cubicBezTo>
+                  <a:pt x="-55094" y="1177511"/>
+                  <a:pt x="20148" y="1088729"/>
+                  <a:pt x="0" y="985118"/>
+                </a:cubicBezTo>
+                <a:cubicBezTo>
+                  <a:pt x="-20148" y="881508"/>
+                  <a:pt x="43708" y="579178"/>
+                  <a:pt x="0" y="473622"/>
+                </a:cubicBezTo>
+                <a:close/>
+              </a:path>
+              <a:path w="7498080" h="2841674" stroke="0" extrusionOk="0">
+                <a:moveTo>
+                  <a:pt x="0" y="473622"/>
+                </a:moveTo>
+                <a:cubicBezTo>
+                  <a:pt x="24624" y="283457"/>
+                  <a:pt x="148952" y="-17882"/>
+                  <a:pt x="473622" y="0"/>
+                </a:cubicBezTo>
+                <a:cubicBezTo>
+                  <a:pt x="599206" y="-53255"/>
+                  <a:pt x="830935" y="42738"/>
+                  <a:pt x="938136" y="0"/>
+                </a:cubicBezTo>
+                <a:cubicBezTo>
+                  <a:pt x="1045337" y="-42738"/>
+                  <a:pt x="1451872" y="37831"/>
+                  <a:pt x="1599175" y="0"/>
+                </a:cubicBezTo>
+                <a:cubicBezTo>
+                  <a:pt x="1746478" y="-37831"/>
+                  <a:pt x="1937137" y="35184"/>
+                  <a:pt x="2194705" y="0"/>
+                </a:cubicBezTo>
+                <a:cubicBezTo>
+                  <a:pt x="2452273" y="-35184"/>
+                  <a:pt x="2599748" y="16445"/>
+                  <a:pt x="2724727" y="0"/>
+                </a:cubicBezTo>
+                <a:cubicBezTo>
+                  <a:pt x="2849706" y="-16445"/>
+                  <a:pt x="3080184" y="32036"/>
+                  <a:pt x="3254750" y="0"/>
+                </a:cubicBezTo>
+                <a:cubicBezTo>
+                  <a:pt x="3429316" y="-32036"/>
+                  <a:pt x="3582808" y="54826"/>
+                  <a:pt x="3719263" y="0"/>
+                </a:cubicBezTo>
+                <a:cubicBezTo>
+                  <a:pt x="3855718" y="-54826"/>
+                  <a:pt x="4158485" y="25737"/>
+                  <a:pt x="4380302" y="0"/>
+                </a:cubicBezTo>
+                <a:cubicBezTo>
+                  <a:pt x="4602119" y="-25737"/>
+                  <a:pt x="4783922" y="54750"/>
+                  <a:pt x="5041341" y="0"/>
+                </a:cubicBezTo>
+                <a:cubicBezTo>
+                  <a:pt x="5298760" y="-54750"/>
+                  <a:pt x="5301971" y="53319"/>
+                  <a:pt x="5505855" y="0"/>
+                </a:cubicBezTo>
+                <a:cubicBezTo>
+                  <a:pt x="5709739" y="-53319"/>
+                  <a:pt x="5914748" y="59925"/>
+                  <a:pt x="6035877" y="0"/>
+                </a:cubicBezTo>
+                <a:cubicBezTo>
+                  <a:pt x="6157006" y="-59925"/>
+                  <a:pt x="6651700" y="11212"/>
+                  <a:pt x="7024458" y="0"/>
+                </a:cubicBezTo>
+                <a:cubicBezTo>
+                  <a:pt x="7246075" y="4542"/>
+                  <a:pt x="7495419" y="196167"/>
+                  <a:pt x="7498080" y="473622"/>
+                </a:cubicBezTo>
+                <a:cubicBezTo>
+                  <a:pt x="7500491" y="690440"/>
+                  <a:pt x="7470507" y="789645"/>
+                  <a:pt x="7498080" y="909341"/>
+                </a:cubicBezTo>
+                <a:cubicBezTo>
+                  <a:pt x="7525653" y="1029037"/>
+                  <a:pt x="7449163" y="1236954"/>
+                  <a:pt x="7498080" y="1326116"/>
+                </a:cubicBezTo>
+                <a:cubicBezTo>
+                  <a:pt x="7546997" y="1415279"/>
+                  <a:pt x="7485451" y="1602565"/>
+                  <a:pt x="7498080" y="1742890"/>
+                </a:cubicBezTo>
+                <a:cubicBezTo>
+                  <a:pt x="7510709" y="1883215"/>
+                  <a:pt x="7471261" y="2171925"/>
+                  <a:pt x="7498080" y="2368052"/>
+                </a:cubicBezTo>
+                <a:cubicBezTo>
+                  <a:pt x="7491233" y="2625289"/>
+                  <a:pt x="7300145" y="2853102"/>
+                  <a:pt x="7024458" y="2841674"/>
+                </a:cubicBezTo>
+                <a:cubicBezTo>
+                  <a:pt x="6854776" y="2859721"/>
+                  <a:pt x="6708159" y="2817657"/>
+                  <a:pt x="6625453" y="2841674"/>
+                </a:cubicBezTo>
+                <a:cubicBezTo>
+                  <a:pt x="6542748" y="2865691"/>
+                  <a:pt x="6289264" y="2819102"/>
+                  <a:pt x="6095430" y="2841674"/>
+                </a:cubicBezTo>
+                <a:cubicBezTo>
+                  <a:pt x="5901596" y="2864246"/>
+                  <a:pt x="5701681" y="2806533"/>
+                  <a:pt x="5565408" y="2841674"/>
+                </a:cubicBezTo>
+                <a:cubicBezTo>
+                  <a:pt x="5429135" y="2876815"/>
+                  <a:pt x="5173002" y="2832096"/>
+                  <a:pt x="4969878" y="2841674"/>
+                </a:cubicBezTo>
+                <a:cubicBezTo>
+                  <a:pt x="4766754" y="2851252"/>
+                  <a:pt x="4661770" y="2771682"/>
+                  <a:pt x="4374347" y="2841674"/>
+                </a:cubicBezTo>
+                <a:cubicBezTo>
+                  <a:pt x="4086924" y="2911666"/>
+                  <a:pt x="4090390" y="2800514"/>
+                  <a:pt x="3909833" y="2841674"/>
+                </a:cubicBezTo>
+                <a:cubicBezTo>
+                  <a:pt x="3729276" y="2882834"/>
+                  <a:pt x="3530876" y="2806482"/>
+                  <a:pt x="3183286" y="2841674"/>
+                </a:cubicBezTo>
+                <a:cubicBezTo>
+                  <a:pt x="2835696" y="2876866"/>
+                  <a:pt x="2823892" y="2799101"/>
+                  <a:pt x="2718772" y="2841674"/>
+                </a:cubicBezTo>
+                <a:cubicBezTo>
+                  <a:pt x="2613652" y="2884247"/>
+                  <a:pt x="2217237" y="2778699"/>
+                  <a:pt x="2057733" y="2841674"/>
+                </a:cubicBezTo>
+                <a:cubicBezTo>
+                  <a:pt x="1898229" y="2904649"/>
+                  <a:pt x="1806720" y="2789543"/>
+                  <a:pt x="1593219" y="2841674"/>
+                </a:cubicBezTo>
+                <a:cubicBezTo>
+                  <a:pt x="1379718" y="2893805"/>
+                  <a:pt x="1354724" y="2807853"/>
+                  <a:pt x="1194214" y="2841674"/>
+                </a:cubicBezTo>
+                <a:cubicBezTo>
+                  <a:pt x="1033705" y="2875495"/>
+                  <a:pt x="642331" y="2788179"/>
+                  <a:pt x="473622" y="2841674"/>
+                </a:cubicBezTo>
+                <a:cubicBezTo>
+                  <a:pt x="261430" y="2806669"/>
+                  <a:pt x="9248" y="2567672"/>
+                  <a:pt x="0" y="2368052"/>
+                </a:cubicBezTo>
+                <a:cubicBezTo>
+                  <a:pt x="-44685" y="2159981"/>
+                  <a:pt x="14919" y="2111148"/>
+                  <a:pt x="0" y="1951277"/>
+                </a:cubicBezTo>
+                <a:cubicBezTo>
+                  <a:pt x="-14919" y="1791407"/>
+                  <a:pt x="20787" y="1595700"/>
+                  <a:pt x="0" y="1477670"/>
+                </a:cubicBezTo>
+                <a:cubicBezTo>
+                  <a:pt x="-20787" y="1359640"/>
+                  <a:pt x="17323" y="1232108"/>
+                  <a:pt x="0" y="1041951"/>
+                </a:cubicBezTo>
+                <a:cubicBezTo>
+                  <a:pt x="-17323" y="851794"/>
+                  <a:pt x="38344" y="730308"/>
+                  <a:pt x="0" y="473622"/>
+                </a:cubicBezTo>
+                <a:close/>
+              </a:path>
+            </a:pathLst>
+          </a:custGeom>
+          <a:solidFill>
+            <a:schemeClr val="bg1"/>
+          </a:solidFill>
+          <a:ln w="19050">
+            <a:solidFill>
+              <a:schemeClr val="tx1"/>
+            </a:solidFill>
+            <a:extLst>
+              <a:ext uri="{C807C97D-BFC1-408E-A445-0C87EB9F89A2}">
+                <ask:lineSketchStyleProps xmlns:ask="http://schemas.microsoft.com/office/drawing/2018/sketchyshapes" sd="2847000804">
+                  <a:prstGeom prst="roundRect">
+                    <a:avLst/>
+                  </a:prstGeom>
+                  <ask:type>
+                    <ask:lineSketchScribble/>
+                  </ask:type>
+                </ask:lineSketchStyleProps>
+              </a:ext>
+            </a:extLst>
+          </a:ln>
+        </p:spPr>
+        <p:style>
+          <a:lnRef idx="2">
+            <a:schemeClr val="accent1">
+              <a:shade val="50000"/>
+            </a:schemeClr>
+          </a:lnRef>
+          <a:fillRef idx="1">
+            <a:schemeClr val="accent1"/>
+          </a:fillRef>
+          <a:effectRef idx="0">
+            <a:schemeClr val="accent1"/>
+          </a:effectRef>
+          <a:fontRef idx="minor">
+            <a:schemeClr val="lt1"/>
+          </a:fontRef>
+        </p:style>
+        <p:txBody>
+          <a:bodyPr rtlCol="0" anchor="ctr"/>
+          <a:lstStyle/>
+          <a:p>
+            <a:pPr marL="457200" indent="-457200">
+              <a:buFont typeface="+mj-lt"/>
+              <a:buAutoNum type="arabicPeriod"/>
+            </a:pPr>
+            <a:r>
+              <a:rPr lang="es-AR" sz="2400" dirty="0">
+                <a:solidFill>
+                  <a:schemeClr val="tx1"/>
+                </a:solidFill>
+                <a:latin typeface="Segoe Print" panose="02000600000000000000" pitchFamily="2" charset="0"/>
+              </a:rPr>
+              <a:t>Esparcidos: todos los lados con pocas viviendas.</a:t>
+            </a:r>
+          </a:p>
+          <a:p>
+            <a:pPr marL="457200" indent="-457200">
+              <a:buFont typeface="+mj-lt"/>
+              <a:buAutoNum type="arabicPeriod"/>
+            </a:pPr>
+            <a:r>
+              <a:rPr lang="es-AR" sz="2400" dirty="0">
+                <a:solidFill>
+                  <a:schemeClr val="tx1"/>
+                </a:solidFill>
+                <a:latin typeface="Segoe Print" panose="02000600000000000000" pitchFamily="2" charset="0"/>
+              </a:rPr>
+              <a:t>Densos: todas las manzanas con muchas viviendas.</a:t>
+            </a:r>
+          </a:p>
+          <a:p>
+            <a:pPr marL="457200" indent="-457200">
+              <a:buFont typeface="+mj-lt"/>
+              <a:buAutoNum type="arabicPeriod"/>
+            </a:pPr>
+            <a:r>
+              <a:rPr lang="es-AR" sz="2400" dirty="0">
+                <a:solidFill>
+                  <a:schemeClr val="tx1"/>
+                </a:solidFill>
+                <a:latin typeface="Segoe Print" panose="02000600000000000000" pitchFamily="2" charset="0"/>
+              </a:rPr>
+              <a:t>Combinados: situaciones intermedias</a:t>
+            </a:r>
+            <a:br>
+              <a:rPr lang="es-AR" sz="2400" dirty="0">
+                <a:solidFill>
+                  <a:schemeClr val="tx1"/>
+                </a:solidFill>
+                <a:latin typeface="Segoe Print" panose="02000600000000000000" pitchFamily="2" charset="0"/>
+              </a:rPr>
+            </a:br>
+            <a:r>
+              <a:rPr lang="es-AR" sz="2400" dirty="0">
+                <a:solidFill>
+                  <a:schemeClr val="tx1"/>
+                </a:solidFill>
+                <a:latin typeface="Segoe Print" panose="02000600000000000000" pitchFamily="2" charset="0"/>
+              </a:rPr>
+              <a:t>algunas manzanas con pocas viviendas</a:t>
+            </a:r>
+            <a:br>
+              <a:rPr lang="es-AR" sz="2400" dirty="0">
+                <a:solidFill>
+                  <a:schemeClr val="tx1"/>
+                </a:solidFill>
+                <a:latin typeface="Segoe Print" panose="02000600000000000000" pitchFamily="2" charset="0"/>
+              </a:rPr>
+            </a:br>
+            <a:r>
+              <a:rPr lang="es-AR" sz="2400" dirty="0">
+                <a:solidFill>
+                  <a:schemeClr val="tx1"/>
+                </a:solidFill>
+                <a:latin typeface="Segoe Print" panose="02000600000000000000" pitchFamily="2" charset="0"/>
+              </a:rPr>
+              <a:t>o algunos lados con muchas viviendas. </a:t>
+            </a:r>
+          </a:p>
+        </p:txBody>
+      </p:sp>
+    </p:spTree>
+    <p:extLst>
+      <p:ext uri="{BB962C8B-B14F-4D97-AF65-F5344CB8AC3E}">
+        <p14:creationId xmlns:p14="http://schemas.microsoft.com/office/powerpoint/2010/main" val="59448841"/>
+      </p:ext>
+    </p:extLst>
+  </p:cSld>
+  <p:clrMapOvr>
+    <a:masterClrMapping/>
+  </p:clrMapOvr>
+</p:sld>
+</file>
+
+<file path=ppt/tags/tag1.xml><?xml version="1.0" encoding="utf-8"?>
+<p:tagLst xmlns:a="http://schemas.openxmlformats.org/drawingml/2006/main" xmlns:r="http://schemas.openxmlformats.org/officeDocument/2006/relationships" xmlns:p="http://schemas.openxmlformats.org/presentationml/2006/main">
+  <p:tag name="OUTPUTDPI" val="1200"/>
+  <p:tag name="ORIGINALHEIGHT" val="397,4503"/>
+  <p:tag name="ORIGINALWIDTH" val="794,1507"/>
+  <p:tag name="LATEXADDIN" val="\documentclass{article}&#10;\usepackage{amsmath}&#10;\usepackage{amsfonts}&#10;\pagestyle{empty}&#10;\begin{document}&#10;&#10;$$&#10;\begin{array}{ll}&#10;   \mathrm{Min} &amp; f(x) \\&#10;   \mathrm{s. a.} &amp; g(x) = 0\\&#10;   &amp; x \in \mathbb{Z}^n                                                                                                                                                 \end{array}&#10;$$&#10;&#10;&#10;\end{document}"/>
+  <p:tag name="IGUANATEXSIZE" val="20"/>
+  <p:tag name="IGUANATEXCURSOR" val="57"/>
+  <p:tag name="TRANSPARENCY" val="Verdadero"/>
+  <p:tag name="FILENAME" val=""/>
+  <p:tag name="LATEXENGINEID" val="0"/>
+  <p:tag name="TEMPFOLDER" val="c:\temp\"/>
+  <p:tag name="LATEXFORMHEIGHT" val="312"/>
+  <p:tag name="LATEXFORMWIDTH" val="384"/>
+  <p:tag name="LATEXFORMWRAP" val="Verdadero"/>
+  <p:tag name="BITMAPVECTOR" val="0"/>
+</p:tagLst>
 </file>
 
 <file path=ppt/theme/theme1.xml><?xml version="1.0" encoding="utf-8"?>
